--- a/thesis_v4.pptx
+++ b/thesis_v4.pptx
@@ -5,49 +5,51 @@
     <p:sldMasterId id="2147483744" r:id="rId1"/>
   </p:sldMasterIdLst>
   <p:notesMasterIdLst>
-    <p:notesMasterId r:id="rId42"/>
+    <p:notesMasterId r:id="rId44"/>
   </p:notesMasterIdLst>
   <p:sldIdLst>
     <p:sldId id="280" r:id="rId2"/>
     <p:sldId id="281" r:id="rId3"/>
     <p:sldId id="287" r:id="rId4"/>
     <p:sldId id="288" r:id="rId5"/>
-    <p:sldId id="289" r:id="rId6"/>
-    <p:sldId id="290" r:id="rId7"/>
-    <p:sldId id="291" r:id="rId8"/>
-    <p:sldId id="293" r:id="rId9"/>
-    <p:sldId id="256" r:id="rId10"/>
-    <p:sldId id="257" r:id="rId11"/>
-    <p:sldId id="258" r:id="rId12"/>
-    <p:sldId id="259" r:id="rId13"/>
-    <p:sldId id="260" r:id="rId14"/>
-    <p:sldId id="261" r:id="rId15"/>
-    <p:sldId id="262" r:id="rId16"/>
-    <p:sldId id="263" r:id="rId17"/>
-    <p:sldId id="264" r:id="rId18"/>
-    <p:sldId id="265" r:id="rId19"/>
-    <p:sldId id="266" r:id="rId20"/>
-    <p:sldId id="268" r:id="rId21"/>
-    <p:sldId id="267" r:id="rId22"/>
-    <p:sldId id="269" r:id="rId23"/>
-    <p:sldId id="270" r:id="rId24"/>
-    <p:sldId id="271" r:id="rId25"/>
-    <p:sldId id="272" r:id="rId26"/>
-    <p:sldId id="273" r:id="rId27"/>
-    <p:sldId id="274" r:id="rId28"/>
-    <p:sldId id="294" r:id="rId29"/>
-    <p:sldId id="295" r:id="rId30"/>
-    <p:sldId id="296" r:id="rId31"/>
-    <p:sldId id="275" r:id="rId32"/>
-    <p:sldId id="276" r:id="rId33"/>
-    <p:sldId id="277" r:id="rId34"/>
-    <p:sldId id="278" r:id="rId35"/>
-    <p:sldId id="279" r:id="rId36"/>
-    <p:sldId id="282" r:id="rId37"/>
-    <p:sldId id="284" r:id="rId38"/>
-    <p:sldId id="285" r:id="rId39"/>
-    <p:sldId id="283" r:id="rId40"/>
-    <p:sldId id="286" r:id="rId41"/>
+    <p:sldId id="307" r:id="rId6"/>
+    <p:sldId id="289" r:id="rId7"/>
+    <p:sldId id="290" r:id="rId8"/>
+    <p:sldId id="291" r:id="rId9"/>
+    <p:sldId id="293" r:id="rId10"/>
+    <p:sldId id="256" r:id="rId11"/>
+    <p:sldId id="257" r:id="rId12"/>
+    <p:sldId id="258" r:id="rId13"/>
+    <p:sldId id="259" r:id="rId14"/>
+    <p:sldId id="260" r:id="rId15"/>
+    <p:sldId id="261" r:id="rId16"/>
+    <p:sldId id="262" r:id="rId17"/>
+    <p:sldId id="298" r:id="rId18"/>
+    <p:sldId id="308" r:id="rId19"/>
+    <p:sldId id="268" r:id="rId20"/>
+    <p:sldId id="263" r:id="rId21"/>
+    <p:sldId id="299" r:id="rId22"/>
+    <p:sldId id="302" r:id="rId23"/>
+    <p:sldId id="303" r:id="rId24"/>
+    <p:sldId id="304" r:id="rId25"/>
+    <p:sldId id="305" r:id="rId26"/>
+    <p:sldId id="265" r:id="rId27"/>
+    <p:sldId id="266" r:id="rId28"/>
+    <p:sldId id="300" r:id="rId29"/>
+    <p:sldId id="267" r:id="rId30"/>
+    <p:sldId id="269" r:id="rId31"/>
+    <p:sldId id="270" r:id="rId32"/>
+    <p:sldId id="271" r:id="rId33"/>
+    <p:sldId id="272" r:id="rId34"/>
+    <p:sldId id="273" r:id="rId35"/>
+    <p:sldId id="294" r:id="rId36"/>
+    <p:sldId id="295" r:id="rId37"/>
+    <p:sldId id="297" r:id="rId38"/>
+    <p:sldId id="309" r:id="rId39"/>
+    <p:sldId id="282" r:id="rId40"/>
+    <p:sldId id="284" r:id="rId41"/>
+    <p:sldId id="285" r:id="rId42"/>
+    <p:sldId id="286" r:id="rId43"/>
   </p:sldIdLst>
   <p:sldSz cx="9144000" cy="6858000" type="screen4x3"/>
   <p:notesSz cx="6858000" cy="9144000"/>
@@ -231,7 +233,7 @@
           <a:p>
             <a:fld id="{60795015-713A-440F-921E-24AAB35E0B78}" type="datetimeFigureOut">
               <a:rPr lang="en-IN" smtClean="0"/>
-              <a:t>08-08-2016</a:t>
+              <a:t>17-09-2016</a:t>
             </a:fld>
             <a:endParaRPr lang="en-IN"/>
           </a:p>
@@ -775,7 +777,7 @@
           <a:p>
             <a:fld id="{A726EA4C-7893-4755-9F28-E13D4C218A01}" type="datetime1">
               <a:rPr lang="en-IN" smtClean="0"/>
-              <a:t>08-08-2016</a:t>
+              <a:t>17-09-2016</a:t>
             </a:fld>
             <a:endParaRPr lang="en-IN"/>
           </a:p>
@@ -940,7 +942,7 @@
           <a:p>
             <a:fld id="{0E03A94C-1849-4A17-ACFE-5785F6DFA844}" type="datetime1">
               <a:rPr lang="en-IN" smtClean="0"/>
-              <a:t>08-08-2016</a:t>
+              <a:t>17-09-2016</a:t>
             </a:fld>
             <a:endParaRPr lang="en-IN"/>
           </a:p>
@@ -1115,7 +1117,7 @@
           <a:p>
             <a:fld id="{0CFB3C8A-D4C3-487C-9303-BFB3EE829A30}" type="datetime1">
               <a:rPr lang="en-IN" smtClean="0"/>
-              <a:t>08-08-2016</a:t>
+              <a:t>17-09-2016</a:t>
             </a:fld>
             <a:endParaRPr lang="en-IN"/>
           </a:p>
@@ -1298,7 +1300,7 @@
           <a:p>
             <a:fld id="{2FC32989-5685-409E-BF6A-905D83BCA67B}" type="datetime1">
               <a:rPr lang="en-IN" smtClean="0"/>
-              <a:t>08-08-2016</a:t>
+              <a:t>17-09-2016</a:t>
             </a:fld>
             <a:endParaRPr lang="en-IN"/>
           </a:p>
@@ -1560,7 +1562,7 @@
           <a:p>
             <a:fld id="{C83FD306-4C1F-4CE0-BCDA-2EE9C6F11FAF}" type="datetime1">
               <a:rPr lang="en-IN" smtClean="0"/>
-              <a:t>08-08-2016</a:t>
+              <a:t>17-09-2016</a:t>
             </a:fld>
             <a:endParaRPr lang="en-IN"/>
           </a:p>
@@ -1908,7 +1910,7 @@
           <a:p>
             <a:fld id="{D67642EC-9C69-4088-B29F-6B3FCBD80FA5}" type="datetime1">
               <a:rPr lang="en-IN" smtClean="0"/>
-              <a:t>08-08-2016</a:t>
+              <a:t>17-09-2016</a:t>
             </a:fld>
             <a:endParaRPr lang="en-IN"/>
           </a:p>
@@ -2216,7 +2218,7 @@
           <a:p>
             <a:fld id="{F06CCCDF-E8CF-4B88-8B84-787236ED1E96}" type="datetime1">
               <a:rPr lang="en-IN" smtClean="0"/>
-              <a:t>08-08-2016</a:t>
+              <a:t>17-09-2016</a:t>
             </a:fld>
             <a:endParaRPr lang="en-IN"/>
           </a:p>
@@ -2443,7 +2445,7 @@
           <a:p>
             <a:fld id="{A3BD7C0B-7809-418D-94B2-C24844BC058E}" type="datetime1">
               <a:rPr lang="en-IN" smtClean="0"/>
-              <a:t>08-08-2016</a:t>
+              <a:t>17-09-2016</a:t>
             </a:fld>
             <a:endParaRPr lang="en-IN"/>
           </a:p>
@@ -2533,7 +2535,7 @@
           <a:p>
             <a:fld id="{357EDDC2-B156-475D-8B6E-8A9DD9396CB3}" type="datetime1">
               <a:rPr lang="en-IN" smtClean="0"/>
-              <a:t>08-08-2016</a:t>
+              <a:t>17-09-2016</a:t>
             </a:fld>
             <a:endParaRPr lang="en-IN"/>
           </a:p>
@@ -2821,7 +2823,7 @@
           <a:p>
             <a:fld id="{76ED5486-2C64-4387-8E5E-4A7DA5F983AF}" type="datetime1">
               <a:rPr lang="en-IN" smtClean="0"/>
-              <a:t>08-08-2016</a:t>
+              <a:t>17-09-2016</a:t>
             </a:fld>
             <a:endParaRPr lang="en-IN"/>
           </a:p>
@@ -3090,7 +3092,7 @@
           <a:p>
             <a:fld id="{1A1FE719-5D3D-4100-B948-4DA50346B720}" type="datetime1">
               <a:rPr lang="en-IN" smtClean="0"/>
-              <a:t>08-08-2016</a:t>
+              <a:t>17-09-2016</a:t>
             </a:fld>
             <a:endParaRPr lang="en-IN"/>
           </a:p>
@@ -3300,7 +3302,7 @@
           <a:p>
             <a:fld id="{AB2A9E3C-B6A4-4A9D-B28B-E62450968169}" type="datetime1">
               <a:rPr lang="en-IN" smtClean="0"/>
-              <a:t>08-08-2016</a:t>
+              <a:t>17-09-2016</a:t>
             </a:fld>
             <a:endParaRPr lang="en-IN"/>
           </a:p>
@@ -3837,7 +3839,7 @@
         </p:spPr>
         <p:txBody>
           <a:bodyPr>
-            <a:normAutofit/>
+            <a:normAutofit fontScale="90000"/>
           </a:bodyPr>
           <a:lstStyle/>
           <a:p>
@@ -3902,7 +3904,7 @@
                   </a:schemeClr>
                 </a:solidFill>
               </a:rPr>
-              <a:t/>
+              <a:t>By</a:t>
             </a:r>
             <a:br>
               <a:rPr lang="en-IN" sz="3600" dirty="0" smtClean="0">
@@ -3914,6 +3916,26 @@
               </a:rPr>
             </a:br>
             <a:r>
+              <a:rPr lang="en-IN" sz="3600" dirty="0" err="1" smtClean="0">
+                <a:solidFill>
+                  <a:schemeClr val="accent1">
+                    <a:lumMod val="75000"/>
+                  </a:schemeClr>
+                </a:solidFill>
+              </a:rPr>
+              <a:t>Amit</a:t>
+            </a:r>
+            <a:r>
+              <a:rPr lang="en-IN" sz="3600" dirty="0">
+                <a:solidFill>
+                  <a:schemeClr val="accent1">
+                    <a:lumMod val="75000"/>
+                  </a:schemeClr>
+                </a:solidFill>
+              </a:rPr>
+              <a:t> </a:t>
+            </a:r>
+            <a:r>
               <a:rPr lang="en-IN" sz="3600" dirty="0" smtClean="0">
                 <a:solidFill>
                   <a:schemeClr val="accent1">
@@ -3921,7 +3943,7 @@
                   </a:schemeClr>
                 </a:solidFill>
               </a:rPr>
-              <a:t>By</a:t>
+              <a:t>Bose</a:t>
             </a:r>
             <a:br>
               <a:rPr lang="en-IN" sz="3600" dirty="0" smtClean="0">
@@ -3940,16 +3962,201 @@
                   </a:schemeClr>
                 </a:solidFill>
               </a:rPr>
-              <a:t>Amit Bose</a:t>
-            </a:r>
-            <a:r>
-              <a:rPr lang="en-IN" sz="3600" dirty="0" smtClean="0"/>
+              <a:t> </a:t>
+            </a:r>
+            <a:br>
+              <a:rPr lang="en-IN" sz="3600" dirty="0" smtClean="0">
+                <a:solidFill>
+                  <a:schemeClr val="accent1">
+                    <a:lumMod val="75000"/>
+                  </a:schemeClr>
+                </a:solidFill>
+              </a:rPr>
+            </a:br>
+            <a:r>
+              <a:rPr lang="en-IN" sz="2200" dirty="0" smtClean="0">
+                <a:solidFill>
+                  <a:schemeClr val="bg2">
+                    <a:lumMod val="10000"/>
+                  </a:schemeClr>
+                </a:solidFill>
+              </a:rPr>
+              <a:t>September, 2016</a:t>
+            </a:r>
+            <a:br>
+              <a:rPr lang="en-IN" sz="2200" dirty="0" smtClean="0">
+                <a:solidFill>
+                  <a:schemeClr val="bg2">
+                    <a:lumMod val="10000"/>
+                  </a:schemeClr>
+                </a:solidFill>
+              </a:rPr>
+            </a:br>
+            <a:r>
+              <a:rPr lang="en-IN" sz="3600" dirty="0" smtClean="0">
+                <a:solidFill>
+                  <a:schemeClr val="accent1">
+                    <a:lumMod val="75000"/>
+                  </a:schemeClr>
+                </a:solidFill>
+              </a:rPr>
               <a:t/>
             </a:r>
             <a:br>
-              <a:rPr lang="en-IN" sz="3600" dirty="0" smtClean="0"/>
+              <a:rPr lang="en-IN" sz="3600" dirty="0" smtClean="0">
+                <a:solidFill>
+                  <a:schemeClr val="accent1">
+                    <a:lumMod val="75000"/>
+                  </a:schemeClr>
+                </a:solidFill>
+              </a:rPr>
             </a:br>
-            <a:endParaRPr lang="en-IN" sz="3600" dirty="0"/>
+            <a:r>
+              <a:rPr lang="en-IN" sz="3100" dirty="0" smtClean="0">
+                <a:solidFill>
+                  <a:schemeClr val="accent2">
+                    <a:lumMod val="50000"/>
+                  </a:schemeClr>
+                </a:solidFill>
+              </a:rPr>
+              <a:t>Dissertation Coordinator</a:t>
+            </a:r>
+            <a:r>
+              <a:rPr lang="en-IN" sz="3600" dirty="0">
+                <a:solidFill>
+                  <a:schemeClr val="accent1">
+                    <a:lumMod val="75000"/>
+                  </a:schemeClr>
+                </a:solidFill>
+              </a:rPr>
+              <a:t/>
+            </a:r>
+            <a:br>
+              <a:rPr lang="en-IN" sz="3600" dirty="0">
+                <a:solidFill>
+                  <a:schemeClr val="accent1">
+                    <a:lumMod val="75000"/>
+                  </a:schemeClr>
+                </a:solidFill>
+              </a:rPr>
+            </a:br>
+            <a:r>
+              <a:rPr lang="en-IN" sz="3100" dirty="0" err="1" smtClean="0">
+                <a:solidFill>
+                  <a:schemeClr val="accent1">
+                    <a:lumMod val="75000"/>
+                  </a:schemeClr>
+                </a:solidFill>
+              </a:rPr>
+              <a:t>Prof.Dr</a:t>
+            </a:r>
+            <a:r>
+              <a:rPr lang="en-IN" sz="3100" dirty="0">
+                <a:solidFill>
+                  <a:schemeClr val="accent1">
+                    <a:lumMod val="75000"/>
+                  </a:schemeClr>
+                </a:solidFill>
+              </a:rPr>
+              <a:t>. </a:t>
+            </a:r>
+            <a:r>
+              <a:rPr lang="en-IN" sz="3100" dirty="0" smtClean="0">
+                <a:solidFill>
+                  <a:schemeClr val="accent1">
+                    <a:lumMod val="75000"/>
+                  </a:schemeClr>
+                </a:solidFill>
+              </a:rPr>
+              <a:t>Robert </a:t>
+            </a:r>
+            <a:r>
+              <a:rPr lang="en-IN" sz="3100" dirty="0" err="1" smtClean="0">
+                <a:solidFill>
+                  <a:schemeClr val="accent1">
+                    <a:lumMod val="75000"/>
+                  </a:schemeClr>
+                </a:solidFill>
+              </a:rPr>
+              <a:t>Manzke</a:t>
+            </a:r>
+            <a:r>
+              <a:rPr lang="en-IN" sz="3100" dirty="0">
+                <a:solidFill>
+                  <a:schemeClr val="accent1">
+                    <a:lumMod val="75000"/>
+                  </a:schemeClr>
+                </a:solidFill>
+              </a:rPr>
+              <a:t/>
+            </a:r>
+            <a:br>
+              <a:rPr lang="en-IN" sz="3100" dirty="0">
+                <a:solidFill>
+                  <a:schemeClr val="accent1">
+                    <a:lumMod val="75000"/>
+                  </a:schemeClr>
+                </a:solidFill>
+              </a:rPr>
+            </a:br>
+            <a:r>
+              <a:rPr lang="en-IN" sz="3100" dirty="0" err="1">
+                <a:solidFill>
+                  <a:schemeClr val="accent1">
+                    <a:lumMod val="75000"/>
+                  </a:schemeClr>
+                </a:solidFill>
+              </a:rPr>
+              <a:t>Prof.Dr</a:t>
+            </a:r>
+            <a:r>
+              <a:rPr lang="en-IN" sz="3100" dirty="0">
+                <a:solidFill>
+                  <a:schemeClr val="accent1">
+                    <a:lumMod val="75000"/>
+                  </a:schemeClr>
+                </a:solidFill>
+              </a:rPr>
+              <a:t>. Jens </a:t>
+            </a:r>
+            <a:r>
+              <a:rPr lang="en-IN" sz="3100" dirty="0" smtClean="0">
+                <a:solidFill>
+                  <a:schemeClr val="accent1">
+                    <a:lumMod val="75000"/>
+                  </a:schemeClr>
+                </a:solidFill>
+              </a:rPr>
+              <a:t>L</a:t>
+            </a:r>
+            <a:r>
+              <a:rPr lang="de-DE" sz="3100" dirty="0" smtClean="0">
+                <a:solidFill>
+                  <a:schemeClr val="accent1">
+                    <a:lumMod val="75000"/>
+                  </a:schemeClr>
+                </a:solidFill>
+              </a:rPr>
+              <a:t>ü</a:t>
+            </a:r>
+            <a:r>
+              <a:rPr lang="en-IN" sz="3100" dirty="0" err="1" smtClean="0">
+                <a:solidFill>
+                  <a:schemeClr val="accent1">
+                    <a:lumMod val="75000"/>
+                  </a:schemeClr>
+                </a:solidFill>
+              </a:rPr>
+              <a:t>ssem</a:t>
+            </a:r>
+            <a:r>
+              <a:rPr lang="en-IN" sz="3100" dirty="0" smtClean="0"/>
+              <a:t/>
+            </a:r>
+            <a:br>
+              <a:rPr lang="en-IN" sz="3100" dirty="0" smtClean="0"/>
+            </a:br>
+            <a:endParaRPr lang="en-IN" sz="3100" dirty="0"/>
           </a:p>
         </p:txBody>
       </p:sp>
@@ -4020,85 +4227,112 @@
             <a:spLocks noGrp="1"/>
           </p:cNvSpPr>
           <p:nvPr>
-            <p:ph type="title"/>
-          </p:nvPr>
-        </p:nvSpPr>
-        <p:spPr/>
-        <p:txBody>
-          <a:bodyPr/>
-          <a:lstStyle/>
-          <a:p>
-            <a:r>
-              <a:rPr lang="en-IN" dirty="0" smtClean="0"/>
-              <a:t>Hypothesis</a:t>
-            </a:r>
-            <a:endParaRPr lang="en-IN" dirty="0"/>
-          </a:p>
-        </p:txBody>
-      </p:sp>
-      <p:sp>
-        <p:nvSpPr>
-          <p:cNvPr id="3" name="Content Placeholder 2"/>
-          <p:cNvSpPr>
-            <a:spLocks noGrp="1"/>
-          </p:cNvSpPr>
-          <p:nvPr>
-            <p:ph idx="1"/>
-          </p:nvPr>
-        </p:nvSpPr>
-        <p:spPr/>
+            <p:ph type="ctrTitle"/>
+          </p:nvPr>
+        </p:nvSpPr>
+        <p:spPr>
+          <a:xfrm>
+            <a:off x="467544" y="404664"/>
+            <a:ext cx="7772400" cy="1470025"/>
+          </a:xfrm>
+        </p:spPr>
         <p:txBody>
           <a:bodyPr>
             <a:normAutofit/>
           </a:bodyPr>
           <a:lstStyle/>
           <a:p>
-            <a:pPr marL="0" indent="0">
-              <a:buNone/>
-            </a:pPr>
-            <a:endParaRPr lang="en-IN" dirty="0" smtClean="0"/>
-          </a:p>
-          <a:p>
-            <a:pPr marL="0" indent="0">
-              <a:buNone/>
-            </a:pPr>
-            <a:endParaRPr lang="en-IN" dirty="0" smtClean="0"/>
-          </a:p>
-          <a:p>
-            <a:pPr marL="0" indent="0">
-              <a:buNone/>
-            </a:pPr>
-            <a:r>
-              <a:rPr lang="en-IN" dirty="0" smtClean="0"/>
-              <a:t>If the two </a:t>
-            </a:r>
-            <a:r>
-              <a:rPr lang="en-IN" dirty="0" smtClean="0"/>
-              <a:t>languages(cocos2d-x c++ and cocos2d-JS) </a:t>
-            </a:r>
-            <a:r>
-              <a:rPr lang="en-IN" dirty="0" smtClean="0"/>
-              <a:t>does not differ syntactically </a:t>
+            <a:r>
+              <a:rPr lang="en-IN" sz="4400" dirty="0" smtClean="0"/>
+              <a:t>Problem set that the thesis deal with </a:t>
+            </a:r>
+            <a:endParaRPr lang="en-IN" sz="4400" dirty="0"/>
+          </a:p>
+        </p:txBody>
+      </p:sp>
+      <p:sp>
+        <p:nvSpPr>
+          <p:cNvPr id="3" name="Subtitle 2"/>
+          <p:cNvSpPr>
+            <a:spLocks noGrp="1"/>
+          </p:cNvSpPr>
+          <p:nvPr>
+            <p:ph type="subTitle" idx="1"/>
+          </p:nvPr>
+        </p:nvSpPr>
+        <p:spPr>
+          <a:xfrm>
+            <a:off x="251520" y="2060848"/>
+            <a:ext cx="8640960" cy="4536504"/>
+          </a:xfrm>
+        </p:spPr>
+        <p:txBody>
+          <a:bodyPr>
+            <a:normAutofit/>
+          </a:bodyPr>
+          <a:lstStyle/>
+          <a:p>
+            <a:pPr marL="457200" indent="-457200" algn="l">
+              <a:buFont typeface="Wingdings" pitchFamily="2" charset="2"/>
+              <a:buChar char="v"/>
+            </a:pPr>
+            <a:r>
+              <a:rPr lang="en-IN" dirty="0" smtClean="0"/>
+              <a:t>Challenges involved in porting the cocos2d-x </a:t>
             </a:r>
             <a:r>
               <a:rPr lang="en-IN" dirty="0"/>
-              <a:t> </a:t>
-            </a:r>
-            <a:r>
-              <a:rPr lang="en-IN" dirty="0" smtClean="0"/>
-              <a:t>then </a:t>
-            </a:r>
-            <a:r>
-              <a:rPr lang="en-IN" dirty="0" smtClean="0"/>
-              <a:t>they can be trans compiled using a transpiler.</a:t>
-            </a:r>
-          </a:p>
-          <a:p>
-            <a:pPr marL="0" indent="0">
-              <a:buNone/>
-            </a:pPr>
+              <a:t>C</a:t>
+            </a:r>
+            <a:r>
+              <a:rPr lang="en-IN" dirty="0" smtClean="0"/>
+              <a:t>++  to browser.</a:t>
+            </a:r>
+          </a:p>
+          <a:p>
+            <a:pPr algn="l"/>
             <a:endParaRPr lang="en-IN" dirty="0"/>
           </a:p>
+          <a:p>
+            <a:pPr marL="457200" indent="-457200" algn="l">
+              <a:buFont typeface="Wingdings" pitchFamily="2" charset="2"/>
+              <a:buChar char="v"/>
+            </a:pPr>
+            <a:r>
+              <a:rPr lang="en-IN" dirty="0" smtClean="0"/>
+              <a:t>Comparison of the feasibility of the various technology.</a:t>
+            </a:r>
+          </a:p>
+          <a:p>
+            <a:pPr marL="457200" indent="-457200" algn="l">
+              <a:buFont typeface="Wingdings" pitchFamily="2" charset="2"/>
+              <a:buChar char="v"/>
+            </a:pPr>
+            <a:endParaRPr lang="en-IN" dirty="0"/>
+          </a:p>
+          <a:p>
+            <a:pPr marL="457200" indent="-457200" algn="l">
+              <a:buFont typeface="Wingdings" pitchFamily="2" charset="2"/>
+              <a:buChar char="v"/>
+            </a:pPr>
+            <a:r>
+              <a:rPr lang="en-IN" dirty="0" smtClean="0"/>
+              <a:t>Challenges involved in Implementation of the selected technology(</a:t>
+            </a:r>
+            <a:r>
+              <a:rPr lang="en-IN" dirty="0" err="1" smtClean="0"/>
+              <a:t>transpiler</a:t>
+            </a:r>
+            <a:r>
+              <a:rPr lang="en-IN" dirty="0" smtClean="0"/>
+              <a:t>) for porting.</a:t>
+            </a:r>
+            <a:endParaRPr lang="en-IN" dirty="0"/>
+          </a:p>
+          <a:p>
+            <a:pPr algn="l"/>
+            <a:endParaRPr lang="en-IN" dirty="0"/>
+          </a:p>
         </p:txBody>
       </p:sp>
       <p:sp>
@@ -4108,7 +4342,7 @@
             <a:spLocks noGrp="1"/>
           </p:cNvSpPr>
           <p:nvPr>
-            <p:ph type="sldNum" sz="quarter" idx="12"/>
+            <p:ph type="sldNum" sz="quarter" idx="11"/>
           </p:nvPr>
         </p:nvSpPr>
         <p:spPr/>
@@ -4127,7 +4361,7 @@
     </p:spTree>
     <p:extLst>
       <p:ext uri="{BB962C8B-B14F-4D97-AF65-F5344CB8AC3E}">
-        <p14:creationId xmlns:p14="http://schemas.microsoft.com/office/powerpoint/2010/main" val="1422666402"/>
+        <p14:creationId xmlns:p14="http://schemas.microsoft.com/office/powerpoint/2010/main" val="3324507240"/>
       </p:ext>
     </p:extLst>
   </p:cSld>
@@ -4171,21 +4405,16 @@
             <p:ph type="title"/>
           </p:nvPr>
         </p:nvSpPr>
-        <p:spPr>
-          <a:xfrm>
-            <a:off x="457200" y="0"/>
-            <a:ext cx="6851104" cy="908720"/>
-          </a:xfrm>
-        </p:spPr>
-        <p:txBody>
-          <a:bodyPr/>
-          <a:lstStyle/>
-          <a:p>
-            <a:r>
-              <a:rPr lang="en-IN" sz="4800" dirty="0" smtClean="0"/>
-              <a:t>Background</a:t>
-            </a:r>
-            <a:endParaRPr lang="en-IN" sz="4800" dirty="0"/>
+        <p:spPr/>
+        <p:txBody>
+          <a:bodyPr/>
+          <a:lstStyle/>
+          <a:p>
+            <a:r>
+              <a:rPr lang="en-IN" dirty="0" smtClean="0"/>
+              <a:t>Hypothesis</a:t>
+            </a:r>
+            <a:endParaRPr lang="en-IN" dirty="0"/>
           </a:p>
         </p:txBody>
       </p:sp>
@@ -4199,12 +4428,7 @@
             <p:ph idx="1"/>
           </p:nvPr>
         </p:nvSpPr>
-        <p:spPr>
-          <a:xfrm>
-            <a:off x="395536" y="1268760"/>
-            <a:ext cx="8291264" cy="4857403"/>
-          </a:xfrm>
-        </p:spPr>
+        <p:spPr/>
         <p:txBody>
           <a:bodyPr>
             <a:normAutofit/>
@@ -4214,30 +4438,7 @@
             <a:pPr marL="0" indent="0">
               <a:buNone/>
             </a:pPr>
-            <a:r>
-              <a:rPr lang="en-IN" dirty="0" smtClean="0"/>
-              <a:t>Evaluation </a:t>
-            </a:r>
-            <a:r>
-              <a:rPr lang="en-IN" dirty="0" smtClean="0"/>
-              <a:t>of different type of transpiler for </a:t>
-            </a:r>
-            <a:r>
-              <a:rPr lang="en-IN" dirty="0" smtClean="0"/>
-              <a:t>conversion </a:t>
-            </a:r>
-            <a:r>
-              <a:rPr lang="en-IN" dirty="0" smtClean="0"/>
-              <a:t>of c++ to </a:t>
-            </a:r>
-            <a:r>
-              <a:rPr lang="en-IN" dirty="0" smtClean="0"/>
-              <a:t>JS.</a:t>
-            </a:r>
-            <a:r>
-              <a:rPr lang="en-IN" dirty="0" smtClean="0"/>
-              <a:t> </a:t>
-            </a:r>
+            <a:endParaRPr lang="en-IN" dirty="0" smtClean="0"/>
           </a:p>
           <a:p>
             <a:pPr marL="0" indent="0">
@@ -4246,68 +4447,18 @@
             <a:endParaRPr lang="en-IN" dirty="0" smtClean="0"/>
           </a:p>
           <a:p>
-            <a:r>
-              <a:rPr lang="en-IN" dirty="0" err="1" smtClean="0"/>
-              <a:t>Emscripten</a:t>
-            </a:r>
-            <a:endParaRPr lang="en-IN" dirty="0" smtClean="0"/>
-          </a:p>
-          <a:p>
-            <a:r>
-              <a:rPr lang="en-IN" dirty="0" err="1" smtClean="0"/>
-              <a:t>Flascc</a:t>
-            </a:r>
-            <a:endParaRPr lang="en-IN" dirty="0" smtClean="0"/>
-          </a:p>
-          <a:p>
-            <a:r>
-              <a:rPr lang="en-IN" dirty="0" err="1" smtClean="0"/>
-              <a:t>Cheerp</a:t>
-            </a:r>
-            <a:endParaRPr lang="en-IN" dirty="0" smtClean="0"/>
-          </a:p>
-          <a:p>
-            <a:r>
-              <a:rPr lang="en-IN" dirty="0" err="1" smtClean="0"/>
-              <a:t>Cocos</a:t>
-            </a:r>
-            <a:endParaRPr lang="en-IN" dirty="0" smtClean="0"/>
-          </a:p>
-          <a:p>
-            <a:pPr marL="971550" lvl="1" indent="-571500">
-              <a:buFont typeface="+mj-lt"/>
-              <a:buAutoNum type="romanLcPeriod"/>
-            </a:pPr>
-            <a:r>
-              <a:rPr lang="en-IN" dirty="0" err="1" smtClean="0"/>
-              <a:t>Cocos</a:t>
-            </a:r>
-            <a:r>
-              <a:rPr lang="en-IN" dirty="0" smtClean="0"/>
-              <a:t>-sharp</a:t>
-            </a:r>
-          </a:p>
-          <a:p>
-            <a:pPr marL="971550" lvl="1" indent="-571500">
-              <a:buFont typeface="+mj-lt"/>
-              <a:buAutoNum type="romanLcPeriod"/>
-            </a:pPr>
-            <a:r>
-              <a:rPr lang="en-IN" dirty="0" smtClean="0"/>
-              <a:t>Cocos2d-HTML</a:t>
-            </a:r>
-          </a:p>
-          <a:p>
-            <a:pPr marL="971550" lvl="1" indent="-571500">
-              <a:buFont typeface="+mj-lt"/>
-              <a:buAutoNum type="romanLcPeriod"/>
-            </a:pPr>
-            <a:r>
-              <a:rPr lang="en-IN" dirty="0" smtClean="0"/>
-              <a:t>Cocos2d-JS</a:t>
-            </a:r>
-          </a:p>
-          <a:p>
+            <a:pPr marL="0" indent="0">
+              <a:buNone/>
+            </a:pPr>
+            <a:r>
+              <a:rPr lang="en-IN" dirty="0" smtClean="0"/>
+              <a:t>If the two cocos2d-x framework  languages(cocos2d-x C++ and cocos2d-JS) that have some syntactical similarities then they can be trans compiled using a transpiler.</a:t>
+            </a:r>
+          </a:p>
+          <a:p>
+            <a:pPr marL="0" indent="0">
+              <a:buNone/>
+            </a:pPr>
             <a:endParaRPr lang="en-IN" dirty="0"/>
           </a:p>
         </p:txBody>
@@ -4338,7 +4489,7 @@
     </p:spTree>
     <p:extLst>
       <p:ext uri="{BB962C8B-B14F-4D97-AF65-F5344CB8AC3E}">
-        <p14:creationId xmlns:p14="http://schemas.microsoft.com/office/powerpoint/2010/main" val="4191808147"/>
+        <p14:creationId xmlns:p14="http://schemas.microsoft.com/office/powerpoint/2010/main" val="1422666402"/>
       </p:ext>
     </p:extLst>
   </p:cSld>
@@ -4374,18 +4525,46 @@
       </p:grpSpPr>
       <p:sp>
         <p:nvSpPr>
-          <p:cNvPr id="3" name="Content Placeholder 2"/>
-          <p:cNvSpPr>
-            <a:spLocks noGrp="1"/>
-          </p:cNvSpPr>
-          <p:nvPr>
-            <p:ph idx="1"/>
+          <p:cNvPr id="2" name="Title 1"/>
+          <p:cNvSpPr>
+            <a:spLocks noGrp="1"/>
+          </p:cNvSpPr>
+          <p:nvPr>
+            <p:ph type="title"/>
           </p:nvPr>
         </p:nvSpPr>
         <p:spPr>
           <a:xfrm>
-            <a:off x="251520" y="332656"/>
-            <a:ext cx="8363272" cy="6945635"/>
+            <a:off x="457200" y="0"/>
+            <a:ext cx="6851104" cy="908720"/>
+          </a:xfrm>
+        </p:spPr>
+        <p:txBody>
+          <a:bodyPr/>
+          <a:lstStyle/>
+          <a:p>
+            <a:r>
+              <a:rPr lang="en-IN" sz="4800" dirty="0" smtClean="0"/>
+              <a:t>Background</a:t>
+            </a:r>
+            <a:endParaRPr lang="en-IN" sz="4800" dirty="0"/>
+          </a:p>
+        </p:txBody>
+      </p:sp>
+      <p:sp>
+        <p:nvSpPr>
+          <p:cNvPr id="3" name="Content Placeholder 2"/>
+          <p:cNvSpPr>
+            <a:spLocks noGrp="1"/>
+          </p:cNvSpPr>
+          <p:nvPr>
+            <p:ph idx="1"/>
+          </p:nvPr>
+        </p:nvSpPr>
+        <p:spPr>
+          <a:xfrm>
+            <a:off x="395536" y="1268760"/>
+            <a:ext cx="8291264" cy="4857403"/>
           </a:xfrm>
         </p:spPr>
         <p:txBody>
@@ -4394,144 +4573,90 @@
           </a:bodyPr>
           <a:lstStyle/>
           <a:p>
+            <a:pPr marL="0" indent="0">
+              <a:buNone/>
+            </a:pPr>
+            <a:r>
+              <a:rPr lang="en-IN" dirty="0" smtClean="0"/>
+              <a:t>Evaluation of different type of transpiler for conversion of c++ to JS. </a:t>
+            </a:r>
+          </a:p>
+          <a:p>
+            <a:pPr marL="0" indent="0">
+              <a:buNone/>
+            </a:pPr>
             <a:endParaRPr lang="en-IN" dirty="0" smtClean="0"/>
           </a:p>
           <a:p>
-            <a:endParaRPr lang="en-IN" dirty="0"/>
-          </a:p>
-          <a:p>
-            <a:r>
-              <a:rPr lang="en-IN" dirty="0" smtClean="0"/>
-              <a:t>How </a:t>
-            </a:r>
-            <a:r>
-              <a:rPr lang="en-IN" dirty="0" smtClean="0"/>
-              <a:t>the compiler and cross compiler works.</a:t>
-            </a:r>
-          </a:p>
-          <a:p>
-            <a:pPr marL="0" indent="0">
-              <a:buNone/>
-            </a:pPr>
+            <a:r>
+              <a:rPr lang="en-IN" dirty="0" err="1" smtClean="0"/>
+              <a:t>Emscripten</a:t>
+            </a:r>
             <a:endParaRPr lang="en-IN" dirty="0" smtClean="0"/>
           </a:p>
           <a:p>
             <a:r>
-              <a:rPr lang="en-IN" dirty="0" smtClean="0"/>
-              <a:t>steps involved in the </a:t>
-            </a:r>
-            <a:r>
-              <a:rPr lang="en-IN" dirty="0" smtClean="0"/>
-              <a:t>compiling:</a:t>
-            </a:r>
-          </a:p>
-          <a:p>
-            <a:pPr marL="0" indent="0">
-              <a:buNone/>
-            </a:pPr>
+              <a:rPr lang="en-IN" dirty="0" err="1" smtClean="0"/>
+              <a:t>Flascc</a:t>
+            </a:r>
+            <a:endParaRPr lang="en-IN" dirty="0" smtClean="0"/>
+          </a:p>
+          <a:p>
+            <a:r>
+              <a:rPr lang="en-IN" dirty="0" err="1" smtClean="0"/>
+              <a:t>Cheerp</a:t>
+            </a:r>
+            <a:endParaRPr lang="en-IN" dirty="0" smtClean="0"/>
+          </a:p>
+          <a:p>
+            <a:r>
+              <a:rPr lang="en-IN" dirty="0" err="1" smtClean="0"/>
+              <a:t>Cocos</a:t>
+            </a:r>
             <a:endParaRPr lang="en-IN" dirty="0" smtClean="0"/>
           </a:p>
           <a:p>
             <a:pPr marL="971550" lvl="1" indent="-571500">
               <a:buFont typeface="+mj-lt"/>
-              <a:buAutoNum type="romanUcPeriod"/>
-            </a:pPr>
-            <a:r>
-              <a:rPr lang="en-IN" sz="2400" dirty="0"/>
-              <a:t> </a:t>
-            </a:r>
-            <a:r>
-              <a:rPr lang="en-IN" sz="2400" dirty="0" smtClean="0"/>
-              <a:t>   lexical </a:t>
-            </a:r>
-            <a:r>
-              <a:rPr lang="en-IN" sz="2400" dirty="0" smtClean="0"/>
-              <a:t>analysis</a:t>
-            </a:r>
-            <a:endParaRPr lang="en-IN" sz="2400" dirty="0" smtClean="0"/>
+              <a:buAutoNum type="romanLcPeriod"/>
+            </a:pPr>
+            <a:r>
+              <a:rPr lang="en-IN" dirty="0" err="1" smtClean="0"/>
+              <a:t>Cocos</a:t>
+            </a:r>
+            <a:r>
+              <a:rPr lang="en-IN" dirty="0" smtClean="0"/>
+              <a:t>-sharp</a:t>
+            </a:r>
           </a:p>
           <a:p>
             <a:pPr marL="971550" lvl="1" indent="-571500">
               <a:buFont typeface="+mj-lt"/>
-              <a:buAutoNum type="romanUcPeriod"/>
-            </a:pPr>
-            <a:r>
-              <a:rPr lang="en-IN" sz="2400" dirty="0"/>
-              <a:t> </a:t>
-            </a:r>
-            <a:r>
-              <a:rPr lang="en-IN" sz="2400" dirty="0" smtClean="0"/>
-              <a:t>   syntactical </a:t>
-            </a:r>
-            <a:r>
-              <a:rPr lang="en-IN" sz="2400" dirty="0" smtClean="0"/>
-              <a:t>analysis</a:t>
-            </a:r>
-            <a:endParaRPr lang="en-IN" sz="2400" dirty="0" smtClean="0"/>
+              <a:buAutoNum type="romanLcPeriod"/>
+            </a:pPr>
+            <a:r>
+              <a:rPr lang="en-IN" dirty="0" smtClean="0"/>
+              <a:t>Cocos2d-HTML</a:t>
+            </a:r>
           </a:p>
           <a:p>
             <a:pPr marL="971550" lvl="1" indent="-571500">
               <a:buFont typeface="+mj-lt"/>
-              <a:buAutoNum type="romanUcPeriod"/>
-            </a:pPr>
-            <a:r>
-              <a:rPr lang="en-IN" sz="2400" dirty="0"/>
-              <a:t> </a:t>
-            </a:r>
-            <a:r>
-              <a:rPr lang="en-IN" sz="2400" dirty="0" smtClean="0"/>
-              <a:t>   semantic </a:t>
-            </a:r>
-            <a:r>
-              <a:rPr lang="en-IN" sz="2400" dirty="0" smtClean="0"/>
-              <a:t>analysis</a:t>
-            </a:r>
-            <a:endParaRPr lang="en-IN" sz="2400" dirty="0" smtClean="0"/>
-          </a:p>
-          <a:p>
-            <a:pPr marL="971550" lvl="1" indent="-571500">
-              <a:buFont typeface="+mj-lt"/>
-              <a:buAutoNum type="romanUcPeriod"/>
-            </a:pPr>
-            <a:r>
-              <a:rPr lang="en-IN" sz="2400" dirty="0"/>
-              <a:t> </a:t>
-            </a:r>
-            <a:r>
-              <a:rPr lang="en-IN" sz="2400" dirty="0" smtClean="0"/>
-              <a:t>   analysis and </a:t>
-            </a:r>
-            <a:r>
-              <a:rPr lang="en-IN" sz="2400" dirty="0" smtClean="0"/>
-              <a:t>optimization</a:t>
-            </a:r>
-            <a:endParaRPr lang="en-IN" sz="2400" dirty="0" smtClean="0"/>
-          </a:p>
-          <a:p>
-            <a:pPr marL="971550" lvl="1" indent="-571500">
-              <a:buFont typeface="+mj-lt"/>
-              <a:buAutoNum type="romanUcPeriod"/>
-            </a:pPr>
-            <a:r>
-              <a:rPr lang="en-IN" sz="2400" dirty="0" smtClean="0"/>
-              <a:t>    </a:t>
-            </a:r>
-            <a:r>
-              <a:rPr lang="en-IN" sz="2400" dirty="0" smtClean="0"/>
-              <a:t>memory management</a:t>
-            </a:r>
-          </a:p>
-          <a:p>
-            <a:pPr marL="0" indent="0">
-              <a:buNone/>
-            </a:pPr>
+              <a:buAutoNum type="romanLcPeriod"/>
+            </a:pPr>
+            <a:r>
+              <a:rPr lang="en-IN" dirty="0" smtClean="0"/>
+              <a:t>Cocos2d-JS</a:t>
+            </a:r>
+          </a:p>
+          <a:p>
             <a:endParaRPr lang="en-IN" dirty="0"/>
           </a:p>
         </p:txBody>
       </p:sp>
       <p:sp>
         <p:nvSpPr>
-          <p:cNvPr id="4" name="Slide Number Placeholder 3"/>
+          <p:cNvPr id="5" name="Slide Number Placeholder 4"/>
           <p:cNvSpPr>
             <a:spLocks noGrp="1"/>
           </p:cNvSpPr>
@@ -4555,7 +4680,7 @@
     </p:spTree>
     <p:extLst>
       <p:ext uri="{BB962C8B-B14F-4D97-AF65-F5344CB8AC3E}">
-        <p14:creationId xmlns:p14="http://schemas.microsoft.com/office/powerpoint/2010/main" val="2816442119"/>
+        <p14:creationId xmlns:p14="http://schemas.microsoft.com/office/powerpoint/2010/main" val="4191808147"/>
       </p:ext>
     </p:extLst>
   </p:cSld>
@@ -4601,12 +4726,14 @@
         </p:nvSpPr>
         <p:spPr>
           <a:xfrm>
-            <a:off x="251520" y="476672"/>
-            <a:ext cx="8435280" cy="5649491"/>
+            <a:off x="251520" y="332656"/>
+            <a:ext cx="8363272" cy="6945635"/>
           </a:xfrm>
         </p:spPr>
         <p:txBody>
-          <a:bodyPr/>
+          <a:bodyPr>
+            <a:normAutofit/>
+          </a:bodyPr>
           <a:lstStyle/>
           <a:p>
             <a:endParaRPr lang="en-IN" dirty="0" smtClean="0"/>
@@ -4617,11 +4744,7 @@
           <a:p>
             <a:r>
               <a:rPr lang="en-IN" dirty="0" smtClean="0"/>
-              <a:t>How </a:t>
-            </a:r>
-            <a:r>
-              <a:rPr lang="en-IN" dirty="0" smtClean="0"/>
-              <a:t>the  transpiler works(its concept)</a:t>
+              <a:t>Introduction to compiler and cross compiler.</a:t>
             </a:r>
           </a:p>
           <a:p>
@@ -4632,34 +4755,90 @@
           </a:p>
           <a:p>
             <a:r>
-              <a:rPr lang="en-IN" dirty="0" smtClean="0"/>
-              <a:t>Discussion of some examples like </a:t>
-            </a:r>
-            <a:r>
-              <a:rPr lang="en-IN" dirty="0" err="1" smtClean="0"/>
-              <a:t>psedu</a:t>
-            </a:r>
-            <a:r>
-              <a:rPr lang="en-IN" dirty="0" smtClean="0"/>
-              <a:t>-master, </a:t>
-            </a:r>
-            <a:r>
-              <a:rPr lang="en-IN" dirty="0" err="1" smtClean="0"/>
-              <a:t>coffescript</a:t>
-            </a:r>
-            <a:r>
-              <a:rPr lang="en-IN" dirty="0" smtClean="0"/>
-              <a:t> transpiler.</a:t>
-            </a:r>
-          </a:p>
-          <a:p>
-            <a:endParaRPr lang="en-IN" dirty="0"/>
-          </a:p>
-          <a:p>
-            <a:r>
-              <a:rPr lang="en-IN" dirty="0" smtClean="0"/>
-              <a:t>Basic difference between c++ and JavaScript code.</a:t>
-            </a:r>
+              <a:rPr lang="en-IN" dirty="0"/>
+              <a:t>S</a:t>
+            </a:r>
+            <a:r>
+              <a:rPr lang="en-IN" dirty="0" smtClean="0"/>
+              <a:t>teps involved in the compiling:</a:t>
+            </a:r>
+          </a:p>
+          <a:p>
+            <a:pPr marL="0" indent="0">
+              <a:buNone/>
+            </a:pPr>
+            <a:endParaRPr lang="en-IN" dirty="0" smtClean="0"/>
+          </a:p>
+          <a:p>
+            <a:pPr marL="971550" lvl="1" indent="-571500">
+              <a:buFont typeface="+mj-lt"/>
+              <a:buAutoNum type="romanUcPeriod"/>
+            </a:pPr>
+            <a:r>
+              <a:rPr lang="en-IN" sz="2400" dirty="0"/>
+              <a:t> </a:t>
+            </a:r>
+            <a:r>
+              <a:rPr lang="en-IN" sz="2400" dirty="0" smtClean="0"/>
+              <a:t>   lexical analysis</a:t>
+            </a:r>
+          </a:p>
+          <a:p>
+            <a:pPr marL="971550" lvl="1" indent="-571500">
+              <a:buFont typeface="+mj-lt"/>
+              <a:buAutoNum type="romanUcPeriod"/>
+            </a:pPr>
+            <a:r>
+              <a:rPr lang="en-IN" sz="2400" dirty="0"/>
+              <a:t> </a:t>
+            </a:r>
+            <a:r>
+              <a:rPr lang="en-IN" sz="2400" dirty="0" smtClean="0"/>
+              <a:t>   syntactical analysis</a:t>
+            </a:r>
+          </a:p>
+          <a:p>
+            <a:pPr marL="971550" lvl="1" indent="-571500">
+              <a:buFont typeface="+mj-lt"/>
+              <a:buAutoNum type="romanUcPeriod"/>
+            </a:pPr>
+            <a:r>
+              <a:rPr lang="en-IN" sz="2400" dirty="0"/>
+              <a:t> </a:t>
+            </a:r>
+            <a:r>
+              <a:rPr lang="en-IN" sz="2400" dirty="0" smtClean="0"/>
+              <a:t>   semantic analysis</a:t>
+            </a:r>
+          </a:p>
+          <a:p>
+            <a:pPr marL="971550" lvl="1" indent="-571500">
+              <a:buFont typeface="+mj-lt"/>
+              <a:buAutoNum type="romanUcPeriod"/>
+            </a:pPr>
+            <a:r>
+              <a:rPr lang="en-IN" sz="2400" dirty="0"/>
+              <a:t> </a:t>
+            </a:r>
+            <a:r>
+              <a:rPr lang="en-IN" sz="2400" dirty="0" smtClean="0"/>
+              <a:t>   analysis and optimization</a:t>
+            </a:r>
+          </a:p>
+          <a:p>
+            <a:pPr marL="971550" lvl="1" indent="-571500">
+              <a:buFont typeface="+mj-lt"/>
+              <a:buAutoNum type="romanUcPeriod"/>
+            </a:pPr>
+            <a:r>
+              <a:rPr lang="en-IN" sz="2400" dirty="0" smtClean="0"/>
+              <a:t>    memory management</a:t>
+            </a:r>
+          </a:p>
+          <a:p>
+            <a:pPr marL="0" indent="0">
+              <a:buNone/>
+            </a:pPr>
             <a:endParaRPr lang="en-IN" dirty="0"/>
           </a:p>
         </p:txBody>
@@ -4690,7 +4869,7 @@
     </p:spTree>
     <p:extLst>
       <p:ext uri="{BB962C8B-B14F-4D97-AF65-F5344CB8AC3E}">
-        <p14:creationId xmlns:p14="http://schemas.microsoft.com/office/powerpoint/2010/main" val="1934784962"/>
+        <p14:creationId xmlns:p14="http://schemas.microsoft.com/office/powerpoint/2010/main" val="2816442119"/>
       </p:ext>
     </p:extLst>
   </p:cSld>
@@ -4726,60 +4905,25 @@
       </p:grpSpPr>
       <p:sp>
         <p:nvSpPr>
-          <p:cNvPr id="2" name="Title 1"/>
-          <p:cNvSpPr>
-            <a:spLocks noGrp="1"/>
-          </p:cNvSpPr>
-          <p:nvPr>
-            <p:ph type="title"/>
+          <p:cNvPr id="3" name="Content Placeholder 2"/>
+          <p:cNvSpPr>
+            <a:spLocks noGrp="1"/>
+          </p:cNvSpPr>
+          <p:nvPr>
+            <p:ph idx="1"/>
           </p:nvPr>
         </p:nvSpPr>
         <p:spPr>
           <a:xfrm>
-            <a:off x="467544" y="0"/>
-            <a:ext cx="8229600" cy="1600200"/>
+            <a:off x="251520" y="476672"/>
+            <a:ext cx="8435280" cy="5649491"/>
           </a:xfrm>
         </p:spPr>
         <p:txBody>
-          <a:bodyPr>
-            <a:normAutofit/>
-          </a:bodyPr>
-          <a:lstStyle/>
-          <a:p>
-            <a:r>
-              <a:rPr lang="en-IN" sz="4800" dirty="0" smtClean="0"/>
-              <a:t>What problems need to be solved</a:t>
-            </a:r>
-            <a:endParaRPr lang="en-IN" sz="4800" dirty="0"/>
-          </a:p>
-        </p:txBody>
-      </p:sp>
-      <p:sp>
-        <p:nvSpPr>
-          <p:cNvPr id="3" name="Content Placeholder 2"/>
-          <p:cNvSpPr>
-            <a:spLocks noGrp="1"/>
-          </p:cNvSpPr>
-          <p:nvPr>
-            <p:ph idx="1"/>
-          </p:nvPr>
-        </p:nvSpPr>
-        <p:spPr>
-          <a:xfrm>
-            <a:off x="395536" y="1988840"/>
-            <a:ext cx="8291264" cy="4137323"/>
-          </a:xfrm>
-        </p:spPr>
-        <p:txBody>
-          <a:bodyPr>
-            <a:normAutofit/>
-          </a:bodyPr>
-          <a:lstStyle/>
-          <a:p>
-            <a:r>
-              <a:rPr lang="en-IN" dirty="0" smtClean="0"/>
-              <a:t>Challenges involved in implementation of porting using the various technology.</a:t>
-            </a:r>
+          <a:bodyPr/>
+          <a:lstStyle/>
+          <a:p>
+            <a:endParaRPr lang="en-IN" dirty="0" smtClean="0"/>
           </a:p>
           <a:p>
             <a:endParaRPr lang="en-IN" dirty="0"/>
@@ -4787,7 +4931,35 @@
           <a:p>
             <a:r>
               <a:rPr lang="en-IN" dirty="0" smtClean="0"/>
-              <a:t>Evaluation of the error involved in the technology in porting and finding the solution.</a:t>
+              <a:t>How the  transpiler works(its concept)</a:t>
+            </a:r>
+          </a:p>
+          <a:p>
+            <a:pPr marL="0" indent="0">
+              <a:buNone/>
+            </a:pPr>
+            <a:endParaRPr lang="en-IN" dirty="0" smtClean="0"/>
+          </a:p>
+          <a:p>
+            <a:r>
+              <a:rPr lang="en-IN" dirty="0" smtClean="0"/>
+              <a:t>Discussion of some examples like </a:t>
+            </a:r>
+            <a:r>
+              <a:rPr lang="en-IN" dirty="0" err="1" smtClean="0"/>
+              <a:t>psedu</a:t>
+            </a:r>
+            <a:r>
+              <a:rPr lang="en-IN" dirty="0" smtClean="0"/>
+              <a:t>-master, </a:t>
+            </a:r>
+            <a:r>
+              <a:rPr lang="en-IN" dirty="0" err="1" smtClean="0"/>
+              <a:t>coffeescript</a:t>
+            </a:r>
+            <a:r>
+              <a:rPr lang="en-IN" dirty="0" smtClean="0"/>
+              <a:t> transpiler.</a:t>
             </a:r>
           </a:p>
           <a:p>
@@ -4796,26 +4968,15 @@
           <a:p>
             <a:r>
               <a:rPr lang="en-IN" dirty="0" smtClean="0"/>
-              <a:t>Challenges involved in making the new transpiler for conversion of cocos2d c++ to cocos2d-JS.</a:t>
-            </a:r>
-          </a:p>
-          <a:p>
+              <a:t>Basic difference between c++ and JavaScript code.</a:t>
+            </a:r>
             <a:endParaRPr lang="en-IN" dirty="0"/>
           </a:p>
-          <a:p>
-            <a:endParaRPr lang="en-IN" dirty="0" smtClean="0"/>
-          </a:p>
-          <a:p>
-            <a:endParaRPr lang="en-IN" dirty="0"/>
-          </a:p>
-          <a:p>
-            <a:endParaRPr lang="en-IN" dirty="0"/>
-          </a:p>
-        </p:txBody>
-      </p:sp>
-      <p:sp>
-        <p:nvSpPr>
-          <p:cNvPr id="5" name="Slide Number Placeholder 4"/>
+        </p:txBody>
+      </p:sp>
+      <p:sp>
+        <p:nvSpPr>
+          <p:cNvPr id="4" name="Slide Number Placeholder 3"/>
           <p:cNvSpPr>
             <a:spLocks noGrp="1"/>
           </p:cNvSpPr>
@@ -4839,7 +5000,7 @@
     </p:spTree>
     <p:extLst>
       <p:ext uri="{BB962C8B-B14F-4D97-AF65-F5344CB8AC3E}">
-        <p14:creationId xmlns:p14="http://schemas.microsoft.com/office/powerpoint/2010/main" val="2804342837"/>
+        <p14:creationId xmlns:p14="http://schemas.microsoft.com/office/powerpoint/2010/main" val="1934784962"/>
       </p:ext>
     </p:extLst>
   </p:cSld>
@@ -4883,7 +5044,12 @@
             <p:ph type="title"/>
           </p:nvPr>
         </p:nvSpPr>
-        <p:spPr/>
+        <p:spPr>
+          <a:xfrm>
+            <a:off x="467544" y="0"/>
+            <a:ext cx="8229600" cy="1600200"/>
+          </a:xfrm>
+        </p:spPr>
         <p:txBody>
           <a:bodyPr>
             <a:normAutofit/>
@@ -4892,7 +5058,7 @@
           <a:p>
             <a:r>
               <a:rPr lang="en-IN" sz="4800" dirty="0" smtClean="0"/>
-              <a:t>Reason for working on this problem set</a:t>
+              <a:t>What problems need to be solved</a:t>
             </a:r>
             <a:endParaRPr lang="en-IN" sz="4800" dirty="0"/>
           </a:p>
@@ -4910,8 +5076,8 @@
         </p:nvSpPr>
         <p:spPr>
           <a:xfrm>
-            <a:off x="467544" y="1772816"/>
-            <a:ext cx="8219256" cy="4353347"/>
+            <a:off x="395536" y="1988840"/>
+            <a:ext cx="8291264" cy="4137323"/>
           </a:xfrm>
         </p:spPr>
         <p:txBody>
@@ -4922,7 +5088,7 @@
           <a:p>
             <a:r>
               <a:rPr lang="en-IN" dirty="0" smtClean="0"/>
-              <a:t>Trying to solved the problem in various technology already available for solving the problem will help us to port the exists solution to web browser.</a:t>
+              <a:t>Challenges involved in implementation of porting using the various technology.</a:t>
             </a:r>
           </a:p>
           <a:p>
@@ -4931,20 +5097,28 @@
           <a:p>
             <a:r>
               <a:rPr lang="en-IN" dirty="0" smtClean="0"/>
-              <a:t>In case the error are unsolvable then making my own transpiler for porting cocos2d c++ to cocos2d-JS.</a:t>
-            </a:r>
-          </a:p>
-          <a:p>
-            <a:pPr marL="0" indent="0">
-              <a:buNone/>
-            </a:pPr>
+              <a:t>Evaluation of the error involved in the technology in porting and finding the solution.</a:t>
+            </a:r>
+          </a:p>
+          <a:p>
+            <a:endParaRPr lang="en-IN" dirty="0"/>
+          </a:p>
+          <a:p>
+            <a:r>
+              <a:rPr lang="en-IN" dirty="0" smtClean="0"/>
+              <a:t>Challenges involved in making the new transpiler for conversion of cocos2d c++ to cocos2d-JS.</a:t>
+            </a:r>
+          </a:p>
+          <a:p>
+            <a:endParaRPr lang="en-IN" dirty="0"/>
+          </a:p>
+          <a:p>
             <a:endParaRPr lang="en-IN" dirty="0" smtClean="0"/>
           </a:p>
           <a:p>
-            <a:r>
-              <a:rPr lang="en-IN" dirty="0" smtClean="0"/>
-              <a:t>It will save the time of the company from recoding the application.</a:t>
-            </a:r>
+            <a:endParaRPr lang="en-IN" dirty="0"/>
+          </a:p>
+          <a:p>
             <a:endParaRPr lang="en-IN" dirty="0"/>
           </a:p>
         </p:txBody>
@@ -4975,7 +5149,7 @@
     </p:spTree>
     <p:extLst>
       <p:ext uri="{BB962C8B-B14F-4D97-AF65-F5344CB8AC3E}">
-        <p14:creationId xmlns:p14="http://schemas.microsoft.com/office/powerpoint/2010/main" val="2950801700"/>
+        <p14:creationId xmlns:p14="http://schemas.microsoft.com/office/powerpoint/2010/main" val="2804342837"/>
       </p:ext>
     </p:extLst>
   </p:cSld>
@@ -5019,119 +5193,68 @@
             <p:ph type="title"/>
           </p:nvPr>
         </p:nvSpPr>
+        <p:spPr/>
+        <p:txBody>
+          <a:bodyPr>
+            <a:normAutofit/>
+          </a:bodyPr>
+          <a:lstStyle/>
+          <a:p>
+            <a:r>
+              <a:rPr lang="en-IN" sz="4800" dirty="0" smtClean="0"/>
+              <a:t>Reason for working on this problem set</a:t>
+            </a:r>
+            <a:endParaRPr lang="en-IN" sz="4800" dirty="0"/>
+          </a:p>
+        </p:txBody>
+      </p:sp>
+      <p:sp>
+        <p:nvSpPr>
+          <p:cNvPr id="3" name="Content Placeholder 2"/>
+          <p:cNvSpPr>
+            <a:spLocks noGrp="1"/>
+          </p:cNvSpPr>
+          <p:nvPr>
+            <p:ph idx="1"/>
+          </p:nvPr>
+        </p:nvSpPr>
         <p:spPr>
           <a:xfrm>
-            <a:off x="457200" y="0"/>
-            <a:ext cx="8219256" cy="1268760"/>
+            <a:off x="467544" y="1772816"/>
+            <a:ext cx="8219256" cy="4353347"/>
           </a:xfrm>
         </p:spPr>
         <p:txBody>
-          <a:bodyPr/>
-          <a:lstStyle/>
-          <a:p>
-            <a:r>
-              <a:rPr lang="en-IN" sz="4800" dirty="0" smtClean="0"/>
-              <a:t>Approaches for the solution </a:t>
-            </a:r>
-            <a:endParaRPr lang="en-IN" sz="4800" dirty="0"/>
-          </a:p>
-        </p:txBody>
-      </p:sp>
-      <p:sp>
-        <p:nvSpPr>
-          <p:cNvPr id="3" name="Content Placeholder 2"/>
-          <p:cNvSpPr>
-            <a:spLocks noGrp="1"/>
-          </p:cNvSpPr>
-          <p:nvPr>
-            <p:ph idx="1"/>
-          </p:nvPr>
-        </p:nvSpPr>
-        <p:spPr/>
-        <p:txBody>
-          <a:bodyPr/>
-          <a:lstStyle/>
-          <a:p>
-            <a:r>
-              <a:rPr lang="en-IN" dirty="0" err="1" smtClean="0"/>
-              <a:t>Emscripten</a:t>
-            </a:r>
+          <a:bodyPr>
+            <a:normAutofit/>
+          </a:bodyPr>
+          <a:lstStyle/>
+          <a:p>
+            <a:r>
+              <a:rPr lang="en-IN" dirty="0" smtClean="0"/>
+              <a:t>Trying to solved the problem in various technology already available for solving the problem will help us to port the exists solution to web browser.</a:t>
+            </a:r>
+          </a:p>
+          <a:p>
+            <a:endParaRPr lang="en-IN" dirty="0"/>
+          </a:p>
+          <a:p>
+            <a:r>
+              <a:rPr lang="en-IN" dirty="0" smtClean="0"/>
+              <a:t>In case the error are unsolvable then making my own transpiler for porting cocos2d c++ to cocos2d-JS.</a:t>
+            </a:r>
+          </a:p>
+          <a:p>
+            <a:pPr marL="0" indent="0">
+              <a:buNone/>
+            </a:pPr>
             <a:endParaRPr lang="en-IN" dirty="0" smtClean="0"/>
           </a:p>
           <a:p>
-            <a:pPr marL="0" indent="0">
-              <a:buNone/>
-            </a:pPr>
-            <a:endParaRPr lang="en-IN" dirty="0"/>
-          </a:p>
-          <a:p>
-            <a:r>
-              <a:rPr lang="en-IN" dirty="0" err="1" smtClean="0"/>
-              <a:t>Flascc</a:t>
-            </a:r>
-            <a:endParaRPr lang="en-IN" dirty="0" smtClean="0"/>
-          </a:p>
-          <a:p>
-            <a:pPr marL="0" indent="0">
-              <a:buNone/>
-            </a:pPr>
-            <a:endParaRPr lang="en-IN" dirty="0"/>
-          </a:p>
-          <a:p>
-            <a:r>
-              <a:rPr lang="en-IN" dirty="0" err="1" smtClean="0"/>
-              <a:t>Cheerp</a:t>
-            </a:r>
-            <a:endParaRPr lang="en-IN" dirty="0" smtClean="0"/>
-          </a:p>
-          <a:p>
-            <a:pPr marL="0" indent="0">
-              <a:buNone/>
-            </a:pPr>
-            <a:endParaRPr lang="en-IN" dirty="0"/>
-          </a:p>
-          <a:p>
-            <a:r>
-              <a:rPr lang="en-IN" dirty="0" err="1"/>
-              <a:t>Cocos</a:t>
-            </a:r>
-            <a:endParaRPr lang="en-IN" dirty="0"/>
-          </a:p>
-          <a:p>
-            <a:pPr marL="971550" lvl="1" indent="-571500">
-              <a:buFont typeface="+mj-lt"/>
-              <a:buAutoNum type="romanLcPeriod"/>
-            </a:pPr>
-            <a:r>
-              <a:rPr lang="en-IN" sz="2000" dirty="0" err="1"/>
-              <a:t>Cocos</a:t>
-            </a:r>
-            <a:r>
-              <a:rPr lang="en-IN" sz="2000" dirty="0"/>
-              <a:t>-sharp</a:t>
-            </a:r>
-          </a:p>
-          <a:p>
-            <a:pPr marL="971550" lvl="1" indent="-571500">
-              <a:buFont typeface="+mj-lt"/>
-              <a:buAutoNum type="romanLcPeriod"/>
-            </a:pPr>
-            <a:r>
-              <a:rPr lang="en-IN" sz="2000" dirty="0"/>
-              <a:t>Cocos2d-HTML</a:t>
-            </a:r>
-          </a:p>
-          <a:p>
-            <a:pPr marL="971550" lvl="1" indent="-571500">
-              <a:buFont typeface="+mj-lt"/>
-              <a:buAutoNum type="romanLcPeriod"/>
-            </a:pPr>
-            <a:r>
-              <a:rPr lang="en-IN" sz="2000" dirty="0"/>
-              <a:t>Cocos2d-JS</a:t>
-            </a:r>
-          </a:p>
-          <a:p>
+            <a:r>
+              <a:rPr lang="en-IN" dirty="0" smtClean="0"/>
+              <a:t>It will save the time of the company from recoding the application.</a:t>
+            </a:r>
             <a:endParaRPr lang="en-IN" dirty="0"/>
           </a:p>
         </p:txBody>
@@ -5155,14 +5278,14 @@
               <a:rPr lang="en-IN" smtClean="0"/>
               <a:t>16</a:t>
             </a:fld>
-            <a:endParaRPr lang="en-IN" dirty="0"/>
+            <a:endParaRPr lang="en-IN"/>
           </a:p>
         </p:txBody>
       </p:sp>
     </p:spTree>
     <p:extLst>
       <p:ext uri="{BB962C8B-B14F-4D97-AF65-F5344CB8AC3E}">
-        <p14:creationId xmlns:p14="http://schemas.microsoft.com/office/powerpoint/2010/main" val="3057708482"/>
+        <p14:creationId xmlns:p14="http://schemas.microsoft.com/office/powerpoint/2010/main" val="2950801700"/>
       </p:ext>
     </p:extLst>
   </p:cSld>
@@ -5206,56 +5329,68 @@
             <p:ph type="title"/>
           </p:nvPr>
         </p:nvSpPr>
-        <p:spPr>
-          <a:xfrm>
-            <a:off x="395536" y="188640"/>
-            <a:ext cx="8003232" cy="778098"/>
-          </a:xfrm>
-        </p:spPr>
-        <p:txBody>
-          <a:bodyPr/>
-          <a:lstStyle/>
-          <a:p>
-            <a:r>
-              <a:rPr lang="en-IN" sz="4400" dirty="0" smtClean="0"/>
-              <a:t>Comparison of the approaches</a:t>
-            </a:r>
-            <a:endParaRPr lang="en-IN" sz="4400" dirty="0"/>
-          </a:p>
-        </p:txBody>
-      </p:sp>
-      <p:pic>
-        <p:nvPicPr>
-          <p:cNvPr id="4" name="Content Placeholder 3"/>
-          <p:cNvPicPr>
-            <a:picLocks noGrp="1" noChangeAspect="1"/>
-          </p:cNvPicPr>
+        <p:spPr/>
+        <p:txBody>
+          <a:bodyPr/>
+          <a:lstStyle/>
+          <a:p>
+            <a:r>
+              <a:rPr lang="en-IN" dirty="0" smtClean="0"/>
+              <a:t>New idea needed to work on </a:t>
+            </a:r>
+            <a:endParaRPr lang="en-IN" dirty="0"/>
+          </a:p>
+        </p:txBody>
+      </p:sp>
+      <p:sp>
+        <p:nvSpPr>
+          <p:cNvPr id="3" name="Content Placeholder 2"/>
+          <p:cNvSpPr>
+            <a:spLocks noGrp="1"/>
+          </p:cNvSpPr>
           <p:nvPr>
             <p:ph idx="1"/>
           </p:nvPr>
-        </p:nvPicPr>
-        <p:blipFill>
-          <a:blip r:embed="rId2">
-            <a:extLst>
-              <a:ext uri="{28A0092B-C50C-407E-A947-70E740481C1C}">
-                <a14:useLocalDpi xmlns:a14="http://schemas.microsoft.com/office/drawing/2010/main" val="0"/>
-              </a:ext>
-            </a:extLst>
-          </a:blip>
-          <a:stretch>
-            <a:fillRect/>
-          </a:stretch>
-        </p:blipFill>
-        <p:spPr>
-          <a:xfrm>
-            <a:off x="179512" y="908720"/>
-            <a:ext cx="8352928" cy="5557215"/>
-          </a:xfrm>
-        </p:spPr>
-      </p:pic>
-      <p:sp>
-        <p:nvSpPr>
-          <p:cNvPr id="5" name="Slide Number Placeholder 4"/>
+        </p:nvSpPr>
+        <p:spPr/>
+        <p:txBody>
+          <a:bodyPr/>
+          <a:lstStyle/>
+          <a:p>
+            <a:endParaRPr lang="en-IN" dirty="0" smtClean="0"/>
+          </a:p>
+          <a:p>
+            <a:r>
+              <a:rPr lang="en-IN" dirty="0" err="1" smtClean="0"/>
+              <a:t>Transpiler</a:t>
+            </a:r>
+            <a:r>
+              <a:rPr lang="en-IN" dirty="0" smtClean="0"/>
+              <a:t> architecture</a:t>
+            </a:r>
+          </a:p>
+          <a:p>
+            <a:endParaRPr lang="en-IN" dirty="0"/>
+          </a:p>
+          <a:p>
+            <a:r>
+              <a:rPr lang="en-IN" dirty="0" smtClean="0"/>
+              <a:t>Coding for the </a:t>
+            </a:r>
+            <a:r>
+              <a:rPr lang="en-IN" dirty="0" err="1" smtClean="0"/>
+              <a:t>transpiler</a:t>
+            </a:r>
+            <a:endParaRPr lang="en-IN" dirty="0" smtClean="0"/>
+          </a:p>
+          <a:p>
+            <a:endParaRPr lang="en-IN" dirty="0"/>
+          </a:p>
+        </p:txBody>
+      </p:sp>
+      <p:sp>
+        <p:nvSpPr>
+          <p:cNvPr id="4" name="Slide Number Placeholder 3"/>
           <p:cNvSpPr>
             <a:spLocks noGrp="1"/>
           </p:cNvSpPr>
@@ -5279,7 +5414,7 @@
     </p:spTree>
     <p:extLst>
       <p:ext uri="{BB962C8B-B14F-4D97-AF65-F5344CB8AC3E}">
-        <p14:creationId xmlns:p14="http://schemas.microsoft.com/office/powerpoint/2010/main" val="2296055678"/>
+        <p14:creationId xmlns:p14="http://schemas.microsoft.com/office/powerpoint/2010/main" val="3897248153"/>
       </p:ext>
     </p:extLst>
   </p:cSld>
@@ -5315,149 +5450,7 @@
       </p:grpSpPr>
       <p:sp>
         <p:nvSpPr>
-          <p:cNvPr id="2" name="Title 1"/>
-          <p:cNvSpPr>
-            <a:spLocks noGrp="1"/>
-          </p:cNvSpPr>
-          <p:nvPr>
-            <p:ph type="title"/>
-          </p:nvPr>
-        </p:nvSpPr>
-        <p:spPr>
-          <a:xfrm>
-            <a:off x="467544" y="404664"/>
-            <a:ext cx="7931224" cy="1052736"/>
-          </a:xfrm>
-        </p:spPr>
-        <p:txBody>
-          <a:bodyPr/>
-          <a:lstStyle/>
-          <a:p>
-            <a:r>
-              <a:rPr lang="en-IN" sz="4800" dirty="0" smtClean="0"/>
-              <a:t>Evaluation of the approaches</a:t>
-            </a:r>
-            <a:endParaRPr lang="en-IN" sz="4800" dirty="0"/>
-          </a:p>
-        </p:txBody>
-      </p:sp>
-      <p:sp>
-        <p:nvSpPr>
-          <p:cNvPr id="3" name="Content Placeholder 2"/>
-          <p:cNvSpPr>
-            <a:spLocks noGrp="1"/>
-          </p:cNvSpPr>
-          <p:nvPr>
-            <p:ph idx="1"/>
-          </p:nvPr>
-        </p:nvSpPr>
-        <p:spPr>
-          <a:xfrm>
-            <a:off x="395536" y="1700808"/>
-            <a:ext cx="8291264" cy="4425355"/>
-          </a:xfrm>
-        </p:spPr>
-        <p:txBody>
-          <a:bodyPr>
-            <a:normAutofit/>
-          </a:bodyPr>
-          <a:lstStyle/>
-          <a:p>
-            <a:r>
-              <a:rPr lang="en-IN" dirty="0" smtClean="0"/>
-              <a:t>The only solution found which ports the existing solution with a recode is </a:t>
-            </a:r>
-            <a:r>
-              <a:rPr lang="en-IN" dirty="0" err="1"/>
-              <a:t>E</a:t>
-            </a:r>
-            <a:r>
-              <a:rPr lang="en-IN" dirty="0" err="1" smtClean="0"/>
-              <a:t>mscripten</a:t>
-            </a:r>
-            <a:r>
-              <a:rPr lang="en-IN" dirty="0" smtClean="0"/>
-              <a:t>.</a:t>
-            </a:r>
-          </a:p>
-          <a:p>
-            <a:pPr marL="0" indent="0">
-              <a:buNone/>
-            </a:pPr>
-            <a:endParaRPr lang="en-IN" dirty="0"/>
-          </a:p>
-          <a:p>
-            <a:r>
-              <a:rPr lang="en-IN" dirty="0" smtClean="0"/>
-              <a:t>Reasons not using this </a:t>
-            </a:r>
-            <a:r>
-              <a:rPr lang="en-IN" dirty="0" smtClean="0"/>
-              <a:t>approach</a:t>
-            </a:r>
-          </a:p>
-          <a:p>
-            <a:pPr marL="0" indent="0">
-              <a:buNone/>
-            </a:pPr>
-            <a:endParaRPr lang="en-IN" dirty="0" smtClean="0"/>
-          </a:p>
-          <a:p>
-            <a:pPr marL="971550" lvl="1" indent="-571500">
-              <a:buFont typeface="+mj-lt"/>
-              <a:buAutoNum type="romanUcPeriod"/>
-            </a:pPr>
-            <a:r>
-              <a:rPr lang="en-IN" sz="2000" dirty="0" smtClean="0"/>
-              <a:t>It converts the code into asm.js which is not so developer friendly</a:t>
-            </a:r>
-            <a:r>
-              <a:rPr lang="en-IN" sz="2000" dirty="0" smtClean="0"/>
-              <a:t>.</a:t>
-            </a:r>
-          </a:p>
-          <a:p>
-            <a:pPr marL="971550" lvl="1" indent="-571500">
-              <a:buFont typeface="+mj-lt"/>
-              <a:buAutoNum type="romanUcPeriod"/>
-            </a:pPr>
-            <a:endParaRPr lang="en-IN" sz="2000" dirty="0" smtClean="0"/>
-          </a:p>
-          <a:p>
-            <a:pPr marL="971550" lvl="1" indent="-571500">
-              <a:buFont typeface="+mj-lt"/>
-              <a:buAutoNum type="romanUcPeriod"/>
-            </a:pPr>
-            <a:r>
-              <a:rPr lang="en-IN" sz="2000" dirty="0" smtClean="0"/>
-              <a:t>It </a:t>
-            </a:r>
-            <a:r>
-              <a:rPr lang="en-IN" sz="2000" dirty="0" smtClean="0"/>
-              <a:t>gives a lot of bug when compiling for porting  cocos2d </a:t>
-            </a:r>
-            <a:r>
-              <a:rPr lang="en-IN" sz="2000" dirty="0" smtClean="0"/>
-              <a:t>c</a:t>
-            </a:r>
-            <a:r>
-              <a:rPr lang="en-IN" sz="2000" dirty="0" smtClean="0"/>
-              <a:t>++ to </a:t>
-            </a:r>
-            <a:r>
-              <a:rPr lang="en-IN" sz="2000" dirty="0" smtClean="0"/>
-              <a:t>JavaScript.</a:t>
-            </a:r>
-            <a:endParaRPr lang="en-IN" sz="2000" dirty="0" smtClean="0"/>
-          </a:p>
-          <a:p>
-            <a:endParaRPr lang="en-IN" dirty="0"/>
-          </a:p>
-        </p:txBody>
-      </p:sp>
-      <p:sp>
-        <p:nvSpPr>
-          <p:cNvPr id="5" name="Slide Number Placeholder 4"/>
+          <p:cNvPr id="4" name="Slide Number Placeholder 3"/>
           <p:cNvSpPr>
             <a:spLocks noGrp="1"/>
           </p:cNvSpPr>
@@ -5478,23 +5471,244 @@
           </a:p>
         </p:txBody>
       </p:sp>
+      <p:sp>
+        <p:nvSpPr>
+          <p:cNvPr id="5" name="Rectangle 4"/>
+          <p:cNvSpPr/>
+          <p:nvPr/>
+        </p:nvSpPr>
+        <p:spPr>
+          <a:xfrm>
+            <a:off x="899592" y="3140968"/>
+            <a:ext cx="2520280" cy="360040"/>
+          </a:xfrm>
+          <a:prstGeom prst="rect">
+            <a:avLst/>
+          </a:prstGeom>
+          <a:solidFill>
+            <a:schemeClr val="accent1">
+              <a:lumMod val="20000"/>
+              <a:lumOff val="80000"/>
+            </a:schemeClr>
+          </a:solidFill>
+        </p:spPr>
+        <p:style>
+          <a:lnRef idx="2">
+            <a:schemeClr val="accent1">
+              <a:shade val="50000"/>
+            </a:schemeClr>
+          </a:lnRef>
+          <a:fillRef idx="1">
+            <a:schemeClr val="accent1"/>
+          </a:fillRef>
+          <a:effectRef idx="0">
+            <a:schemeClr val="accent1"/>
+          </a:effectRef>
+          <a:fontRef idx="minor">
+            <a:schemeClr val="lt1"/>
+          </a:fontRef>
+        </p:style>
+        <p:txBody>
+          <a:bodyPr rtlCol="0" anchor="ctr"/>
+          <a:lstStyle/>
+          <a:p>
+            <a:pPr algn="ctr"/>
+            <a:endParaRPr lang="en-IN"/>
+          </a:p>
+        </p:txBody>
+      </p:sp>
+      <p:sp>
+        <p:nvSpPr>
+          <p:cNvPr id="6" name="Rectangle 5"/>
+          <p:cNvSpPr/>
+          <p:nvPr/>
+        </p:nvSpPr>
+        <p:spPr>
+          <a:xfrm>
+            <a:off x="3203848" y="3140968"/>
+            <a:ext cx="2520280" cy="360040"/>
+          </a:xfrm>
+          <a:prstGeom prst="rect">
+            <a:avLst/>
+          </a:prstGeom>
+          <a:solidFill>
+            <a:srgbClr val="C00000"/>
+          </a:solidFill>
+        </p:spPr>
+        <p:style>
+          <a:lnRef idx="2">
+            <a:schemeClr val="accent1">
+              <a:shade val="50000"/>
+            </a:schemeClr>
+          </a:lnRef>
+          <a:fillRef idx="1">
+            <a:schemeClr val="accent1"/>
+          </a:fillRef>
+          <a:effectRef idx="0">
+            <a:schemeClr val="accent1"/>
+          </a:effectRef>
+          <a:fontRef idx="minor">
+            <a:schemeClr val="lt1"/>
+          </a:fontRef>
+        </p:style>
+        <p:txBody>
+          <a:bodyPr rtlCol="0" anchor="ctr"/>
+          <a:lstStyle/>
+          <a:p>
+            <a:pPr algn="ctr"/>
+            <a:endParaRPr lang="en-IN"/>
+          </a:p>
+        </p:txBody>
+      </p:sp>
+      <p:sp>
+        <p:nvSpPr>
+          <p:cNvPr id="7" name="Rectangle 6"/>
+          <p:cNvSpPr/>
+          <p:nvPr/>
+        </p:nvSpPr>
+        <p:spPr>
+          <a:xfrm>
+            <a:off x="5724128" y="3140968"/>
+            <a:ext cx="2520280" cy="360040"/>
+          </a:xfrm>
+          <a:prstGeom prst="rect">
+            <a:avLst/>
+          </a:prstGeom>
+          <a:solidFill>
+            <a:schemeClr val="accent1">
+              <a:lumMod val="20000"/>
+              <a:lumOff val="80000"/>
+            </a:schemeClr>
+          </a:solidFill>
+        </p:spPr>
+        <p:style>
+          <a:lnRef idx="2">
+            <a:schemeClr val="accent1">
+              <a:shade val="50000"/>
+            </a:schemeClr>
+          </a:lnRef>
+          <a:fillRef idx="1">
+            <a:schemeClr val="accent1"/>
+          </a:fillRef>
+          <a:effectRef idx="0">
+            <a:schemeClr val="accent1"/>
+          </a:effectRef>
+          <a:fontRef idx="minor">
+            <a:schemeClr val="lt1"/>
+          </a:fontRef>
+        </p:style>
+        <p:txBody>
+          <a:bodyPr rtlCol="0" anchor="ctr"/>
+          <a:lstStyle/>
+          <a:p>
+            <a:pPr algn="ctr"/>
+            <a:endParaRPr lang="en-IN"/>
+          </a:p>
+        </p:txBody>
+      </p:sp>
+      <p:sp>
+        <p:nvSpPr>
+          <p:cNvPr id="8" name="TextBox 7"/>
+          <p:cNvSpPr txBox="1"/>
+          <p:nvPr/>
+        </p:nvSpPr>
+        <p:spPr>
+          <a:xfrm>
+            <a:off x="899592" y="2636912"/>
+            <a:ext cx="2232248" cy="369332"/>
+          </a:xfrm>
+          <a:prstGeom prst="rect">
+            <a:avLst/>
+          </a:prstGeom>
+          <a:noFill/>
+        </p:spPr>
+        <p:txBody>
+          <a:bodyPr wrap="square" rtlCol="0">
+            <a:spAutoFit/>
+          </a:bodyPr>
+          <a:lstStyle/>
+          <a:p>
+            <a:r>
+              <a:rPr lang="en-IN" dirty="0" smtClean="0"/>
+              <a:t>Introduction</a:t>
+            </a:r>
+            <a:endParaRPr lang="en-IN" dirty="0"/>
+          </a:p>
+        </p:txBody>
+      </p:sp>
+      <p:sp>
+        <p:nvSpPr>
+          <p:cNvPr id="9" name="TextBox 8"/>
+          <p:cNvSpPr txBox="1"/>
+          <p:nvPr/>
+        </p:nvSpPr>
+        <p:spPr>
+          <a:xfrm>
+            <a:off x="5868144" y="2627620"/>
+            <a:ext cx="2232248" cy="369332"/>
+          </a:xfrm>
+          <a:prstGeom prst="rect">
+            <a:avLst/>
+          </a:prstGeom>
+          <a:noFill/>
+        </p:spPr>
+        <p:txBody>
+          <a:bodyPr wrap="square" rtlCol="0">
+            <a:spAutoFit/>
+          </a:bodyPr>
+          <a:lstStyle/>
+          <a:p>
+            <a:r>
+              <a:rPr lang="en-IN" dirty="0" smtClean="0"/>
+              <a:t>Summary</a:t>
+            </a:r>
+            <a:endParaRPr lang="en-IN" dirty="0"/>
+          </a:p>
+        </p:txBody>
+      </p:sp>
+      <p:sp>
+        <p:nvSpPr>
+          <p:cNvPr id="10" name="TextBox 9"/>
+          <p:cNvSpPr txBox="1"/>
+          <p:nvPr/>
+        </p:nvSpPr>
+        <p:spPr>
+          <a:xfrm>
+            <a:off x="3261825" y="2316640"/>
+            <a:ext cx="2232248" cy="646331"/>
+          </a:xfrm>
+          <a:prstGeom prst="rect">
+            <a:avLst/>
+          </a:prstGeom>
+          <a:noFill/>
+        </p:spPr>
+        <p:txBody>
+          <a:bodyPr wrap="square" rtlCol="0">
+            <a:spAutoFit/>
+          </a:bodyPr>
+          <a:lstStyle/>
+          <a:p>
+            <a:r>
+              <a:rPr lang="en-IN" dirty="0" smtClean="0"/>
+              <a:t>Task performed </a:t>
+            </a:r>
+            <a:r>
+              <a:rPr lang="en-IN" dirty="0"/>
+              <a:t>and accomplishments</a:t>
+            </a:r>
+          </a:p>
+        </p:txBody>
+      </p:sp>
     </p:spTree>
     <p:extLst>
       <p:ext uri="{BB962C8B-B14F-4D97-AF65-F5344CB8AC3E}">
-        <p14:creationId xmlns:p14="http://schemas.microsoft.com/office/powerpoint/2010/main" val="2895704288"/>
+        <p14:creationId xmlns:p14="http://schemas.microsoft.com/office/powerpoint/2010/main" val="2044284899"/>
       </p:ext>
     </p:extLst>
   </p:cSld>
   <p:clrMapOvr>
     <a:masterClrMapping/>
   </p:clrMapOvr>
-  <p:timing>
-    <p:tnLst>
-      <p:par>
-        <p:cTn id="1" dur="indefinite" restart="never" nodeType="tmRoot"/>
-      </p:par>
-    </p:tnLst>
-  </p:timing>
 </p:sld>
 </file>
 
@@ -5527,8 +5741,8 @@
         </p:nvSpPr>
         <p:spPr>
           <a:xfrm>
-            <a:off x="395536" y="116632"/>
-            <a:ext cx="8075240" cy="850106"/>
+            <a:off x="457200" y="0"/>
+            <a:ext cx="7859216" cy="1124744"/>
           </a:xfrm>
         </p:spPr>
         <p:txBody>
@@ -5537,7 +5751,7 @@
           <a:p>
             <a:r>
               <a:rPr lang="en-IN" sz="4800" dirty="0" smtClean="0"/>
-              <a:t>Alternate approach</a:t>
+              <a:t>Requirement analysis </a:t>
             </a:r>
             <a:endParaRPr lang="en-IN" sz="4800" dirty="0"/>
           </a:p>
@@ -5555,27 +5769,38 @@
         </p:nvSpPr>
         <p:spPr>
           <a:xfrm>
-            <a:off x="395536" y="1412776"/>
-            <a:ext cx="8291264" cy="4713387"/>
+            <a:off x="395536" y="1196752"/>
+            <a:ext cx="8291264" cy="4929411"/>
           </a:xfrm>
         </p:spPr>
         <p:txBody>
-          <a:bodyPr/>
-          <a:lstStyle/>
-          <a:p>
-            <a:r>
-              <a:rPr lang="en-IN" dirty="0" smtClean="0"/>
-              <a:t>Making a transpiler which converts the existing code cocos2d c++ to cocos2d JS</a:t>
-            </a:r>
-            <a:r>
-              <a:rPr lang="en-IN" dirty="0" smtClean="0"/>
-              <a:t>.</a:t>
-            </a:r>
-          </a:p>
-          <a:p>
+          <a:bodyPr>
+            <a:normAutofit/>
+          </a:bodyPr>
+          <a:lstStyle/>
+          <a:p>
+            <a:r>
+              <a:rPr lang="en-IN" dirty="0" err="1" smtClean="0"/>
+              <a:t>TrunAPP</a:t>
+            </a:r>
+            <a:r>
+              <a:rPr lang="en-IN" dirty="0" smtClean="0"/>
+              <a:t> is an existing application made in cocos2d-x C++.</a:t>
+            </a:r>
+          </a:p>
+          <a:p>
+            <a:pPr marL="0" indent="0">
+              <a:buNone/>
+            </a:pPr>
             <a:endParaRPr lang="en-IN" dirty="0" smtClean="0"/>
           </a:p>
           <a:p>
+            <a:r>
+              <a:rPr lang="en-IN" dirty="0" smtClean="0"/>
+              <a:t>It is a cross platform application.</a:t>
+            </a:r>
+          </a:p>
+          <a:p>
             <a:pPr marL="0" indent="0">
               <a:buNone/>
             </a:pPr>
@@ -5584,45 +5809,26 @@
           <a:p>
             <a:r>
               <a:rPr lang="en-IN" dirty="0" smtClean="0"/>
-              <a:t>Steps followed</a:t>
-            </a:r>
-            <a:r>
-              <a:rPr lang="en-IN" dirty="0" smtClean="0"/>
-              <a:t>…</a:t>
+              <a:t>Its is needed to be ported to web browser</a:t>
             </a:r>
           </a:p>
           <a:p>
             <a:pPr marL="0" indent="0">
               <a:buNone/>
             </a:pPr>
-            <a:endParaRPr lang="en-IN" dirty="0"/>
-          </a:p>
-          <a:p>
-            <a:pPr marL="971550" lvl="1" indent="-571500">
-              <a:buFont typeface="+mj-lt"/>
-              <a:buAutoNum type="romanUcPeriod"/>
-            </a:pPr>
-            <a:r>
-              <a:rPr lang="en-IN" sz="2000" dirty="0" smtClean="0"/>
-              <a:t>Literature review of the existing transpiler. concepts.</a:t>
-            </a:r>
-          </a:p>
-          <a:p>
-            <a:pPr marL="971550" lvl="1" indent="-571500">
-              <a:buFont typeface="+mj-lt"/>
-              <a:buAutoNum type="romanUcPeriod"/>
-            </a:pPr>
-            <a:endParaRPr lang="en-IN" sz="2000" dirty="0"/>
-          </a:p>
-          <a:p>
-            <a:pPr marL="971550" lvl="1" indent="-571500">
-              <a:buFont typeface="+mj-lt"/>
-              <a:buAutoNum type="romanUcPeriod"/>
-            </a:pPr>
-            <a:r>
-              <a:rPr lang="en-IN" sz="2000" dirty="0" smtClean="0"/>
-              <a:t>Coding the new transpiler.</a:t>
-            </a:r>
+            <a:endParaRPr lang="en-IN" dirty="0" smtClean="0"/>
+          </a:p>
+          <a:p>
+            <a:r>
+              <a:rPr lang="en-IN" dirty="0" smtClean="0"/>
+              <a:t>Analysis of the technologies which can transfer this to web browser.</a:t>
+            </a:r>
+          </a:p>
+          <a:p>
+            <a:pPr marL="0" indent="0">
+              <a:buNone/>
+            </a:pPr>
+            <a:endParaRPr lang="en-IN" dirty="0" smtClean="0"/>
           </a:p>
         </p:txBody>
       </p:sp>
@@ -5652,7 +5858,7 @@
     </p:spTree>
     <p:extLst>
       <p:ext uri="{BB962C8B-B14F-4D97-AF65-F5344CB8AC3E}">
-        <p14:creationId xmlns:p14="http://schemas.microsoft.com/office/powerpoint/2010/main" val="1940611152"/>
+        <p14:creationId xmlns:p14="http://schemas.microsoft.com/office/powerpoint/2010/main" val="1316599505"/>
       </p:ext>
     </p:extLst>
   </p:cSld>
@@ -5756,11 +5962,19 @@
             </a:r>
             <a:r>
               <a:rPr lang="en-IN" dirty="0"/>
-              <a:t>set that the thesis deal </a:t>
-            </a:r>
-            <a:r>
-              <a:rPr lang="en-IN" dirty="0" smtClean="0"/>
-              <a:t>with……………..   3</a:t>
+              <a:t>set </a:t>
+            </a:r>
+            <a:r>
+              <a:rPr lang="en-IN" dirty="0" smtClean="0"/>
+              <a:t>does the </a:t>
+            </a:r>
+            <a:r>
+              <a:rPr lang="en-IN" dirty="0"/>
+              <a:t>thesis deal </a:t>
+            </a:r>
+            <a:r>
+              <a:rPr lang="en-IN" dirty="0" smtClean="0"/>
+              <a:t>with……………..  3</a:t>
             </a:r>
           </a:p>
           <a:p>
@@ -5770,7 +5984,7 @@
             </a:pPr>
             <a:r>
               <a:rPr lang="en-IN" dirty="0" smtClean="0"/>
-              <a:t>Hypothesis……………………………………………...   4</a:t>
+              <a:t>Hypothesis……………………………………………..... 4</a:t>
             </a:r>
           </a:p>
           <a:p>
@@ -5810,7 +6024,7 @@
             </a:pPr>
             <a:r>
               <a:rPr lang="en-IN" dirty="0" smtClean="0"/>
-              <a:t>Approaches for solution………………………..........  11</a:t>
+              <a:t>Relevance for working on this problem set   ........  11</a:t>
             </a:r>
           </a:p>
           <a:p>
@@ -5820,7 +6034,7 @@
             </a:pPr>
             <a:r>
               <a:rPr lang="en-IN" dirty="0" smtClean="0"/>
-              <a:t>Comparison of the approaches…………………...  12</a:t>
+              <a:t>Solution that are already available      …………...  12</a:t>
             </a:r>
           </a:p>
           <a:p>
@@ -5830,17 +6044,7 @@
             </a:pPr>
             <a:r>
               <a:rPr lang="en-IN" dirty="0" smtClean="0"/>
-              <a:t>Evaluation of approaches…………………………..  13</a:t>
-            </a:r>
-          </a:p>
-          <a:p>
-            <a:pPr marL="457200" indent="-457200">
-              <a:buFont typeface="+mj-lt"/>
-              <a:buAutoNum type="arabicPeriod"/>
-            </a:pPr>
-            <a:r>
-              <a:rPr lang="en-IN" dirty="0" smtClean="0"/>
-              <a:t>Alternate approaches ………………………………  14</a:t>
+              <a:t>Task that I performed             ………………………..  13</a:t>
             </a:r>
           </a:p>
           <a:p>
@@ -5925,7 +6129,7 @@
         <p:spPr>
           <a:xfrm>
             <a:off x="457200" y="0"/>
-            <a:ext cx="7859216" cy="1124744"/>
+            <a:ext cx="8219256" cy="1268760"/>
           </a:xfrm>
         </p:spPr>
         <p:txBody>
@@ -5934,7 +6138,7 @@
           <a:p>
             <a:r>
               <a:rPr lang="en-IN" sz="4800" dirty="0" smtClean="0"/>
-              <a:t>Requirement analysis </a:t>
+              <a:t>Approaches for the solution </a:t>
             </a:r>
             <a:endParaRPr lang="en-IN" sz="4800" dirty="0"/>
           </a:p>
@@ -5950,87 +6154,92 @@
             <p:ph idx="1"/>
           </p:nvPr>
         </p:nvSpPr>
-        <p:spPr>
-          <a:xfrm>
-            <a:off x="395536" y="1196752"/>
-            <a:ext cx="8291264" cy="4929411"/>
-          </a:xfrm>
-        </p:spPr>
-        <p:txBody>
-          <a:bodyPr>
-            <a:normAutofit/>
-          </a:bodyPr>
+        <p:spPr/>
+        <p:txBody>
+          <a:bodyPr/>
           <a:lstStyle/>
           <a:p>
             <a:r>
               <a:rPr lang="en-IN" dirty="0" err="1" smtClean="0"/>
-              <a:t>TrunApp</a:t>
-            </a:r>
-            <a:r>
-              <a:rPr lang="en-IN" dirty="0" smtClean="0"/>
-              <a:t> is an existing application made in cocos2d-x </a:t>
-            </a:r>
+              <a:t>Emscripten</a:t>
+            </a:r>
+            <a:endParaRPr lang="en-IN" dirty="0" smtClean="0"/>
+          </a:p>
+          <a:p>
+            <a:pPr marL="0" indent="0">
+              <a:buNone/>
+            </a:pPr>
+            <a:endParaRPr lang="en-IN" dirty="0"/>
+          </a:p>
+          <a:p>
             <a:r>
               <a:rPr lang="en-IN" dirty="0" err="1" smtClean="0"/>
-              <a:t>c++</a:t>
-            </a:r>
-            <a:r>
-              <a:rPr lang="en-IN" dirty="0" smtClean="0"/>
-              <a:t>.</a:t>
-            </a:r>
+              <a:t>Flascc</a:t>
+            </a:r>
+            <a:endParaRPr lang="en-IN" dirty="0" smtClean="0"/>
           </a:p>
           <a:p>
             <a:pPr marL="0" indent="0">
               <a:buNone/>
             </a:pPr>
+            <a:endParaRPr lang="en-IN" dirty="0"/>
+          </a:p>
+          <a:p>
+            <a:r>
+              <a:rPr lang="en-IN" dirty="0" err="1" smtClean="0"/>
+              <a:t>Cheerp</a:t>
+            </a:r>
             <a:endParaRPr lang="en-IN" dirty="0" smtClean="0"/>
           </a:p>
           <a:p>
-            <a:r>
-              <a:rPr lang="en-IN" dirty="0" smtClean="0"/>
-              <a:t>It is a cross platform application.</a:t>
-            </a:r>
-          </a:p>
-          <a:p>
             <a:pPr marL="0" indent="0">
               <a:buNone/>
             </a:pPr>
-            <a:endParaRPr lang="en-IN" dirty="0" smtClean="0"/>
-          </a:p>
-          <a:p>
-            <a:r>
-              <a:rPr lang="en-IN" dirty="0" smtClean="0"/>
-              <a:t>Its is needed to be ported to web browser</a:t>
-            </a:r>
-          </a:p>
-          <a:p>
-            <a:pPr marL="0" indent="0">
-              <a:buNone/>
-            </a:pPr>
-            <a:endParaRPr lang="en-IN" dirty="0" smtClean="0"/>
-          </a:p>
-          <a:p>
-            <a:r>
-              <a:rPr lang="en-IN" dirty="0" smtClean="0"/>
-              <a:t>Analysis of the technologies which can transfer this to web browser.</a:t>
-            </a:r>
-          </a:p>
-          <a:p>
-            <a:endParaRPr lang="en-IN" dirty="0" smtClean="0"/>
-          </a:p>
-          <a:p>
-            <a:r>
-              <a:rPr lang="en-IN" dirty="0" smtClean="0"/>
-              <a:t>Coding the new </a:t>
-            </a:r>
-            <a:r>
-              <a:rPr lang="en-IN" dirty="0" err="1" smtClean="0"/>
-              <a:t>transplier</a:t>
-            </a:r>
-            <a:r>
-              <a:rPr lang="en-IN" dirty="0"/>
-              <a:t>.</a:t>
-            </a:r>
+            <a:endParaRPr lang="en-IN" dirty="0"/>
+          </a:p>
+          <a:p>
+            <a:r>
+              <a:rPr lang="en-IN" dirty="0" err="1"/>
+              <a:t>Cocos</a:t>
+            </a:r>
+            <a:endParaRPr lang="en-IN" dirty="0"/>
+          </a:p>
+          <a:p>
+            <a:pPr marL="971550" lvl="1" indent="-571500">
+              <a:buFont typeface="+mj-lt"/>
+              <a:buAutoNum type="romanLcPeriod"/>
+            </a:pPr>
+            <a:r>
+              <a:rPr lang="en-IN" sz="2000" dirty="0" err="1"/>
+              <a:t>Cocos</a:t>
+            </a:r>
+            <a:r>
+              <a:rPr lang="en-IN" sz="2000" dirty="0"/>
+              <a:t>-sharp</a:t>
+            </a:r>
+          </a:p>
+          <a:p>
+            <a:pPr marL="971550" lvl="1" indent="-571500">
+              <a:buFont typeface="+mj-lt"/>
+              <a:buAutoNum type="romanLcPeriod"/>
+            </a:pPr>
+            <a:r>
+              <a:rPr lang="en-IN" sz="2000" dirty="0"/>
+              <a:t>Cocos2d-HTML</a:t>
+            </a:r>
+          </a:p>
+          <a:p>
+            <a:pPr marL="971550" lvl="1" indent="-571500">
+              <a:buFont typeface="+mj-lt"/>
+              <a:buAutoNum type="romanLcPeriod"/>
+            </a:pPr>
+            <a:r>
+              <a:rPr lang="en-IN" sz="2000" dirty="0"/>
+              <a:t>Cocos2d-JS</a:t>
+            </a:r>
+          </a:p>
+          <a:p>
+            <a:endParaRPr lang="en-IN" dirty="0"/>
           </a:p>
         </p:txBody>
       </p:sp>
@@ -6053,14 +6262,14 @@
               <a:rPr lang="en-IN" smtClean="0"/>
               <a:t>20</a:t>
             </a:fld>
-            <a:endParaRPr lang="en-IN"/>
+            <a:endParaRPr lang="en-IN" dirty="0"/>
           </a:p>
         </p:txBody>
       </p:sp>
     </p:spTree>
     <p:extLst>
       <p:ext uri="{BB962C8B-B14F-4D97-AF65-F5344CB8AC3E}">
-        <p14:creationId xmlns:p14="http://schemas.microsoft.com/office/powerpoint/2010/main" val="1316599505"/>
+        <p14:creationId xmlns:p14="http://schemas.microsoft.com/office/powerpoint/2010/main" val="3057708482"/>
       </p:ext>
     </p:extLst>
   </p:cSld>
@@ -6106,8 +6315,8 @@
         </p:nvSpPr>
         <p:spPr>
           <a:xfrm>
-            <a:off x="457200" y="0"/>
-            <a:ext cx="7571184" cy="908720"/>
+            <a:off x="395536" y="188640"/>
+            <a:ext cx="8003232" cy="778098"/>
           </a:xfrm>
         </p:spPr>
         <p:txBody>
@@ -6115,106 +6324,42 @@
           <a:lstStyle/>
           <a:p>
             <a:r>
-              <a:rPr lang="en-IN" sz="4800" dirty="0" smtClean="0"/>
-              <a:t>Building the transpiler</a:t>
-            </a:r>
-            <a:endParaRPr lang="en-IN" sz="4800" dirty="0"/>
-          </a:p>
-        </p:txBody>
-      </p:sp>
-      <p:sp>
-        <p:nvSpPr>
-          <p:cNvPr id="3" name="Content Placeholder 2"/>
-          <p:cNvSpPr>
-            <a:spLocks noGrp="1"/>
-          </p:cNvSpPr>
+              <a:rPr lang="en-IN" sz="4400" dirty="0" smtClean="0"/>
+              <a:t>Comparison of the approaches</a:t>
+            </a:r>
+            <a:endParaRPr lang="en-IN" sz="4400" dirty="0"/>
+          </a:p>
+        </p:txBody>
+      </p:sp>
+      <p:pic>
+        <p:nvPicPr>
+          <p:cNvPr id="4" name="Content Placeholder 3"/>
+          <p:cNvPicPr>
+            <a:picLocks noGrp="1" noChangeAspect="1"/>
+          </p:cNvPicPr>
           <p:nvPr>
             <p:ph idx="1"/>
           </p:nvPr>
-        </p:nvSpPr>
+        </p:nvPicPr>
+        <p:blipFill>
+          <a:blip r:embed="rId2">
+            <a:extLst>
+              <a:ext uri="{28A0092B-C50C-407E-A947-70E740481C1C}">
+                <a14:useLocalDpi xmlns:a14="http://schemas.microsoft.com/office/drawing/2010/main" val="0"/>
+              </a:ext>
+            </a:extLst>
+          </a:blip>
+          <a:stretch>
+            <a:fillRect/>
+          </a:stretch>
+        </p:blipFill>
         <p:spPr>
           <a:xfrm>
-            <a:off x="395536" y="980728"/>
-            <a:ext cx="8291264" cy="5145435"/>
+            <a:off x="179512" y="908720"/>
+            <a:ext cx="8352928" cy="5557215"/>
           </a:xfrm>
         </p:spPr>
-        <p:txBody>
-          <a:bodyPr/>
-          <a:lstStyle/>
-          <a:p>
-            <a:pPr marL="0" indent="0">
-              <a:buNone/>
-            </a:pPr>
-            <a:endParaRPr lang="en-IN" dirty="0" smtClean="0"/>
-          </a:p>
-          <a:p>
-            <a:pPr marL="0" indent="0">
-              <a:buNone/>
-            </a:pPr>
-            <a:endParaRPr lang="en-IN" dirty="0"/>
-          </a:p>
-          <a:p>
-            <a:pPr marL="0" indent="0">
-              <a:buNone/>
-            </a:pPr>
-            <a:r>
-              <a:rPr lang="en-IN" dirty="0" smtClean="0"/>
-              <a:t>Coding </a:t>
-            </a:r>
-            <a:r>
-              <a:rPr lang="en-IN" dirty="0" smtClean="0"/>
-              <a:t>the transpiler logic:</a:t>
-            </a:r>
-          </a:p>
-          <a:p>
-            <a:pPr marL="0" indent="0">
-              <a:buNone/>
-            </a:pPr>
-            <a:endParaRPr lang="en-IN" dirty="0" smtClean="0"/>
-          </a:p>
-          <a:p>
-            <a:pPr marL="571500" indent="-571500">
-              <a:buFont typeface="+mj-lt"/>
-              <a:buAutoNum type="romanUcPeriod"/>
-            </a:pPr>
-            <a:r>
-              <a:rPr lang="en-IN" dirty="0" smtClean="0"/>
-              <a:t>Lexical analysis </a:t>
-            </a:r>
-          </a:p>
-          <a:p>
-            <a:pPr marL="571500" indent="-571500">
-              <a:buFont typeface="+mj-lt"/>
-              <a:buAutoNum type="romanUcPeriod"/>
-            </a:pPr>
-            <a:r>
-              <a:rPr lang="en-IN" dirty="0" smtClean="0"/>
-              <a:t>Syntactical analysis (grammar check)</a:t>
-            </a:r>
-          </a:p>
-          <a:p>
-            <a:pPr marL="571500" indent="-571500">
-              <a:buFont typeface="+mj-lt"/>
-              <a:buAutoNum type="romanUcPeriod"/>
-            </a:pPr>
-            <a:r>
-              <a:rPr lang="en-IN" dirty="0" smtClean="0"/>
-              <a:t>Translation logic </a:t>
-            </a:r>
-          </a:p>
-          <a:p>
-            <a:pPr marL="571500" indent="-571500">
-              <a:buFont typeface="+mj-lt"/>
-              <a:buAutoNum type="romanUcPeriod"/>
-            </a:pPr>
-            <a:r>
-              <a:rPr lang="en-IN" dirty="0" smtClean="0"/>
-              <a:t>Training the system</a:t>
-            </a:r>
-            <a:endParaRPr lang="en-IN" dirty="0"/>
-          </a:p>
-        </p:txBody>
-      </p:sp>
+      </p:pic>
       <p:sp>
         <p:nvSpPr>
           <p:cNvPr id="5" name="Slide Number Placeholder 4"/>
@@ -6241,7 +6386,7 @@
     </p:spTree>
     <p:extLst>
       <p:ext uri="{BB962C8B-B14F-4D97-AF65-F5344CB8AC3E}">
-        <p14:creationId xmlns:p14="http://schemas.microsoft.com/office/powerpoint/2010/main" val="1293744943"/>
+        <p14:creationId xmlns:p14="http://schemas.microsoft.com/office/powerpoint/2010/main" val="788933279"/>
       </p:ext>
     </p:extLst>
   </p:cSld>
@@ -6287,19 +6432,28 @@
         </p:nvSpPr>
         <p:spPr>
           <a:xfrm>
-            <a:off x="457200" y="0"/>
-            <a:ext cx="7427168" cy="980728"/>
+            <a:off x="395536" y="548680"/>
+            <a:ext cx="8075240" cy="994122"/>
           </a:xfrm>
         </p:spPr>
         <p:txBody>
-          <a:bodyPr/>
-          <a:lstStyle/>
-          <a:p>
-            <a:r>
-              <a:rPr lang="en-IN" sz="4800" dirty="0" smtClean="0"/>
-              <a:t>Lexical analysis</a:t>
-            </a:r>
-            <a:endParaRPr lang="en-IN" sz="4800" dirty="0"/>
+          <a:bodyPr>
+            <a:normAutofit fontScale="90000"/>
+          </a:bodyPr>
+          <a:lstStyle/>
+          <a:p>
+            <a:r>
+              <a:rPr lang="en-IN" sz="5300" dirty="0"/>
+              <a:t>Comparative approach</a:t>
+            </a:r>
+            <a:r>
+              <a:rPr lang="en-IN" dirty="0"/>
+              <a:t> </a:t>
+            </a:r>
+            <a:br>
+              <a:rPr lang="en-IN" dirty="0"/>
+            </a:br>
+            <a:endParaRPr lang="en-IN" dirty="0"/>
           </a:p>
         </p:txBody>
       </p:sp>
@@ -6315,48 +6469,158 @@
         </p:nvSpPr>
         <p:spPr>
           <a:xfrm>
-            <a:off x="395536" y="1124744"/>
-            <a:ext cx="8229600" cy="4525963"/>
+            <a:off x="971600" y="1196752"/>
+            <a:ext cx="7715200" cy="4929411"/>
           </a:xfrm>
         </p:spPr>
         <p:txBody>
-          <a:bodyPr/>
-          <a:lstStyle/>
-          <a:p>
+          <a:bodyPr>
+            <a:normAutofit/>
+          </a:bodyPr>
+          <a:lstStyle/>
+          <a:p>
+            <a:pPr marL="457200" indent="-457200">
+              <a:buAutoNum type="arabicPeriod"/>
+            </a:pPr>
+            <a:r>
+              <a:rPr lang="en-IN" dirty="0" smtClean="0"/>
+              <a:t>Automatic </a:t>
+            </a:r>
+            <a:r>
+              <a:rPr lang="en-IN" dirty="0"/>
+              <a:t>generation of </a:t>
+            </a:r>
+            <a:r>
+              <a:rPr lang="en-IN" dirty="0" smtClean="0"/>
+              <a:t>code</a:t>
+            </a:r>
+          </a:p>
+          <a:p>
+            <a:pPr marL="0" indent="0">
+              <a:buNone/>
+            </a:pPr>
             <a:endParaRPr lang="en-IN" dirty="0" smtClean="0"/>
           </a:p>
           <a:p>
-            <a:endParaRPr lang="en-IN" dirty="0"/>
-          </a:p>
-          <a:p>
-            <a:r>
-              <a:rPr lang="en-IN" dirty="0" smtClean="0"/>
-              <a:t>Source </a:t>
-            </a:r>
-            <a:r>
-              <a:rPr lang="en-IN" dirty="0" smtClean="0"/>
-              <a:t>code is feed line wise.</a:t>
-            </a:r>
-          </a:p>
-          <a:p>
             <a:pPr marL="0" indent="0">
               <a:buNone/>
             </a:pPr>
+            <a:r>
+              <a:rPr lang="en-IN" dirty="0"/>
+              <a:t> </a:t>
+            </a:r>
+            <a:r>
+              <a:rPr lang="en-IN" dirty="0" smtClean="0"/>
+              <a:t>  </a:t>
+            </a:r>
+            <a:r>
+              <a:rPr lang="en-IN" dirty="0" smtClean="0">
+                <a:solidFill>
+                  <a:srgbClr val="FF0000"/>
+                </a:solidFill>
+              </a:rPr>
+              <a:t>Negative</a:t>
+            </a:r>
+          </a:p>
+          <a:p>
+            <a:pPr marL="800100" lvl="2" indent="0">
+              <a:buNone/>
+            </a:pPr>
+            <a:r>
+              <a:rPr lang="en-IN" dirty="0"/>
+              <a:t> </a:t>
+            </a:r>
+            <a:r>
+              <a:rPr lang="en-IN" dirty="0" smtClean="0"/>
+              <a:t>- NACL</a:t>
+            </a:r>
+          </a:p>
+          <a:p>
+            <a:pPr lvl="2">
+              <a:buFontTx/>
+              <a:buChar char="-"/>
+            </a:pPr>
+            <a:r>
+              <a:rPr lang="en-IN" dirty="0" err="1" smtClean="0"/>
+              <a:t>Cheerp</a:t>
+            </a:r>
             <a:endParaRPr lang="en-IN" dirty="0" smtClean="0"/>
           </a:p>
           <a:p>
-            <a:r>
-              <a:rPr lang="en-IN" dirty="0" smtClean="0"/>
-              <a:t>Line is then broken into tokens with categories like separators, operators, keyword and identifier.</a:t>
-            </a:r>
-          </a:p>
-          <a:p>
+            <a:pPr lvl="2">
+              <a:buFontTx/>
+              <a:buChar char="-"/>
+            </a:pPr>
+            <a:r>
+              <a:rPr lang="en-IN" dirty="0" err="1" smtClean="0"/>
+              <a:t>Flascc</a:t>
+            </a:r>
             <a:endParaRPr lang="en-IN" dirty="0" smtClean="0"/>
           </a:p>
           <a:p>
-            <a:r>
-              <a:rPr lang="en-IN" dirty="0" smtClean="0"/>
-              <a:t>Theses tokens are then send to syntactical analyser and translator.</a:t>
+            <a:pPr lvl="2">
+              <a:buFontTx/>
+              <a:buChar char="-"/>
+            </a:pPr>
+            <a:r>
+              <a:rPr lang="en-IN" dirty="0" smtClean="0"/>
+              <a:t>Cocos2d </a:t>
+            </a:r>
+            <a:r>
+              <a:rPr lang="en-IN" dirty="0" err="1" smtClean="0"/>
+              <a:t>Js</a:t>
+            </a:r>
+            <a:endParaRPr lang="en-IN" dirty="0" smtClean="0"/>
+          </a:p>
+          <a:p>
+            <a:pPr lvl="2">
+              <a:buFontTx/>
+              <a:buChar char="-"/>
+            </a:pPr>
+            <a:endParaRPr lang="en-IN" dirty="0" smtClean="0"/>
+          </a:p>
+          <a:p>
+            <a:pPr marL="0" indent="0">
+              <a:buNone/>
+            </a:pPr>
+            <a:r>
+              <a:rPr lang="en-IN" dirty="0"/>
+              <a:t> </a:t>
+            </a:r>
+            <a:r>
+              <a:rPr lang="en-IN" dirty="0" smtClean="0"/>
+              <a:t>   </a:t>
+            </a:r>
+            <a:r>
+              <a:rPr lang="en-IN" dirty="0" smtClean="0">
+                <a:solidFill>
+                  <a:srgbClr val="00B050"/>
+                </a:solidFill>
+              </a:rPr>
+              <a:t>Positive</a:t>
+            </a:r>
+          </a:p>
+          <a:p>
+            <a:pPr marL="914400" lvl="2" indent="0">
+              <a:buNone/>
+            </a:pPr>
+            <a:r>
+              <a:rPr lang="en-IN" dirty="0" smtClean="0"/>
+              <a:t>+ </a:t>
+            </a:r>
+            <a:r>
+              <a:rPr lang="en-IN" dirty="0" err="1" smtClean="0"/>
+              <a:t>Emscripten</a:t>
+            </a:r>
+            <a:endParaRPr lang="en-IN" dirty="0" smtClean="0"/>
+          </a:p>
+          <a:p>
+            <a:pPr marL="914400" lvl="2" indent="0">
+              <a:buNone/>
+            </a:pPr>
+            <a:r>
+              <a:rPr lang="en-IN" dirty="0" smtClean="0"/>
+              <a:t>+ Transpiler</a:t>
             </a:r>
             <a:endParaRPr lang="en-IN" dirty="0"/>
           </a:p>
@@ -6388,7 +6652,7 @@
     </p:spTree>
     <p:extLst>
       <p:ext uri="{BB962C8B-B14F-4D97-AF65-F5344CB8AC3E}">
-        <p14:creationId xmlns:p14="http://schemas.microsoft.com/office/powerpoint/2010/main" val="329629848"/>
+        <p14:creationId xmlns:p14="http://schemas.microsoft.com/office/powerpoint/2010/main" val="2299988401"/>
       </p:ext>
     </p:extLst>
   </p:cSld>
@@ -6435,7 +6699,7 @@
         <p:spPr>
           <a:xfrm>
             <a:off x="457200" y="0"/>
-            <a:ext cx="7499176" cy="980728"/>
+            <a:ext cx="7931224" cy="1412776"/>
           </a:xfrm>
         </p:spPr>
         <p:txBody>
@@ -6444,9 +6708,12 @@
           <a:p>
             <a:r>
               <a:rPr lang="en-IN" sz="4800" dirty="0" smtClean="0"/>
-              <a:t>Syntactical analysis</a:t>
-            </a:r>
-            <a:endParaRPr lang="en-IN" sz="4800" dirty="0"/>
+              <a:t>2. Web </a:t>
+            </a:r>
+            <a:r>
+              <a:rPr lang="en-IN" sz="4800" dirty="0"/>
+              <a:t>browser support</a:t>
+            </a:r>
           </a:p>
         </p:txBody>
       </p:sp>
@@ -6462,35 +6729,124 @@
         </p:nvSpPr>
         <p:spPr>
           <a:xfrm>
-            <a:off x="467544" y="1484784"/>
-            <a:ext cx="8229600" cy="4525963"/>
+            <a:off x="755576" y="1556792"/>
+            <a:ext cx="7931224" cy="4569371"/>
           </a:xfrm>
         </p:spPr>
         <p:txBody>
-          <a:bodyPr/>
-          <a:lstStyle/>
-          <a:p>
-            <a:r>
-              <a:rPr lang="en-IN" dirty="0" smtClean="0"/>
-              <a:t>Here the grammar of the line (in the forms of tokens) is checked.</a:t>
-            </a:r>
-          </a:p>
-          <a:p>
+          <a:bodyPr>
+            <a:normAutofit/>
+          </a:bodyPr>
+          <a:lstStyle/>
+          <a:p>
+            <a:endParaRPr lang="en-IN" dirty="0" smtClean="0"/>
+          </a:p>
+          <a:p>
+            <a:r>
+              <a:rPr lang="en-IN" dirty="0" smtClean="0"/>
+              <a:t>Dependence on plugin</a:t>
+            </a:r>
+          </a:p>
+          <a:p>
+            <a:pPr marL="1314450" lvl="2" indent="-514350">
+              <a:buFont typeface="+mj-lt"/>
+              <a:buAutoNum type="romanUcPeriod"/>
+            </a:pPr>
+            <a:r>
+              <a:rPr lang="en-IN" dirty="0"/>
+              <a:t> </a:t>
+            </a:r>
+            <a:r>
+              <a:rPr lang="en-IN" dirty="0" smtClean="0"/>
+              <a:t>   </a:t>
+            </a:r>
+            <a:r>
+              <a:rPr lang="en-IN" dirty="0" err="1" smtClean="0"/>
+              <a:t>FlasCC</a:t>
+            </a:r>
+            <a:endParaRPr lang="en-IN" dirty="0" smtClean="0"/>
+          </a:p>
+          <a:p>
+            <a:pPr marL="1314450" lvl="2" indent="-514350">
+              <a:buFont typeface="+mj-lt"/>
+              <a:buAutoNum type="romanUcPeriod"/>
+            </a:pPr>
+            <a:r>
+              <a:rPr lang="en-IN" dirty="0"/>
+              <a:t> </a:t>
+            </a:r>
+            <a:r>
+              <a:rPr lang="en-IN" dirty="0" smtClean="0"/>
+              <a:t>   </a:t>
+            </a:r>
+            <a:r>
+              <a:rPr lang="en-IN" dirty="0" err="1" smtClean="0"/>
+              <a:t>NaCL</a:t>
+            </a:r>
+            <a:endParaRPr lang="en-IN" dirty="0" smtClean="0"/>
+          </a:p>
+          <a:p>
+            <a:pPr marL="0" indent="0">
+              <a:buNone/>
+            </a:pPr>
             <a:endParaRPr lang="en-IN" dirty="0"/>
           </a:p>
           <a:p>
             <a:r>
               <a:rPr lang="en-IN" dirty="0" smtClean="0"/>
-              <a:t>Look ahead algorithm is used to check the proper grammar pattern.</a:t>
-            </a:r>
-          </a:p>
-          <a:p>
-            <a:endParaRPr lang="en-IN" dirty="0"/>
-          </a:p>
-          <a:p>
-            <a:r>
-              <a:rPr lang="en-IN" dirty="0" smtClean="0"/>
-              <a:t>Errors are reported if it doesn't matches with proper grammar.</a:t>
+              <a:t>Independent from plugin</a:t>
+            </a:r>
+          </a:p>
+          <a:p>
+            <a:pPr marL="1314450" lvl="2" indent="-514350">
+              <a:buFont typeface="+mj-lt"/>
+              <a:buAutoNum type="romanUcPeriod"/>
+            </a:pPr>
+            <a:r>
+              <a:rPr lang="en-IN" dirty="0"/>
+              <a:t> </a:t>
+            </a:r>
+            <a:r>
+              <a:rPr lang="en-IN" dirty="0" smtClean="0"/>
+              <a:t>   </a:t>
+            </a:r>
+            <a:r>
+              <a:rPr lang="en-IN" dirty="0" err="1" smtClean="0"/>
+              <a:t>Emscripten</a:t>
+            </a:r>
+            <a:endParaRPr lang="en-IN" dirty="0" smtClean="0"/>
+          </a:p>
+          <a:p>
+            <a:pPr marL="1314450" lvl="2" indent="-514350">
+              <a:buFont typeface="+mj-lt"/>
+              <a:buAutoNum type="romanUcPeriod"/>
+            </a:pPr>
+            <a:r>
+              <a:rPr lang="en-IN" dirty="0"/>
+              <a:t> </a:t>
+            </a:r>
+            <a:r>
+              <a:rPr lang="en-IN" dirty="0" smtClean="0"/>
+              <a:t>   </a:t>
+            </a:r>
+            <a:r>
+              <a:rPr lang="en-IN" dirty="0" smtClean="0"/>
+              <a:t>Cocos2d-JS</a:t>
+            </a:r>
+            <a:endParaRPr lang="en-IN" dirty="0" smtClean="0"/>
+          </a:p>
+          <a:p>
+            <a:pPr marL="1314450" lvl="2" indent="-514350">
+              <a:buFont typeface="+mj-lt"/>
+              <a:buAutoNum type="romanUcPeriod"/>
+            </a:pPr>
+            <a:r>
+              <a:rPr lang="en-IN" dirty="0"/>
+              <a:t> </a:t>
+            </a:r>
+            <a:r>
+              <a:rPr lang="en-IN" dirty="0" smtClean="0"/>
+              <a:t>   Transpiler</a:t>
             </a:r>
             <a:endParaRPr lang="en-IN" dirty="0"/>
           </a:p>
@@ -6522,7 +6878,7 @@
     </p:spTree>
     <p:extLst>
       <p:ext uri="{BB962C8B-B14F-4D97-AF65-F5344CB8AC3E}">
-        <p14:creationId xmlns:p14="http://schemas.microsoft.com/office/powerpoint/2010/main" val="3292238430"/>
+        <p14:creationId xmlns:p14="http://schemas.microsoft.com/office/powerpoint/2010/main" val="2285454176"/>
       </p:ext>
     </p:extLst>
   </p:cSld>
@@ -6568,19 +6924,17 @@
         </p:nvSpPr>
         <p:spPr>
           <a:xfrm>
-            <a:off x="457200" y="274638"/>
-            <a:ext cx="7787208" cy="706090"/>
+            <a:off x="457200" y="0"/>
+            <a:ext cx="7643192" cy="980728"/>
           </a:xfrm>
         </p:spPr>
         <p:txBody>
-          <a:bodyPr>
-            <a:noAutofit/>
-          </a:bodyPr>
+          <a:bodyPr/>
           <a:lstStyle/>
           <a:p>
             <a:r>
               <a:rPr lang="en-IN" sz="4800" dirty="0" smtClean="0"/>
-              <a:t>Translation phase</a:t>
+              <a:t>3.Portability</a:t>
             </a:r>
             <a:endParaRPr lang="en-IN" sz="4800" dirty="0"/>
           </a:p>
@@ -6596,17 +6950,15 @@
             <p:ph idx="1"/>
           </p:nvPr>
         </p:nvSpPr>
-        <p:spPr>
-          <a:xfrm>
-            <a:off x="395536" y="1052736"/>
-            <a:ext cx="8352928" cy="5400600"/>
-          </a:xfrm>
-        </p:spPr>
-        <p:txBody>
-          <a:bodyPr/>
-          <a:lstStyle/>
-          <a:p>
-            <a:endParaRPr lang="en-IN" dirty="0" smtClean="0"/>
+        <p:spPr/>
+        <p:txBody>
+          <a:bodyPr/>
+          <a:lstStyle/>
+          <a:p>
+            <a:r>
+              <a:rPr lang="en-IN" dirty="0" smtClean="0"/>
+              <a:t>Nearly all the approaches are portable </a:t>
+            </a:r>
           </a:p>
           <a:p>
             <a:endParaRPr lang="en-IN" dirty="0"/>
@@ -6614,53 +6966,8 @@
           <a:p>
             <a:r>
               <a:rPr lang="en-IN" dirty="0" smtClean="0"/>
-              <a:t>The </a:t>
-            </a:r>
-            <a:r>
-              <a:rPr lang="en-IN" dirty="0" smtClean="0"/>
-              <a:t>translation pair are retrieve from the trained xml file.</a:t>
-            </a:r>
-          </a:p>
-          <a:p>
-            <a:endParaRPr lang="en-IN" dirty="0"/>
-          </a:p>
-          <a:p>
-            <a:r>
-              <a:rPr lang="en-IN" dirty="0" smtClean="0"/>
-              <a:t>The word pairs are matched and  then they are </a:t>
-            </a:r>
-          </a:p>
-          <a:p>
-            <a:pPr marL="0" indent="0">
-              <a:buNone/>
-            </a:pPr>
-            <a:r>
-              <a:rPr lang="en-IN" dirty="0" smtClean="0"/>
-              <a:t>    replaced.</a:t>
-            </a:r>
-          </a:p>
-          <a:p>
-            <a:endParaRPr lang="en-IN" dirty="0"/>
-          </a:p>
-          <a:p>
-            <a:r>
-              <a:rPr lang="en-IN" dirty="0" smtClean="0"/>
-              <a:t>Some common syntactical difference like -&gt; , :: are replaced by .(dot)</a:t>
-            </a:r>
-          </a:p>
-          <a:p>
-            <a:endParaRPr lang="en-IN" dirty="0"/>
-          </a:p>
-          <a:p>
-            <a:pPr marL="0" indent="0">
-              <a:buNone/>
-            </a:pPr>
-            <a:endParaRPr lang="en-IN" dirty="0" smtClean="0"/>
-          </a:p>
-          <a:p>
-            <a:pPr marL="0" indent="0">
-              <a:buNone/>
-            </a:pPr>
+              <a:t>Can run on any operating system and processor.</a:t>
+            </a:r>
             <a:endParaRPr lang="en-IN" dirty="0"/>
           </a:p>
         </p:txBody>
@@ -6691,7 +6998,7 @@
     </p:spTree>
     <p:extLst>
       <p:ext uri="{BB962C8B-B14F-4D97-AF65-F5344CB8AC3E}">
-        <p14:creationId xmlns:p14="http://schemas.microsoft.com/office/powerpoint/2010/main" val="3944087431"/>
+        <p14:creationId xmlns:p14="http://schemas.microsoft.com/office/powerpoint/2010/main" val="3905229195"/>
       </p:ext>
     </p:extLst>
   </p:cSld>
@@ -6737,8 +7044,8 @@
         </p:nvSpPr>
         <p:spPr>
           <a:xfrm>
-            <a:off x="457200" y="0"/>
-            <a:ext cx="7715200" cy="908720"/>
+            <a:off x="457200" y="274638"/>
+            <a:ext cx="7931224" cy="922114"/>
           </a:xfrm>
         </p:spPr>
         <p:txBody>
@@ -6747,7 +7054,7 @@
           <a:p>
             <a:r>
               <a:rPr lang="en-IN" sz="4800" dirty="0" smtClean="0"/>
-              <a:t>Training of the system</a:t>
+              <a:t>4.Security </a:t>
             </a:r>
             <a:endParaRPr lang="en-IN" sz="4800" dirty="0"/>
           </a:p>
@@ -6763,111 +7070,77 @@
             <p:ph idx="1"/>
           </p:nvPr>
         </p:nvSpPr>
-        <p:spPr/>
-        <p:txBody>
-          <a:bodyPr>
-            <a:normAutofit/>
-          </a:bodyPr>
-          <a:lstStyle/>
-          <a:p>
-            <a:r>
-              <a:rPr lang="en-IN" dirty="0" smtClean="0"/>
-              <a:t>Probability </a:t>
-            </a:r>
-            <a:r>
-              <a:rPr lang="en-IN" dirty="0" smtClean="0"/>
-              <a:t>and pattern matching is used to determine the type of the token.</a:t>
-            </a:r>
-          </a:p>
+        <p:spPr>
+          <a:xfrm>
+            <a:off x="539552" y="1268760"/>
+            <a:ext cx="8147248" cy="4857403"/>
+          </a:xfrm>
+        </p:spPr>
+        <p:txBody>
+          <a:bodyPr/>
+          <a:lstStyle/>
           <a:p>
             <a:endParaRPr lang="en-IN" dirty="0" smtClean="0"/>
           </a:p>
           <a:p>
+            <a:r>
+              <a:rPr lang="en-IN" dirty="0" err="1" smtClean="0"/>
+              <a:t>NaCL</a:t>
+            </a:r>
+            <a:r>
+              <a:rPr lang="en-IN" dirty="0" smtClean="0"/>
+              <a:t> </a:t>
+            </a:r>
+            <a:r>
+              <a:rPr lang="en-IN" dirty="0" smtClean="0"/>
+              <a:t>is safe as it uses sandboxing.</a:t>
+            </a:r>
+          </a:p>
+          <a:p>
+            <a:pPr marL="0" indent="0">
+              <a:buNone/>
+            </a:pPr>
             <a:endParaRPr lang="en-IN" dirty="0"/>
           </a:p>
           <a:p>
             <a:r>
               <a:rPr lang="en-IN" dirty="0" smtClean="0"/>
-              <a:t>Observation </a:t>
-            </a:r>
-            <a:r>
-              <a:rPr lang="en-IN" dirty="0" smtClean="0"/>
-              <a:t>:</a:t>
-            </a:r>
-            <a:endParaRPr lang="en-IN" dirty="0" smtClean="0"/>
-          </a:p>
-          <a:p>
-            <a:pPr marL="971550" lvl="1" indent="-571500">
-              <a:buFont typeface="+mj-lt"/>
-              <a:buAutoNum type="romanUcPeriod"/>
-            </a:pPr>
-            <a:r>
-              <a:rPr lang="en-IN" sz="2000" dirty="0"/>
-              <a:t> </a:t>
-            </a:r>
-            <a:r>
-              <a:rPr lang="en-IN" sz="2000" dirty="0" smtClean="0"/>
-              <a:t>  operator – 1 Letter</a:t>
-            </a:r>
-          </a:p>
-          <a:p>
-            <a:pPr marL="971550" lvl="1" indent="-571500">
-              <a:buFont typeface="+mj-lt"/>
-              <a:buAutoNum type="romanUcPeriod"/>
-            </a:pPr>
-            <a:r>
-              <a:rPr lang="en-IN" sz="2000" dirty="0"/>
-              <a:t> </a:t>
-            </a:r>
-            <a:r>
-              <a:rPr lang="en-IN" sz="2000" dirty="0" smtClean="0"/>
-              <a:t>  </a:t>
-            </a:r>
-            <a:r>
-              <a:rPr lang="en-IN" sz="2000" dirty="0" smtClean="0"/>
-              <a:t>separator </a:t>
-            </a:r>
-            <a:r>
-              <a:rPr lang="en-IN" sz="2000" dirty="0" smtClean="0"/>
-              <a:t>– 1Letter</a:t>
-            </a:r>
-          </a:p>
-          <a:p>
-            <a:pPr marL="971550" lvl="1" indent="-571500">
-              <a:buFont typeface="+mj-lt"/>
-              <a:buAutoNum type="romanUcPeriod"/>
-            </a:pPr>
-            <a:r>
-              <a:rPr lang="en-IN" sz="2000" dirty="0"/>
-              <a:t> </a:t>
-            </a:r>
-            <a:r>
-              <a:rPr lang="en-IN" sz="2000" dirty="0" smtClean="0"/>
-              <a:t>  Keyword – 4 letter</a:t>
-            </a:r>
-          </a:p>
-          <a:p>
-            <a:pPr marL="971550" lvl="1" indent="-571500">
-              <a:buFont typeface="+mj-lt"/>
-              <a:buAutoNum type="romanUcPeriod"/>
-            </a:pPr>
-            <a:r>
-              <a:rPr lang="en-IN" sz="2000" dirty="0"/>
-              <a:t> </a:t>
-            </a:r>
-            <a:r>
-              <a:rPr lang="en-IN" sz="2000" dirty="0" smtClean="0"/>
-              <a:t>  </a:t>
-            </a:r>
-            <a:r>
-              <a:rPr lang="en-IN" sz="2000" dirty="0" smtClean="0"/>
-              <a:t>identifier </a:t>
-            </a:r>
-            <a:r>
-              <a:rPr lang="en-IN" sz="2000" dirty="0" smtClean="0"/>
-              <a:t>– more than 4</a:t>
-            </a:r>
-            <a:endParaRPr lang="en-IN" sz="2000" dirty="0"/>
+              <a:t>Flash dependent on </a:t>
+            </a:r>
+            <a:r>
+              <a:rPr lang="en-IN" dirty="0" err="1" smtClean="0"/>
+              <a:t>swf</a:t>
+            </a:r>
+            <a:r>
+              <a:rPr lang="en-IN" dirty="0" smtClean="0"/>
+              <a:t> are vulnerable to attacks like spoofing attack.</a:t>
+            </a:r>
+          </a:p>
+          <a:p>
+            <a:endParaRPr lang="en-IN" dirty="0"/>
+          </a:p>
+          <a:p>
+            <a:r>
+              <a:rPr lang="en-IN" dirty="0" err="1" smtClean="0"/>
+              <a:t>Emscription</a:t>
+            </a:r>
+            <a:r>
+              <a:rPr lang="en-IN" dirty="0" smtClean="0"/>
+              <a:t> and cocos2d-x JS have same vulnerability as </a:t>
+            </a:r>
+            <a:r>
+              <a:rPr lang="en-IN" dirty="0" smtClean="0"/>
+              <a:t>JavaScript </a:t>
+            </a:r>
+            <a:r>
+              <a:rPr lang="en-IN" dirty="0"/>
+              <a:t>like cross side </a:t>
+            </a:r>
+            <a:r>
+              <a:rPr lang="en-IN" dirty="0" smtClean="0"/>
+              <a:t>scripting.</a:t>
+            </a:r>
+            <a:endParaRPr lang="en-IN" dirty="0"/>
           </a:p>
         </p:txBody>
       </p:sp>
@@ -6894,10 +7167,40 @@
           </a:p>
         </p:txBody>
       </p:sp>
+      <p:pic>
+        <p:nvPicPr>
+          <p:cNvPr id="6" name="Picture 5"/>
+          <p:cNvPicPr>
+            <a:picLocks noChangeAspect="1"/>
+          </p:cNvPicPr>
+          <p:nvPr/>
+        </p:nvPicPr>
+        <p:blipFill>
+          <a:blip r:embed="rId2" cstate="print">
+            <a:extLst>
+              <a:ext uri="{28A0092B-C50C-407E-A947-70E740481C1C}">
+                <a14:useLocalDpi xmlns:a14="http://schemas.microsoft.com/office/drawing/2010/main" val="0"/>
+              </a:ext>
+            </a:extLst>
+          </a:blip>
+          <a:stretch>
+            <a:fillRect/>
+          </a:stretch>
+        </p:blipFill>
+        <p:spPr>
+          <a:xfrm>
+            <a:off x="6516216" y="332656"/>
+            <a:ext cx="1226899" cy="980728"/>
+          </a:xfrm>
+          <a:prstGeom prst="rect">
+            <a:avLst/>
+          </a:prstGeom>
+        </p:spPr>
+      </p:pic>
     </p:spTree>
     <p:extLst>
       <p:ext uri="{BB962C8B-B14F-4D97-AF65-F5344CB8AC3E}">
-        <p14:creationId xmlns:p14="http://schemas.microsoft.com/office/powerpoint/2010/main" val="452361720"/>
+        <p14:creationId xmlns:p14="http://schemas.microsoft.com/office/powerpoint/2010/main" val="3855941896"/>
       </p:ext>
     </p:extLst>
   </p:cSld>
@@ -6933,38 +7236,96 @@
       </p:grpSpPr>
       <p:sp>
         <p:nvSpPr>
-          <p:cNvPr id="3" name="Content Placeholder 2"/>
-          <p:cNvSpPr>
-            <a:spLocks noGrp="1"/>
-          </p:cNvSpPr>
-          <p:nvPr>
-            <p:ph idx="1"/>
+          <p:cNvPr id="2" name="Title 1"/>
+          <p:cNvSpPr>
+            <a:spLocks noGrp="1"/>
+          </p:cNvSpPr>
+          <p:nvPr>
+            <p:ph type="title"/>
           </p:nvPr>
         </p:nvSpPr>
         <p:spPr>
           <a:xfrm>
-            <a:off x="395536" y="332656"/>
-            <a:ext cx="8291264" cy="5793507"/>
+            <a:off x="467544" y="404664"/>
+            <a:ext cx="7931224" cy="1052736"/>
           </a:xfrm>
         </p:spPr>
         <p:txBody>
           <a:bodyPr/>
           <a:lstStyle/>
           <a:p>
+            <a:r>
+              <a:rPr lang="en-IN" sz="4800" dirty="0" smtClean="0"/>
+              <a:t>Evaluation of the approaches</a:t>
+            </a:r>
+            <a:endParaRPr lang="en-IN" sz="4800" dirty="0"/>
+          </a:p>
+        </p:txBody>
+      </p:sp>
+      <p:sp>
+        <p:nvSpPr>
+          <p:cNvPr id="3" name="Content Placeholder 2"/>
+          <p:cNvSpPr>
+            <a:spLocks noGrp="1"/>
+          </p:cNvSpPr>
+          <p:nvPr>
+            <p:ph idx="1"/>
+          </p:nvPr>
+        </p:nvSpPr>
+        <p:spPr>
+          <a:xfrm>
+            <a:off x="395536" y="1700808"/>
+            <a:ext cx="8291264" cy="4425355"/>
+          </a:xfrm>
+        </p:spPr>
+        <p:txBody>
+          <a:bodyPr>
+            <a:normAutofit/>
+          </a:bodyPr>
+          <a:lstStyle/>
+          <a:p>
+            <a:r>
+              <a:rPr lang="en-IN" dirty="0" smtClean="0"/>
+              <a:t>The only solution found which ports the existing solution </a:t>
+            </a:r>
+            <a:r>
+              <a:rPr lang="en-IN" dirty="0" smtClean="0"/>
+              <a:t>without recoding </a:t>
+            </a:r>
+            <a:r>
+              <a:rPr lang="en-IN" dirty="0" smtClean="0"/>
+              <a:t>is </a:t>
+            </a:r>
+            <a:r>
+              <a:rPr lang="en-IN" dirty="0" err="1"/>
+              <a:t>E</a:t>
+            </a:r>
+            <a:r>
+              <a:rPr lang="en-IN" dirty="0" err="1" smtClean="0"/>
+              <a:t>mscripten</a:t>
+            </a:r>
+            <a:r>
+              <a:rPr lang="en-IN" dirty="0" smtClean="0"/>
+              <a:t>.</a:t>
+            </a:r>
+          </a:p>
+          <a:p>
+            <a:pPr marL="0" indent="0">
+              <a:buNone/>
+            </a:pPr>
+            <a:endParaRPr lang="en-IN" dirty="0"/>
+          </a:p>
+          <a:p>
+            <a:r>
+              <a:rPr lang="en-IN" dirty="0" smtClean="0"/>
+              <a:t>Reasons not using this approach</a:t>
+            </a:r>
+          </a:p>
+          <a:p>
+            <a:pPr marL="0" indent="0">
+              <a:buNone/>
+            </a:pPr>
             <a:endParaRPr lang="en-IN" dirty="0" smtClean="0"/>
-          </a:p>
-          <a:p>
-            <a:endParaRPr lang="en-IN" dirty="0"/>
-          </a:p>
-          <a:p>
-            <a:r>
-              <a:rPr lang="en-IN" dirty="0" smtClean="0"/>
-              <a:t>Pattern</a:t>
-            </a:r>
-            <a:r>
-              <a:rPr lang="en-IN" dirty="0" smtClean="0"/>
-              <a:t>:</a:t>
-            </a:r>
           </a:p>
           <a:p>
             <a:pPr marL="971550" lvl="1" indent="-571500">
@@ -6973,7 +7334,7 @@
             </a:pPr>
             <a:r>
               <a:rPr lang="en-IN" sz="2000" dirty="0" smtClean="0"/>
-              <a:t>  keyword – Letters</a:t>
+              <a:t>It converts the code into asm.js which is not so developer friendly.</a:t>
             </a:r>
           </a:p>
           <a:p>
@@ -6981,10 +7342,7 @@
               <a:buFont typeface="+mj-lt"/>
               <a:buAutoNum type="romanUcPeriod"/>
             </a:pPr>
-            <a:r>
-              <a:rPr lang="en-IN" sz="2000" dirty="0" smtClean="0"/>
-              <a:t>  Identifier – Alphanumeric</a:t>
-            </a:r>
+            <a:endParaRPr lang="en-IN" sz="2000" dirty="0" smtClean="0"/>
           </a:p>
           <a:p>
             <a:pPr marL="971550" lvl="1" indent="-571500">
@@ -6993,74 +7351,17 @@
             </a:pPr>
             <a:r>
               <a:rPr lang="en-IN" sz="2000" dirty="0" smtClean="0"/>
-              <a:t>  Separators – array of predefined symbol</a:t>
-            </a:r>
-          </a:p>
-          <a:p>
-            <a:pPr marL="971550" lvl="1" indent="-571500">
-              <a:buFont typeface="+mj-lt"/>
-              <a:buAutoNum type="romanUcPeriod"/>
-            </a:pPr>
-            <a:r>
-              <a:rPr lang="en-IN" sz="2000" dirty="0"/>
-              <a:t> </a:t>
-            </a:r>
-            <a:r>
-              <a:rPr lang="en-IN" sz="2000" dirty="0" smtClean="0"/>
-              <a:t> operators – array of predefined symbol</a:t>
-            </a:r>
-            <a:r>
-              <a:rPr lang="en-IN" dirty="0" smtClean="0"/>
-              <a:t>.</a:t>
-            </a:r>
-          </a:p>
-          <a:p>
-            <a:pPr marL="971550" lvl="1" indent="-571500">
-              <a:buFont typeface="+mj-lt"/>
-              <a:buAutoNum type="romanUcPeriod"/>
-            </a:pPr>
-            <a:endParaRPr lang="en-IN" dirty="0" smtClean="0"/>
-          </a:p>
-          <a:p>
-            <a:pPr marL="857250" lvl="1" indent="-457200">
-              <a:buFont typeface="Arial" pitchFamily="34" charset="0"/>
-              <a:buChar char="•"/>
-            </a:pPr>
-            <a:r>
-              <a:rPr lang="en-IN" sz="2000" dirty="0" err="1" smtClean="0"/>
-              <a:t>Avg</a:t>
-            </a:r>
-            <a:r>
-              <a:rPr lang="en-IN" sz="2000" dirty="0" smtClean="0"/>
-              <a:t> = (probability of observation + probability of pattern)/2</a:t>
-            </a:r>
-          </a:p>
-          <a:p>
-            <a:pPr marL="857250" lvl="1" indent="-457200">
-              <a:buFont typeface="Arial" pitchFamily="34" charset="0"/>
-              <a:buChar char="•"/>
-            </a:pPr>
-            <a:endParaRPr lang="en-IN" sz="2000" dirty="0"/>
-          </a:p>
-          <a:p>
-            <a:pPr marL="857250" lvl="1" indent="-457200">
-              <a:buFont typeface="Arial" pitchFamily="34" charset="0"/>
-              <a:buChar char="•"/>
-            </a:pPr>
-            <a:r>
-              <a:rPr lang="en-IN" sz="2000" dirty="0" err="1" smtClean="0"/>
-              <a:t>Avg</a:t>
-            </a:r>
-            <a:r>
-              <a:rPr lang="en-IN" sz="2000" dirty="0" smtClean="0"/>
-              <a:t> &gt; 0.5 decides that type of token.</a:t>
-            </a:r>
-          </a:p>
-        </p:txBody>
-      </p:sp>
-      <p:sp>
-        <p:nvSpPr>
-          <p:cNvPr id="4" name="Slide Number Placeholder 3"/>
+              <a:t>It gives a lot of bug when compiling for porting  cocos2d c++ to JavaScript.</a:t>
+            </a:r>
+          </a:p>
+          <a:p>
+            <a:endParaRPr lang="en-IN" dirty="0"/>
+          </a:p>
+        </p:txBody>
+      </p:sp>
+      <p:sp>
+        <p:nvSpPr>
+          <p:cNvPr id="5" name="Slide Number Placeholder 4"/>
           <p:cNvSpPr>
             <a:spLocks noGrp="1"/>
           </p:cNvSpPr>
@@ -7084,7 +7385,7 @@
     </p:spTree>
     <p:extLst>
       <p:ext uri="{BB962C8B-B14F-4D97-AF65-F5344CB8AC3E}">
-        <p14:creationId xmlns:p14="http://schemas.microsoft.com/office/powerpoint/2010/main" val="3941575085"/>
+        <p14:creationId xmlns:p14="http://schemas.microsoft.com/office/powerpoint/2010/main" val="2895704288"/>
       </p:ext>
     </p:extLst>
   </p:cSld>
@@ -7130,19 +7431,17 @@
         </p:nvSpPr>
         <p:spPr>
           <a:xfrm>
-            <a:off x="457200" y="0"/>
-            <a:ext cx="7499176" cy="836712"/>
+            <a:off x="395536" y="116632"/>
+            <a:ext cx="8075240" cy="850106"/>
           </a:xfrm>
         </p:spPr>
         <p:txBody>
-          <a:bodyPr>
-            <a:normAutofit fontScale="90000"/>
-          </a:bodyPr>
+          <a:bodyPr/>
           <a:lstStyle/>
           <a:p>
             <a:r>
               <a:rPr lang="en-IN" sz="4800" dirty="0" smtClean="0"/>
-              <a:t>Using hidden markov model </a:t>
+              <a:t>Alternate approach</a:t>
             </a:r>
             <a:endParaRPr lang="en-IN" sz="4800" dirty="0"/>
           </a:p>
@@ -7160,44 +7459,87 @@
         </p:nvSpPr>
         <p:spPr>
           <a:xfrm>
-            <a:off x="395536" y="1124744"/>
-            <a:ext cx="8291264" cy="5001419"/>
+            <a:off x="395536" y="1412776"/>
+            <a:ext cx="8291264" cy="4713387"/>
           </a:xfrm>
         </p:spPr>
         <p:txBody>
           <a:bodyPr/>
           <a:lstStyle/>
           <a:p>
+            <a:r>
+              <a:rPr lang="en-IN" dirty="0" smtClean="0"/>
+              <a:t>Making a transpiler which converts the existing code cocos2d c++ to cocos2d JS.</a:t>
+            </a:r>
+          </a:p>
+          <a:p>
             <a:endParaRPr lang="en-IN" dirty="0" smtClean="0"/>
           </a:p>
           <a:p>
-            <a:r>
-              <a:rPr lang="en-IN" dirty="0" smtClean="0"/>
-              <a:t>To </a:t>
-            </a:r>
-            <a:r>
-              <a:rPr lang="en-IN" dirty="0" smtClean="0"/>
-              <a:t>decide the accuracy of the token hidden markov model is used.</a:t>
-            </a:r>
-          </a:p>
-          <a:p>
+            <a:pPr marL="0" indent="0">
+              <a:buNone/>
+            </a:pPr>
+            <a:endParaRPr lang="en-IN" dirty="0" smtClean="0"/>
+          </a:p>
+          <a:p>
+            <a:r>
+              <a:rPr lang="en-IN" dirty="0" smtClean="0"/>
+              <a:t>Steps </a:t>
+            </a:r>
+            <a:r>
+              <a:rPr lang="en-IN" dirty="0" smtClean="0"/>
+              <a:t>involved</a:t>
+            </a:r>
+            <a:r>
+              <a:rPr lang="en-IN" dirty="0" smtClean="0"/>
+              <a:t>…</a:t>
+            </a:r>
+            <a:endParaRPr lang="en-IN" dirty="0" smtClean="0"/>
+          </a:p>
+          <a:p>
+            <a:pPr marL="0" indent="0">
+              <a:buNone/>
+            </a:pPr>
             <a:endParaRPr lang="en-IN" dirty="0"/>
           </a:p>
           <a:p>
-            <a:r>
-              <a:rPr lang="en-IN" dirty="0" smtClean="0"/>
-              <a:t>It uses look ahead and look behind algorithm to match the accuracy of token.</a:t>
-            </a:r>
-          </a:p>
-          <a:p>
-            <a:endParaRPr lang="en-IN" dirty="0"/>
-          </a:p>
-          <a:p>
-            <a:r>
-              <a:rPr lang="en-IN" dirty="0" smtClean="0"/>
-              <a:t>Predefine matrix made with observation of previous pattern is used.</a:t>
-            </a:r>
-            <a:endParaRPr lang="en-IN" dirty="0"/>
+            <a:pPr marL="971550" lvl="1" indent="-571500">
+              <a:buFont typeface="+mj-lt"/>
+              <a:buAutoNum type="romanUcPeriod"/>
+            </a:pPr>
+            <a:r>
+              <a:rPr lang="en-IN" sz="2000" dirty="0" smtClean="0"/>
+              <a:t>Literature review of the existing </a:t>
+            </a:r>
+            <a:r>
+              <a:rPr lang="en-IN" sz="2000" dirty="0" err="1" smtClean="0"/>
+              <a:t>transpiler</a:t>
+            </a:r>
+            <a:r>
+              <a:rPr lang="en-IN" sz="2000" dirty="0" smtClean="0"/>
+              <a:t> </a:t>
+            </a:r>
+            <a:r>
+              <a:rPr lang="en-IN" sz="2000" dirty="0" smtClean="0"/>
+              <a:t>concepts.</a:t>
+            </a:r>
+          </a:p>
+          <a:p>
+            <a:pPr marL="971550" lvl="1" indent="-571500">
+              <a:buFont typeface="+mj-lt"/>
+              <a:buAutoNum type="romanUcPeriod"/>
+            </a:pPr>
+            <a:endParaRPr lang="en-IN" sz="2000" dirty="0"/>
+          </a:p>
+          <a:p>
+            <a:pPr marL="971550" lvl="1" indent="-571500">
+              <a:buFont typeface="+mj-lt"/>
+              <a:buAutoNum type="romanUcPeriod"/>
+            </a:pPr>
+            <a:r>
+              <a:rPr lang="en-IN" sz="2000" dirty="0" smtClean="0"/>
+              <a:t>Coding the new transpiler.</a:t>
+            </a:r>
           </a:p>
         </p:txBody>
       </p:sp>
@@ -7227,7 +7569,7 @@
     </p:spTree>
     <p:extLst>
       <p:ext uri="{BB962C8B-B14F-4D97-AF65-F5344CB8AC3E}">
-        <p14:creationId xmlns:p14="http://schemas.microsoft.com/office/powerpoint/2010/main" val="4256855055"/>
+        <p14:creationId xmlns:p14="http://schemas.microsoft.com/office/powerpoint/2010/main" val="1940611152"/>
       </p:ext>
     </p:extLst>
   </p:cSld>
@@ -7271,53 +7613,66 @@
             <p:ph type="title"/>
           </p:nvPr>
         </p:nvSpPr>
-        <p:spPr>
-          <a:xfrm>
-            <a:off x="457200" y="0"/>
-            <a:ext cx="7571184" cy="908720"/>
-          </a:xfrm>
-        </p:spPr>
-        <p:txBody>
-          <a:bodyPr/>
-          <a:lstStyle/>
-          <a:p>
-            <a:r>
-              <a:rPr lang="en-IN" sz="4800" dirty="0" smtClean="0"/>
-              <a:t>Sequence diagram</a:t>
-            </a:r>
-            <a:endParaRPr lang="en-IN" sz="4800" dirty="0"/>
-          </a:p>
-        </p:txBody>
-      </p:sp>
-      <p:pic>
-        <p:nvPicPr>
-          <p:cNvPr id="5" name="Content Placeholder 4"/>
-          <p:cNvPicPr>
-            <a:picLocks noGrp="1" noChangeAspect="1"/>
-          </p:cNvPicPr>
+        <p:spPr/>
+        <p:txBody>
+          <a:bodyPr/>
+          <a:lstStyle/>
+          <a:p>
+            <a:r>
+              <a:rPr lang="en-IN" dirty="0" smtClean="0"/>
+              <a:t>Some similarity</a:t>
+            </a:r>
+            <a:endParaRPr lang="en-IN" dirty="0"/>
+          </a:p>
+        </p:txBody>
+      </p:sp>
+      <p:sp>
+        <p:nvSpPr>
+          <p:cNvPr id="3" name="Content Placeholder 2"/>
+          <p:cNvSpPr>
+            <a:spLocks noGrp="1"/>
+          </p:cNvSpPr>
           <p:nvPr>
             <p:ph idx="1"/>
           </p:nvPr>
-        </p:nvPicPr>
-        <p:blipFill>
-          <a:blip r:embed="rId2">
-            <a:extLst>
-              <a:ext uri="{28A0092B-C50C-407E-A947-70E740481C1C}">
-                <a14:useLocalDpi xmlns:a14="http://schemas.microsoft.com/office/drawing/2010/main" val="0"/>
-              </a:ext>
-            </a:extLst>
-          </a:blip>
-          <a:stretch>
-            <a:fillRect/>
-          </a:stretch>
-        </p:blipFill>
-        <p:spPr>
-          <a:xfrm>
-            <a:off x="229075" y="1052736"/>
-            <a:ext cx="8871481" cy="5328592"/>
-          </a:xfrm>
-        </p:spPr>
-      </p:pic>
+        </p:nvSpPr>
+        <p:spPr/>
+        <p:txBody>
+          <a:bodyPr/>
+          <a:lstStyle/>
+          <a:p>
+            <a:r>
+              <a:rPr lang="en-IN" dirty="0" smtClean="0"/>
+              <a:t>Loop</a:t>
+            </a:r>
+          </a:p>
+          <a:p>
+            <a:r>
+              <a:rPr lang="en-IN" dirty="0" smtClean="0"/>
+              <a:t>Comment </a:t>
+            </a:r>
+          </a:p>
+          <a:p>
+            <a:r>
+              <a:rPr lang="en-IN" dirty="0" smtClean="0"/>
+              <a:t>Variable</a:t>
+            </a:r>
+          </a:p>
+          <a:p>
+            <a:r>
+              <a:rPr lang="en-IN" dirty="0" smtClean="0"/>
+              <a:t>Operators</a:t>
+            </a:r>
+          </a:p>
+          <a:p>
+            <a:r>
+              <a:rPr lang="en-IN" dirty="0" err="1" smtClean="0"/>
+              <a:t>arithmatic</a:t>
+            </a:r>
+            <a:endParaRPr lang="en-IN" dirty="0"/>
+          </a:p>
+        </p:txBody>
+      </p:sp>
       <p:sp>
         <p:nvSpPr>
           <p:cNvPr id="4" name="Slide Number Placeholder 3"/>
@@ -7344,20 +7699,13 @@
     </p:spTree>
     <p:extLst>
       <p:ext uri="{BB962C8B-B14F-4D97-AF65-F5344CB8AC3E}">
-        <p14:creationId xmlns:p14="http://schemas.microsoft.com/office/powerpoint/2010/main" val="4120323366"/>
+        <p14:creationId xmlns:p14="http://schemas.microsoft.com/office/powerpoint/2010/main" val="2421866351"/>
       </p:ext>
     </p:extLst>
   </p:cSld>
   <p:clrMapOvr>
     <a:masterClrMapping/>
   </p:clrMapOvr>
-  <p:timing>
-    <p:tnLst>
-      <p:par>
-        <p:cTn id="1" dur="indefinite" restart="never" nodeType="tmRoot"/>
-      </p:par>
-    </p:tnLst>
-  </p:timing>
 </p:sld>
 </file>
 
@@ -7391,7 +7739,7 @@
         <p:spPr>
           <a:xfrm>
             <a:off x="457200" y="0"/>
-            <a:ext cx="7283152" cy="1124744"/>
+            <a:ext cx="7571184" cy="908720"/>
           </a:xfrm>
         </p:spPr>
         <p:txBody>
@@ -7399,45 +7747,105 @@
           <a:lstStyle/>
           <a:p>
             <a:r>
-              <a:rPr lang="en-IN" dirty="0" smtClean="0"/>
-              <a:t>Result</a:t>
-            </a:r>
-            <a:endParaRPr lang="en-IN" dirty="0"/>
-          </a:p>
-        </p:txBody>
-      </p:sp>
-      <p:pic>
-        <p:nvPicPr>
-          <p:cNvPr id="5" name="Content Placeholder 4"/>
-          <p:cNvPicPr>
-            <a:picLocks noGrp="1" noChangeAspect="1"/>
-          </p:cNvPicPr>
+              <a:rPr lang="en-IN" sz="4800" dirty="0" smtClean="0"/>
+              <a:t>Building the transpiler</a:t>
+            </a:r>
+            <a:endParaRPr lang="en-IN" sz="4800" dirty="0"/>
+          </a:p>
+        </p:txBody>
+      </p:sp>
+      <p:sp>
+        <p:nvSpPr>
+          <p:cNvPr id="3" name="Content Placeholder 2"/>
+          <p:cNvSpPr>
+            <a:spLocks noGrp="1"/>
+          </p:cNvSpPr>
           <p:nvPr>
             <p:ph idx="1"/>
           </p:nvPr>
-        </p:nvPicPr>
-        <p:blipFill>
-          <a:blip r:embed="rId2">
-            <a:extLst>
-              <a:ext uri="{28A0092B-C50C-407E-A947-70E740481C1C}">
-                <a14:useLocalDpi xmlns:a14="http://schemas.microsoft.com/office/drawing/2010/main" val="0"/>
-              </a:ext>
-            </a:extLst>
-          </a:blip>
-          <a:stretch>
-            <a:fillRect/>
-          </a:stretch>
-        </p:blipFill>
+        </p:nvSpPr>
         <p:spPr>
           <a:xfrm>
-            <a:off x="468313" y="1569298"/>
-            <a:ext cx="8218487" cy="4329005"/>
+            <a:off x="395536" y="980728"/>
+            <a:ext cx="8291264" cy="5145435"/>
           </a:xfrm>
         </p:spPr>
-      </p:pic>
-      <p:sp>
-        <p:nvSpPr>
-          <p:cNvPr id="4" name="Slide Number Placeholder 3"/>
+        <p:txBody>
+          <a:bodyPr/>
+          <a:lstStyle/>
+          <a:p>
+            <a:pPr marL="0" indent="0">
+              <a:buNone/>
+            </a:pPr>
+            <a:endParaRPr lang="en-IN" dirty="0" smtClean="0"/>
+          </a:p>
+          <a:p>
+            <a:pPr marL="0" indent="0">
+              <a:buNone/>
+            </a:pPr>
+            <a:endParaRPr lang="en-IN" dirty="0"/>
+          </a:p>
+          <a:p>
+            <a:pPr marL="0" indent="0">
+              <a:buNone/>
+            </a:pPr>
+            <a:r>
+              <a:rPr lang="en-IN" dirty="0" smtClean="0"/>
+              <a:t>Coding the transpiler logic:</a:t>
+            </a:r>
+          </a:p>
+          <a:p>
+            <a:pPr marL="0" indent="0">
+              <a:buNone/>
+            </a:pPr>
+            <a:endParaRPr lang="en-IN" dirty="0" smtClean="0"/>
+          </a:p>
+          <a:p>
+            <a:pPr marL="571500" indent="-571500">
+              <a:buFont typeface="+mj-lt"/>
+              <a:buAutoNum type="romanUcPeriod"/>
+            </a:pPr>
+            <a:r>
+              <a:rPr lang="en-IN" dirty="0" smtClean="0"/>
+              <a:t>Lexical analysis </a:t>
+            </a:r>
+          </a:p>
+          <a:p>
+            <a:pPr marL="571500" indent="-571500">
+              <a:buFont typeface="+mj-lt"/>
+              <a:buAutoNum type="romanUcPeriod"/>
+            </a:pPr>
+            <a:r>
+              <a:rPr lang="en-IN" dirty="0" smtClean="0"/>
+              <a:t>Syntactical analysis (grammar check)</a:t>
+            </a:r>
+          </a:p>
+          <a:p>
+            <a:pPr marL="571500" indent="-571500">
+              <a:buFont typeface="+mj-lt"/>
+              <a:buAutoNum type="romanUcPeriod"/>
+            </a:pPr>
+            <a:r>
+              <a:rPr lang="en-IN" dirty="0" smtClean="0"/>
+              <a:t>Translation logic </a:t>
+            </a:r>
+          </a:p>
+          <a:p>
+            <a:pPr marL="571500" indent="-571500">
+              <a:buFont typeface="+mj-lt"/>
+              <a:buAutoNum type="romanUcPeriod"/>
+            </a:pPr>
+            <a:r>
+              <a:rPr lang="en-IN" dirty="0" smtClean="0"/>
+              <a:t>Training the system</a:t>
+            </a:r>
+            <a:endParaRPr lang="en-IN" dirty="0"/>
+          </a:p>
+        </p:txBody>
+      </p:sp>
+      <p:sp>
+        <p:nvSpPr>
+          <p:cNvPr id="5" name="Slide Number Placeholder 4"/>
           <p:cNvSpPr>
             <a:spLocks noGrp="1"/>
           </p:cNvSpPr>
@@ -7461,7 +7869,7 @@
     </p:spTree>
     <p:extLst>
       <p:ext uri="{BB962C8B-B14F-4D97-AF65-F5344CB8AC3E}">
-        <p14:creationId xmlns:p14="http://schemas.microsoft.com/office/powerpoint/2010/main" val="2435519816"/>
+        <p14:creationId xmlns:p14="http://schemas.microsoft.com/office/powerpoint/2010/main" val="1293744943"/>
       </p:ext>
     </p:extLst>
   </p:cSld>
@@ -7555,7 +7963,7 @@
             <a:pPr marL="0" indent="0">
               <a:buNone/>
             </a:pPr>
-            <a:endParaRPr lang="en-IN" dirty="0" smtClean="0"/>
+            <a:endParaRPr lang="en-IN" dirty="0"/>
           </a:p>
           <a:p>
             <a:pPr marL="0" indent="0">
@@ -7563,16 +7971,15 @@
             </a:pPr>
             <a:r>
               <a:rPr lang="en-IN" dirty="0" smtClean="0"/>
-              <a:t>10. Requirement analysis …………………………  15</a:t>
-            </a:r>
-          </a:p>
-          <a:p>
-            <a:pPr marL="0" indent="0">
-              <a:buNone/>
-            </a:pPr>
-            <a:r>
-              <a:rPr lang="en-IN" dirty="0" smtClean="0"/>
-              <a:t>11. Building the transpiler …………………………  16</a:t>
+              <a:t>09. </a:t>
+            </a:r>
+            <a:r>
+              <a:rPr lang="en-IN" dirty="0"/>
+              <a:t>Task performed and accomplishments </a:t>
+            </a:r>
+            <a:r>
+              <a:rPr lang="en-IN" dirty="0" smtClean="0"/>
+              <a:t>...…  16</a:t>
             </a:r>
           </a:p>
           <a:p>
@@ -7585,7 +7992,7 @@
             </a:r>
             <a:r>
               <a:rPr lang="en-IN" dirty="0" smtClean="0"/>
-              <a:t>     11.1 Lexical analysis …………………………...  17</a:t>
+              <a:t>     11.1 Analysis of different approaches……...  17</a:t>
             </a:r>
           </a:p>
           <a:p>
@@ -7598,7 +8005,15 @@
             </a:r>
             <a:r>
               <a:rPr lang="en-IN" dirty="0" smtClean="0"/>
-              <a:t>     11.2 Syntactical analysis ……………………...  18</a:t>
+              <a:t>     11.2 Overview of the </a:t>
+            </a:r>
+            <a:r>
+              <a:rPr lang="en-IN" dirty="0" err="1" smtClean="0"/>
+              <a:t>transpiler</a:t>
+            </a:r>
+            <a:r>
+              <a:rPr lang="en-IN" dirty="0" smtClean="0"/>
+              <a:t> ……………...  18</a:t>
             </a:r>
           </a:p>
           <a:p>
@@ -7717,7 +8132,7 @@
         <p:spPr>
           <a:xfrm>
             <a:off x="457200" y="0"/>
-            <a:ext cx="7715200" cy="908720"/>
+            <a:ext cx="7427168" cy="980728"/>
           </a:xfrm>
         </p:spPr>
         <p:txBody>
@@ -7726,7 +8141,7 @@
           <a:p>
             <a:r>
               <a:rPr lang="en-IN" sz="4800" dirty="0" smtClean="0"/>
-              <a:t>Changes to get the result</a:t>
+              <a:t>Lexical analysis</a:t>
             </a:r>
             <a:endParaRPr lang="en-IN" sz="4800" dirty="0"/>
           </a:p>
@@ -7744,42 +8159,15 @@
         </p:nvSpPr>
         <p:spPr>
           <a:xfrm>
-            <a:off x="395536" y="1052736"/>
-            <a:ext cx="8291264" cy="5073427"/>
+            <a:off x="395536" y="1124744"/>
+            <a:ext cx="8229600" cy="4525963"/>
           </a:xfrm>
         </p:spPr>
         <p:txBody>
           <a:bodyPr/>
           <a:lstStyle/>
           <a:p>
-            <a:r>
-              <a:rPr lang="en-IN" dirty="0"/>
-              <a:t> Size </a:t>
-            </a:r>
-            <a:r>
-              <a:rPr lang="en-IN" dirty="0" err="1"/>
-              <a:t>visibleSize</a:t>
-            </a:r>
-            <a:r>
-              <a:rPr lang="en-IN" dirty="0"/>
-              <a:t> = Director::</a:t>
-            </a:r>
-            <a:r>
-              <a:rPr lang="en-IN" dirty="0" err="1"/>
-              <a:t>getInstance</a:t>
-            </a:r>
-            <a:r>
-              <a:rPr lang="en-IN" dirty="0"/>
-              <a:t>()-&gt;</a:t>
-            </a:r>
-            <a:r>
-              <a:rPr lang="en-IN" dirty="0" err="1"/>
-              <a:t>getVisibleSize</a:t>
-            </a:r>
-            <a:r>
-              <a:rPr lang="en-IN" dirty="0" smtClean="0"/>
-              <a:t>();</a:t>
-            </a:r>
+            <a:endParaRPr lang="en-IN" dirty="0" smtClean="0"/>
           </a:p>
           <a:p>
             <a:endParaRPr lang="en-IN" dirty="0"/>
@@ -7787,26 +8175,28 @@
           <a:p>
             <a:r>
               <a:rPr lang="en-IN" dirty="0" smtClean="0"/>
-              <a:t>menu(val,1) -----</a:t>
-            </a:r>
-            <a:r>
-              <a:rPr lang="en-IN" dirty="0" smtClean="0">
-                <a:sym typeface="Wingdings" pitchFamily="2" charset="2"/>
-              </a:rPr>
-              <a:t> have to remove the  ,1)</a:t>
-            </a:r>
-          </a:p>
-          <a:p>
-            <a:endParaRPr lang="en-IN" dirty="0">
-              <a:sym typeface="Wingdings" pitchFamily="2" charset="2"/>
-            </a:endParaRPr>
-          </a:p>
-          <a:p>
-            <a:r>
-              <a:rPr lang="en-IN" dirty="0" smtClean="0">
-                <a:sym typeface="Wingdings" pitchFamily="2" charset="2"/>
-              </a:rPr>
-              <a:t>Vec2::Zero </a:t>
+              <a:t>Source code is feed line wise.</a:t>
+            </a:r>
+          </a:p>
+          <a:p>
+            <a:pPr marL="0" indent="0">
+              <a:buNone/>
+            </a:pPr>
+            <a:endParaRPr lang="en-IN" dirty="0" smtClean="0"/>
+          </a:p>
+          <a:p>
+            <a:r>
+              <a:rPr lang="en-IN" dirty="0" smtClean="0"/>
+              <a:t>Line is then broken into tokens with categories like separators, operators, keyword and identifier.</a:t>
+            </a:r>
+          </a:p>
+          <a:p>
+            <a:endParaRPr lang="en-IN" dirty="0" smtClean="0"/>
+          </a:p>
+          <a:p>
+            <a:r>
+              <a:rPr lang="en-IN" dirty="0" smtClean="0"/>
+              <a:t>Theses tokens are then send to syntactical analyser and translator.</a:t>
             </a:r>
             <a:endParaRPr lang="en-IN" dirty="0"/>
           </a:p>
@@ -7814,7 +8204,7 @@
       </p:sp>
       <p:sp>
         <p:nvSpPr>
-          <p:cNvPr id="4" name="Slide Number Placeholder 3"/>
+          <p:cNvPr id="5" name="Slide Number Placeholder 4"/>
           <p:cNvSpPr>
             <a:spLocks noGrp="1"/>
           </p:cNvSpPr>
@@ -7838,7 +8228,7 @@
     </p:spTree>
     <p:extLst>
       <p:ext uri="{BB962C8B-B14F-4D97-AF65-F5344CB8AC3E}">
-        <p14:creationId xmlns:p14="http://schemas.microsoft.com/office/powerpoint/2010/main" val="3274257716"/>
+        <p14:creationId xmlns:p14="http://schemas.microsoft.com/office/powerpoint/2010/main" val="329629848"/>
       </p:ext>
     </p:extLst>
   </p:cSld>
@@ -7884,28 +8274,19 @@
         </p:nvSpPr>
         <p:spPr>
           <a:xfrm>
-            <a:off x="395536" y="548680"/>
-            <a:ext cx="8075240" cy="994122"/>
+            <a:off x="457200" y="0"/>
+            <a:ext cx="7499176" cy="980728"/>
           </a:xfrm>
         </p:spPr>
         <p:txBody>
-          <a:bodyPr>
-            <a:normAutofit fontScale="90000"/>
-          </a:bodyPr>
-          <a:lstStyle/>
-          <a:p>
-            <a:r>
-              <a:rPr lang="en-IN" sz="5300" dirty="0"/>
-              <a:t>Comparative approach</a:t>
-            </a:r>
-            <a:r>
-              <a:rPr lang="en-IN" dirty="0"/>
-              <a:t> </a:t>
-            </a:r>
-            <a:br>
-              <a:rPr lang="en-IN" dirty="0"/>
-            </a:br>
-            <a:endParaRPr lang="en-IN" dirty="0"/>
+          <a:bodyPr/>
+          <a:lstStyle/>
+          <a:p>
+            <a:r>
+              <a:rPr lang="en-IN" sz="4800" dirty="0" smtClean="0"/>
+              <a:t>Syntactical analysis</a:t>
+            </a:r>
+            <a:endParaRPr lang="en-IN" sz="4800" dirty="0"/>
           </a:p>
         </p:txBody>
       </p:sp>
@@ -7921,158 +8302,35 @@
         </p:nvSpPr>
         <p:spPr>
           <a:xfrm>
-            <a:off x="971600" y="1196752"/>
-            <a:ext cx="7715200" cy="4929411"/>
+            <a:off x="467544" y="1484784"/>
+            <a:ext cx="8229600" cy="4525963"/>
           </a:xfrm>
         </p:spPr>
         <p:txBody>
-          <a:bodyPr>
-            <a:normAutofit/>
-          </a:bodyPr>
-          <a:lstStyle/>
-          <a:p>
-            <a:pPr marL="457200" indent="-457200">
-              <a:buAutoNum type="arabicPeriod"/>
-            </a:pPr>
-            <a:r>
-              <a:rPr lang="en-IN" dirty="0" smtClean="0"/>
-              <a:t>Automatic </a:t>
-            </a:r>
-            <a:r>
-              <a:rPr lang="en-IN" dirty="0"/>
-              <a:t>generation of </a:t>
-            </a:r>
-            <a:r>
-              <a:rPr lang="en-IN" dirty="0" smtClean="0"/>
-              <a:t>code</a:t>
-            </a:r>
-          </a:p>
-          <a:p>
-            <a:pPr marL="0" indent="0">
-              <a:buNone/>
-            </a:pPr>
-            <a:endParaRPr lang="en-IN" dirty="0" smtClean="0"/>
-          </a:p>
-          <a:p>
-            <a:pPr marL="0" indent="0">
-              <a:buNone/>
-            </a:pPr>
-            <a:r>
-              <a:rPr lang="en-IN" dirty="0"/>
-              <a:t> </a:t>
-            </a:r>
-            <a:r>
-              <a:rPr lang="en-IN" dirty="0" smtClean="0"/>
-              <a:t>  </a:t>
-            </a:r>
-            <a:r>
-              <a:rPr lang="en-IN" dirty="0" smtClean="0">
-                <a:solidFill>
-                  <a:srgbClr val="FF0000"/>
-                </a:solidFill>
-              </a:rPr>
-              <a:t>Negative</a:t>
-            </a:r>
-          </a:p>
-          <a:p>
-            <a:pPr marL="800100" lvl="2" indent="0">
-              <a:buNone/>
-            </a:pPr>
-            <a:r>
-              <a:rPr lang="en-IN" dirty="0"/>
-              <a:t> </a:t>
-            </a:r>
-            <a:r>
-              <a:rPr lang="en-IN" dirty="0" smtClean="0"/>
-              <a:t>- NACL</a:t>
-            </a:r>
-          </a:p>
-          <a:p>
-            <a:pPr lvl="2">
-              <a:buFontTx/>
-              <a:buChar char="-"/>
-            </a:pPr>
-            <a:r>
-              <a:rPr lang="en-IN" dirty="0" err="1" smtClean="0"/>
-              <a:t>Cheerp</a:t>
-            </a:r>
-            <a:endParaRPr lang="en-IN" dirty="0" smtClean="0"/>
-          </a:p>
-          <a:p>
-            <a:pPr lvl="2">
-              <a:buFontTx/>
-              <a:buChar char="-"/>
-            </a:pPr>
-            <a:r>
-              <a:rPr lang="en-IN" dirty="0" err="1" smtClean="0"/>
-              <a:t>Flascc</a:t>
-            </a:r>
-            <a:endParaRPr lang="en-IN" dirty="0" smtClean="0"/>
-          </a:p>
-          <a:p>
-            <a:pPr lvl="2">
-              <a:buFontTx/>
-              <a:buChar char="-"/>
-            </a:pPr>
-            <a:r>
-              <a:rPr lang="en-IN" dirty="0" smtClean="0"/>
-              <a:t>Cocos2d </a:t>
-            </a:r>
-            <a:r>
-              <a:rPr lang="en-IN" dirty="0" err="1" smtClean="0"/>
-              <a:t>Js</a:t>
-            </a:r>
-            <a:endParaRPr lang="en-IN" dirty="0" smtClean="0"/>
-          </a:p>
-          <a:p>
-            <a:pPr lvl="2">
-              <a:buFontTx/>
-              <a:buChar char="-"/>
-            </a:pPr>
-            <a:endParaRPr lang="en-IN" dirty="0" smtClean="0"/>
-          </a:p>
-          <a:p>
-            <a:pPr marL="0" indent="0">
-              <a:buNone/>
-            </a:pPr>
-            <a:r>
-              <a:rPr lang="en-IN" dirty="0"/>
-              <a:t> </a:t>
-            </a:r>
-            <a:r>
-              <a:rPr lang="en-IN" dirty="0" smtClean="0"/>
-              <a:t>   </a:t>
-            </a:r>
-            <a:r>
-              <a:rPr lang="en-IN" dirty="0" smtClean="0">
-                <a:solidFill>
-                  <a:srgbClr val="00B050"/>
-                </a:solidFill>
-              </a:rPr>
-              <a:t>Positive</a:t>
-            </a:r>
-          </a:p>
-          <a:p>
-            <a:pPr marL="914400" lvl="2" indent="0">
-              <a:buNone/>
-            </a:pPr>
-            <a:r>
-              <a:rPr lang="en-IN" dirty="0" smtClean="0"/>
-              <a:t>+ </a:t>
-            </a:r>
-            <a:r>
-              <a:rPr lang="en-IN" dirty="0" err="1" smtClean="0"/>
-              <a:t>Emscripten</a:t>
-            </a:r>
-            <a:endParaRPr lang="en-IN" dirty="0" smtClean="0"/>
-          </a:p>
-          <a:p>
-            <a:pPr marL="914400" lvl="2" indent="0">
-              <a:buNone/>
-            </a:pPr>
-            <a:r>
-              <a:rPr lang="en-IN" dirty="0" smtClean="0"/>
-              <a:t>+ Transpiler</a:t>
+          <a:bodyPr/>
+          <a:lstStyle/>
+          <a:p>
+            <a:r>
+              <a:rPr lang="en-IN" dirty="0" smtClean="0"/>
+              <a:t>Here the grammar of the line (in the forms of tokens) is checked.</a:t>
+            </a:r>
+          </a:p>
+          <a:p>
+            <a:endParaRPr lang="en-IN" dirty="0"/>
+          </a:p>
+          <a:p>
+            <a:r>
+              <a:rPr lang="en-IN" dirty="0" smtClean="0"/>
+              <a:t>Look ahead algorithm is used to check the proper grammar pattern.</a:t>
+            </a:r>
+          </a:p>
+          <a:p>
+            <a:endParaRPr lang="en-IN" dirty="0"/>
+          </a:p>
+          <a:p>
+            <a:r>
+              <a:rPr lang="en-IN" dirty="0" smtClean="0"/>
+              <a:t>Errors are reported if it doesn't matches with proper grammar.</a:t>
             </a:r>
             <a:endParaRPr lang="en-IN" dirty="0"/>
           </a:p>
@@ -8104,7 +8362,7 @@
     </p:spTree>
     <p:extLst>
       <p:ext uri="{BB962C8B-B14F-4D97-AF65-F5344CB8AC3E}">
-        <p14:creationId xmlns:p14="http://schemas.microsoft.com/office/powerpoint/2010/main" val="379138007"/>
+        <p14:creationId xmlns:p14="http://schemas.microsoft.com/office/powerpoint/2010/main" val="3292238430"/>
       </p:ext>
     </p:extLst>
   </p:cSld>
@@ -8150,22 +8408,21 @@
         </p:nvSpPr>
         <p:spPr>
           <a:xfrm>
-            <a:off x="457200" y="0"/>
-            <a:ext cx="7931224" cy="1412776"/>
+            <a:off x="457200" y="274638"/>
+            <a:ext cx="7787208" cy="706090"/>
           </a:xfrm>
         </p:spPr>
         <p:txBody>
-          <a:bodyPr/>
+          <a:bodyPr>
+            <a:noAutofit/>
+          </a:bodyPr>
           <a:lstStyle/>
           <a:p>
             <a:r>
               <a:rPr lang="en-IN" sz="4800" dirty="0" smtClean="0"/>
-              <a:t>2. Web </a:t>
-            </a:r>
-            <a:r>
-              <a:rPr lang="en-IN" sz="4800" dirty="0"/>
-              <a:t>browser support</a:t>
-            </a:r>
+              <a:t>Translation phase</a:t>
+            </a:r>
+            <a:endParaRPr lang="en-IN" sz="4800" dirty="0"/>
           </a:p>
         </p:txBody>
       </p:sp>
@@ -8181,119 +8438,65 @@
         </p:nvSpPr>
         <p:spPr>
           <a:xfrm>
-            <a:off x="755576" y="1556792"/>
-            <a:ext cx="7931224" cy="4569371"/>
+            <a:off x="395536" y="1052736"/>
+            <a:ext cx="8352928" cy="5400600"/>
           </a:xfrm>
         </p:spPr>
         <p:txBody>
-          <a:bodyPr>
-            <a:normAutofit/>
-          </a:bodyPr>
+          <a:bodyPr/>
           <a:lstStyle/>
           <a:p>
             <a:endParaRPr lang="en-IN" dirty="0" smtClean="0"/>
           </a:p>
           <a:p>
-            <a:r>
-              <a:rPr lang="en-IN" dirty="0" smtClean="0"/>
-              <a:t>Dependence </a:t>
-            </a:r>
-            <a:r>
-              <a:rPr lang="en-IN" dirty="0" smtClean="0"/>
-              <a:t>on plugin</a:t>
-            </a:r>
-          </a:p>
-          <a:p>
-            <a:pPr marL="1314450" lvl="2" indent="-514350">
-              <a:buFont typeface="+mj-lt"/>
-              <a:buAutoNum type="romanUcPeriod"/>
-            </a:pPr>
-            <a:r>
-              <a:rPr lang="en-IN" dirty="0"/>
-              <a:t> </a:t>
-            </a:r>
-            <a:r>
-              <a:rPr lang="en-IN" dirty="0" smtClean="0"/>
-              <a:t>   </a:t>
-            </a:r>
-            <a:r>
-              <a:rPr lang="en-IN" dirty="0" err="1" smtClean="0"/>
-              <a:t>Flascc</a:t>
-            </a:r>
+            <a:endParaRPr lang="en-IN" dirty="0"/>
+          </a:p>
+          <a:p>
+            <a:r>
+              <a:rPr lang="en-IN" dirty="0" smtClean="0"/>
+              <a:t>The translation pair are retrieve from the trained xml file.</a:t>
+            </a:r>
+          </a:p>
+          <a:p>
+            <a:endParaRPr lang="en-IN" dirty="0"/>
+          </a:p>
+          <a:p>
+            <a:r>
+              <a:rPr lang="en-IN" dirty="0" smtClean="0"/>
+              <a:t>The word pairs are matched and  then they are </a:t>
+            </a:r>
+          </a:p>
+          <a:p>
+            <a:pPr marL="0" indent="0">
+              <a:buNone/>
+            </a:pPr>
+            <a:r>
+              <a:rPr lang="en-IN" dirty="0" smtClean="0"/>
+              <a:t>    replaced.</a:t>
+            </a:r>
+          </a:p>
+          <a:p>
+            <a:endParaRPr lang="en-IN" dirty="0"/>
+          </a:p>
+          <a:p>
+            <a:r>
+              <a:rPr lang="en-IN" dirty="0" smtClean="0"/>
+              <a:t>Some common syntactical difference like -&gt; , :: are replaced by .(dot)</a:t>
+            </a:r>
+          </a:p>
+          <a:p>
+            <a:endParaRPr lang="en-IN" dirty="0"/>
+          </a:p>
+          <a:p>
+            <a:pPr marL="0" indent="0">
+              <a:buNone/>
+            </a:pPr>
             <a:endParaRPr lang="en-IN" dirty="0" smtClean="0"/>
           </a:p>
           <a:p>
-            <a:pPr marL="1314450" lvl="2" indent="-514350">
-              <a:buFont typeface="+mj-lt"/>
-              <a:buAutoNum type="romanUcPeriod"/>
-            </a:pPr>
-            <a:r>
-              <a:rPr lang="en-IN" dirty="0"/>
-              <a:t> </a:t>
-            </a:r>
-            <a:r>
-              <a:rPr lang="en-IN" dirty="0" smtClean="0"/>
-              <a:t>   NACL</a:t>
-            </a:r>
-          </a:p>
-          <a:p>
             <a:pPr marL="0" indent="0">
               <a:buNone/>
             </a:pPr>
-            <a:endParaRPr lang="en-IN" dirty="0"/>
-          </a:p>
-          <a:p>
-            <a:r>
-              <a:rPr lang="en-IN" dirty="0" smtClean="0"/>
-              <a:t>Independent from plugin</a:t>
-            </a:r>
-          </a:p>
-          <a:p>
-            <a:pPr marL="1314450" lvl="2" indent="-514350">
-              <a:buFont typeface="+mj-lt"/>
-              <a:buAutoNum type="romanUcPeriod"/>
-            </a:pPr>
-            <a:r>
-              <a:rPr lang="en-IN" dirty="0"/>
-              <a:t> </a:t>
-            </a:r>
-            <a:r>
-              <a:rPr lang="en-IN" dirty="0" smtClean="0"/>
-              <a:t>   </a:t>
-            </a:r>
-            <a:r>
-              <a:rPr lang="en-IN" dirty="0" err="1" smtClean="0"/>
-              <a:t>Emscripten</a:t>
-            </a:r>
-            <a:endParaRPr lang="en-IN" dirty="0" smtClean="0"/>
-          </a:p>
-          <a:p>
-            <a:pPr marL="1314450" lvl="2" indent="-514350">
-              <a:buFont typeface="+mj-lt"/>
-              <a:buAutoNum type="romanUcPeriod"/>
-            </a:pPr>
-            <a:r>
-              <a:rPr lang="en-IN" dirty="0"/>
-              <a:t> </a:t>
-            </a:r>
-            <a:r>
-              <a:rPr lang="en-IN" dirty="0" smtClean="0"/>
-              <a:t>   Cocos2d-Js</a:t>
-            </a:r>
-          </a:p>
-          <a:p>
-            <a:pPr marL="1314450" lvl="2" indent="-514350">
-              <a:buFont typeface="+mj-lt"/>
-              <a:buAutoNum type="romanUcPeriod"/>
-            </a:pPr>
-            <a:r>
-              <a:rPr lang="en-IN" dirty="0"/>
-              <a:t> </a:t>
-            </a:r>
-            <a:r>
-              <a:rPr lang="en-IN" dirty="0" smtClean="0"/>
-              <a:t>   Transpiler</a:t>
-            </a:r>
             <a:endParaRPr lang="en-IN" dirty="0"/>
           </a:p>
         </p:txBody>
@@ -8324,7 +8527,7 @@
     </p:spTree>
     <p:extLst>
       <p:ext uri="{BB962C8B-B14F-4D97-AF65-F5344CB8AC3E}">
-        <p14:creationId xmlns:p14="http://schemas.microsoft.com/office/powerpoint/2010/main" val="3461845593"/>
+        <p14:creationId xmlns:p14="http://schemas.microsoft.com/office/powerpoint/2010/main" val="3944087431"/>
       </p:ext>
     </p:extLst>
   </p:cSld>
@@ -8371,7 +8574,7 @@
         <p:spPr>
           <a:xfrm>
             <a:off x="457200" y="0"/>
-            <a:ext cx="7643192" cy="980728"/>
+            <a:ext cx="7715200" cy="908720"/>
           </a:xfrm>
         </p:spPr>
         <p:txBody>
@@ -8380,7 +8583,7 @@
           <a:p>
             <a:r>
               <a:rPr lang="en-IN" sz="4800" dirty="0" smtClean="0"/>
-              <a:t>3.Portability</a:t>
+              <a:t>Training of the system</a:t>
             </a:r>
             <a:endParaRPr lang="en-IN" sz="4800" dirty="0"/>
           </a:p>
@@ -8398,13 +8601,18 @@
         </p:nvSpPr>
         <p:spPr/>
         <p:txBody>
-          <a:bodyPr/>
-          <a:lstStyle/>
-          <a:p>
-            <a:r>
-              <a:rPr lang="en-IN" dirty="0" smtClean="0"/>
-              <a:t>Nearly all the approaches are portable </a:t>
-            </a:r>
+          <a:bodyPr>
+            <a:normAutofit/>
+          </a:bodyPr>
+          <a:lstStyle/>
+          <a:p>
+            <a:r>
+              <a:rPr lang="en-IN" dirty="0" smtClean="0"/>
+              <a:t>Probability and pattern matching is used to determine the type of the token.</a:t>
+            </a:r>
+          </a:p>
+          <a:p>
+            <a:endParaRPr lang="en-IN" dirty="0" smtClean="0"/>
           </a:p>
           <a:p>
             <a:endParaRPr lang="en-IN" dirty="0"/>
@@ -8412,9 +8620,65 @@
           <a:p>
             <a:r>
               <a:rPr lang="en-IN" dirty="0" smtClean="0"/>
-              <a:t>Can run on any operating system and processor.</a:t>
-            </a:r>
-            <a:endParaRPr lang="en-IN" dirty="0"/>
+              <a:t>Observation :</a:t>
+            </a:r>
+          </a:p>
+          <a:p>
+            <a:pPr marL="971550" lvl="1" indent="-571500">
+              <a:buFont typeface="+mj-lt"/>
+              <a:buAutoNum type="romanUcPeriod"/>
+            </a:pPr>
+            <a:r>
+              <a:rPr lang="en-IN" sz="2000" dirty="0"/>
+              <a:t> </a:t>
+            </a:r>
+            <a:r>
+              <a:rPr lang="en-IN" sz="2000" dirty="0" smtClean="0"/>
+              <a:t>  operator – 1 Letter</a:t>
+            </a:r>
+          </a:p>
+          <a:p>
+            <a:pPr marL="971550" lvl="1" indent="-571500">
+              <a:buFont typeface="+mj-lt"/>
+              <a:buAutoNum type="romanUcPeriod"/>
+            </a:pPr>
+            <a:r>
+              <a:rPr lang="en-IN" sz="2000" dirty="0"/>
+              <a:t> </a:t>
+            </a:r>
+            <a:r>
+              <a:rPr lang="en-IN" sz="2000" dirty="0" smtClean="0"/>
+              <a:t>  separator – 1Letter</a:t>
+            </a:r>
+          </a:p>
+          <a:p>
+            <a:pPr marL="971550" lvl="1" indent="-571500">
+              <a:buFont typeface="+mj-lt"/>
+              <a:buAutoNum type="romanUcPeriod"/>
+            </a:pPr>
+            <a:r>
+              <a:rPr lang="en-IN" sz="2000" dirty="0"/>
+              <a:t> </a:t>
+            </a:r>
+            <a:r>
+              <a:rPr lang="en-IN" sz="2000" dirty="0" smtClean="0"/>
+              <a:t>  Keyword – 4 letter</a:t>
+            </a:r>
+          </a:p>
+          <a:p>
+            <a:pPr marL="971550" lvl="1" indent="-571500">
+              <a:buFont typeface="+mj-lt"/>
+              <a:buAutoNum type="romanUcPeriod"/>
+            </a:pPr>
+            <a:r>
+              <a:rPr lang="en-IN" sz="2000" dirty="0"/>
+              <a:t> </a:t>
+            </a:r>
+            <a:r>
+              <a:rPr lang="en-IN" sz="2000" dirty="0" smtClean="0"/>
+              <a:t>  identifier – more than 4</a:t>
+            </a:r>
+            <a:endParaRPr lang="en-IN" sz="2000" dirty="0"/>
           </a:p>
         </p:txBody>
       </p:sp>
@@ -8444,7 +8708,7 @@
     </p:spTree>
     <p:extLst>
       <p:ext uri="{BB962C8B-B14F-4D97-AF65-F5344CB8AC3E}">
-        <p14:creationId xmlns:p14="http://schemas.microsoft.com/office/powerpoint/2010/main" val="917633911"/>
+        <p14:creationId xmlns:p14="http://schemas.microsoft.com/office/powerpoint/2010/main" val="452361720"/>
       </p:ext>
     </p:extLst>
   </p:cSld>
@@ -8480,131 +8744,130 @@
       </p:grpSpPr>
       <p:sp>
         <p:nvSpPr>
-          <p:cNvPr id="2" name="Title 1"/>
-          <p:cNvSpPr>
-            <a:spLocks noGrp="1"/>
-          </p:cNvSpPr>
-          <p:nvPr>
-            <p:ph type="title"/>
+          <p:cNvPr id="3" name="Content Placeholder 2"/>
+          <p:cNvSpPr>
+            <a:spLocks noGrp="1"/>
+          </p:cNvSpPr>
+          <p:nvPr>
+            <p:ph idx="1"/>
           </p:nvPr>
         </p:nvSpPr>
         <p:spPr>
           <a:xfrm>
-            <a:off x="457200" y="274638"/>
-            <a:ext cx="7931224" cy="922114"/>
+            <a:off x="395536" y="332656"/>
+            <a:ext cx="8291264" cy="5793507"/>
           </a:xfrm>
         </p:spPr>
         <p:txBody>
           <a:bodyPr/>
           <a:lstStyle/>
           <a:p>
-            <a:r>
-              <a:rPr lang="en-IN" sz="4800" dirty="0" smtClean="0"/>
-              <a:t>4.Security </a:t>
-            </a:r>
-            <a:endParaRPr lang="en-IN" sz="4800" dirty="0"/>
-          </a:p>
-        </p:txBody>
-      </p:sp>
-      <p:sp>
-        <p:nvSpPr>
-          <p:cNvPr id="3" name="Content Placeholder 2"/>
-          <p:cNvSpPr>
-            <a:spLocks noGrp="1"/>
-          </p:cNvSpPr>
-          <p:nvPr>
-            <p:ph idx="1"/>
-          </p:nvPr>
-        </p:nvSpPr>
-        <p:spPr>
-          <a:xfrm>
-            <a:off x="539552" y="1268760"/>
-            <a:ext cx="8147248" cy="4857403"/>
-          </a:xfrm>
-        </p:spPr>
-        <p:txBody>
-          <a:bodyPr/>
-          <a:lstStyle/>
-          <a:p>
             <a:endParaRPr lang="en-IN" dirty="0" smtClean="0"/>
           </a:p>
           <a:p>
-            <a:r>
-              <a:rPr lang="en-IN" dirty="0" smtClean="0"/>
-              <a:t>NACL </a:t>
-            </a:r>
-            <a:r>
-              <a:rPr lang="en-IN" dirty="0" smtClean="0"/>
-              <a:t>is safe as it uses sandboxing.</a:t>
-            </a:r>
-          </a:p>
-          <a:p>
-            <a:pPr marL="0" indent="0">
-              <a:buNone/>
-            </a:pPr>
             <a:endParaRPr lang="en-IN" dirty="0"/>
           </a:p>
           <a:p>
             <a:r>
               <a:rPr lang="en-IN" dirty="0" smtClean="0"/>
-              <a:t>Flash dependent on </a:t>
-            </a:r>
-            <a:r>
-              <a:rPr lang="en-IN" dirty="0" err="1" smtClean="0"/>
-              <a:t>swf</a:t>
-            </a:r>
-            <a:r>
-              <a:rPr lang="en-IN" dirty="0" smtClean="0"/>
-              <a:t> are vulnerable to attacks like </a:t>
-            </a:r>
-            <a:r>
-              <a:rPr lang="en-IN" dirty="0" smtClean="0"/>
-              <a:t>spoofing </a:t>
-            </a:r>
-            <a:r>
-              <a:rPr lang="en-IN" dirty="0" smtClean="0"/>
-              <a:t>attack.</a:t>
-            </a:r>
-          </a:p>
-          <a:p>
-            <a:endParaRPr lang="en-IN" dirty="0"/>
-          </a:p>
-          <a:p>
-            <a:r>
-              <a:rPr lang="en-IN" dirty="0" err="1" smtClean="0"/>
-              <a:t>Emscription</a:t>
-            </a:r>
-            <a:r>
-              <a:rPr lang="en-IN" dirty="0" smtClean="0"/>
-              <a:t> and cocos2d-x JS have same vulnerability </a:t>
-            </a:r>
-            <a:r>
-              <a:rPr lang="en-IN" dirty="0" smtClean="0"/>
-              <a:t>as </a:t>
-            </a:r>
-            <a:r>
-              <a:rPr lang="en-IN" dirty="0" err="1" smtClean="0"/>
-              <a:t>javascript</a:t>
-            </a:r>
-            <a:r>
-              <a:rPr lang="en-IN" dirty="0" smtClean="0"/>
+              <a:t>Pattern:</a:t>
+            </a:r>
+          </a:p>
+          <a:p>
+            <a:pPr marL="971550" lvl="1" indent="-571500">
+              <a:buFont typeface="+mj-lt"/>
+              <a:buAutoNum type="romanUcPeriod"/>
+            </a:pPr>
+            <a:r>
+              <a:rPr lang="en-IN" sz="2000" dirty="0" smtClean="0"/>
+              <a:t>  keyword – Letters</a:t>
+            </a:r>
+          </a:p>
+          <a:p>
+            <a:pPr marL="971550" lvl="1" indent="-571500">
+              <a:buFont typeface="+mj-lt"/>
+              <a:buAutoNum type="romanUcPeriod"/>
+            </a:pPr>
+            <a:r>
+              <a:rPr lang="en-IN" sz="2000" dirty="0" smtClean="0"/>
+              <a:t>  Identifier – Alphanumeric</a:t>
+            </a:r>
+          </a:p>
+          <a:p>
+            <a:pPr marL="971550" lvl="1" indent="-571500">
+              <a:buFont typeface="+mj-lt"/>
+              <a:buAutoNum type="romanUcPeriod"/>
+            </a:pPr>
+            <a:r>
+              <a:rPr lang="en-IN" sz="2000" dirty="0" smtClean="0"/>
+              <a:t>  Separators – array of predefined symbol</a:t>
+            </a:r>
+          </a:p>
+          <a:p>
+            <a:pPr marL="971550" lvl="1" indent="-571500">
+              <a:buFont typeface="+mj-lt"/>
+              <a:buAutoNum type="romanUcPeriod"/>
+            </a:pPr>
+            <a:r>
+              <a:rPr lang="en-IN" sz="2000" dirty="0"/>
               <a:t> </a:t>
             </a:r>
             <a:r>
-              <a:rPr lang="en-IN" dirty="0"/>
-              <a:t>like cross side </a:t>
-            </a:r>
-            <a:r>
-              <a:rPr lang="en-IN" dirty="0" smtClean="0"/>
-              <a:t>scripting.</a:t>
-            </a:r>
-            <a:endParaRPr lang="en-IN" dirty="0"/>
-          </a:p>
-        </p:txBody>
-      </p:sp>
-      <p:sp>
-        <p:nvSpPr>
-          <p:cNvPr id="5" name="Slide Number Placeholder 4"/>
+              <a:rPr lang="en-IN" sz="2000" dirty="0" smtClean="0"/>
+              <a:t> operators – array of predefined symbol</a:t>
+            </a:r>
+            <a:r>
+              <a:rPr lang="en-IN" dirty="0" smtClean="0"/>
+              <a:t>.</a:t>
+            </a:r>
+          </a:p>
+          <a:p>
+            <a:pPr marL="971550" lvl="1" indent="-571500">
+              <a:buFont typeface="+mj-lt"/>
+              <a:buAutoNum type="romanUcPeriod"/>
+            </a:pPr>
+            <a:endParaRPr lang="en-IN" dirty="0" smtClean="0"/>
+          </a:p>
+          <a:p>
+            <a:pPr marL="857250" lvl="1" indent="-457200">
+              <a:buFont typeface="Arial" pitchFamily="34" charset="0"/>
+              <a:buChar char="•"/>
+            </a:pPr>
+            <a:r>
+              <a:rPr lang="en-IN" sz="2000" dirty="0" err="1" smtClean="0"/>
+              <a:t>Avg</a:t>
+            </a:r>
+            <a:r>
+              <a:rPr lang="en-IN" sz="2000" dirty="0" smtClean="0"/>
+              <a:t> = (probability of observation + probability of pattern)/2</a:t>
+            </a:r>
+          </a:p>
+          <a:p>
+            <a:pPr marL="857250" lvl="1" indent="-457200">
+              <a:buFont typeface="Arial" pitchFamily="34" charset="0"/>
+              <a:buChar char="•"/>
+            </a:pPr>
+            <a:endParaRPr lang="en-IN" sz="2000" dirty="0"/>
+          </a:p>
+          <a:p>
+            <a:pPr marL="857250" lvl="1" indent="-457200">
+              <a:buFont typeface="Arial" pitchFamily="34" charset="0"/>
+              <a:buChar char="•"/>
+            </a:pPr>
+            <a:r>
+              <a:rPr lang="en-IN" sz="2000" dirty="0" err="1" smtClean="0"/>
+              <a:t>Avg</a:t>
+            </a:r>
+            <a:r>
+              <a:rPr lang="en-IN" sz="2000" dirty="0" smtClean="0"/>
+              <a:t> &gt; 0.5 decides that type of token.</a:t>
+            </a:r>
+          </a:p>
+        </p:txBody>
+      </p:sp>
+      <p:sp>
+        <p:nvSpPr>
+          <p:cNvPr id="4" name="Slide Number Placeholder 3"/>
           <p:cNvSpPr>
             <a:spLocks noGrp="1"/>
           </p:cNvSpPr>
@@ -8625,40 +8888,10 @@
           </a:p>
         </p:txBody>
       </p:sp>
-      <p:pic>
-        <p:nvPicPr>
-          <p:cNvPr id="6" name="Picture 5"/>
-          <p:cNvPicPr>
-            <a:picLocks noChangeAspect="1"/>
-          </p:cNvPicPr>
-          <p:nvPr/>
-        </p:nvPicPr>
-        <p:blipFill>
-          <a:blip r:embed="rId2" cstate="print">
-            <a:extLst>
-              <a:ext uri="{28A0092B-C50C-407E-A947-70E740481C1C}">
-                <a14:useLocalDpi xmlns:a14="http://schemas.microsoft.com/office/drawing/2010/main" val="0"/>
-              </a:ext>
-            </a:extLst>
-          </a:blip>
-          <a:stretch>
-            <a:fillRect/>
-          </a:stretch>
-        </p:blipFill>
-        <p:spPr>
-          <a:xfrm>
-            <a:off x="6516216" y="332656"/>
-            <a:ext cx="1226899" cy="980728"/>
-          </a:xfrm>
-          <a:prstGeom prst="rect">
-            <a:avLst/>
-          </a:prstGeom>
-        </p:spPr>
-      </p:pic>
     </p:spTree>
     <p:extLst>
       <p:ext uri="{BB962C8B-B14F-4D97-AF65-F5344CB8AC3E}">
-        <p14:creationId xmlns:p14="http://schemas.microsoft.com/office/powerpoint/2010/main" val="3942201835"/>
+        <p14:creationId xmlns:p14="http://schemas.microsoft.com/office/powerpoint/2010/main" val="3941575085"/>
       </p:ext>
     </p:extLst>
   </p:cSld>
@@ -8704,155 +8937,34 @@
         </p:nvSpPr>
         <p:spPr>
           <a:xfrm>
-            <a:off x="457200" y="274638"/>
-            <a:ext cx="7571184" cy="706090"/>
+            <a:off x="457200" y="0"/>
+            <a:ext cx="7571184" cy="908720"/>
           </a:xfrm>
         </p:spPr>
         <p:txBody>
-          <a:bodyPr>
-            <a:noAutofit/>
-          </a:bodyPr>
+          <a:bodyPr/>
           <a:lstStyle/>
           <a:p>
             <a:r>
               <a:rPr lang="en-IN" sz="4800" dirty="0" smtClean="0"/>
-              <a:t>5.Performance</a:t>
+              <a:t>Sequence diagram</a:t>
             </a:r>
             <a:endParaRPr lang="en-IN" sz="4800" dirty="0"/>
-          </a:p>
-        </p:txBody>
-      </p:sp>
-      <p:sp>
-        <p:nvSpPr>
-          <p:cNvPr id="3" name="Content Placeholder 2"/>
-          <p:cNvSpPr>
-            <a:spLocks noGrp="1"/>
-          </p:cNvSpPr>
-          <p:nvPr>
-            <p:ph idx="1"/>
-          </p:nvPr>
-        </p:nvSpPr>
-        <p:spPr>
-          <a:xfrm>
-            <a:off x="251520" y="908720"/>
-            <a:ext cx="8435280" cy="5217443"/>
-          </a:xfrm>
-        </p:spPr>
-        <p:txBody>
-          <a:bodyPr>
-            <a:normAutofit/>
-          </a:bodyPr>
-          <a:lstStyle/>
-          <a:p>
-            <a:endParaRPr lang="en-IN" dirty="0" smtClean="0"/>
-          </a:p>
-          <a:p>
-            <a:r>
-              <a:rPr lang="en-IN" dirty="0" smtClean="0"/>
-              <a:t>Native </a:t>
-            </a:r>
-            <a:r>
-              <a:rPr lang="en-IN" dirty="0"/>
-              <a:t>client runs as fast as the native </a:t>
-            </a:r>
-            <a:r>
-              <a:rPr lang="en-IN" dirty="0" smtClean="0"/>
-              <a:t>code</a:t>
-            </a:r>
-          </a:p>
-          <a:p>
-            <a:endParaRPr lang="en-IN" dirty="0"/>
-          </a:p>
-          <a:p>
-            <a:r>
-              <a:rPr lang="en-IN" dirty="0" smtClean="0"/>
-              <a:t>Flash </a:t>
-            </a:r>
-            <a:r>
-              <a:rPr lang="en-IN" dirty="0"/>
-              <a:t>really slow the browser performance as it chew up a huge amount of memory and CPU cycles</a:t>
-            </a:r>
-            <a:r>
-              <a:rPr lang="en-IN" dirty="0" smtClean="0"/>
-              <a:t>.</a:t>
-            </a:r>
-          </a:p>
-          <a:p>
-            <a:endParaRPr lang="en-IN" dirty="0" smtClean="0"/>
-          </a:p>
-          <a:p>
-            <a:r>
-              <a:rPr lang="en-IN" dirty="0" err="1" smtClean="0"/>
-              <a:t>Emscripten</a:t>
-            </a:r>
-            <a:r>
-              <a:rPr lang="en-IN" dirty="0" smtClean="0"/>
-              <a:t> have is little slow because asm.js huge intake of memory.</a:t>
-            </a:r>
-          </a:p>
-          <a:p>
-            <a:endParaRPr lang="en-IN" dirty="0"/>
-          </a:p>
-          <a:p>
-            <a:pPr marL="0" indent="0">
-              <a:buNone/>
-            </a:pPr>
-            <a:endParaRPr lang="en-IN" dirty="0" smtClean="0"/>
-          </a:p>
-          <a:p>
-            <a:r>
-              <a:rPr lang="en-IN" dirty="0" err="1" smtClean="0"/>
-              <a:t>Cheerp</a:t>
-            </a:r>
-            <a:r>
-              <a:rPr lang="en-IN" dirty="0" smtClean="0"/>
-              <a:t> and cocos2d-js browser performance is good.</a:t>
-            </a:r>
-          </a:p>
-          <a:p>
-            <a:endParaRPr lang="en-IN" dirty="0"/>
-          </a:p>
-          <a:p>
-            <a:pPr marL="0" indent="0">
-              <a:buNone/>
-            </a:pPr>
-            <a:endParaRPr lang="en-IN" dirty="0"/>
-          </a:p>
-        </p:txBody>
-      </p:sp>
-      <p:sp>
-        <p:nvSpPr>
-          <p:cNvPr id="5" name="Slide Number Placeholder 4"/>
-          <p:cNvSpPr>
-            <a:spLocks noGrp="1"/>
-          </p:cNvSpPr>
-          <p:nvPr>
-            <p:ph type="sldNum" sz="quarter" idx="12"/>
-          </p:nvPr>
-        </p:nvSpPr>
-        <p:spPr/>
-        <p:txBody>
-          <a:bodyPr/>
-          <a:lstStyle/>
-          <a:p>
-            <a:fld id="{7CDCE0BC-118A-470A-A533-6AA16EA2F65F}" type="slidenum">
-              <a:rPr lang="en-IN" smtClean="0"/>
-              <a:t>35</a:t>
-            </a:fld>
-            <a:endParaRPr lang="en-IN"/>
           </a:p>
         </p:txBody>
       </p:sp>
       <p:pic>
         <p:nvPicPr>
-          <p:cNvPr id="6" name="Picture 5"/>
+          <p:cNvPr id="5" name="Content Placeholder 4"/>
           <p:cNvPicPr>
-            <a:picLocks noChangeAspect="1"/>
+            <a:picLocks noGrp="1" noChangeAspect="1"/>
           </p:cNvPicPr>
-          <p:nvPr/>
+          <p:nvPr>
+            <p:ph idx="1"/>
+          </p:nvPr>
         </p:nvPicPr>
         <p:blipFill>
-          <a:blip r:embed="rId2" cstate="print">
+          <a:blip r:embed="rId2">
             <a:extLst>
               <a:ext uri="{28A0092B-C50C-407E-A947-70E740481C1C}">
                 <a14:useLocalDpi xmlns:a14="http://schemas.microsoft.com/office/drawing/2010/main" val="0"/>
@@ -8865,18 +8977,38 @@
         </p:blipFill>
         <p:spPr>
           <a:xfrm>
-            <a:off x="7102567" y="116632"/>
-            <a:ext cx="1028687" cy="1173465"/>
+            <a:off x="229075" y="1052736"/>
+            <a:ext cx="8871481" cy="5328592"/>
           </a:xfrm>
-          <a:prstGeom prst="rect">
-            <a:avLst/>
-          </a:prstGeom>
         </p:spPr>
       </p:pic>
+      <p:sp>
+        <p:nvSpPr>
+          <p:cNvPr id="4" name="Slide Number Placeholder 3"/>
+          <p:cNvSpPr>
+            <a:spLocks noGrp="1"/>
+          </p:cNvSpPr>
+          <p:nvPr>
+            <p:ph type="sldNum" sz="quarter" idx="12"/>
+          </p:nvPr>
+        </p:nvSpPr>
+        <p:spPr/>
+        <p:txBody>
+          <a:bodyPr/>
+          <a:lstStyle/>
+          <a:p>
+            <a:fld id="{7CDCE0BC-118A-470A-A533-6AA16EA2F65F}" type="slidenum">
+              <a:rPr lang="en-IN" smtClean="0"/>
+              <a:t>35</a:t>
+            </a:fld>
+            <a:endParaRPr lang="en-IN"/>
+          </a:p>
+        </p:txBody>
+      </p:sp>
     </p:spTree>
     <p:extLst>
       <p:ext uri="{BB962C8B-B14F-4D97-AF65-F5344CB8AC3E}">
-        <p14:creationId xmlns:p14="http://schemas.microsoft.com/office/powerpoint/2010/main" val="2091600553"/>
+        <p14:creationId xmlns:p14="http://schemas.microsoft.com/office/powerpoint/2010/main" val="4120323366"/>
       </p:ext>
     </p:extLst>
   </p:cSld>
@@ -8923,6 +9055,516 @@
         <p:spPr>
           <a:xfrm>
             <a:off x="457200" y="0"/>
+            <a:ext cx="7283152" cy="1124744"/>
+          </a:xfrm>
+        </p:spPr>
+        <p:txBody>
+          <a:bodyPr/>
+          <a:lstStyle/>
+          <a:p>
+            <a:r>
+              <a:rPr lang="en-IN" dirty="0" smtClean="0"/>
+              <a:t>Result</a:t>
+            </a:r>
+            <a:endParaRPr lang="en-IN" dirty="0"/>
+          </a:p>
+        </p:txBody>
+      </p:sp>
+      <p:pic>
+        <p:nvPicPr>
+          <p:cNvPr id="5" name="Content Placeholder 4"/>
+          <p:cNvPicPr>
+            <a:picLocks noGrp="1" noChangeAspect="1"/>
+          </p:cNvPicPr>
+          <p:nvPr>
+            <p:ph idx="1"/>
+          </p:nvPr>
+        </p:nvPicPr>
+        <p:blipFill>
+          <a:blip r:embed="rId2">
+            <a:extLst>
+              <a:ext uri="{28A0092B-C50C-407E-A947-70E740481C1C}">
+                <a14:useLocalDpi xmlns:a14="http://schemas.microsoft.com/office/drawing/2010/main" val="0"/>
+              </a:ext>
+            </a:extLst>
+          </a:blip>
+          <a:stretch>
+            <a:fillRect/>
+          </a:stretch>
+        </p:blipFill>
+        <p:spPr>
+          <a:xfrm>
+            <a:off x="468313" y="1569298"/>
+            <a:ext cx="8218487" cy="4329005"/>
+          </a:xfrm>
+        </p:spPr>
+      </p:pic>
+      <p:sp>
+        <p:nvSpPr>
+          <p:cNvPr id="4" name="Slide Number Placeholder 3"/>
+          <p:cNvSpPr>
+            <a:spLocks noGrp="1"/>
+          </p:cNvSpPr>
+          <p:nvPr>
+            <p:ph type="sldNum" sz="quarter" idx="12"/>
+          </p:nvPr>
+        </p:nvSpPr>
+        <p:spPr/>
+        <p:txBody>
+          <a:bodyPr/>
+          <a:lstStyle/>
+          <a:p>
+            <a:fld id="{7CDCE0BC-118A-470A-A533-6AA16EA2F65F}" type="slidenum">
+              <a:rPr lang="en-IN" smtClean="0"/>
+              <a:t>36</a:t>
+            </a:fld>
+            <a:endParaRPr lang="en-IN"/>
+          </a:p>
+        </p:txBody>
+      </p:sp>
+    </p:spTree>
+    <p:extLst>
+      <p:ext uri="{BB962C8B-B14F-4D97-AF65-F5344CB8AC3E}">
+        <p14:creationId xmlns:p14="http://schemas.microsoft.com/office/powerpoint/2010/main" val="2435519816"/>
+      </p:ext>
+    </p:extLst>
+  </p:cSld>
+  <p:clrMapOvr>
+    <a:masterClrMapping/>
+  </p:clrMapOvr>
+  <p:timing>
+    <p:tnLst>
+      <p:par>
+        <p:cTn id="1" dur="indefinite" restart="never" nodeType="tmRoot"/>
+      </p:par>
+    </p:tnLst>
+  </p:timing>
+</p:sld>
+</file>
+
+<file path=ppt/slides/slide37.xml><?xml version="1.0" encoding="utf-8"?>
+<p:sld xmlns:a="http://schemas.openxmlformats.org/drawingml/2006/main" xmlns:r="http://schemas.openxmlformats.org/officeDocument/2006/relationships" xmlns:p="http://schemas.openxmlformats.org/presentationml/2006/main">
+  <p:cSld>
+    <p:spTree>
+      <p:nvGrpSpPr>
+        <p:cNvPr id="1" name=""/>
+        <p:cNvGrpSpPr/>
+        <p:nvPr/>
+      </p:nvGrpSpPr>
+      <p:grpSpPr>
+        <a:xfrm>
+          <a:off x="0" y="0"/>
+          <a:ext cx="0" cy="0"/>
+          <a:chOff x="0" y="0"/>
+          <a:chExt cx="0" cy="0"/>
+        </a:xfrm>
+      </p:grpSpPr>
+      <p:sp>
+        <p:nvSpPr>
+          <p:cNvPr id="2" name="Title 1"/>
+          <p:cNvSpPr>
+            <a:spLocks noGrp="1"/>
+          </p:cNvSpPr>
+          <p:nvPr>
+            <p:ph type="title"/>
+          </p:nvPr>
+        </p:nvSpPr>
+        <p:spPr/>
+        <p:txBody>
+          <a:bodyPr/>
+          <a:lstStyle/>
+          <a:p>
+            <a:r>
+              <a:rPr lang="en-IN" dirty="0" smtClean="0"/>
+              <a:t>Web version</a:t>
+            </a:r>
+            <a:endParaRPr lang="en-IN" dirty="0"/>
+          </a:p>
+        </p:txBody>
+      </p:sp>
+      <p:pic>
+        <p:nvPicPr>
+          <p:cNvPr id="5" name="Content Placeholder 4"/>
+          <p:cNvPicPr>
+            <a:picLocks noGrp="1" noChangeAspect="1"/>
+          </p:cNvPicPr>
+          <p:nvPr>
+            <p:ph idx="1"/>
+          </p:nvPr>
+        </p:nvPicPr>
+        <p:blipFill>
+          <a:blip r:embed="rId2">
+            <a:extLst>
+              <a:ext uri="{28A0092B-C50C-407E-A947-70E740481C1C}">
+                <a14:useLocalDpi xmlns:a14="http://schemas.microsoft.com/office/drawing/2010/main" val="0"/>
+              </a:ext>
+            </a:extLst>
+          </a:blip>
+          <a:stretch>
+            <a:fillRect/>
+          </a:stretch>
+        </p:blipFill>
+        <p:spPr>
+          <a:xfrm>
+            <a:off x="1470154" y="1446612"/>
+            <a:ext cx="6414213" cy="4679552"/>
+          </a:xfrm>
+        </p:spPr>
+      </p:pic>
+      <p:sp>
+        <p:nvSpPr>
+          <p:cNvPr id="4" name="Slide Number Placeholder 3"/>
+          <p:cNvSpPr>
+            <a:spLocks noGrp="1"/>
+          </p:cNvSpPr>
+          <p:nvPr>
+            <p:ph type="sldNum" sz="quarter" idx="12"/>
+          </p:nvPr>
+        </p:nvSpPr>
+        <p:spPr/>
+        <p:txBody>
+          <a:bodyPr/>
+          <a:lstStyle/>
+          <a:p>
+            <a:fld id="{7CDCE0BC-118A-470A-A533-6AA16EA2F65F}" type="slidenum">
+              <a:rPr lang="en-IN" smtClean="0"/>
+              <a:t>37</a:t>
+            </a:fld>
+            <a:endParaRPr lang="en-IN"/>
+          </a:p>
+        </p:txBody>
+      </p:sp>
+    </p:spTree>
+    <p:extLst>
+      <p:ext uri="{BB962C8B-B14F-4D97-AF65-F5344CB8AC3E}">
+        <p14:creationId xmlns:p14="http://schemas.microsoft.com/office/powerpoint/2010/main" val="252296502"/>
+      </p:ext>
+    </p:extLst>
+  </p:cSld>
+  <p:clrMapOvr>
+    <a:masterClrMapping/>
+  </p:clrMapOvr>
+  <p:timing>
+    <p:tnLst>
+      <p:par>
+        <p:cTn id="1" dur="indefinite" restart="never" nodeType="tmRoot"/>
+      </p:par>
+    </p:tnLst>
+  </p:timing>
+</p:sld>
+</file>
+
+<file path=ppt/slides/slide38.xml><?xml version="1.0" encoding="utf-8"?>
+<p:sld xmlns:a="http://schemas.openxmlformats.org/drawingml/2006/main" xmlns:r="http://schemas.openxmlformats.org/officeDocument/2006/relationships" xmlns:p="http://schemas.openxmlformats.org/presentationml/2006/main">
+  <p:cSld>
+    <p:spTree>
+      <p:nvGrpSpPr>
+        <p:cNvPr id="1" name=""/>
+        <p:cNvGrpSpPr/>
+        <p:nvPr/>
+      </p:nvGrpSpPr>
+      <p:grpSpPr>
+        <a:xfrm>
+          <a:off x="0" y="0"/>
+          <a:ext cx="0" cy="0"/>
+          <a:chOff x="0" y="0"/>
+          <a:chExt cx="0" cy="0"/>
+        </a:xfrm>
+      </p:grpSpPr>
+      <p:sp>
+        <p:nvSpPr>
+          <p:cNvPr id="4" name="Slide Number Placeholder 3"/>
+          <p:cNvSpPr>
+            <a:spLocks noGrp="1"/>
+          </p:cNvSpPr>
+          <p:nvPr>
+            <p:ph type="sldNum" sz="quarter" idx="12"/>
+          </p:nvPr>
+        </p:nvSpPr>
+        <p:spPr/>
+        <p:txBody>
+          <a:bodyPr/>
+          <a:lstStyle/>
+          <a:p>
+            <a:fld id="{7CDCE0BC-118A-470A-A533-6AA16EA2F65F}" type="slidenum">
+              <a:rPr lang="en-IN" smtClean="0"/>
+              <a:t>38</a:t>
+            </a:fld>
+            <a:endParaRPr lang="en-IN"/>
+          </a:p>
+        </p:txBody>
+      </p:sp>
+      <p:sp>
+        <p:nvSpPr>
+          <p:cNvPr id="5" name="Rectangle 4"/>
+          <p:cNvSpPr/>
+          <p:nvPr/>
+        </p:nvSpPr>
+        <p:spPr>
+          <a:xfrm>
+            <a:off x="899592" y="3140968"/>
+            <a:ext cx="2520280" cy="360040"/>
+          </a:xfrm>
+          <a:prstGeom prst="rect">
+            <a:avLst/>
+          </a:prstGeom>
+          <a:solidFill>
+            <a:schemeClr val="accent1">
+              <a:lumMod val="20000"/>
+              <a:lumOff val="80000"/>
+            </a:schemeClr>
+          </a:solidFill>
+        </p:spPr>
+        <p:style>
+          <a:lnRef idx="2">
+            <a:schemeClr val="accent1">
+              <a:shade val="50000"/>
+            </a:schemeClr>
+          </a:lnRef>
+          <a:fillRef idx="1">
+            <a:schemeClr val="accent1"/>
+          </a:fillRef>
+          <a:effectRef idx="0">
+            <a:schemeClr val="accent1"/>
+          </a:effectRef>
+          <a:fontRef idx="minor">
+            <a:schemeClr val="lt1"/>
+          </a:fontRef>
+        </p:style>
+        <p:txBody>
+          <a:bodyPr rtlCol="0" anchor="ctr"/>
+          <a:lstStyle/>
+          <a:p>
+            <a:pPr algn="ctr"/>
+            <a:endParaRPr lang="en-IN"/>
+          </a:p>
+        </p:txBody>
+      </p:sp>
+      <p:sp>
+        <p:nvSpPr>
+          <p:cNvPr id="6" name="Rectangle 5"/>
+          <p:cNvSpPr/>
+          <p:nvPr/>
+        </p:nvSpPr>
+        <p:spPr>
+          <a:xfrm>
+            <a:off x="3203848" y="3140968"/>
+            <a:ext cx="2520280" cy="360040"/>
+          </a:xfrm>
+          <a:prstGeom prst="rect">
+            <a:avLst/>
+          </a:prstGeom>
+          <a:solidFill>
+            <a:schemeClr val="accent1">
+              <a:lumMod val="20000"/>
+              <a:lumOff val="80000"/>
+            </a:schemeClr>
+          </a:solidFill>
+        </p:spPr>
+        <p:style>
+          <a:lnRef idx="2">
+            <a:schemeClr val="accent1">
+              <a:shade val="50000"/>
+            </a:schemeClr>
+          </a:lnRef>
+          <a:fillRef idx="1">
+            <a:schemeClr val="accent1"/>
+          </a:fillRef>
+          <a:effectRef idx="0">
+            <a:schemeClr val="accent1"/>
+          </a:effectRef>
+          <a:fontRef idx="minor">
+            <a:schemeClr val="lt1"/>
+          </a:fontRef>
+        </p:style>
+        <p:txBody>
+          <a:bodyPr rtlCol="0" anchor="ctr"/>
+          <a:lstStyle/>
+          <a:p>
+            <a:pPr algn="ctr"/>
+            <a:endParaRPr lang="en-IN"/>
+          </a:p>
+        </p:txBody>
+      </p:sp>
+      <p:sp>
+        <p:nvSpPr>
+          <p:cNvPr id="7" name="Rectangle 6"/>
+          <p:cNvSpPr/>
+          <p:nvPr/>
+        </p:nvSpPr>
+        <p:spPr>
+          <a:xfrm>
+            <a:off x="5724128" y="3140968"/>
+            <a:ext cx="2520280" cy="360040"/>
+          </a:xfrm>
+          <a:prstGeom prst="rect">
+            <a:avLst/>
+          </a:prstGeom>
+          <a:solidFill>
+            <a:srgbClr val="C00000"/>
+          </a:solidFill>
+        </p:spPr>
+        <p:style>
+          <a:lnRef idx="2">
+            <a:schemeClr val="accent1">
+              <a:shade val="50000"/>
+            </a:schemeClr>
+          </a:lnRef>
+          <a:fillRef idx="1">
+            <a:schemeClr val="accent1"/>
+          </a:fillRef>
+          <a:effectRef idx="0">
+            <a:schemeClr val="accent1"/>
+          </a:effectRef>
+          <a:fontRef idx="minor">
+            <a:schemeClr val="lt1"/>
+          </a:fontRef>
+        </p:style>
+        <p:txBody>
+          <a:bodyPr rtlCol="0" anchor="ctr"/>
+          <a:lstStyle/>
+          <a:p>
+            <a:pPr algn="ctr"/>
+            <a:endParaRPr lang="en-IN"/>
+          </a:p>
+        </p:txBody>
+      </p:sp>
+      <p:sp>
+        <p:nvSpPr>
+          <p:cNvPr id="8" name="TextBox 7"/>
+          <p:cNvSpPr txBox="1"/>
+          <p:nvPr/>
+        </p:nvSpPr>
+        <p:spPr>
+          <a:xfrm>
+            <a:off x="899592" y="2636912"/>
+            <a:ext cx="2232248" cy="369332"/>
+          </a:xfrm>
+          <a:prstGeom prst="rect">
+            <a:avLst/>
+          </a:prstGeom>
+          <a:noFill/>
+        </p:spPr>
+        <p:txBody>
+          <a:bodyPr wrap="square" rtlCol="0">
+            <a:spAutoFit/>
+          </a:bodyPr>
+          <a:lstStyle/>
+          <a:p>
+            <a:r>
+              <a:rPr lang="en-IN" dirty="0" smtClean="0"/>
+              <a:t>Introduction</a:t>
+            </a:r>
+            <a:endParaRPr lang="en-IN" dirty="0"/>
+          </a:p>
+        </p:txBody>
+      </p:sp>
+      <p:sp>
+        <p:nvSpPr>
+          <p:cNvPr id="9" name="TextBox 8"/>
+          <p:cNvSpPr txBox="1"/>
+          <p:nvPr/>
+        </p:nvSpPr>
+        <p:spPr>
+          <a:xfrm>
+            <a:off x="5868144" y="2627620"/>
+            <a:ext cx="2232248" cy="369332"/>
+          </a:xfrm>
+          <a:prstGeom prst="rect">
+            <a:avLst/>
+          </a:prstGeom>
+          <a:noFill/>
+        </p:spPr>
+        <p:txBody>
+          <a:bodyPr wrap="square" rtlCol="0">
+            <a:spAutoFit/>
+          </a:bodyPr>
+          <a:lstStyle/>
+          <a:p>
+            <a:r>
+              <a:rPr lang="en-IN" dirty="0" smtClean="0"/>
+              <a:t>Summary</a:t>
+            </a:r>
+            <a:endParaRPr lang="en-IN" dirty="0"/>
+          </a:p>
+        </p:txBody>
+      </p:sp>
+      <p:sp>
+        <p:nvSpPr>
+          <p:cNvPr id="10" name="TextBox 9"/>
+          <p:cNvSpPr txBox="1"/>
+          <p:nvPr/>
+        </p:nvSpPr>
+        <p:spPr>
+          <a:xfrm>
+            <a:off x="3261825" y="2316640"/>
+            <a:ext cx="2232248" cy="646331"/>
+          </a:xfrm>
+          <a:prstGeom prst="rect">
+            <a:avLst/>
+          </a:prstGeom>
+          <a:noFill/>
+        </p:spPr>
+        <p:txBody>
+          <a:bodyPr wrap="square" rtlCol="0">
+            <a:spAutoFit/>
+          </a:bodyPr>
+          <a:lstStyle/>
+          <a:p>
+            <a:r>
+              <a:rPr lang="en-IN" dirty="0" smtClean="0"/>
+              <a:t>Task performed </a:t>
+            </a:r>
+            <a:r>
+              <a:rPr lang="en-IN" dirty="0"/>
+              <a:t>and accomplishments</a:t>
+            </a:r>
+          </a:p>
+        </p:txBody>
+      </p:sp>
+    </p:spTree>
+    <p:extLst>
+      <p:ext uri="{BB962C8B-B14F-4D97-AF65-F5344CB8AC3E}">
+        <p14:creationId xmlns:p14="http://schemas.microsoft.com/office/powerpoint/2010/main" val="2857672860"/>
+      </p:ext>
+    </p:extLst>
+  </p:cSld>
+  <p:clrMapOvr>
+    <a:masterClrMapping/>
+  </p:clrMapOvr>
+</p:sld>
+</file>
+
+<file path=ppt/slides/slide39.xml><?xml version="1.0" encoding="utf-8"?>
+<p:sld xmlns:a="http://schemas.openxmlformats.org/drawingml/2006/main" xmlns:r="http://schemas.openxmlformats.org/officeDocument/2006/relationships" xmlns:p="http://schemas.openxmlformats.org/presentationml/2006/main">
+  <p:cSld>
+    <p:spTree>
+      <p:nvGrpSpPr>
+        <p:cNvPr id="1" name=""/>
+        <p:cNvGrpSpPr/>
+        <p:nvPr/>
+      </p:nvGrpSpPr>
+      <p:grpSpPr>
+        <a:xfrm>
+          <a:off x="0" y="0"/>
+          <a:ext cx="0" cy="0"/>
+          <a:chOff x="0" y="0"/>
+          <a:chExt cx="0" cy="0"/>
+        </a:xfrm>
+      </p:grpSpPr>
+      <p:sp>
+        <p:nvSpPr>
+          <p:cNvPr id="2" name="Title 1"/>
+          <p:cNvSpPr>
+            <a:spLocks noGrp="1"/>
+          </p:cNvSpPr>
+          <p:nvPr>
+            <p:ph type="title"/>
+          </p:nvPr>
+        </p:nvSpPr>
+        <p:spPr>
+          <a:xfrm>
+            <a:off x="457200" y="0"/>
             <a:ext cx="7499176" cy="836712"/>
           </a:xfrm>
         </p:spPr>
@@ -8981,8 +9623,25 @@
           <a:p>
             <a:r>
               <a:rPr lang="en-IN" dirty="0" smtClean="0"/>
-              <a:t>Make it more robust by adding grammar for newer version.</a:t>
-            </a:r>
+              <a:t>Make it more robust by adding grammar for newer version</a:t>
+            </a:r>
+            <a:r>
+              <a:rPr lang="en-IN" dirty="0"/>
+              <a:t>. </a:t>
+            </a:r>
+            <a:r>
+              <a:rPr lang="en-IN" dirty="0" err="1"/>
+              <a:t>Jaro</a:t>
+            </a:r>
+            <a:r>
+              <a:rPr lang="en-IN" dirty="0"/>
+              <a:t>–</a:t>
+            </a:r>
+            <a:r>
+              <a:rPr lang="en-IN" dirty="0" err="1"/>
+              <a:t>Winkler_distance</a:t>
+            </a:r>
+            <a:endParaRPr lang="en-IN" dirty="0" smtClean="0"/>
           </a:p>
           <a:p>
             <a:endParaRPr lang="en-IN" dirty="0"/>
@@ -8990,7 +9649,11 @@
           <a:p>
             <a:r>
               <a:rPr lang="en-IN" dirty="0" smtClean="0"/>
-              <a:t>Add new features to make it more user friendly.</a:t>
+              <a:t>Using string similarity </a:t>
+            </a:r>
+            <a:r>
+              <a:rPr lang="en-IN" smtClean="0"/>
+              <a:t>alogorithm.</a:t>
             </a:r>
             <a:endParaRPr lang="en-IN" dirty="0"/>
           </a:p>
@@ -9013,7 +9676,7 @@
           <a:p>
             <a:fld id="{7CDCE0BC-118A-470A-A533-6AA16EA2F65F}" type="slidenum">
               <a:rPr lang="en-IN" smtClean="0"/>
-              <a:t>36</a:t>
+              <a:t>39</a:t>
             </a:fld>
             <a:endParaRPr lang="en-IN"/>
           </a:p>
@@ -9053,533 +9716,6 @@
     <p:extLst>
       <p:ext uri="{BB962C8B-B14F-4D97-AF65-F5344CB8AC3E}">
         <p14:creationId xmlns:p14="http://schemas.microsoft.com/office/powerpoint/2010/main" val="1992098803"/>
-      </p:ext>
-    </p:extLst>
-  </p:cSld>
-  <p:clrMapOvr>
-    <a:masterClrMapping/>
-  </p:clrMapOvr>
-  <p:timing>
-    <p:tnLst>
-      <p:par>
-        <p:cTn id="1" dur="indefinite" restart="never" nodeType="tmRoot"/>
-      </p:par>
-    </p:tnLst>
-  </p:timing>
-</p:sld>
-</file>
-
-<file path=ppt/slides/slide37.xml><?xml version="1.0" encoding="utf-8"?>
-<p:sld xmlns:a="http://schemas.openxmlformats.org/drawingml/2006/main" xmlns:r="http://schemas.openxmlformats.org/officeDocument/2006/relationships" xmlns:p="http://schemas.openxmlformats.org/presentationml/2006/main">
-  <p:cSld>
-    <p:spTree>
-      <p:nvGrpSpPr>
-        <p:cNvPr id="1" name=""/>
-        <p:cNvGrpSpPr/>
-        <p:nvPr/>
-      </p:nvGrpSpPr>
-      <p:grpSpPr>
-        <a:xfrm>
-          <a:off x="0" y="0"/>
-          <a:ext cx="0" cy="0"/>
-          <a:chOff x="0" y="0"/>
-          <a:chExt cx="0" cy="0"/>
-        </a:xfrm>
-      </p:grpSpPr>
-      <p:sp>
-        <p:nvSpPr>
-          <p:cNvPr id="2" name="Title 1"/>
-          <p:cNvSpPr>
-            <a:spLocks noGrp="1"/>
-          </p:cNvSpPr>
-          <p:nvPr>
-            <p:ph type="title"/>
-          </p:nvPr>
-        </p:nvSpPr>
-        <p:spPr>
-          <a:xfrm>
-            <a:off x="457200" y="0"/>
-            <a:ext cx="7211144" cy="980728"/>
-          </a:xfrm>
-        </p:spPr>
-        <p:txBody>
-          <a:bodyPr/>
-          <a:lstStyle/>
-          <a:p>
-            <a:r>
-              <a:rPr lang="en-IN" sz="4800" dirty="0" smtClean="0"/>
-              <a:t>Conclusion</a:t>
-            </a:r>
-            <a:endParaRPr lang="en-IN" sz="4800" dirty="0"/>
-          </a:p>
-        </p:txBody>
-      </p:sp>
-      <p:sp>
-        <p:nvSpPr>
-          <p:cNvPr id="3" name="Content Placeholder 2"/>
-          <p:cNvSpPr>
-            <a:spLocks noGrp="1"/>
-          </p:cNvSpPr>
-          <p:nvPr>
-            <p:ph idx="1"/>
-          </p:nvPr>
-        </p:nvSpPr>
-        <p:spPr>
-          <a:xfrm>
-            <a:off x="395536" y="1052736"/>
-            <a:ext cx="8424936" cy="5184576"/>
-          </a:xfrm>
-        </p:spPr>
-        <p:txBody>
-          <a:bodyPr>
-            <a:normAutofit/>
-          </a:bodyPr>
-          <a:lstStyle/>
-          <a:p>
-            <a:pPr marL="0" indent="0">
-              <a:buNone/>
-            </a:pPr>
-            <a:r>
-              <a:rPr lang="en-IN" dirty="0" smtClean="0"/>
-              <a:t>+ What I did</a:t>
-            </a:r>
-          </a:p>
-          <a:p>
-            <a:pPr marL="0" indent="0">
-              <a:buNone/>
-            </a:pPr>
-            <a:r>
-              <a:rPr lang="en-IN" dirty="0"/>
-              <a:t> </a:t>
-            </a:r>
-            <a:r>
-              <a:rPr lang="en-IN" dirty="0" smtClean="0"/>
-              <a:t>   - evaluation of different approaches  for porting.</a:t>
-            </a:r>
-          </a:p>
-          <a:p>
-            <a:pPr marL="0" indent="0">
-              <a:buNone/>
-            </a:pPr>
-            <a:r>
-              <a:rPr lang="en-IN" dirty="0"/>
-              <a:t> </a:t>
-            </a:r>
-            <a:r>
-              <a:rPr lang="en-IN" dirty="0" smtClean="0"/>
-              <a:t>   - compare there feasibility.</a:t>
-            </a:r>
-          </a:p>
-          <a:p>
-            <a:pPr marL="0" indent="0">
-              <a:buNone/>
-            </a:pPr>
-            <a:r>
-              <a:rPr lang="en-IN" dirty="0"/>
-              <a:t> </a:t>
-            </a:r>
-            <a:r>
-              <a:rPr lang="en-IN" dirty="0" smtClean="0"/>
-              <a:t>   - coding a new transpiler for porting cocos2d-x c++</a:t>
-            </a:r>
-          </a:p>
-          <a:p>
-            <a:pPr marL="0" indent="0">
-              <a:buNone/>
-            </a:pPr>
-            <a:r>
-              <a:rPr lang="en-IN" dirty="0"/>
-              <a:t> </a:t>
-            </a:r>
-            <a:r>
-              <a:rPr lang="en-IN" dirty="0" smtClean="0"/>
-              <a:t>      to cocos2d-JS.</a:t>
-            </a:r>
-          </a:p>
-          <a:p>
-            <a:pPr marL="0" indent="0">
-              <a:buNone/>
-            </a:pPr>
-            <a:endParaRPr lang="en-IN" dirty="0" smtClean="0"/>
-          </a:p>
-          <a:p>
-            <a:pPr marL="0" indent="0">
-              <a:buNone/>
-            </a:pPr>
-            <a:endParaRPr lang="en-IN" dirty="0"/>
-          </a:p>
-          <a:p>
-            <a:pPr marL="0" indent="0">
-              <a:buNone/>
-            </a:pPr>
-            <a:r>
-              <a:rPr lang="en-IN" dirty="0" smtClean="0"/>
-              <a:t>+ What I achieved</a:t>
-            </a:r>
-          </a:p>
-          <a:p>
-            <a:pPr marL="0" indent="0">
-              <a:buNone/>
-            </a:pPr>
-            <a:r>
-              <a:rPr lang="en-IN" dirty="0"/>
-              <a:t> </a:t>
-            </a:r>
-            <a:r>
-              <a:rPr lang="en-IN" dirty="0" smtClean="0"/>
-              <a:t>   - successfully  trans complied the cocos2d-x C++ 	code to cocos2d-JS.</a:t>
-            </a:r>
-          </a:p>
-          <a:p>
-            <a:pPr marL="0" indent="0">
-              <a:buNone/>
-            </a:pPr>
-            <a:endParaRPr lang="en-IN" dirty="0" smtClean="0"/>
-          </a:p>
-          <a:p>
-            <a:pPr marL="0" indent="0">
-              <a:buNone/>
-            </a:pPr>
-            <a:endParaRPr lang="en-IN" dirty="0"/>
-          </a:p>
-        </p:txBody>
-      </p:sp>
-      <p:sp>
-        <p:nvSpPr>
-          <p:cNvPr id="4" name="Slide Number Placeholder 3"/>
-          <p:cNvSpPr>
-            <a:spLocks noGrp="1"/>
-          </p:cNvSpPr>
-          <p:nvPr>
-            <p:ph type="sldNum" sz="quarter" idx="12"/>
-          </p:nvPr>
-        </p:nvSpPr>
-        <p:spPr/>
-        <p:txBody>
-          <a:bodyPr/>
-          <a:lstStyle/>
-          <a:p>
-            <a:fld id="{7CDCE0BC-118A-470A-A533-6AA16EA2F65F}" type="slidenum">
-              <a:rPr lang="en-IN" smtClean="0"/>
-              <a:t>37</a:t>
-            </a:fld>
-            <a:endParaRPr lang="en-IN"/>
-          </a:p>
-        </p:txBody>
-      </p:sp>
-    </p:spTree>
-    <p:extLst>
-      <p:ext uri="{BB962C8B-B14F-4D97-AF65-F5344CB8AC3E}">
-        <p14:creationId xmlns:p14="http://schemas.microsoft.com/office/powerpoint/2010/main" val="718063367"/>
-      </p:ext>
-    </p:extLst>
-  </p:cSld>
-  <p:clrMapOvr>
-    <a:masterClrMapping/>
-  </p:clrMapOvr>
-  <p:timing>
-    <p:tnLst>
-      <p:par>
-        <p:cTn id="1" dur="indefinite" restart="never" nodeType="tmRoot"/>
-      </p:par>
-    </p:tnLst>
-  </p:timing>
-</p:sld>
-</file>
-
-<file path=ppt/slides/slide38.xml><?xml version="1.0" encoding="utf-8"?>
-<p:sld xmlns:a="http://schemas.openxmlformats.org/drawingml/2006/main" xmlns:r="http://schemas.openxmlformats.org/officeDocument/2006/relationships" xmlns:p="http://schemas.openxmlformats.org/presentationml/2006/main">
-  <p:cSld>
-    <p:spTree>
-      <p:nvGrpSpPr>
-        <p:cNvPr id="1" name=""/>
-        <p:cNvGrpSpPr/>
-        <p:nvPr/>
-      </p:nvGrpSpPr>
-      <p:grpSpPr>
-        <a:xfrm>
-          <a:off x="0" y="0"/>
-          <a:ext cx="0" cy="0"/>
-          <a:chOff x="0" y="0"/>
-          <a:chExt cx="0" cy="0"/>
-        </a:xfrm>
-      </p:grpSpPr>
-      <p:sp>
-        <p:nvSpPr>
-          <p:cNvPr id="3" name="Content Placeholder 2"/>
-          <p:cNvSpPr>
-            <a:spLocks noGrp="1"/>
-          </p:cNvSpPr>
-          <p:nvPr>
-            <p:ph idx="1"/>
-          </p:nvPr>
-        </p:nvSpPr>
-        <p:spPr>
-          <a:xfrm>
-            <a:off x="467544" y="1196752"/>
-            <a:ext cx="8229600" cy="4525963"/>
-          </a:xfrm>
-        </p:spPr>
-        <p:txBody>
-          <a:bodyPr/>
-          <a:lstStyle/>
-          <a:p>
-            <a:pPr marL="0" indent="0">
-              <a:buNone/>
-            </a:pPr>
-            <a:r>
-              <a:rPr lang="en-IN" dirty="0" smtClean="0"/>
-              <a:t>+ What </a:t>
-            </a:r>
-            <a:r>
-              <a:rPr lang="en-IN" dirty="0"/>
-              <a:t>I </a:t>
-            </a:r>
-            <a:r>
-              <a:rPr lang="en-IN" dirty="0" smtClean="0"/>
-              <a:t>Learned</a:t>
-            </a:r>
-            <a:endParaRPr lang="en-IN" dirty="0"/>
-          </a:p>
-          <a:p>
-            <a:pPr marL="0" indent="0">
-              <a:buNone/>
-            </a:pPr>
-            <a:r>
-              <a:rPr lang="en-IN" dirty="0"/>
-              <a:t>    - How the compiler and transpiler works.</a:t>
-            </a:r>
-          </a:p>
-          <a:p>
-            <a:pPr marL="0" indent="0">
-              <a:buNone/>
-            </a:pPr>
-            <a:r>
-              <a:rPr lang="en-IN" dirty="0"/>
-              <a:t>    - challenges involved in </a:t>
-            </a:r>
-            <a:r>
-              <a:rPr lang="en-IN" dirty="0" err="1"/>
-              <a:t>transpiling</a:t>
-            </a:r>
-            <a:r>
-              <a:rPr lang="en-IN" dirty="0"/>
-              <a:t> and how to solve  	them.</a:t>
-            </a:r>
-          </a:p>
-          <a:p>
-            <a:endParaRPr lang="en-IN" dirty="0"/>
-          </a:p>
-        </p:txBody>
-      </p:sp>
-      <p:sp>
-        <p:nvSpPr>
-          <p:cNvPr id="4" name="Slide Number Placeholder 3"/>
-          <p:cNvSpPr>
-            <a:spLocks noGrp="1"/>
-          </p:cNvSpPr>
-          <p:nvPr>
-            <p:ph type="sldNum" sz="quarter" idx="12"/>
-          </p:nvPr>
-        </p:nvSpPr>
-        <p:spPr/>
-        <p:txBody>
-          <a:bodyPr/>
-          <a:lstStyle/>
-          <a:p>
-            <a:fld id="{7CDCE0BC-118A-470A-A533-6AA16EA2F65F}" type="slidenum">
-              <a:rPr lang="en-IN" smtClean="0"/>
-              <a:t>38</a:t>
-            </a:fld>
-            <a:endParaRPr lang="en-IN"/>
-          </a:p>
-        </p:txBody>
-      </p:sp>
-    </p:spTree>
-    <p:extLst>
-      <p:ext uri="{BB962C8B-B14F-4D97-AF65-F5344CB8AC3E}">
-        <p14:creationId xmlns:p14="http://schemas.microsoft.com/office/powerpoint/2010/main" val="1520164951"/>
-      </p:ext>
-    </p:extLst>
-  </p:cSld>
-  <p:clrMapOvr>
-    <a:masterClrMapping/>
-  </p:clrMapOvr>
-  <p:timing>
-    <p:tnLst>
-      <p:par>
-        <p:cTn id="1" dur="indefinite" restart="never" nodeType="tmRoot"/>
-      </p:par>
-    </p:tnLst>
-  </p:timing>
-</p:sld>
-</file>
-
-<file path=ppt/slides/slide39.xml><?xml version="1.0" encoding="utf-8"?>
-<p:sld xmlns:a="http://schemas.openxmlformats.org/drawingml/2006/main" xmlns:r="http://schemas.openxmlformats.org/officeDocument/2006/relationships" xmlns:p="http://schemas.openxmlformats.org/presentationml/2006/main">
-  <p:cSld>
-    <p:spTree>
-      <p:nvGrpSpPr>
-        <p:cNvPr id="1" name=""/>
-        <p:cNvGrpSpPr/>
-        <p:nvPr/>
-      </p:nvGrpSpPr>
-      <p:grpSpPr>
-        <a:xfrm>
-          <a:off x="0" y="0"/>
-          <a:ext cx="0" cy="0"/>
-          <a:chOff x="0" y="0"/>
-          <a:chExt cx="0" cy="0"/>
-        </a:xfrm>
-      </p:grpSpPr>
-      <p:sp>
-        <p:nvSpPr>
-          <p:cNvPr id="2" name="Title 1"/>
-          <p:cNvSpPr>
-            <a:spLocks noGrp="1"/>
-          </p:cNvSpPr>
-          <p:nvPr>
-            <p:ph type="title"/>
-          </p:nvPr>
-        </p:nvSpPr>
-        <p:spPr>
-          <a:xfrm>
-            <a:off x="457200" y="0"/>
-            <a:ext cx="7931224" cy="1124744"/>
-          </a:xfrm>
-        </p:spPr>
-        <p:txBody>
-          <a:bodyPr/>
-          <a:lstStyle/>
-          <a:p>
-            <a:r>
-              <a:rPr lang="en-IN" dirty="0" smtClean="0"/>
-              <a:t>References</a:t>
-            </a:r>
-            <a:endParaRPr lang="en-IN" dirty="0"/>
-          </a:p>
-        </p:txBody>
-      </p:sp>
-      <p:sp>
-        <p:nvSpPr>
-          <p:cNvPr id="3" name="Content Placeholder 2"/>
-          <p:cNvSpPr>
-            <a:spLocks noGrp="1"/>
-          </p:cNvSpPr>
-          <p:nvPr>
-            <p:ph idx="1"/>
-          </p:nvPr>
-        </p:nvSpPr>
-        <p:spPr/>
-        <p:txBody>
-          <a:bodyPr>
-            <a:normAutofit fontScale="92500" lnSpcReduction="20000"/>
-          </a:bodyPr>
-          <a:lstStyle/>
-          <a:p>
-            <a:r>
-              <a:rPr lang="en-IN" dirty="0">
-                <a:hlinkClick r:id="rId2"/>
-              </a:rPr>
-              <a:t>https://</a:t>
-            </a:r>
-            <a:r>
-              <a:rPr lang="en-IN" dirty="0" smtClean="0">
-                <a:hlinkClick r:id="rId2"/>
-              </a:rPr>
-              <a:t>d30y9cdsu7xlg0.cloudfront.net/png/16766-200.png</a:t>
-            </a:r>
-            <a:endParaRPr lang="en-IN" dirty="0" smtClean="0"/>
-          </a:p>
-          <a:p>
-            <a:endParaRPr lang="en-IN" dirty="0"/>
-          </a:p>
-          <a:p>
-            <a:r>
-              <a:rPr lang="en-IN" dirty="0">
-                <a:hlinkClick r:id="rId3"/>
-              </a:rPr>
-              <a:t>http://www.seagate.com/files/www-content/product-content/enterprise-performance-savvio-fam/enterprise-performance-10k-hdd/_cross-product/_</a:t>
-            </a:r>
-            <a:r>
-              <a:rPr lang="en-IN" dirty="0" smtClean="0">
-                <a:hlinkClick r:id="rId3"/>
-              </a:rPr>
-              <a:t>shared/images/int-es-2.5-savvio-10k-overview-2-270x308.png</a:t>
-            </a:r>
-            <a:endParaRPr lang="en-IN" dirty="0" smtClean="0"/>
-          </a:p>
-          <a:p>
-            <a:endParaRPr lang="en-IN" dirty="0" smtClean="0"/>
-          </a:p>
-          <a:p>
-            <a:r>
-              <a:rPr lang="en-IN" dirty="0">
-                <a:hlinkClick r:id="rId4"/>
-              </a:rPr>
-              <a:t>http://</a:t>
-            </a:r>
-            <a:r>
-              <a:rPr lang="en-IN" dirty="0" smtClean="0">
-                <a:hlinkClick r:id="rId4"/>
-              </a:rPr>
-              <a:t>southern-il-security.com/wp-content/uploads/2016/04/security-1.jpg</a:t>
-            </a:r>
-            <a:endParaRPr lang="en-IN" dirty="0" smtClean="0"/>
-          </a:p>
-          <a:p>
-            <a:endParaRPr lang="en-IN" dirty="0" smtClean="0"/>
-          </a:p>
-          <a:p>
-            <a:r>
-              <a:rPr lang="en-IN" dirty="0">
-                <a:hlinkClick r:id="rId5"/>
-              </a:rPr>
-              <a:t>http://</a:t>
-            </a:r>
-            <a:r>
-              <a:rPr lang="en-IN" dirty="0" smtClean="0">
-                <a:hlinkClick r:id="rId5"/>
-              </a:rPr>
-              <a:t>secretsofthehire.com/wp-content/uploads/2014/04/Do-you-have-any-questions-for-me-interview-tips.png</a:t>
-            </a:r>
-            <a:endParaRPr lang="en-IN" dirty="0" smtClean="0"/>
-          </a:p>
-          <a:p>
-            <a:endParaRPr lang="en-IN" dirty="0" smtClean="0"/>
-          </a:p>
-          <a:p>
-            <a:endParaRPr lang="en-IN" dirty="0"/>
-          </a:p>
-        </p:txBody>
-      </p:sp>
-      <p:sp>
-        <p:nvSpPr>
-          <p:cNvPr id="4" name="Slide Number Placeholder 3"/>
-          <p:cNvSpPr>
-            <a:spLocks noGrp="1"/>
-          </p:cNvSpPr>
-          <p:nvPr>
-            <p:ph type="sldNum" sz="quarter" idx="12"/>
-          </p:nvPr>
-        </p:nvSpPr>
-        <p:spPr/>
-        <p:txBody>
-          <a:bodyPr/>
-          <a:lstStyle/>
-          <a:p>
-            <a:fld id="{7CDCE0BC-118A-470A-A533-6AA16EA2F65F}" type="slidenum">
-              <a:rPr lang="en-IN" smtClean="0"/>
-              <a:t>39</a:t>
-            </a:fld>
-            <a:endParaRPr lang="en-IN"/>
-          </a:p>
-        </p:txBody>
-      </p:sp>
-    </p:spTree>
-    <p:extLst>
-      <p:ext uri="{BB962C8B-B14F-4D97-AF65-F5344CB8AC3E}">
-        <p14:creationId xmlns:p14="http://schemas.microsoft.com/office/powerpoint/2010/main" val="804799226"/>
       </p:ext>
     </p:extLst>
   </p:cSld>
@@ -9975,6 +10111,465 @@
           <a:chExt cx="0" cy="0"/>
         </a:xfrm>
       </p:grpSpPr>
+      <p:sp>
+        <p:nvSpPr>
+          <p:cNvPr id="2" name="Title 1"/>
+          <p:cNvSpPr>
+            <a:spLocks noGrp="1"/>
+          </p:cNvSpPr>
+          <p:nvPr>
+            <p:ph type="title"/>
+          </p:nvPr>
+        </p:nvSpPr>
+        <p:spPr>
+          <a:xfrm>
+            <a:off x="457200" y="0"/>
+            <a:ext cx="7211144" cy="980728"/>
+          </a:xfrm>
+        </p:spPr>
+        <p:txBody>
+          <a:bodyPr/>
+          <a:lstStyle/>
+          <a:p>
+            <a:r>
+              <a:rPr lang="en-IN" sz="4800" dirty="0" smtClean="0"/>
+              <a:t>Conclusion</a:t>
+            </a:r>
+            <a:endParaRPr lang="en-IN" sz="4800" dirty="0"/>
+          </a:p>
+        </p:txBody>
+      </p:sp>
+      <p:sp>
+        <p:nvSpPr>
+          <p:cNvPr id="3" name="Content Placeholder 2"/>
+          <p:cNvSpPr>
+            <a:spLocks noGrp="1"/>
+          </p:cNvSpPr>
+          <p:nvPr>
+            <p:ph idx="1"/>
+          </p:nvPr>
+        </p:nvSpPr>
+        <p:spPr>
+          <a:xfrm>
+            <a:off x="395536" y="1052736"/>
+            <a:ext cx="8424936" cy="5184576"/>
+          </a:xfrm>
+        </p:spPr>
+        <p:txBody>
+          <a:bodyPr>
+            <a:normAutofit/>
+          </a:bodyPr>
+          <a:lstStyle/>
+          <a:p>
+            <a:pPr marL="0" indent="0">
+              <a:buNone/>
+            </a:pPr>
+            <a:r>
+              <a:rPr lang="en-IN" dirty="0" smtClean="0"/>
+              <a:t>+ What I did</a:t>
+            </a:r>
+          </a:p>
+          <a:p>
+            <a:pPr marL="0" indent="0">
+              <a:buNone/>
+            </a:pPr>
+            <a:r>
+              <a:rPr lang="en-IN" dirty="0"/>
+              <a:t> </a:t>
+            </a:r>
+            <a:r>
+              <a:rPr lang="en-IN" dirty="0" smtClean="0"/>
+              <a:t>   - evaluation of different approaches  for porting.</a:t>
+            </a:r>
+          </a:p>
+          <a:p>
+            <a:pPr marL="0" indent="0">
+              <a:buNone/>
+            </a:pPr>
+            <a:r>
+              <a:rPr lang="en-IN" dirty="0"/>
+              <a:t> </a:t>
+            </a:r>
+            <a:r>
+              <a:rPr lang="en-IN" dirty="0" smtClean="0"/>
+              <a:t>   - compare there feasibility.</a:t>
+            </a:r>
+          </a:p>
+          <a:p>
+            <a:pPr marL="0" indent="0">
+              <a:buNone/>
+            </a:pPr>
+            <a:r>
+              <a:rPr lang="en-IN" dirty="0"/>
+              <a:t> </a:t>
+            </a:r>
+            <a:r>
+              <a:rPr lang="en-IN" dirty="0" smtClean="0"/>
+              <a:t>   - coding a new transpiler for porting cocos2d-x c++</a:t>
+            </a:r>
+          </a:p>
+          <a:p>
+            <a:pPr marL="0" indent="0">
+              <a:buNone/>
+            </a:pPr>
+            <a:r>
+              <a:rPr lang="en-IN" dirty="0"/>
+              <a:t> </a:t>
+            </a:r>
+            <a:r>
+              <a:rPr lang="en-IN" dirty="0" smtClean="0"/>
+              <a:t>      to cocos2d-JS.</a:t>
+            </a:r>
+          </a:p>
+          <a:p>
+            <a:pPr marL="0" indent="0">
+              <a:buNone/>
+            </a:pPr>
+            <a:endParaRPr lang="en-IN" dirty="0" smtClean="0"/>
+          </a:p>
+          <a:p>
+            <a:pPr marL="0" indent="0">
+              <a:buNone/>
+            </a:pPr>
+            <a:endParaRPr lang="en-IN" dirty="0"/>
+          </a:p>
+          <a:p>
+            <a:pPr marL="0" indent="0">
+              <a:buNone/>
+            </a:pPr>
+            <a:r>
+              <a:rPr lang="en-IN" dirty="0" smtClean="0"/>
+              <a:t>+ What I achieved</a:t>
+            </a:r>
+          </a:p>
+          <a:p>
+            <a:pPr marL="0" indent="0">
+              <a:buNone/>
+            </a:pPr>
+            <a:r>
+              <a:rPr lang="en-IN" dirty="0"/>
+              <a:t> </a:t>
+            </a:r>
+            <a:r>
+              <a:rPr lang="en-IN" dirty="0" smtClean="0"/>
+              <a:t>   - successfully  trans complied the cocos2d-x C++ 	code to cocos2d-JS.</a:t>
+            </a:r>
+          </a:p>
+          <a:p>
+            <a:pPr marL="0" indent="0">
+              <a:buNone/>
+            </a:pPr>
+            <a:endParaRPr lang="en-IN" dirty="0" smtClean="0"/>
+          </a:p>
+          <a:p>
+            <a:pPr marL="0" indent="0">
+              <a:buNone/>
+            </a:pPr>
+            <a:endParaRPr lang="en-IN" dirty="0"/>
+          </a:p>
+        </p:txBody>
+      </p:sp>
+      <p:sp>
+        <p:nvSpPr>
+          <p:cNvPr id="4" name="Slide Number Placeholder 3"/>
+          <p:cNvSpPr>
+            <a:spLocks noGrp="1"/>
+          </p:cNvSpPr>
+          <p:nvPr>
+            <p:ph type="sldNum" sz="quarter" idx="12"/>
+          </p:nvPr>
+        </p:nvSpPr>
+        <p:spPr/>
+        <p:txBody>
+          <a:bodyPr/>
+          <a:lstStyle/>
+          <a:p>
+            <a:fld id="{7CDCE0BC-118A-470A-A533-6AA16EA2F65F}" type="slidenum">
+              <a:rPr lang="en-IN" smtClean="0"/>
+              <a:t>40</a:t>
+            </a:fld>
+            <a:endParaRPr lang="en-IN"/>
+          </a:p>
+        </p:txBody>
+      </p:sp>
+    </p:spTree>
+    <p:extLst>
+      <p:ext uri="{BB962C8B-B14F-4D97-AF65-F5344CB8AC3E}">
+        <p14:creationId xmlns:p14="http://schemas.microsoft.com/office/powerpoint/2010/main" val="718063367"/>
+      </p:ext>
+    </p:extLst>
+  </p:cSld>
+  <p:clrMapOvr>
+    <a:masterClrMapping/>
+  </p:clrMapOvr>
+  <p:timing>
+    <p:tnLst>
+      <p:par>
+        <p:cTn id="1" dur="indefinite" restart="never" nodeType="tmRoot"/>
+      </p:par>
+    </p:tnLst>
+  </p:timing>
+</p:sld>
+</file>
+
+<file path=ppt/slides/slide41.xml><?xml version="1.0" encoding="utf-8"?>
+<p:sld xmlns:a="http://schemas.openxmlformats.org/drawingml/2006/main" xmlns:r="http://schemas.openxmlformats.org/officeDocument/2006/relationships" xmlns:p="http://schemas.openxmlformats.org/presentationml/2006/main">
+  <p:cSld>
+    <p:spTree>
+      <p:nvGrpSpPr>
+        <p:cNvPr id="1" name=""/>
+        <p:cNvGrpSpPr/>
+        <p:nvPr/>
+      </p:nvGrpSpPr>
+      <p:grpSpPr>
+        <a:xfrm>
+          <a:off x="0" y="0"/>
+          <a:ext cx="0" cy="0"/>
+          <a:chOff x="0" y="0"/>
+          <a:chExt cx="0" cy="0"/>
+        </a:xfrm>
+      </p:grpSpPr>
+      <p:sp>
+        <p:nvSpPr>
+          <p:cNvPr id="3" name="Content Placeholder 2"/>
+          <p:cNvSpPr>
+            <a:spLocks noGrp="1"/>
+          </p:cNvSpPr>
+          <p:nvPr>
+            <p:ph idx="1"/>
+          </p:nvPr>
+        </p:nvSpPr>
+        <p:spPr>
+          <a:xfrm>
+            <a:off x="467544" y="548680"/>
+            <a:ext cx="8064896" cy="5544616"/>
+          </a:xfrm>
+        </p:spPr>
+        <p:txBody>
+          <a:bodyPr>
+            <a:normAutofit lnSpcReduction="10000"/>
+          </a:bodyPr>
+          <a:lstStyle/>
+          <a:p>
+            <a:pPr marL="0" indent="0">
+              <a:buNone/>
+            </a:pPr>
+            <a:endParaRPr lang="en-IN" dirty="0" smtClean="0"/>
+          </a:p>
+          <a:p>
+            <a:pPr marL="0" indent="0">
+              <a:buNone/>
+            </a:pPr>
+            <a:r>
+              <a:rPr lang="en-IN" dirty="0" smtClean="0"/>
+              <a:t>+ Ambitions and expectation</a:t>
+            </a:r>
+          </a:p>
+          <a:p>
+            <a:pPr marL="0" indent="0">
+              <a:buNone/>
+            </a:pPr>
+            <a:r>
+              <a:rPr lang="en-IN" dirty="0"/>
+              <a:t> </a:t>
+            </a:r>
+            <a:r>
+              <a:rPr lang="en-IN" dirty="0" smtClean="0"/>
+              <a:t>   - To trans compile the code with 95-100%</a:t>
+            </a:r>
+          </a:p>
+          <a:p>
+            <a:pPr marL="0" indent="0">
+              <a:buNone/>
+            </a:pPr>
+            <a:r>
+              <a:rPr lang="en-IN" dirty="0"/>
+              <a:t> </a:t>
+            </a:r>
+            <a:r>
+              <a:rPr lang="en-IN" dirty="0" smtClean="0"/>
+              <a:t>      </a:t>
+            </a:r>
+            <a:r>
+              <a:rPr lang="en-IN" dirty="0"/>
+              <a:t>accuracy.</a:t>
+            </a:r>
+          </a:p>
+          <a:p>
+            <a:pPr marL="0" indent="0">
+              <a:buNone/>
+            </a:pPr>
+            <a:endParaRPr lang="en-IN" dirty="0" smtClean="0"/>
+          </a:p>
+          <a:p>
+            <a:pPr marL="0" indent="0">
+              <a:buNone/>
+            </a:pPr>
+            <a:r>
+              <a:rPr lang="en-IN" dirty="0" smtClean="0"/>
+              <a:t>+ Limitation</a:t>
+            </a:r>
+          </a:p>
+          <a:p>
+            <a:pPr marL="0" indent="0">
+              <a:buNone/>
+            </a:pPr>
+            <a:r>
+              <a:rPr lang="en-IN" dirty="0"/>
+              <a:t> </a:t>
+            </a:r>
+            <a:r>
+              <a:rPr lang="en-IN" dirty="0" smtClean="0"/>
+              <a:t>   - The difference in coding style of both the  	</a:t>
+            </a:r>
+          </a:p>
+          <a:p>
+            <a:pPr marL="0" indent="0">
+              <a:buNone/>
+            </a:pPr>
+            <a:r>
+              <a:rPr lang="en-IN" dirty="0"/>
+              <a:t> </a:t>
+            </a:r>
+            <a:r>
+              <a:rPr lang="en-IN" dirty="0" smtClean="0"/>
+              <a:t>      </a:t>
+            </a:r>
+            <a:r>
+              <a:rPr lang="en-IN" dirty="0"/>
+              <a:t>languages  leads to some limitation</a:t>
+            </a:r>
+          </a:p>
+          <a:p>
+            <a:pPr marL="0" indent="0">
+              <a:buNone/>
+            </a:pPr>
+            <a:endParaRPr lang="en-IN" dirty="0"/>
+          </a:p>
+          <a:p>
+            <a:pPr marL="0" indent="0">
+              <a:buNone/>
+            </a:pPr>
+            <a:r>
+              <a:rPr lang="en-IN" dirty="0"/>
+              <a:t>+ What I Learned</a:t>
+            </a:r>
+          </a:p>
+          <a:p>
+            <a:pPr marL="0" indent="0">
+              <a:buNone/>
+            </a:pPr>
+            <a:r>
+              <a:rPr lang="en-IN" dirty="0"/>
+              <a:t>    - How the compiler and </a:t>
+            </a:r>
+            <a:r>
+              <a:rPr lang="en-IN" dirty="0" err="1"/>
+              <a:t>transpiler</a:t>
+            </a:r>
+            <a:r>
+              <a:rPr lang="en-IN" dirty="0"/>
+              <a:t> works.</a:t>
+            </a:r>
+          </a:p>
+          <a:p>
+            <a:pPr marL="0" indent="0">
+              <a:buNone/>
+            </a:pPr>
+            <a:r>
+              <a:rPr lang="en-IN" dirty="0"/>
+              <a:t>    - challenges involved in </a:t>
+            </a:r>
+            <a:r>
+              <a:rPr lang="en-IN" dirty="0" smtClean="0"/>
+              <a:t>trans piling </a:t>
+            </a:r>
+            <a:r>
+              <a:rPr lang="en-IN" dirty="0"/>
+              <a:t>and how </a:t>
+            </a:r>
+          </a:p>
+          <a:p>
+            <a:pPr marL="0" indent="0">
+              <a:buNone/>
+            </a:pPr>
+            <a:r>
+              <a:rPr lang="en-IN" dirty="0" smtClean="0"/>
+              <a:t>      to solve them.</a:t>
+            </a:r>
+            <a:endParaRPr lang="en-IN" dirty="0"/>
+          </a:p>
+          <a:p>
+            <a:pPr marL="0" indent="0">
+              <a:buNone/>
+            </a:pPr>
+            <a:endParaRPr lang="en-IN" dirty="0"/>
+          </a:p>
+          <a:p>
+            <a:endParaRPr lang="en-IN" dirty="0"/>
+          </a:p>
+        </p:txBody>
+      </p:sp>
+      <p:sp>
+        <p:nvSpPr>
+          <p:cNvPr id="4" name="Slide Number Placeholder 3"/>
+          <p:cNvSpPr>
+            <a:spLocks noGrp="1"/>
+          </p:cNvSpPr>
+          <p:nvPr>
+            <p:ph type="sldNum" sz="quarter" idx="12"/>
+          </p:nvPr>
+        </p:nvSpPr>
+        <p:spPr/>
+        <p:txBody>
+          <a:bodyPr/>
+          <a:lstStyle/>
+          <a:p>
+            <a:fld id="{7CDCE0BC-118A-470A-A533-6AA16EA2F65F}" type="slidenum">
+              <a:rPr lang="en-IN" smtClean="0"/>
+              <a:t>41</a:t>
+            </a:fld>
+            <a:endParaRPr lang="en-IN"/>
+          </a:p>
+        </p:txBody>
+      </p:sp>
+    </p:spTree>
+    <p:extLst>
+      <p:ext uri="{BB962C8B-B14F-4D97-AF65-F5344CB8AC3E}">
+        <p14:creationId xmlns:p14="http://schemas.microsoft.com/office/powerpoint/2010/main" val="1520164951"/>
+      </p:ext>
+    </p:extLst>
+  </p:cSld>
+  <p:clrMapOvr>
+    <a:masterClrMapping/>
+  </p:clrMapOvr>
+  <p:timing>
+    <p:tnLst>
+      <p:par>
+        <p:cTn id="1" dur="indefinite" restart="never" nodeType="tmRoot"/>
+      </p:par>
+    </p:tnLst>
+  </p:timing>
+</p:sld>
+</file>
+
+<file path=ppt/slides/slide42.xml><?xml version="1.0" encoding="utf-8"?>
+<p:sld xmlns:a="http://schemas.openxmlformats.org/drawingml/2006/main" xmlns:r="http://schemas.openxmlformats.org/officeDocument/2006/relationships" xmlns:p="http://schemas.openxmlformats.org/presentationml/2006/main">
+  <p:cSld>
+    <p:spTree>
+      <p:nvGrpSpPr>
+        <p:cNvPr id="1" name=""/>
+        <p:cNvGrpSpPr/>
+        <p:nvPr/>
+      </p:nvGrpSpPr>
+      <p:grpSpPr>
+        <a:xfrm>
+          <a:off x="0" y="0"/>
+          <a:ext cx="0" cy="0"/>
+          <a:chOff x="0" y="0"/>
+          <a:chExt cx="0" cy="0"/>
+        </a:xfrm>
+      </p:grpSpPr>
       <p:pic>
         <p:nvPicPr>
           <p:cNvPr id="5" name="Content Placeholder 4"/>
@@ -10021,7 +10616,7 @@
           <a:p>
             <a:fld id="{7CDCE0BC-118A-470A-A533-6AA16EA2F65F}" type="slidenum">
               <a:rPr lang="en-IN" smtClean="0"/>
-              <a:t>40</a:t>
+              <a:t>42</a:t>
             </a:fld>
             <a:endParaRPr lang="en-IN"/>
           </a:p>
@@ -10197,120 +10792,6 @@
       </p:grpSpPr>
       <p:sp>
         <p:nvSpPr>
-          <p:cNvPr id="2" name="Title 1"/>
-          <p:cNvSpPr>
-            <a:spLocks noGrp="1"/>
-          </p:cNvSpPr>
-          <p:nvPr>
-            <p:ph type="title"/>
-          </p:nvPr>
-        </p:nvSpPr>
-        <p:spPr>
-          <a:xfrm>
-            <a:off x="457200" y="0"/>
-            <a:ext cx="7571184" cy="980728"/>
-          </a:xfrm>
-        </p:spPr>
-        <p:txBody>
-          <a:bodyPr/>
-          <a:lstStyle/>
-          <a:p>
-            <a:r>
-              <a:rPr lang="en-IN" sz="4800" dirty="0" smtClean="0"/>
-              <a:t>Thesis Overview</a:t>
-            </a:r>
-            <a:endParaRPr lang="en-IN" sz="4800" dirty="0"/>
-          </a:p>
-        </p:txBody>
-      </p:sp>
-      <p:sp>
-        <p:nvSpPr>
-          <p:cNvPr id="3" name="Content Placeholder 2"/>
-          <p:cNvSpPr>
-            <a:spLocks noGrp="1"/>
-          </p:cNvSpPr>
-          <p:nvPr>
-            <p:ph idx="1"/>
-          </p:nvPr>
-        </p:nvSpPr>
-        <p:spPr>
-          <a:xfrm>
-            <a:off x="323528" y="1052736"/>
-            <a:ext cx="8363272" cy="5073427"/>
-          </a:xfrm>
-        </p:spPr>
-        <p:txBody>
-          <a:bodyPr/>
-          <a:lstStyle/>
-          <a:p>
-            <a:pPr marL="0" indent="0">
-              <a:buNone/>
-            </a:pPr>
-            <a:endParaRPr lang="en-IN" dirty="0" smtClean="0"/>
-          </a:p>
-          <a:p>
-            <a:pPr marL="0" indent="0">
-              <a:buNone/>
-            </a:pPr>
-            <a:endParaRPr lang="en-IN" dirty="0"/>
-          </a:p>
-          <a:p>
-            <a:pPr marL="0" indent="0">
-              <a:buNone/>
-            </a:pPr>
-            <a:r>
-              <a:rPr lang="en-IN" dirty="0" smtClean="0"/>
-              <a:t>+ Main Goal</a:t>
-            </a:r>
-          </a:p>
-          <a:p>
-            <a:pPr marL="0" indent="0">
-              <a:buNone/>
-            </a:pPr>
-            <a:r>
-              <a:rPr lang="en-IN" dirty="0"/>
-              <a:t> </a:t>
-            </a:r>
-            <a:r>
-              <a:rPr lang="en-IN" dirty="0" smtClean="0"/>
-              <a:t> - To port cocos2d-c++ application to web browser.</a:t>
-            </a:r>
-          </a:p>
-          <a:p>
-            <a:pPr marL="0" indent="0">
-              <a:buNone/>
-            </a:pPr>
-            <a:endParaRPr lang="en-IN" dirty="0" smtClean="0"/>
-          </a:p>
-          <a:p>
-            <a:pPr marL="0" indent="0">
-              <a:buNone/>
-            </a:pPr>
-            <a:r>
-              <a:rPr lang="en-IN" dirty="0" smtClean="0"/>
-              <a:t>+ Timeline</a:t>
-            </a:r>
-          </a:p>
-          <a:p>
-            <a:pPr marL="0" indent="0">
-              <a:buNone/>
-            </a:pPr>
-            <a:endParaRPr lang="en-IN" dirty="0" smtClean="0"/>
-          </a:p>
-          <a:p>
-            <a:pPr marL="0" indent="0">
-              <a:buNone/>
-            </a:pPr>
-            <a:r>
-              <a:rPr lang="en-IN" dirty="0" smtClean="0"/>
-              <a:t>+ People involved</a:t>
-            </a:r>
-            <a:endParaRPr lang="en-IN" dirty="0"/>
-          </a:p>
-        </p:txBody>
-      </p:sp>
-      <p:sp>
-        <p:nvSpPr>
           <p:cNvPr id="4" name="Slide Number Placeholder 3"/>
           <p:cNvSpPr>
             <a:spLocks noGrp="1"/>
@@ -10332,10 +10813,238 @@
           </a:p>
         </p:txBody>
       </p:sp>
+      <p:sp>
+        <p:nvSpPr>
+          <p:cNvPr id="5" name="Rectangle 4"/>
+          <p:cNvSpPr/>
+          <p:nvPr/>
+        </p:nvSpPr>
+        <p:spPr>
+          <a:xfrm>
+            <a:off x="899592" y="3140968"/>
+            <a:ext cx="2520280" cy="360040"/>
+          </a:xfrm>
+          <a:prstGeom prst="rect">
+            <a:avLst/>
+          </a:prstGeom>
+          <a:solidFill>
+            <a:srgbClr val="C00000"/>
+          </a:solidFill>
+        </p:spPr>
+        <p:style>
+          <a:lnRef idx="2">
+            <a:schemeClr val="accent1">
+              <a:shade val="50000"/>
+            </a:schemeClr>
+          </a:lnRef>
+          <a:fillRef idx="1">
+            <a:schemeClr val="accent1"/>
+          </a:fillRef>
+          <a:effectRef idx="0">
+            <a:schemeClr val="accent1"/>
+          </a:effectRef>
+          <a:fontRef idx="minor">
+            <a:schemeClr val="lt1"/>
+          </a:fontRef>
+        </p:style>
+        <p:txBody>
+          <a:bodyPr rtlCol="0" anchor="ctr"/>
+          <a:lstStyle/>
+          <a:p>
+            <a:pPr algn="ctr"/>
+            <a:endParaRPr lang="en-IN"/>
+          </a:p>
+        </p:txBody>
+      </p:sp>
+      <p:sp>
+        <p:nvSpPr>
+          <p:cNvPr id="6" name="Rectangle 5"/>
+          <p:cNvSpPr/>
+          <p:nvPr/>
+        </p:nvSpPr>
+        <p:spPr>
+          <a:xfrm>
+            <a:off x="3203848" y="3140968"/>
+            <a:ext cx="2520280" cy="360040"/>
+          </a:xfrm>
+          <a:prstGeom prst="rect">
+            <a:avLst/>
+          </a:prstGeom>
+          <a:solidFill>
+            <a:schemeClr val="accent1">
+              <a:lumMod val="20000"/>
+              <a:lumOff val="80000"/>
+            </a:schemeClr>
+          </a:solidFill>
+        </p:spPr>
+        <p:style>
+          <a:lnRef idx="2">
+            <a:schemeClr val="accent1">
+              <a:shade val="50000"/>
+            </a:schemeClr>
+          </a:lnRef>
+          <a:fillRef idx="1">
+            <a:schemeClr val="accent1"/>
+          </a:fillRef>
+          <a:effectRef idx="0">
+            <a:schemeClr val="accent1"/>
+          </a:effectRef>
+          <a:fontRef idx="minor">
+            <a:schemeClr val="lt1"/>
+          </a:fontRef>
+        </p:style>
+        <p:txBody>
+          <a:bodyPr rtlCol="0" anchor="ctr"/>
+          <a:lstStyle/>
+          <a:p>
+            <a:pPr algn="ctr"/>
+            <a:endParaRPr lang="en-IN"/>
+          </a:p>
+        </p:txBody>
+      </p:sp>
+      <p:sp>
+        <p:nvSpPr>
+          <p:cNvPr id="7" name="Rectangle 6"/>
+          <p:cNvSpPr/>
+          <p:nvPr/>
+        </p:nvSpPr>
+        <p:spPr>
+          <a:xfrm>
+            <a:off x="5724128" y="3140968"/>
+            <a:ext cx="2520280" cy="360040"/>
+          </a:xfrm>
+          <a:prstGeom prst="rect">
+            <a:avLst/>
+          </a:prstGeom>
+          <a:solidFill>
+            <a:schemeClr val="accent1">
+              <a:lumMod val="20000"/>
+              <a:lumOff val="80000"/>
+            </a:schemeClr>
+          </a:solidFill>
+        </p:spPr>
+        <p:style>
+          <a:lnRef idx="2">
+            <a:schemeClr val="accent1">
+              <a:shade val="50000"/>
+            </a:schemeClr>
+          </a:lnRef>
+          <a:fillRef idx="1">
+            <a:schemeClr val="accent1"/>
+          </a:fillRef>
+          <a:effectRef idx="0">
+            <a:schemeClr val="accent1"/>
+          </a:effectRef>
+          <a:fontRef idx="minor">
+            <a:schemeClr val="lt1"/>
+          </a:fontRef>
+        </p:style>
+        <p:txBody>
+          <a:bodyPr rtlCol="0" anchor="ctr"/>
+          <a:lstStyle/>
+          <a:p>
+            <a:pPr algn="ctr"/>
+            <a:endParaRPr lang="en-IN"/>
+          </a:p>
+        </p:txBody>
+      </p:sp>
+      <p:sp>
+        <p:nvSpPr>
+          <p:cNvPr id="8" name="TextBox 7"/>
+          <p:cNvSpPr txBox="1"/>
+          <p:nvPr/>
+        </p:nvSpPr>
+        <p:spPr>
+          <a:xfrm>
+            <a:off x="899592" y="2636912"/>
+            <a:ext cx="2232248" cy="369332"/>
+          </a:xfrm>
+          <a:prstGeom prst="rect">
+            <a:avLst/>
+          </a:prstGeom>
+          <a:noFill/>
+        </p:spPr>
+        <p:txBody>
+          <a:bodyPr wrap="square" rtlCol="0">
+            <a:spAutoFit/>
+          </a:bodyPr>
+          <a:lstStyle/>
+          <a:p>
+            <a:r>
+              <a:rPr lang="en-IN" dirty="0" smtClean="0"/>
+              <a:t>Introduction</a:t>
+            </a:r>
+            <a:endParaRPr lang="en-IN" dirty="0"/>
+          </a:p>
+        </p:txBody>
+      </p:sp>
+      <p:sp>
+        <p:nvSpPr>
+          <p:cNvPr id="9" name="TextBox 8"/>
+          <p:cNvSpPr txBox="1"/>
+          <p:nvPr/>
+        </p:nvSpPr>
+        <p:spPr>
+          <a:xfrm>
+            <a:off x="5868144" y="2627620"/>
+            <a:ext cx="2232248" cy="369332"/>
+          </a:xfrm>
+          <a:prstGeom prst="rect">
+            <a:avLst/>
+          </a:prstGeom>
+          <a:noFill/>
+        </p:spPr>
+        <p:txBody>
+          <a:bodyPr wrap="square" rtlCol="0">
+            <a:spAutoFit/>
+          </a:bodyPr>
+          <a:lstStyle/>
+          <a:p>
+            <a:r>
+              <a:rPr lang="en-IN" dirty="0" smtClean="0"/>
+              <a:t>Summary</a:t>
+            </a:r>
+            <a:endParaRPr lang="en-IN" dirty="0"/>
+          </a:p>
+        </p:txBody>
+      </p:sp>
+      <p:sp>
+        <p:nvSpPr>
+          <p:cNvPr id="10" name="TextBox 9"/>
+          <p:cNvSpPr txBox="1"/>
+          <p:nvPr/>
+        </p:nvSpPr>
+        <p:spPr>
+          <a:xfrm>
+            <a:off x="3261825" y="2316640"/>
+            <a:ext cx="2232248" cy="646331"/>
+          </a:xfrm>
+          <a:prstGeom prst="rect">
+            <a:avLst/>
+          </a:prstGeom>
+          <a:noFill/>
+        </p:spPr>
+        <p:txBody>
+          <a:bodyPr wrap="square" rtlCol="0">
+            <a:spAutoFit/>
+          </a:bodyPr>
+          <a:lstStyle/>
+          <a:p>
+            <a:r>
+              <a:rPr lang="en-IN" dirty="0" smtClean="0"/>
+              <a:t>Task performed </a:t>
+            </a:r>
+            <a:r>
+              <a:rPr lang="en-IN" dirty="0"/>
+              <a:t>and accomplishments</a:t>
+            </a:r>
+          </a:p>
+        </p:txBody>
+      </p:sp>
     </p:spTree>
     <p:extLst>
       <p:ext uri="{BB962C8B-B14F-4D97-AF65-F5344CB8AC3E}">
-        <p14:creationId xmlns:p14="http://schemas.microsoft.com/office/powerpoint/2010/main" val="3139761554"/>
+        <p14:creationId xmlns:p14="http://schemas.microsoft.com/office/powerpoint/2010/main" val="3253468050"/>
       </p:ext>
     </p:extLst>
   </p:cSld>
@@ -10381,8 +11090,8 @@
         </p:nvSpPr>
         <p:spPr>
           <a:xfrm>
-            <a:off x="611560" y="548680"/>
-            <a:ext cx="7859216" cy="908720"/>
+            <a:off x="457200" y="0"/>
+            <a:ext cx="7571184" cy="980728"/>
           </a:xfrm>
         </p:spPr>
         <p:txBody>
@@ -10391,7 +11100,7 @@
           <a:p>
             <a:r>
               <a:rPr lang="en-IN" sz="4800" dirty="0" smtClean="0"/>
-              <a:t>Thesis Overview continued…</a:t>
+              <a:t>Thesis Overview</a:t>
             </a:r>
             <a:endParaRPr lang="en-IN" sz="4800" dirty="0"/>
           </a:p>
@@ -10407,7 +11116,12 @@
             <p:ph idx="1"/>
           </p:nvPr>
         </p:nvSpPr>
-        <p:spPr/>
+        <p:spPr>
+          <a:xfrm>
+            <a:off x="323528" y="1052736"/>
+            <a:ext cx="8363272" cy="5073427"/>
+          </a:xfrm>
+        </p:spPr>
         <p:txBody>
           <a:bodyPr/>
           <a:lstStyle/>
@@ -10415,33 +11129,21 @@
             <a:pPr marL="0" indent="0">
               <a:buNone/>
             </a:pPr>
-            <a:r>
-              <a:rPr lang="en-IN" dirty="0"/>
-              <a:t>+ Main </a:t>
-            </a:r>
-            <a:r>
-              <a:rPr lang="en-IN" dirty="0" smtClean="0"/>
-              <a:t>Goal</a:t>
-            </a:r>
+            <a:endParaRPr lang="en-IN" dirty="0" smtClean="0"/>
+          </a:p>
+          <a:p>
+            <a:pPr marL="0" indent="0">
+              <a:buNone/>
+            </a:pPr>
             <a:endParaRPr lang="en-IN" dirty="0"/>
           </a:p>
           <a:p>
             <a:pPr marL="0" indent="0">
               <a:buNone/>
             </a:pPr>
-            <a:endParaRPr lang="en-IN" dirty="0"/>
-          </a:p>
-          <a:p>
-            <a:pPr marL="0" indent="0">
-              <a:buNone/>
-            </a:pPr>
-            <a:r>
-              <a:rPr lang="en-IN" dirty="0"/>
-              <a:t>+ T</a:t>
-            </a:r>
-            <a:r>
-              <a:rPr lang="en-IN" dirty="0" smtClean="0"/>
-              <a:t>imeline</a:t>
+            <a:r>
+              <a:rPr lang="en-IN" dirty="0" smtClean="0"/>
+              <a:t>+ Main Goal</a:t>
             </a:r>
           </a:p>
           <a:p>
@@ -10454,34 +11156,38 @@
             </a:r>
             <a:r>
               <a:rPr lang="en-IN" dirty="0" smtClean="0"/>
-              <a:t>   - Timeline diagram– next page</a:t>
-            </a:r>
-            <a:endParaRPr lang="en-IN" dirty="0"/>
+              <a:t> - To port cocos2d-c++ application to web browser.</a:t>
+            </a:r>
           </a:p>
           <a:p>
             <a:pPr marL="0" indent="0">
               <a:buNone/>
             </a:pPr>
-            <a:endParaRPr lang="en-IN" dirty="0"/>
+            <a:endParaRPr lang="en-IN" dirty="0" smtClean="0"/>
           </a:p>
           <a:p>
             <a:pPr marL="0" indent="0">
               <a:buNone/>
             </a:pPr>
             <a:r>
-              <a:rPr lang="en-IN" dirty="0"/>
-              <a:t>+ </a:t>
-            </a:r>
-            <a:r>
-              <a:rPr lang="en-IN" dirty="0" smtClean="0"/>
-              <a:t>People </a:t>
-            </a:r>
-            <a:r>
-              <a:rPr lang="en-IN" dirty="0"/>
-              <a:t>involved</a:t>
-            </a:r>
-          </a:p>
-          <a:p>
+              <a:rPr lang="en-IN" dirty="0" smtClean="0"/>
+              <a:t>+ Timeline</a:t>
+            </a:r>
+          </a:p>
+          <a:p>
+            <a:pPr marL="0" indent="0">
+              <a:buNone/>
+            </a:pPr>
+            <a:endParaRPr lang="en-IN" dirty="0" smtClean="0"/>
+          </a:p>
+          <a:p>
+            <a:pPr marL="0" indent="0">
+              <a:buNone/>
+            </a:pPr>
+            <a:r>
+              <a:rPr lang="en-IN" dirty="0" smtClean="0"/>
+              <a:t>+ People involved</a:t>
+            </a:r>
             <a:endParaRPr lang="en-IN" dirty="0"/>
           </a:p>
         </p:txBody>
@@ -10512,7 +11218,7 @@
     </p:spTree>
     <p:extLst>
       <p:ext uri="{BB962C8B-B14F-4D97-AF65-F5344CB8AC3E}">
-        <p14:creationId xmlns:p14="http://schemas.microsoft.com/office/powerpoint/2010/main" val="813003518"/>
+        <p14:creationId xmlns:p14="http://schemas.microsoft.com/office/powerpoint/2010/main" val="3139761554"/>
       </p:ext>
     </p:extLst>
   </p:cSld>
@@ -10558,6 +11264,183 @@
         </p:nvSpPr>
         <p:spPr>
           <a:xfrm>
+            <a:off x="611560" y="548680"/>
+            <a:ext cx="7859216" cy="908720"/>
+          </a:xfrm>
+        </p:spPr>
+        <p:txBody>
+          <a:bodyPr/>
+          <a:lstStyle/>
+          <a:p>
+            <a:r>
+              <a:rPr lang="en-IN" sz="4800" dirty="0" smtClean="0"/>
+              <a:t>Thesis Overview continued…</a:t>
+            </a:r>
+            <a:endParaRPr lang="en-IN" sz="4800" dirty="0"/>
+          </a:p>
+        </p:txBody>
+      </p:sp>
+      <p:sp>
+        <p:nvSpPr>
+          <p:cNvPr id="3" name="Content Placeholder 2"/>
+          <p:cNvSpPr>
+            <a:spLocks noGrp="1"/>
+          </p:cNvSpPr>
+          <p:nvPr>
+            <p:ph idx="1"/>
+          </p:nvPr>
+        </p:nvSpPr>
+        <p:spPr/>
+        <p:txBody>
+          <a:bodyPr/>
+          <a:lstStyle/>
+          <a:p>
+            <a:pPr marL="0" indent="0">
+              <a:buNone/>
+            </a:pPr>
+            <a:r>
+              <a:rPr lang="en-IN" dirty="0"/>
+              <a:t>+ Main </a:t>
+            </a:r>
+            <a:r>
+              <a:rPr lang="en-IN" dirty="0" smtClean="0"/>
+              <a:t>Goal</a:t>
+            </a:r>
+            <a:endParaRPr lang="en-IN" dirty="0"/>
+          </a:p>
+          <a:p>
+            <a:pPr marL="0" indent="0">
+              <a:buNone/>
+            </a:pPr>
+            <a:endParaRPr lang="en-IN" dirty="0"/>
+          </a:p>
+          <a:p>
+            <a:pPr marL="0" indent="0">
+              <a:buNone/>
+            </a:pPr>
+            <a:r>
+              <a:rPr lang="en-IN" dirty="0"/>
+              <a:t>+ T</a:t>
+            </a:r>
+            <a:r>
+              <a:rPr lang="en-IN" dirty="0" smtClean="0"/>
+              <a:t>imeline</a:t>
+            </a:r>
+          </a:p>
+          <a:p>
+            <a:pPr marL="0" indent="0">
+              <a:buNone/>
+            </a:pPr>
+            <a:r>
+              <a:rPr lang="en-IN" dirty="0"/>
+              <a:t> </a:t>
+            </a:r>
+            <a:r>
+              <a:rPr lang="en-IN" dirty="0" smtClean="0"/>
+              <a:t>   - Timeline diagram– next page</a:t>
+            </a:r>
+            <a:endParaRPr lang="en-IN" dirty="0"/>
+          </a:p>
+          <a:p>
+            <a:pPr marL="0" indent="0">
+              <a:buNone/>
+            </a:pPr>
+            <a:endParaRPr lang="en-IN" dirty="0"/>
+          </a:p>
+          <a:p>
+            <a:pPr marL="0" indent="0">
+              <a:buNone/>
+            </a:pPr>
+            <a:r>
+              <a:rPr lang="en-IN" dirty="0"/>
+              <a:t>+ </a:t>
+            </a:r>
+            <a:r>
+              <a:rPr lang="en-IN" dirty="0" smtClean="0"/>
+              <a:t>People </a:t>
+            </a:r>
+            <a:r>
+              <a:rPr lang="en-IN" dirty="0"/>
+              <a:t>involved</a:t>
+            </a:r>
+          </a:p>
+          <a:p>
+            <a:endParaRPr lang="en-IN" dirty="0"/>
+          </a:p>
+        </p:txBody>
+      </p:sp>
+      <p:sp>
+        <p:nvSpPr>
+          <p:cNvPr id="4" name="Slide Number Placeholder 3"/>
+          <p:cNvSpPr>
+            <a:spLocks noGrp="1"/>
+          </p:cNvSpPr>
+          <p:nvPr>
+            <p:ph type="sldNum" sz="quarter" idx="12"/>
+          </p:nvPr>
+        </p:nvSpPr>
+        <p:spPr/>
+        <p:txBody>
+          <a:bodyPr/>
+          <a:lstStyle/>
+          <a:p>
+            <a:fld id="{7CDCE0BC-118A-470A-A533-6AA16EA2F65F}" type="slidenum">
+              <a:rPr lang="en-IN" smtClean="0"/>
+              <a:t>7</a:t>
+            </a:fld>
+            <a:endParaRPr lang="en-IN"/>
+          </a:p>
+        </p:txBody>
+      </p:sp>
+    </p:spTree>
+    <p:extLst>
+      <p:ext uri="{BB962C8B-B14F-4D97-AF65-F5344CB8AC3E}">
+        <p14:creationId xmlns:p14="http://schemas.microsoft.com/office/powerpoint/2010/main" val="813003518"/>
+      </p:ext>
+    </p:extLst>
+  </p:cSld>
+  <p:clrMapOvr>
+    <a:masterClrMapping/>
+  </p:clrMapOvr>
+  <p:timing>
+    <p:tnLst>
+      <p:par>
+        <p:cTn id="1" dur="indefinite" restart="never" nodeType="tmRoot"/>
+      </p:par>
+    </p:tnLst>
+  </p:timing>
+</p:sld>
+</file>
+
+<file path=ppt/slides/slide8.xml><?xml version="1.0" encoding="utf-8"?>
+<p:sld xmlns:a="http://schemas.openxmlformats.org/drawingml/2006/main" xmlns:r="http://schemas.openxmlformats.org/officeDocument/2006/relationships" xmlns:p="http://schemas.openxmlformats.org/presentationml/2006/main">
+  <p:cSld>
+    <p:spTree>
+      <p:nvGrpSpPr>
+        <p:cNvPr id="1" name=""/>
+        <p:cNvGrpSpPr/>
+        <p:nvPr/>
+      </p:nvGrpSpPr>
+      <p:grpSpPr>
+        <a:xfrm>
+          <a:off x="0" y="0"/>
+          <a:ext cx="0" cy="0"/>
+          <a:chOff x="0" y="0"/>
+          <a:chExt cx="0" cy="0"/>
+        </a:xfrm>
+      </p:grpSpPr>
+      <p:sp>
+        <p:nvSpPr>
+          <p:cNvPr id="2" name="Title 1"/>
+          <p:cNvSpPr>
+            <a:spLocks noGrp="1"/>
+          </p:cNvSpPr>
+          <p:nvPr>
+            <p:ph type="title"/>
+          </p:nvPr>
+        </p:nvSpPr>
+        <p:spPr>
+          <a:xfrm>
             <a:off x="457200" y="0"/>
             <a:ext cx="7787208" cy="1124744"/>
           </a:xfrm>
@@ -10591,7 +11474,7 @@
           <a:p>
             <a:fld id="{7CDCE0BC-118A-470A-A533-6AA16EA2F65F}" type="slidenum">
               <a:rPr lang="en-IN" smtClean="0"/>
-              <a:t>7</a:t>
+              <a:t>8</a:t>
             </a:fld>
             <a:endParaRPr lang="en-IN"/>
           </a:p>
@@ -10649,271 +11532,6 @@
 </p:sld>
 </file>
 
-<file path=ppt/slides/slide8.xml><?xml version="1.0" encoding="utf-8"?>
-<p:sld xmlns:a="http://schemas.openxmlformats.org/drawingml/2006/main" xmlns:r="http://schemas.openxmlformats.org/officeDocument/2006/relationships" xmlns:p="http://schemas.openxmlformats.org/presentationml/2006/main">
-  <p:cSld>
-    <p:spTree>
-      <p:nvGrpSpPr>
-        <p:cNvPr id="1" name=""/>
-        <p:cNvGrpSpPr/>
-        <p:nvPr/>
-      </p:nvGrpSpPr>
-      <p:grpSpPr>
-        <a:xfrm>
-          <a:off x="0" y="0"/>
-          <a:ext cx="0" cy="0"/>
-          <a:chOff x="0" y="0"/>
-          <a:chExt cx="0" cy="0"/>
-        </a:xfrm>
-      </p:grpSpPr>
-      <p:sp>
-        <p:nvSpPr>
-          <p:cNvPr id="2" name="Title 1"/>
-          <p:cNvSpPr>
-            <a:spLocks noGrp="1"/>
-          </p:cNvSpPr>
-          <p:nvPr>
-            <p:ph type="title"/>
-          </p:nvPr>
-        </p:nvSpPr>
-        <p:spPr>
-          <a:xfrm>
-            <a:off x="611560" y="548680"/>
-            <a:ext cx="7859216" cy="908720"/>
-          </a:xfrm>
-        </p:spPr>
-        <p:txBody>
-          <a:bodyPr/>
-          <a:lstStyle/>
-          <a:p>
-            <a:r>
-              <a:rPr lang="en-IN" sz="4800" dirty="0" smtClean="0"/>
-              <a:t>Thesis Overview continued…</a:t>
-            </a:r>
-            <a:endParaRPr lang="en-IN" sz="4800" dirty="0"/>
-          </a:p>
-        </p:txBody>
-      </p:sp>
-      <p:sp>
-        <p:nvSpPr>
-          <p:cNvPr id="3" name="Content Placeholder 2"/>
-          <p:cNvSpPr>
-            <a:spLocks noGrp="1"/>
-          </p:cNvSpPr>
-          <p:nvPr>
-            <p:ph idx="1"/>
-          </p:nvPr>
-        </p:nvSpPr>
-        <p:spPr/>
-        <p:txBody>
-          <a:bodyPr/>
-          <a:lstStyle/>
-          <a:p>
-            <a:pPr marL="0" indent="0">
-              <a:buNone/>
-            </a:pPr>
-            <a:r>
-              <a:rPr lang="en-IN" dirty="0"/>
-              <a:t>+ Main </a:t>
-            </a:r>
-            <a:r>
-              <a:rPr lang="en-IN" dirty="0" smtClean="0"/>
-              <a:t>Goal</a:t>
-            </a:r>
-            <a:endParaRPr lang="en-IN" dirty="0"/>
-          </a:p>
-          <a:p>
-            <a:pPr marL="0" indent="0">
-              <a:buNone/>
-            </a:pPr>
-            <a:endParaRPr lang="en-IN" dirty="0"/>
-          </a:p>
-          <a:p>
-            <a:pPr marL="0" indent="0">
-              <a:buNone/>
-            </a:pPr>
-            <a:r>
-              <a:rPr lang="en-IN" dirty="0"/>
-              <a:t>+ T</a:t>
-            </a:r>
-            <a:r>
-              <a:rPr lang="en-IN" dirty="0" smtClean="0"/>
-              <a:t>imeline</a:t>
-            </a:r>
-          </a:p>
-          <a:p>
-            <a:pPr marL="0" indent="0">
-              <a:buNone/>
-            </a:pPr>
-            <a:endParaRPr lang="en-IN" dirty="0"/>
-          </a:p>
-          <a:p>
-            <a:pPr marL="0" indent="0">
-              <a:buNone/>
-            </a:pPr>
-            <a:r>
-              <a:rPr lang="en-IN" dirty="0"/>
-              <a:t>+ </a:t>
-            </a:r>
-            <a:r>
-              <a:rPr lang="en-IN" dirty="0" smtClean="0"/>
-              <a:t>People involved</a:t>
-            </a:r>
-          </a:p>
-          <a:p>
-            <a:pPr marL="0" indent="0">
-              <a:buNone/>
-            </a:pPr>
-            <a:r>
-              <a:rPr lang="en-IN" dirty="0"/>
-              <a:t> </a:t>
-            </a:r>
-            <a:r>
-              <a:rPr lang="en-IN" dirty="0" smtClean="0"/>
-              <a:t>  - Amit Bose (Me)</a:t>
-            </a:r>
-          </a:p>
-          <a:p>
-            <a:pPr marL="0" indent="0">
-              <a:buNone/>
-            </a:pPr>
-            <a:r>
-              <a:rPr lang="en-IN" dirty="0"/>
-              <a:t> </a:t>
-            </a:r>
-            <a:r>
-              <a:rPr lang="en-IN" dirty="0" smtClean="0"/>
-              <a:t>  - Mario </a:t>
-            </a:r>
-            <a:r>
-              <a:rPr lang="en-IN" dirty="0" err="1" smtClean="0"/>
-              <a:t>förster</a:t>
-            </a:r>
-            <a:r>
-              <a:rPr lang="en-IN" dirty="0" smtClean="0"/>
-              <a:t> (Advisor)</a:t>
-            </a:r>
-          </a:p>
-          <a:p>
-            <a:pPr marL="0" indent="0">
-              <a:buNone/>
-            </a:pPr>
-            <a:r>
-              <a:rPr lang="en-IN" dirty="0"/>
-              <a:t> </a:t>
-            </a:r>
-            <a:r>
-              <a:rPr lang="en-IN" dirty="0" smtClean="0"/>
-              <a:t> committee</a:t>
-            </a:r>
-          </a:p>
-          <a:p>
-            <a:pPr marL="0" indent="0">
-              <a:buNone/>
-            </a:pPr>
-            <a:r>
-              <a:rPr lang="en-IN" dirty="0"/>
-              <a:t> </a:t>
-            </a:r>
-            <a:r>
-              <a:rPr lang="en-IN" dirty="0" smtClean="0"/>
-              <a:t>  - Robert </a:t>
-            </a:r>
-            <a:r>
-              <a:rPr lang="en-IN" dirty="0" err="1" smtClean="0"/>
-              <a:t>manzke</a:t>
-            </a:r>
-            <a:r>
-              <a:rPr lang="en-IN" dirty="0" smtClean="0"/>
-              <a:t> (1</a:t>
-            </a:r>
-            <a:r>
-              <a:rPr lang="en-IN" baseline="30000" dirty="0" smtClean="0"/>
-              <a:t>st</a:t>
-            </a:r>
-            <a:r>
-              <a:rPr lang="en-IN" dirty="0" smtClean="0"/>
-              <a:t> )</a:t>
-            </a:r>
-          </a:p>
-          <a:p>
-            <a:pPr marL="0" indent="0">
-              <a:buNone/>
-            </a:pPr>
-            <a:r>
-              <a:rPr lang="en-IN" dirty="0"/>
-              <a:t> </a:t>
-            </a:r>
-            <a:r>
-              <a:rPr lang="en-IN" dirty="0" smtClean="0"/>
-              <a:t>  - Jens </a:t>
-            </a:r>
-            <a:r>
-              <a:rPr lang="en-IN" dirty="0" err="1" smtClean="0"/>
-              <a:t>Lussem</a:t>
-            </a:r>
-            <a:r>
-              <a:rPr lang="en-IN" dirty="0" smtClean="0"/>
-              <a:t>  (2</a:t>
-            </a:r>
-            <a:r>
-              <a:rPr lang="en-IN" baseline="30000" dirty="0" smtClean="0"/>
-              <a:t>nd</a:t>
-            </a:r>
-            <a:r>
-              <a:rPr lang="en-IN" dirty="0" smtClean="0"/>
-              <a:t>)                </a:t>
-            </a:r>
-            <a:endParaRPr lang="en-IN" dirty="0"/>
-          </a:p>
-          <a:p>
-            <a:endParaRPr lang="en-IN" dirty="0"/>
-          </a:p>
-        </p:txBody>
-      </p:sp>
-      <p:sp>
-        <p:nvSpPr>
-          <p:cNvPr id="4" name="Slide Number Placeholder 3"/>
-          <p:cNvSpPr>
-            <a:spLocks noGrp="1"/>
-          </p:cNvSpPr>
-          <p:nvPr>
-            <p:ph type="sldNum" sz="quarter" idx="12"/>
-          </p:nvPr>
-        </p:nvSpPr>
-        <p:spPr/>
-        <p:txBody>
-          <a:bodyPr/>
-          <a:lstStyle/>
-          <a:p>
-            <a:fld id="{7CDCE0BC-118A-470A-A533-6AA16EA2F65F}" type="slidenum">
-              <a:rPr lang="en-IN" smtClean="0"/>
-              <a:t>8</a:t>
-            </a:fld>
-            <a:endParaRPr lang="en-IN"/>
-          </a:p>
-        </p:txBody>
-      </p:sp>
-    </p:spTree>
-    <p:extLst>
-      <p:ext uri="{BB962C8B-B14F-4D97-AF65-F5344CB8AC3E}">
-        <p14:creationId xmlns:p14="http://schemas.microsoft.com/office/powerpoint/2010/main" val="2872186211"/>
-      </p:ext>
-    </p:extLst>
-  </p:cSld>
-  <p:clrMapOvr>
-    <a:masterClrMapping/>
-  </p:clrMapOvr>
-  <p:timing>
-    <p:tnLst>
-      <p:par>
-        <p:cTn id="1" dur="indefinite" restart="never" nodeType="tmRoot"/>
-      </p:par>
-    </p:tnLst>
-  </p:timing>
-</p:sld>
-</file>
-
 <file path=ppt/slides/slide9.xml><?xml version="1.0" encoding="utf-8"?>
 <p:sld xmlns:a="http://schemas.openxmlformats.org/drawingml/2006/main" xmlns:r="http://schemas.openxmlformats.org/officeDocument/2006/relationships" xmlns:p="http://schemas.openxmlformats.org/presentationml/2006/main">
   <p:cSld>
@@ -10938,132 +11556,249 @@
             <a:spLocks noGrp="1"/>
           </p:cNvSpPr>
           <p:nvPr>
-            <p:ph type="ctrTitle"/>
+            <p:ph type="title"/>
           </p:nvPr>
         </p:nvSpPr>
         <p:spPr>
           <a:xfrm>
-            <a:off x="467544" y="404664"/>
-            <a:ext cx="7772400" cy="1470025"/>
+            <a:off x="611560" y="548680"/>
+            <a:ext cx="7859216" cy="908720"/>
           </a:xfrm>
         </p:spPr>
         <p:txBody>
-          <a:bodyPr>
-            <a:normAutofit/>
-          </a:bodyPr>
-          <a:lstStyle/>
-          <a:p>
-            <a:r>
-              <a:rPr lang="en-IN" sz="4400" dirty="0" smtClean="0"/>
-              <a:t>Problem set that the thesis deal with </a:t>
-            </a:r>
-            <a:endParaRPr lang="en-IN" sz="4400" dirty="0"/>
-          </a:p>
-        </p:txBody>
-      </p:sp>
-      <p:sp>
-        <p:nvSpPr>
-          <p:cNvPr id="3" name="Subtitle 2"/>
-          <p:cNvSpPr>
-            <a:spLocks noGrp="1"/>
-          </p:cNvSpPr>
-          <p:nvPr>
-            <p:ph type="subTitle" idx="1"/>
-          </p:nvPr>
-        </p:nvSpPr>
-        <p:spPr>
-          <a:xfrm>
-            <a:off x="251520" y="2060848"/>
-            <a:ext cx="8640960" cy="4536504"/>
-          </a:xfrm>
-        </p:spPr>
-        <p:txBody>
-          <a:bodyPr>
-            <a:normAutofit/>
-          </a:bodyPr>
-          <a:lstStyle/>
-          <a:p>
-            <a:pPr marL="457200" indent="-457200" algn="l">
-              <a:buFont typeface="Wingdings" pitchFamily="2" charset="2"/>
-              <a:buChar char="v"/>
-            </a:pPr>
-            <a:r>
-              <a:rPr lang="en-IN" dirty="0" smtClean="0"/>
-              <a:t>Challenges involved in porting the cocos2d-x </a:t>
-            </a:r>
-            <a:r>
-              <a:rPr lang="en-IN" dirty="0" err="1" smtClean="0"/>
-              <a:t>c++</a:t>
-            </a:r>
-            <a:r>
-              <a:rPr lang="en-IN" dirty="0" smtClean="0"/>
-              <a:t> </a:t>
-            </a:r>
+          <a:bodyPr/>
+          <a:lstStyle/>
+          <a:p>
+            <a:r>
+              <a:rPr lang="en-IN" sz="4800" dirty="0" smtClean="0"/>
+              <a:t>Thesis Overview continued…</a:t>
+            </a:r>
+            <a:endParaRPr lang="en-IN" sz="4800" dirty="0"/>
+          </a:p>
+        </p:txBody>
+      </p:sp>
+      <p:sp>
+        <p:nvSpPr>
+          <p:cNvPr id="3" name="Content Placeholder 2"/>
+          <p:cNvSpPr>
+            <a:spLocks noGrp="1"/>
+          </p:cNvSpPr>
+          <p:nvPr>
+            <p:ph idx="1"/>
+          </p:nvPr>
+        </p:nvSpPr>
+        <p:spPr/>
+        <p:txBody>
+          <a:bodyPr/>
+          <a:lstStyle/>
+          <a:p>
+            <a:pPr marL="0" indent="0">
+              <a:buNone/>
+            </a:pPr>
+            <a:r>
+              <a:rPr lang="en-IN" dirty="0"/>
+              <a:t>+ Main </a:t>
+            </a:r>
+            <a:r>
+              <a:rPr lang="en-IN" dirty="0" smtClean="0"/>
+              <a:t>Goal</a:t>
+            </a:r>
+            <a:endParaRPr lang="en-IN" dirty="0"/>
+          </a:p>
+          <a:p>
+            <a:pPr marL="0" indent="0">
+              <a:buNone/>
+            </a:pPr>
+            <a:endParaRPr lang="en-IN" dirty="0"/>
+          </a:p>
+          <a:p>
+            <a:pPr marL="0" indent="0">
+              <a:buNone/>
+            </a:pPr>
+            <a:r>
+              <a:rPr lang="en-IN" dirty="0"/>
+              <a:t>+ T</a:t>
+            </a:r>
+            <a:r>
+              <a:rPr lang="en-IN" dirty="0" smtClean="0"/>
+              <a:t>imeline</a:t>
+            </a:r>
+          </a:p>
+          <a:p>
+            <a:pPr marL="0" indent="0">
+              <a:buNone/>
+            </a:pPr>
+            <a:endParaRPr lang="en-IN" dirty="0"/>
+          </a:p>
+          <a:p>
+            <a:pPr marL="0" indent="0">
+              <a:buNone/>
+            </a:pPr>
+            <a:r>
+              <a:rPr lang="en-IN" dirty="0"/>
+              <a:t>+ </a:t>
+            </a:r>
+            <a:r>
+              <a:rPr lang="en-IN" dirty="0" smtClean="0"/>
+              <a:t>People involved</a:t>
+            </a:r>
+          </a:p>
+          <a:p>
+            <a:pPr marL="0" indent="0">
+              <a:buNone/>
+            </a:pPr>
             <a:r>
               <a:rPr lang="en-IN" dirty="0"/>
               <a:t> </a:t>
             </a:r>
             <a:r>
               <a:rPr lang="en-IN" dirty="0" smtClean="0"/>
-              <a:t>to browser</a:t>
-            </a:r>
-            <a:r>
-              <a:rPr lang="en-IN" dirty="0" smtClean="0"/>
-              <a:t>.</a:t>
+              <a:t>  - Amit Bose (Me)</a:t>
+            </a:r>
+          </a:p>
+          <a:p>
+            <a:pPr marL="0" indent="0">
+              <a:buNone/>
+            </a:pPr>
+            <a:r>
+              <a:rPr lang="en-IN" dirty="0"/>
+              <a:t> </a:t>
+            </a:r>
+            <a:r>
+              <a:rPr lang="en-IN" dirty="0" smtClean="0"/>
+              <a:t>  - Mario </a:t>
+            </a:r>
+            <a:r>
+              <a:rPr lang="en-IN" dirty="0" err="1" smtClean="0"/>
+              <a:t>förster</a:t>
+            </a:r>
+            <a:r>
+              <a:rPr lang="en-IN" dirty="0" smtClean="0"/>
+              <a:t> (Advisor)</a:t>
+            </a:r>
+          </a:p>
+          <a:p>
+            <a:pPr marL="0" indent="0">
+              <a:buNone/>
+            </a:pPr>
+            <a:r>
+              <a:rPr lang="en-IN" dirty="0"/>
+              <a:t> </a:t>
+            </a:r>
+            <a:r>
+              <a:rPr lang="en-IN" dirty="0" smtClean="0"/>
+              <a:t> </a:t>
+            </a:r>
+            <a:r>
+              <a:rPr lang="en-IN" dirty="0" smtClean="0"/>
+              <a:t>D</a:t>
+            </a:r>
+            <a:r>
+              <a:rPr lang="en-IN" dirty="0" smtClean="0"/>
+              <a:t>issertation coordinator</a:t>
             </a:r>
             <a:endParaRPr lang="en-IN" dirty="0" smtClean="0"/>
           </a:p>
           <a:p>
-            <a:pPr algn="l"/>
+            <a:pPr marL="0" indent="0">
+              <a:buNone/>
+            </a:pPr>
+            <a:r>
+              <a:rPr lang="en-IN" dirty="0"/>
+              <a:t> </a:t>
+            </a:r>
+            <a:r>
+              <a:rPr lang="en-IN" dirty="0" smtClean="0"/>
+              <a:t>  - </a:t>
+            </a:r>
+            <a:r>
+              <a:rPr lang="en-IN" dirty="0" err="1" smtClean="0"/>
+              <a:t>Prof.Dr.Robert</a:t>
+            </a:r>
+            <a:r>
+              <a:rPr lang="en-IN" dirty="0" smtClean="0"/>
+              <a:t> </a:t>
+            </a:r>
+            <a:r>
+              <a:rPr lang="en-IN" dirty="0" err="1" smtClean="0"/>
+              <a:t>manzke</a:t>
+            </a:r>
+            <a:r>
+              <a:rPr lang="en-IN" dirty="0" smtClean="0"/>
+              <a:t> (1</a:t>
+            </a:r>
+            <a:r>
+              <a:rPr lang="en-IN" baseline="30000" dirty="0" smtClean="0"/>
+              <a:t>st</a:t>
+            </a:r>
+            <a:r>
+              <a:rPr lang="en-IN" dirty="0" smtClean="0"/>
+              <a:t> )</a:t>
+            </a:r>
+          </a:p>
+          <a:p>
+            <a:pPr marL="0" indent="0">
+              <a:buNone/>
+            </a:pPr>
+            <a:r>
+              <a:rPr lang="en-IN" dirty="0"/>
+              <a:t> </a:t>
+            </a:r>
+            <a:r>
+              <a:rPr lang="en-IN" dirty="0" smtClean="0"/>
+              <a:t>  - </a:t>
+            </a:r>
+            <a:r>
+              <a:rPr lang="en-IN" dirty="0" err="1"/>
+              <a:t>Prof.Dr.Jens</a:t>
+            </a:r>
+            <a:r>
+              <a:rPr lang="en-IN" dirty="0"/>
+              <a:t> </a:t>
+            </a:r>
+            <a:r>
+              <a:rPr lang="en-IN" dirty="0" smtClean="0"/>
+              <a:t>L</a:t>
+            </a:r>
+            <a:r>
+              <a:rPr lang="de-DE" dirty="0" smtClean="0"/>
+              <a:t>ü</a:t>
+            </a:r>
+            <a:r>
+              <a:rPr lang="en-IN" dirty="0" err="1" smtClean="0"/>
+              <a:t>ssem</a:t>
+            </a:r>
+            <a:r>
+              <a:rPr lang="en-IN" dirty="0" smtClean="0"/>
+              <a:t>  </a:t>
+            </a:r>
+            <a:r>
+              <a:rPr lang="en-IN" dirty="0" smtClean="0"/>
+              <a:t>(2</a:t>
+            </a:r>
+            <a:r>
+              <a:rPr lang="en-IN" baseline="30000" dirty="0" smtClean="0"/>
+              <a:t>nd</a:t>
+            </a:r>
+            <a:r>
+              <a:rPr lang="en-IN" dirty="0" smtClean="0"/>
+              <a:t>)                </a:t>
+            </a:r>
             <a:endParaRPr lang="en-IN" dirty="0"/>
           </a:p>
           <a:p>
-            <a:pPr marL="457200" indent="-457200" algn="l">
-              <a:buFont typeface="Wingdings" pitchFamily="2" charset="2"/>
-              <a:buChar char="v"/>
-            </a:pPr>
-            <a:r>
-              <a:rPr lang="en-IN" dirty="0" smtClean="0"/>
-              <a:t>Comparison of the feasibility of the various </a:t>
-            </a:r>
-            <a:r>
-              <a:rPr lang="en-IN" dirty="0" smtClean="0"/>
-              <a:t>technology.</a:t>
-            </a:r>
-            <a:endParaRPr lang="en-IN" dirty="0" smtClean="0"/>
-          </a:p>
-          <a:p>
-            <a:pPr marL="457200" indent="-457200" algn="l">
-              <a:buFont typeface="Wingdings" pitchFamily="2" charset="2"/>
-              <a:buChar char="v"/>
-            </a:pPr>
             <a:endParaRPr lang="en-IN" dirty="0"/>
           </a:p>
-          <a:p>
-            <a:pPr marL="457200" indent="-457200" algn="l">
-              <a:buFont typeface="Wingdings" pitchFamily="2" charset="2"/>
-              <a:buChar char="v"/>
-            </a:pPr>
-            <a:r>
-              <a:rPr lang="en-IN" dirty="0" smtClean="0"/>
-              <a:t>Challenges involved in Implementation of the selected technology for porting.</a:t>
-            </a:r>
-            <a:endParaRPr lang="en-IN" dirty="0"/>
-          </a:p>
-          <a:p>
-            <a:pPr algn="l"/>
-            <a:endParaRPr lang="en-IN" dirty="0"/>
-          </a:p>
-        </p:txBody>
-      </p:sp>
-      <p:sp>
-        <p:nvSpPr>
-          <p:cNvPr id="5" name="Slide Number Placeholder 4"/>
-          <p:cNvSpPr>
-            <a:spLocks noGrp="1"/>
-          </p:cNvSpPr>
-          <p:nvPr>
-            <p:ph type="sldNum" sz="quarter" idx="11"/>
+        </p:txBody>
+      </p:sp>
+      <p:sp>
+        <p:nvSpPr>
+          <p:cNvPr id="4" name="Slide Number Placeholder 3"/>
+          <p:cNvSpPr>
+            <a:spLocks noGrp="1"/>
+          </p:cNvSpPr>
+          <p:nvPr>
+            <p:ph type="sldNum" sz="quarter" idx="12"/>
           </p:nvPr>
         </p:nvSpPr>
         <p:spPr/>
@@ -11082,7 +11817,7 @@
     </p:spTree>
     <p:extLst>
       <p:ext uri="{BB962C8B-B14F-4D97-AF65-F5344CB8AC3E}">
-        <p14:creationId xmlns:p14="http://schemas.microsoft.com/office/powerpoint/2010/main" val="3324507240"/>
+        <p14:creationId xmlns:p14="http://schemas.microsoft.com/office/powerpoint/2010/main" val="2872186211"/>
       </p:ext>
     </p:extLst>
   </p:cSld>

--- a/thesis_v4.pptx
+++ b/thesis_v4.pptx
@@ -5,13 +5,13 @@
     <p:sldMasterId id="2147483744" r:id="rId1"/>
   </p:sldMasterIdLst>
   <p:notesMasterIdLst>
-    <p:notesMasterId r:id="rId44"/>
+    <p:notesMasterId r:id="rId43"/>
   </p:notesMasterIdLst>
   <p:sldIdLst>
     <p:sldId id="280" r:id="rId2"/>
     <p:sldId id="281" r:id="rId3"/>
     <p:sldId id="287" r:id="rId4"/>
-    <p:sldId id="288" r:id="rId5"/>
+    <p:sldId id="310" r:id="rId5"/>
     <p:sldId id="307" r:id="rId6"/>
     <p:sldId id="289" r:id="rId7"/>
     <p:sldId id="290" r:id="rId8"/>
@@ -35,21 +35,20 @@
     <p:sldId id="305" r:id="rId26"/>
     <p:sldId id="265" r:id="rId27"/>
     <p:sldId id="266" r:id="rId28"/>
-    <p:sldId id="300" r:id="rId29"/>
-    <p:sldId id="267" r:id="rId30"/>
-    <p:sldId id="269" r:id="rId31"/>
-    <p:sldId id="270" r:id="rId32"/>
-    <p:sldId id="271" r:id="rId33"/>
-    <p:sldId id="272" r:id="rId34"/>
-    <p:sldId id="273" r:id="rId35"/>
-    <p:sldId id="294" r:id="rId36"/>
-    <p:sldId id="295" r:id="rId37"/>
-    <p:sldId id="297" r:id="rId38"/>
-    <p:sldId id="309" r:id="rId39"/>
-    <p:sldId id="282" r:id="rId40"/>
-    <p:sldId id="284" r:id="rId41"/>
-    <p:sldId id="285" r:id="rId42"/>
-    <p:sldId id="286" r:id="rId43"/>
+    <p:sldId id="267" r:id="rId29"/>
+    <p:sldId id="269" r:id="rId30"/>
+    <p:sldId id="270" r:id="rId31"/>
+    <p:sldId id="271" r:id="rId32"/>
+    <p:sldId id="272" r:id="rId33"/>
+    <p:sldId id="273" r:id="rId34"/>
+    <p:sldId id="294" r:id="rId35"/>
+    <p:sldId id="295" r:id="rId36"/>
+    <p:sldId id="297" r:id="rId37"/>
+    <p:sldId id="309" r:id="rId38"/>
+    <p:sldId id="282" r:id="rId39"/>
+    <p:sldId id="284" r:id="rId40"/>
+    <p:sldId id="285" r:id="rId41"/>
+    <p:sldId id="286" r:id="rId42"/>
   </p:sldIdLst>
   <p:sldSz cx="9144000" cy="6858000" type="screen4x3"/>
   <p:notesSz cx="6858000" cy="9144000"/>
@@ -233,7 +232,7 @@
           <a:p>
             <a:fld id="{60795015-713A-440F-921E-24AAB35E0B78}" type="datetimeFigureOut">
               <a:rPr lang="en-IN" smtClean="0"/>
-              <a:t>17-09-2016</a:t>
+              <a:t>18-09-2016</a:t>
             </a:fld>
             <a:endParaRPr lang="en-IN"/>
           </a:p>
@@ -777,7 +776,7 @@
           <a:p>
             <a:fld id="{A726EA4C-7893-4755-9F28-E13D4C218A01}" type="datetime1">
               <a:rPr lang="en-IN" smtClean="0"/>
-              <a:t>17-09-2016</a:t>
+              <a:t>18-09-2016</a:t>
             </a:fld>
             <a:endParaRPr lang="en-IN"/>
           </a:p>
@@ -942,7 +941,7 @@
           <a:p>
             <a:fld id="{0E03A94C-1849-4A17-ACFE-5785F6DFA844}" type="datetime1">
               <a:rPr lang="en-IN" smtClean="0"/>
-              <a:t>17-09-2016</a:t>
+              <a:t>18-09-2016</a:t>
             </a:fld>
             <a:endParaRPr lang="en-IN"/>
           </a:p>
@@ -1117,7 +1116,7 @@
           <a:p>
             <a:fld id="{0CFB3C8A-D4C3-487C-9303-BFB3EE829A30}" type="datetime1">
               <a:rPr lang="en-IN" smtClean="0"/>
-              <a:t>17-09-2016</a:t>
+              <a:t>18-09-2016</a:t>
             </a:fld>
             <a:endParaRPr lang="en-IN"/>
           </a:p>
@@ -1300,7 +1299,7 @@
           <a:p>
             <a:fld id="{2FC32989-5685-409E-BF6A-905D83BCA67B}" type="datetime1">
               <a:rPr lang="en-IN" smtClean="0"/>
-              <a:t>17-09-2016</a:t>
+              <a:t>18-09-2016</a:t>
             </a:fld>
             <a:endParaRPr lang="en-IN"/>
           </a:p>
@@ -1562,7 +1561,7 @@
           <a:p>
             <a:fld id="{C83FD306-4C1F-4CE0-BCDA-2EE9C6F11FAF}" type="datetime1">
               <a:rPr lang="en-IN" smtClean="0"/>
-              <a:t>17-09-2016</a:t>
+              <a:t>18-09-2016</a:t>
             </a:fld>
             <a:endParaRPr lang="en-IN"/>
           </a:p>
@@ -1910,7 +1909,7 @@
           <a:p>
             <a:fld id="{D67642EC-9C69-4088-B29F-6B3FCBD80FA5}" type="datetime1">
               <a:rPr lang="en-IN" smtClean="0"/>
-              <a:t>17-09-2016</a:t>
+              <a:t>18-09-2016</a:t>
             </a:fld>
             <a:endParaRPr lang="en-IN"/>
           </a:p>
@@ -2218,7 +2217,7 @@
           <a:p>
             <a:fld id="{F06CCCDF-E8CF-4B88-8B84-787236ED1E96}" type="datetime1">
               <a:rPr lang="en-IN" smtClean="0"/>
-              <a:t>17-09-2016</a:t>
+              <a:t>18-09-2016</a:t>
             </a:fld>
             <a:endParaRPr lang="en-IN"/>
           </a:p>
@@ -2445,7 +2444,7 @@
           <a:p>
             <a:fld id="{A3BD7C0B-7809-418D-94B2-C24844BC058E}" type="datetime1">
               <a:rPr lang="en-IN" smtClean="0"/>
-              <a:t>17-09-2016</a:t>
+              <a:t>18-09-2016</a:t>
             </a:fld>
             <a:endParaRPr lang="en-IN"/>
           </a:p>
@@ -2535,7 +2534,7 @@
           <a:p>
             <a:fld id="{357EDDC2-B156-475D-8B6E-8A9DD9396CB3}" type="datetime1">
               <a:rPr lang="en-IN" smtClean="0"/>
-              <a:t>17-09-2016</a:t>
+              <a:t>18-09-2016</a:t>
             </a:fld>
             <a:endParaRPr lang="en-IN"/>
           </a:p>
@@ -2823,7 +2822,7 @@
           <a:p>
             <a:fld id="{76ED5486-2C64-4387-8E5E-4A7DA5F983AF}" type="datetime1">
               <a:rPr lang="en-IN" smtClean="0"/>
-              <a:t>17-09-2016</a:t>
+              <a:t>18-09-2016</a:t>
             </a:fld>
             <a:endParaRPr lang="en-IN"/>
           </a:p>
@@ -3092,7 +3091,7 @@
           <a:p>
             <a:fld id="{1A1FE719-5D3D-4100-B948-4DA50346B720}" type="datetime1">
               <a:rPr lang="en-IN" smtClean="0"/>
-              <a:t>17-09-2016</a:t>
+              <a:t>18-09-2016</a:t>
             </a:fld>
             <a:endParaRPr lang="en-IN"/>
           </a:p>
@@ -3302,7 +3301,7 @@
           <a:p>
             <a:fld id="{AB2A9E3C-B6A4-4A9D-B28B-E62450968169}" type="datetime1">
               <a:rPr lang="en-IN" smtClean="0"/>
-              <a:t>17-09-2016</a:t>
+              <a:t>18-09-2016</a:t>
             </a:fld>
             <a:endParaRPr lang="en-IN"/>
           </a:p>
@@ -4300,8 +4299,13 @@
             </a:pPr>
             <a:r>
               <a:rPr lang="en-IN" dirty="0" smtClean="0"/>
-              <a:t>Comparison of the feasibility of the various technology.</a:t>
-            </a:r>
+              <a:t>Comparison of the feasibility of the various </a:t>
+            </a:r>
+            <a:r>
+              <a:rPr lang="en-IN" dirty="0" smtClean="0"/>
+              <a:t>technology used for trans compilation.</a:t>
+            </a:r>
+            <a:endParaRPr lang="en-IN" dirty="0" smtClean="0"/>
           </a:p>
           <a:p>
             <a:pPr marL="457200" indent="-457200" algn="l">
@@ -5058,7 +5062,11 @@
           <a:p>
             <a:r>
               <a:rPr lang="en-IN" sz="4800" dirty="0" smtClean="0"/>
-              <a:t>What problems need to be solved</a:t>
+              <a:t>What problems need to be </a:t>
+            </a:r>
+            <a:r>
+              <a:rPr lang="en-IN" sz="4800" dirty="0" smtClean="0"/>
+              <a:t>solved?</a:t>
             </a:r>
             <a:endParaRPr lang="en-IN" sz="4800" dirty="0"/>
           </a:p>
@@ -5106,7 +5114,19 @@
           <a:p>
             <a:r>
               <a:rPr lang="en-IN" dirty="0" smtClean="0"/>
-              <a:t>Challenges involved in making the new transpiler for conversion of cocos2d c++ to cocos2d-JS.</a:t>
+              <a:t>Challenges involved in making the new transpiler for conversion of cocos2d </a:t>
+            </a:r>
+            <a:r>
+              <a:rPr lang="en-IN" dirty="0"/>
+              <a:t>C</a:t>
+            </a:r>
+            <a:r>
+              <a:rPr lang="en-IN" dirty="0" smtClean="0"/>
+              <a:t>++ </a:t>
+            </a:r>
+            <a:r>
+              <a:rPr lang="en-IN" dirty="0" smtClean="0"/>
+              <a:t>to cocos2d-JS.</a:t>
             </a:r>
           </a:p>
           <a:p>
@@ -5232,8 +5252,21 @@
           <a:p>
             <a:r>
               <a:rPr lang="en-IN" dirty="0" smtClean="0"/>
-              <a:t>Trying to solved the problem in various technology already available for solving the problem will help us to port the exists solution to web browser.</a:t>
-            </a:r>
+              <a:t>Trying to </a:t>
+            </a:r>
+            <a:r>
+              <a:rPr lang="en-IN" dirty="0" smtClean="0"/>
+              <a:t>solve challenges involved in trans compiling with various </a:t>
+            </a:r>
+            <a:r>
+              <a:rPr lang="en-IN" dirty="0" err="1" smtClean="0"/>
+              <a:t>transpiler</a:t>
+            </a:r>
+            <a:r>
+              <a:rPr lang="en-IN" dirty="0" smtClean="0"/>
+              <a:t> that are already there in the market.</a:t>
+            </a:r>
+            <a:endParaRPr lang="en-IN" dirty="0" smtClean="0"/>
           </a:p>
           <a:p>
             <a:endParaRPr lang="en-IN" dirty="0"/>
@@ -5709,6 +5742,13 @@
   <p:clrMapOvr>
     <a:masterClrMapping/>
   </p:clrMapOvr>
+  <p:timing>
+    <p:tnLst>
+      <p:par>
+        <p:cTn id="1" dur="indefinite" restart="never" nodeType="tmRoot"/>
+      </p:par>
+    </p:tnLst>
+  </p:timing>
 </p:sld>
 </file>
 
@@ -5945,20 +5985,34 @@
             </a:pPr>
             <a:r>
               <a:rPr lang="en-IN" dirty="0" smtClean="0"/>
-              <a:t>    Title                                                                 Page Number</a:t>
-            </a:r>
-          </a:p>
-          <a:p>
+              <a:t>    Title                                                                 Page </a:t>
+            </a:r>
+            <a:r>
+              <a:rPr lang="en-IN" dirty="0" smtClean="0"/>
+              <a:t>number</a:t>
+            </a:r>
             <a:endParaRPr lang="en-IN" dirty="0" smtClean="0"/>
           </a:p>
           <a:p>
-            <a:pPr marL="457200" indent="-457200">
-              <a:buFont typeface="+mj-lt"/>
-              <a:buAutoNum type="arabicPeriod"/>
-            </a:pPr>
-            <a:r>
-              <a:rPr lang="en-IN" dirty="0" smtClean="0"/>
-              <a:t>Problem </a:t>
+            <a:endParaRPr lang="en-IN" dirty="0" smtClean="0"/>
+          </a:p>
+          <a:p>
+            <a:pPr marL="0" indent="0">
+              <a:buNone/>
+            </a:pPr>
+            <a:r>
+              <a:rPr lang="en-IN" dirty="0" smtClean="0"/>
+              <a:t>1.   Thesis overview   ………………………………………  6-9</a:t>
+            </a:r>
+            <a:endParaRPr lang="en-IN" dirty="0" smtClean="0"/>
+          </a:p>
+          <a:p>
+            <a:pPr marL="0" indent="0">
+              <a:buNone/>
+            </a:pPr>
+            <a:r>
+              <a:rPr lang="en-IN" dirty="0" smtClean="0"/>
+              <a:t>2.   Problem </a:t>
             </a:r>
             <a:r>
               <a:rPr lang="en-IN" dirty="0"/>
@@ -5974,78 +6028,123 @@
             </a:r>
             <a:r>
               <a:rPr lang="en-IN" dirty="0" smtClean="0"/>
-              <a:t>with……………..  3</a:t>
-            </a:r>
-          </a:p>
-          <a:p>
-            <a:pPr marL="457200" indent="-457200">
-              <a:buFont typeface="+mj-lt"/>
-              <a:buAutoNum type="arabicPeriod"/>
-            </a:pPr>
-            <a:r>
-              <a:rPr lang="en-IN" dirty="0" smtClean="0"/>
-              <a:t>Hypothesis……………………………………………..... 4</a:t>
-            </a:r>
-          </a:p>
-          <a:p>
-            <a:pPr marL="457200" indent="-457200">
-              <a:buFont typeface="+mj-lt"/>
-              <a:buAutoNum type="arabicPeriod"/>
-            </a:pPr>
-            <a:r>
-              <a:rPr lang="en-IN" dirty="0" smtClean="0"/>
-              <a:t>Background……………………………………………   5-8</a:t>
-            </a:r>
-          </a:p>
-          <a:p>
-            <a:pPr marL="457200" indent="-457200">
-              <a:buFont typeface="+mj-lt"/>
-              <a:buAutoNum type="arabicPeriod"/>
-            </a:pPr>
-            <a:r>
-              <a:rPr lang="en-IN" dirty="0" smtClean="0"/>
-              <a:t>What problems need to be solved………….........   9</a:t>
-            </a:r>
-          </a:p>
-          <a:p>
-            <a:pPr marL="457200" indent="-457200">
-              <a:buFont typeface="+mj-lt"/>
-              <a:buAutoNum type="arabicPeriod"/>
-            </a:pPr>
-            <a:r>
-              <a:rPr lang="en-IN" dirty="0" smtClean="0"/>
-              <a:t>Reasons for working on this problem set…………   10</a:t>
-            </a:r>
-          </a:p>
-          <a:p>
-            <a:pPr marL="457200" indent="-457200">
-              <a:buFont typeface="+mj-lt"/>
-              <a:buAutoNum type="arabicPeriod"/>
-            </a:pPr>
-            <a:r>
-              <a:rPr lang="en-IN" dirty="0" smtClean="0"/>
-              <a:t>Relevance for working on this problem set   ........  11</a:t>
-            </a:r>
-          </a:p>
-          <a:p>
-            <a:pPr marL="457200" indent="-457200">
-              <a:buFont typeface="+mj-lt"/>
-              <a:buAutoNum type="arabicPeriod"/>
-            </a:pPr>
-            <a:r>
-              <a:rPr lang="en-IN" dirty="0" smtClean="0"/>
-              <a:t>Solution that are already available      …………...  12</a:t>
-            </a:r>
-          </a:p>
-          <a:p>
-            <a:pPr marL="457200" indent="-457200">
-              <a:buFont typeface="+mj-lt"/>
-              <a:buAutoNum type="arabicPeriod"/>
-            </a:pPr>
-            <a:r>
-              <a:rPr lang="en-IN" dirty="0" smtClean="0"/>
-              <a:t>Task that I performed             ………………………..  13</a:t>
-            </a:r>
+              <a:t>with…………….. </a:t>
+            </a:r>
+            <a:r>
+              <a:rPr lang="en-IN" dirty="0" smtClean="0"/>
+              <a:t>10</a:t>
+            </a:r>
+            <a:endParaRPr lang="en-IN" dirty="0" smtClean="0"/>
+          </a:p>
+          <a:p>
+            <a:pPr marL="0" indent="0">
+              <a:buNone/>
+            </a:pPr>
+            <a:r>
+              <a:rPr lang="en-IN" dirty="0" smtClean="0"/>
+              <a:t>3.   Hypothesis</a:t>
+            </a:r>
+            <a:r>
+              <a:rPr lang="en-IN" dirty="0" smtClean="0"/>
+              <a:t>……………………………………………..... </a:t>
+            </a:r>
+            <a:r>
+              <a:rPr lang="en-IN" dirty="0" smtClean="0"/>
+              <a:t>11</a:t>
+            </a:r>
+            <a:endParaRPr lang="en-IN" dirty="0" smtClean="0"/>
+          </a:p>
+          <a:p>
+            <a:pPr marL="0" indent="0">
+              <a:buNone/>
+            </a:pPr>
+            <a:r>
+              <a:rPr lang="en-IN" dirty="0" smtClean="0"/>
+              <a:t>4.   Background</a:t>
+            </a:r>
+            <a:r>
+              <a:rPr lang="en-IN" dirty="0" smtClean="0"/>
+              <a:t>……………………………………………   </a:t>
+            </a:r>
+            <a:r>
+              <a:rPr lang="en-IN" dirty="0" smtClean="0"/>
+              <a:t>12-15</a:t>
+            </a:r>
+            <a:endParaRPr lang="en-IN" dirty="0" smtClean="0"/>
+          </a:p>
+          <a:p>
+            <a:pPr marL="0" indent="0">
+              <a:buNone/>
+            </a:pPr>
+            <a:r>
+              <a:rPr lang="en-IN" dirty="0" smtClean="0"/>
+              <a:t>5.   What </a:t>
+            </a:r>
+            <a:r>
+              <a:rPr lang="en-IN" dirty="0" smtClean="0"/>
+              <a:t>problems need to be </a:t>
+            </a:r>
+            <a:r>
+              <a:rPr lang="en-IN" dirty="0" smtClean="0"/>
+              <a:t>solved   ……….........   15</a:t>
+            </a:r>
+            <a:endParaRPr lang="en-IN" dirty="0" smtClean="0"/>
+          </a:p>
+          <a:p>
+            <a:pPr marL="0" indent="0">
+              <a:buNone/>
+            </a:pPr>
+            <a:r>
+              <a:rPr lang="en-IN" dirty="0" smtClean="0"/>
+              <a:t>6.   Reasons </a:t>
+            </a:r>
+            <a:r>
+              <a:rPr lang="en-IN" dirty="0" smtClean="0"/>
+              <a:t>for working on this problem set…………   </a:t>
+            </a:r>
+            <a:r>
+              <a:rPr lang="en-IN" dirty="0" smtClean="0"/>
+              <a:t>16</a:t>
+            </a:r>
+            <a:endParaRPr lang="en-IN" dirty="0" smtClean="0"/>
+          </a:p>
+          <a:p>
+            <a:pPr marL="0" indent="0">
+              <a:buNone/>
+            </a:pPr>
+            <a:r>
+              <a:rPr lang="en-IN" dirty="0" smtClean="0"/>
+              <a:t>7.   New </a:t>
+            </a:r>
+            <a:r>
+              <a:rPr lang="en-IN" dirty="0"/>
+              <a:t>idea needed to work on </a:t>
+            </a:r>
+            <a:r>
+              <a:rPr lang="en-IN" dirty="0" smtClean="0"/>
+              <a:t>    …………….........  </a:t>
+            </a:r>
+            <a:r>
+              <a:rPr lang="en-IN" dirty="0" smtClean="0"/>
+              <a:t>17</a:t>
+            </a:r>
+            <a:endParaRPr lang="en-IN" dirty="0" smtClean="0"/>
+          </a:p>
+          <a:p>
+            <a:pPr marL="0" indent="0">
+              <a:buNone/>
+            </a:pPr>
+            <a:r>
+              <a:rPr lang="en-IN" dirty="0" smtClean="0"/>
+              <a:t>8.   Requirement analysis     ……………………………... 19</a:t>
+            </a:r>
+            <a:endParaRPr lang="en-IN" dirty="0" smtClean="0"/>
+          </a:p>
+          <a:p>
+            <a:pPr marL="0" indent="0">
+              <a:buNone/>
+            </a:pPr>
+            <a:endParaRPr lang="en-IN" dirty="0" smtClean="0"/>
           </a:p>
           <a:p>
             <a:pPr marL="457200" indent="-457200">
@@ -6484,15 +6583,7 @@
             </a:pPr>
             <a:r>
               <a:rPr lang="en-IN" dirty="0" smtClean="0"/>
-              <a:t>Automatic </a:t>
-            </a:r>
-            <a:r>
-              <a:rPr lang="en-IN" dirty="0"/>
-              <a:t>generation of </a:t>
-            </a:r>
-            <a:r>
-              <a:rPr lang="en-IN" dirty="0" smtClean="0"/>
-              <a:t>code</a:t>
+              <a:t>Automatic generation of code</a:t>
             </a:r>
           </a:p>
           <a:p>
@@ -6506,12 +6597,8 @@
               <a:buNone/>
             </a:pPr>
             <a:r>
-              <a:rPr lang="en-IN" dirty="0"/>
-              <a:t> </a:t>
-            </a:r>
-            <a:r>
-              <a:rPr lang="en-IN" dirty="0" smtClean="0"/>
-              <a:t>  </a:t>
+              <a:rPr lang="en-IN" dirty="0" smtClean="0"/>
+              <a:t>   </a:t>
             </a:r>
             <a:r>
               <a:rPr lang="en-IN" dirty="0" smtClean="0">
@@ -6527,13 +6614,18 @@
               <a:buNone/>
             </a:pPr>
             <a:r>
-              <a:rPr lang="en-IN" dirty="0"/>
-              <a:t> </a:t>
-            </a:r>
-            <a:r>
-              <a:rPr lang="en-IN" dirty="0" smtClean="0"/>
-              <a:t>- NACL</a:t>
-            </a:r>
+              <a:rPr lang="en-IN" dirty="0" smtClean="0"/>
+              <a:t>  </a:t>
+            </a:r>
+            <a:r>
+              <a:rPr lang="en-IN" dirty="0" smtClean="0"/>
+              <a:t>- </a:t>
+            </a:r>
+            <a:r>
+              <a:rPr lang="en-IN" dirty="0" smtClean="0"/>
+              <a:t>  NACL</a:t>
+            </a:r>
+            <a:endParaRPr lang="en-IN" dirty="0" smtClean="0"/>
           </a:p>
           <a:p>
             <a:pPr lvl="2">
@@ -6827,13 +6919,8 @@
             </a:r>
             <a:r>
               <a:rPr lang="en-IN" dirty="0" smtClean="0"/>
-              <a:t>   </a:t>
-            </a:r>
-            <a:r>
-              <a:rPr lang="en-IN" dirty="0" smtClean="0"/>
-              <a:t>Cocos2d-JS</a:t>
-            </a:r>
-            <a:endParaRPr lang="en-IN" dirty="0" smtClean="0"/>
+              <a:t>   Cocos2d-JS</a:t>
+            </a:r>
           </a:p>
           <a:p>
             <a:pPr marL="1314450" lvl="2" indent="-514350">
@@ -6846,7 +6933,23 @@
             </a:r>
             <a:r>
               <a:rPr lang="en-IN" dirty="0" smtClean="0"/>
-              <a:t>   Transpiler</a:t>
+              <a:t>   </a:t>
+            </a:r>
+            <a:r>
+              <a:rPr lang="en-IN" dirty="0" err="1" smtClean="0"/>
+              <a:t>Transpiler</a:t>
+            </a:r>
+            <a:r>
+              <a:rPr lang="en-IN" dirty="0" smtClean="0"/>
+              <a:t> (</a:t>
+            </a:r>
+            <a:r>
+              <a:rPr lang="en-IN" dirty="0" err="1" smtClean="0"/>
+              <a:t>transcompiled</a:t>
+            </a:r>
+            <a:r>
+              <a:rPr lang="en-IN" dirty="0" smtClean="0"/>
+              <a:t> code to Cocos2d JS)</a:t>
             </a:r>
             <a:endParaRPr lang="en-IN" dirty="0"/>
           </a:p>
@@ -7089,11 +7192,7 @@
             </a:r>
             <a:r>
               <a:rPr lang="en-IN" dirty="0" smtClean="0"/>
-              <a:t> </a:t>
-            </a:r>
-            <a:r>
-              <a:rPr lang="en-IN" dirty="0" smtClean="0"/>
-              <a:t>is safe as it uses sandboxing.</a:t>
+              <a:t> is safe as it uses sandboxing.</a:t>
             </a:r>
           </a:p>
           <a:p>
@@ -7126,11 +7225,7 @@
             </a:r>
             <a:r>
               <a:rPr lang="en-IN" dirty="0" smtClean="0"/>
-              <a:t> and cocos2d-x JS have same vulnerability as </a:t>
-            </a:r>
-            <a:r>
-              <a:rPr lang="en-IN" dirty="0" smtClean="0"/>
-              <a:t>JavaScript </a:t>
+              <a:t> and cocos2d-x JS have same vulnerability as JavaScript </a:t>
             </a:r>
             <a:r>
               <a:rPr lang="en-IN" dirty="0"/>
@@ -7167,36 +7262,6 @@
           </a:p>
         </p:txBody>
       </p:sp>
-      <p:pic>
-        <p:nvPicPr>
-          <p:cNvPr id="6" name="Picture 5"/>
-          <p:cNvPicPr>
-            <a:picLocks noChangeAspect="1"/>
-          </p:cNvPicPr>
-          <p:nvPr/>
-        </p:nvPicPr>
-        <p:blipFill>
-          <a:blip r:embed="rId2" cstate="print">
-            <a:extLst>
-              <a:ext uri="{28A0092B-C50C-407E-A947-70E740481C1C}">
-                <a14:useLocalDpi xmlns:a14="http://schemas.microsoft.com/office/drawing/2010/main" val="0"/>
-              </a:ext>
-            </a:extLst>
-          </a:blip>
-          <a:stretch>
-            <a:fillRect/>
-          </a:stretch>
-        </p:blipFill>
-        <p:spPr>
-          <a:xfrm>
-            <a:off x="6516216" y="332656"/>
-            <a:ext cx="1226899" cy="980728"/>
-          </a:xfrm>
-          <a:prstGeom prst="rect">
-            <a:avLst/>
-          </a:prstGeom>
-        </p:spPr>
-      </p:pic>
     </p:spTree>
     <p:extLst>
       <p:ext uri="{BB962C8B-B14F-4D97-AF65-F5344CB8AC3E}">
@@ -7286,15 +7351,7 @@
           <a:p>
             <a:r>
               <a:rPr lang="en-IN" dirty="0" smtClean="0"/>
-              <a:t>The only solution found which ports the existing solution </a:t>
-            </a:r>
-            <a:r>
-              <a:rPr lang="en-IN" dirty="0" smtClean="0"/>
-              <a:t>without recoding </a:t>
-            </a:r>
-            <a:r>
-              <a:rPr lang="en-IN" dirty="0" smtClean="0"/>
-              <a:t>is </a:t>
+              <a:t>The only solution found which ports the existing solution without recoding is </a:t>
             </a:r>
             <a:r>
               <a:rPr lang="en-IN" dirty="0" err="1"/>
@@ -7469,7 +7526,15 @@
           <a:p>
             <a:r>
               <a:rPr lang="en-IN" dirty="0" smtClean="0"/>
-              <a:t>Making a transpiler which converts the existing code cocos2d c++ to cocos2d JS.</a:t>
+              <a:t>Making a transpiler which converts the existing code cocos2d </a:t>
+            </a:r>
+            <a:r>
+              <a:rPr lang="en-IN" dirty="0" smtClean="0"/>
+              <a:t>C++ </a:t>
+            </a:r>
+            <a:r>
+              <a:rPr lang="en-IN" dirty="0" smtClean="0"/>
+              <a:t>to cocos2d JS.</a:t>
             </a:r>
           </a:p>
           <a:p>
@@ -7484,17 +7549,8 @@
           <a:p>
             <a:r>
               <a:rPr lang="en-IN" dirty="0" smtClean="0"/>
-              <a:t>Steps </a:t>
-            </a:r>
-            <a:r>
-              <a:rPr lang="en-IN" dirty="0" smtClean="0"/>
-              <a:t>involved</a:t>
-            </a:r>
-            <a:r>
-              <a:rPr lang="en-IN" dirty="0" smtClean="0"/>
-              <a:t>…</a:t>
-            </a:r>
-            <a:endParaRPr lang="en-IN" dirty="0" smtClean="0"/>
+              <a:t>Steps involved…</a:t>
+            </a:r>
           </a:p>
           <a:p>
             <a:pPr marL="0" indent="0">
@@ -7517,11 +7573,7 @@
             </a:r>
             <a:r>
               <a:rPr lang="en-IN" sz="2000" dirty="0" smtClean="0"/>
-              <a:t> </a:t>
-            </a:r>
-            <a:r>
-              <a:rPr lang="en-IN" sz="2000" dirty="0" smtClean="0"/>
-              <a:t>concepts.</a:t>
+              <a:t> concepts.</a:t>
             </a:r>
           </a:p>
           <a:p>
@@ -7613,61 +7665,121 @@
             <p:ph type="title"/>
           </p:nvPr>
         </p:nvSpPr>
-        <p:spPr/>
+        <p:spPr>
+          <a:xfrm>
+            <a:off x="457200" y="0"/>
+            <a:ext cx="7571184" cy="908720"/>
+          </a:xfrm>
+        </p:spPr>
         <p:txBody>
           <a:bodyPr/>
           <a:lstStyle/>
           <a:p>
             <a:r>
-              <a:rPr lang="en-IN" dirty="0" smtClean="0"/>
-              <a:t>Some similarity</a:t>
-            </a:r>
+              <a:rPr lang="en-IN" sz="4800" dirty="0" smtClean="0"/>
+              <a:t>Building the transpiler</a:t>
+            </a:r>
+            <a:endParaRPr lang="en-IN" sz="4800" dirty="0"/>
+          </a:p>
+        </p:txBody>
+      </p:sp>
+      <p:sp>
+        <p:nvSpPr>
+          <p:cNvPr id="3" name="Content Placeholder 2"/>
+          <p:cNvSpPr>
+            <a:spLocks noGrp="1"/>
+          </p:cNvSpPr>
+          <p:nvPr>
+            <p:ph idx="1"/>
+          </p:nvPr>
+        </p:nvSpPr>
+        <p:spPr>
+          <a:xfrm>
+            <a:off x="395536" y="980728"/>
+            <a:ext cx="8291264" cy="5145435"/>
+          </a:xfrm>
+        </p:spPr>
+        <p:txBody>
+          <a:bodyPr/>
+          <a:lstStyle/>
+          <a:p>
+            <a:pPr marL="0" indent="0">
+              <a:buNone/>
+            </a:pPr>
+            <a:endParaRPr lang="en-IN" dirty="0" smtClean="0"/>
+          </a:p>
+          <a:p>
+            <a:pPr marL="0" indent="0">
+              <a:buNone/>
+            </a:pPr>
             <a:endParaRPr lang="en-IN" dirty="0"/>
           </a:p>
-        </p:txBody>
-      </p:sp>
-      <p:sp>
-        <p:nvSpPr>
-          <p:cNvPr id="3" name="Content Placeholder 2"/>
-          <p:cNvSpPr>
-            <a:spLocks noGrp="1"/>
-          </p:cNvSpPr>
-          <p:nvPr>
-            <p:ph idx="1"/>
-          </p:nvPr>
-        </p:nvSpPr>
-        <p:spPr/>
-        <p:txBody>
-          <a:bodyPr/>
-          <a:lstStyle/>
-          <a:p>
-            <a:r>
-              <a:rPr lang="en-IN" dirty="0" smtClean="0"/>
-              <a:t>Loop</a:t>
-            </a:r>
-          </a:p>
-          <a:p>
-            <a:r>
-              <a:rPr lang="en-IN" dirty="0" smtClean="0"/>
-              <a:t>Comment </a:t>
-            </a:r>
-          </a:p>
-          <a:p>
-            <a:r>
-              <a:rPr lang="en-IN" dirty="0" smtClean="0"/>
-              <a:t>Variable</a:t>
-            </a:r>
-          </a:p>
-          <a:p>
-            <a:r>
-              <a:rPr lang="en-IN" dirty="0" smtClean="0"/>
-              <a:t>Operators</a:t>
-            </a:r>
-          </a:p>
-          <a:p>
+          <a:p>
+            <a:pPr marL="0" indent="0">
+              <a:buNone/>
+            </a:pPr>
+            <a:r>
+              <a:rPr lang="en-IN" dirty="0" smtClean="0"/>
+              <a:t>Coding the </a:t>
+            </a:r>
             <a:r>
               <a:rPr lang="en-IN" dirty="0" err="1" smtClean="0"/>
-              <a:t>arithmatic</a:t>
+              <a:t>transpiler</a:t>
+            </a:r>
+            <a:r>
+              <a:rPr lang="en-IN" dirty="0" smtClean="0"/>
+              <a:t> </a:t>
+            </a:r>
+            <a:r>
+              <a:rPr lang="en-IN" dirty="0" smtClean="0"/>
+              <a:t>logic steps involved:</a:t>
+            </a:r>
+            <a:endParaRPr lang="en-IN" dirty="0" smtClean="0"/>
+          </a:p>
+          <a:p>
+            <a:pPr marL="0" indent="0">
+              <a:buNone/>
+            </a:pPr>
+            <a:endParaRPr lang="en-IN" dirty="0" smtClean="0"/>
+          </a:p>
+          <a:p>
+            <a:pPr marL="571500" indent="-571500">
+              <a:buFont typeface="+mj-lt"/>
+              <a:buAutoNum type="romanUcPeriod"/>
+            </a:pPr>
+            <a:r>
+              <a:rPr lang="en-IN" dirty="0" smtClean="0"/>
+              <a:t>Lexical analysis </a:t>
+            </a:r>
+          </a:p>
+          <a:p>
+            <a:pPr marL="571500" indent="-571500">
+              <a:buFont typeface="+mj-lt"/>
+              <a:buAutoNum type="romanUcPeriod"/>
+            </a:pPr>
+            <a:r>
+              <a:rPr lang="en-IN" dirty="0" smtClean="0"/>
+              <a:t>Syntactical analysis (grammar check)</a:t>
+            </a:r>
+          </a:p>
+          <a:p>
+            <a:pPr marL="571500" indent="-571500">
+              <a:buFont typeface="+mj-lt"/>
+              <a:buAutoNum type="romanUcPeriod"/>
+            </a:pPr>
+            <a:r>
+              <a:rPr lang="en-IN" dirty="0" smtClean="0"/>
+              <a:t>Translation logic </a:t>
+            </a:r>
+          </a:p>
+          <a:p>
+            <a:pPr marL="571500" indent="-571500">
+              <a:buFont typeface="+mj-lt"/>
+              <a:buAutoNum type="romanUcPeriod"/>
+            </a:pPr>
+            <a:r>
+              <a:rPr lang="en-IN" dirty="0" smtClean="0"/>
+              <a:t>Training the system</a:t>
             </a:r>
             <a:endParaRPr lang="en-IN" dirty="0"/>
           </a:p>
@@ -7675,7 +7787,7 @@
       </p:sp>
       <p:sp>
         <p:nvSpPr>
-          <p:cNvPr id="4" name="Slide Number Placeholder 3"/>
+          <p:cNvPr id="5" name="Slide Number Placeholder 4"/>
           <p:cNvSpPr>
             <a:spLocks noGrp="1"/>
           </p:cNvSpPr>
@@ -7699,13 +7811,20 @@
     </p:spTree>
     <p:extLst>
       <p:ext uri="{BB962C8B-B14F-4D97-AF65-F5344CB8AC3E}">
-        <p14:creationId xmlns:p14="http://schemas.microsoft.com/office/powerpoint/2010/main" val="2421866351"/>
+        <p14:creationId xmlns:p14="http://schemas.microsoft.com/office/powerpoint/2010/main" val="1293744943"/>
       </p:ext>
     </p:extLst>
   </p:cSld>
   <p:clrMapOvr>
     <a:masterClrMapping/>
   </p:clrMapOvr>
+  <p:timing>
+    <p:tnLst>
+      <p:par>
+        <p:cTn id="1" dur="indefinite" restart="never" nodeType="tmRoot"/>
+      </p:par>
+    </p:tnLst>
+  </p:timing>
 </p:sld>
 </file>
 
@@ -7739,7 +7858,7 @@
         <p:spPr>
           <a:xfrm>
             <a:off x="457200" y="0"/>
-            <a:ext cx="7571184" cy="908720"/>
+            <a:ext cx="7427168" cy="980728"/>
           </a:xfrm>
         </p:spPr>
         <p:txBody>
@@ -7748,7 +7867,7 @@
           <a:p>
             <a:r>
               <a:rPr lang="en-IN" sz="4800" dirty="0" smtClean="0"/>
-              <a:t>Building the transpiler</a:t>
+              <a:t>Lexical analysis</a:t>
             </a:r>
             <a:endParaRPr lang="en-IN" sz="4800" dirty="0"/>
           </a:p>
@@ -7766,78 +7885,44 @@
         </p:nvSpPr>
         <p:spPr>
           <a:xfrm>
-            <a:off x="395536" y="980728"/>
-            <a:ext cx="8291264" cy="5145435"/>
+            <a:off x="395536" y="1124744"/>
+            <a:ext cx="8229600" cy="4525963"/>
           </a:xfrm>
         </p:spPr>
         <p:txBody>
           <a:bodyPr/>
           <a:lstStyle/>
           <a:p>
+            <a:endParaRPr lang="en-IN" dirty="0" smtClean="0"/>
+          </a:p>
+          <a:p>
+            <a:endParaRPr lang="en-IN" dirty="0"/>
+          </a:p>
+          <a:p>
+            <a:r>
+              <a:rPr lang="en-IN" dirty="0" smtClean="0"/>
+              <a:t>Source code is feed line wise.</a:t>
+            </a:r>
+          </a:p>
+          <a:p>
             <a:pPr marL="0" indent="0">
               <a:buNone/>
             </a:pPr>
             <a:endParaRPr lang="en-IN" dirty="0" smtClean="0"/>
           </a:p>
           <a:p>
-            <a:pPr marL="0" indent="0">
-              <a:buNone/>
-            </a:pPr>
-            <a:endParaRPr lang="en-IN" dirty="0"/>
-          </a:p>
-          <a:p>
-            <a:pPr marL="0" indent="0">
-              <a:buNone/>
-            </a:pPr>
-            <a:r>
-              <a:rPr lang="en-IN" dirty="0" smtClean="0"/>
-              <a:t>Coding the transpiler logic:</a:t>
-            </a:r>
-          </a:p>
-          <a:p>
-            <a:pPr marL="0" indent="0">
-              <a:buNone/>
-            </a:pPr>
+            <a:r>
+              <a:rPr lang="en-IN" dirty="0" smtClean="0"/>
+              <a:t>Line is then broken into tokens with categories like separators, operators, keyword and identifier.</a:t>
+            </a:r>
+          </a:p>
+          <a:p>
             <a:endParaRPr lang="en-IN" dirty="0" smtClean="0"/>
           </a:p>
           <a:p>
-            <a:pPr marL="571500" indent="-571500">
-              <a:buFont typeface="+mj-lt"/>
-              <a:buAutoNum type="romanUcPeriod"/>
-            </a:pPr>
-            <a:r>
-              <a:rPr lang="en-IN" dirty="0" smtClean="0"/>
-              <a:t>Lexical analysis </a:t>
-            </a:r>
-          </a:p>
-          <a:p>
-            <a:pPr marL="571500" indent="-571500">
-              <a:buFont typeface="+mj-lt"/>
-              <a:buAutoNum type="romanUcPeriod"/>
-            </a:pPr>
-            <a:r>
-              <a:rPr lang="en-IN" dirty="0" smtClean="0"/>
-              <a:t>Syntactical analysis (grammar check)</a:t>
-            </a:r>
-          </a:p>
-          <a:p>
-            <a:pPr marL="571500" indent="-571500">
-              <a:buFont typeface="+mj-lt"/>
-              <a:buAutoNum type="romanUcPeriod"/>
-            </a:pPr>
-            <a:r>
-              <a:rPr lang="en-IN" dirty="0" smtClean="0"/>
-              <a:t>Translation logic </a:t>
-            </a:r>
-          </a:p>
-          <a:p>
-            <a:pPr marL="571500" indent="-571500">
-              <a:buFont typeface="+mj-lt"/>
-              <a:buAutoNum type="romanUcPeriod"/>
-            </a:pPr>
-            <a:r>
-              <a:rPr lang="en-IN" dirty="0" smtClean="0"/>
-              <a:t>Training the system</a:t>
+            <a:r>
+              <a:rPr lang="en-IN" dirty="0" smtClean="0"/>
+              <a:t>Theses tokens are then send to syntactical analyser and translator.</a:t>
             </a:r>
             <a:endParaRPr lang="en-IN" dirty="0"/>
           </a:p>
@@ -7869,7 +7954,7 @@
     </p:spTree>
     <p:extLst>
       <p:ext uri="{BB962C8B-B14F-4D97-AF65-F5344CB8AC3E}">
-        <p14:creationId xmlns:p14="http://schemas.microsoft.com/office/powerpoint/2010/main" val="1293744943"/>
+        <p14:creationId xmlns:p14="http://schemas.microsoft.com/office/powerpoint/2010/main" val="329629848"/>
       </p:ext>
     </p:extLst>
   </p:cSld>
@@ -7948,7 +8033,9 @@
           </a:xfrm>
         </p:spPr>
         <p:txBody>
-          <a:bodyPr/>
+          <a:bodyPr>
+            <a:normAutofit/>
+          </a:bodyPr>
           <a:lstStyle/>
           <a:p>
             <a:pPr marL="0" indent="0">
@@ -7956,8 +8043,13 @@
             </a:pPr>
             <a:r>
               <a:rPr lang="en-IN" dirty="0" smtClean="0"/>
-              <a:t>      Title                                                       Page Number</a:t>
-            </a:r>
+              <a:t>      Title                                                       Page </a:t>
+            </a:r>
+            <a:r>
+              <a:rPr lang="en-IN" dirty="0" smtClean="0"/>
+              <a:t>number</a:t>
+            </a:r>
+            <a:endParaRPr lang="en-IN" dirty="0" smtClean="0"/>
           </a:p>
           <a:p>
             <a:pPr marL="0" indent="0">
@@ -7966,54 +8058,88 @@
             <a:endParaRPr lang="en-IN" dirty="0"/>
           </a:p>
           <a:p>
+            <a:pPr marL="457200" indent="-457200">
+              <a:buAutoNum type="arabicPeriod" startAt="9"/>
+            </a:pPr>
+            <a:r>
+              <a:rPr lang="en-IN" sz="2800" dirty="0" smtClean="0"/>
+              <a:t> Approaches </a:t>
+            </a:r>
+            <a:r>
+              <a:rPr lang="en-IN" sz="2800" dirty="0"/>
+              <a:t>for the solution </a:t>
+            </a:r>
+            <a:r>
+              <a:rPr lang="en-IN" sz="2800" dirty="0" smtClean="0"/>
+              <a:t>…………..20</a:t>
+            </a:r>
+            <a:endParaRPr lang="en-IN" sz="2800" dirty="0"/>
+          </a:p>
+          <a:p>
             <a:pPr marL="0" indent="0">
               <a:buNone/>
             </a:pPr>
             <a:r>
-              <a:rPr lang="en-IN" dirty="0" smtClean="0"/>
-              <a:t>09. </a:t>
-            </a:r>
-            <a:r>
-              <a:rPr lang="en-IN" dirty="0"/>
-              <a:t>Task performed and accomplishments </a:t>
-            </a:r>
-            <a:r>
-              <a:rPr lang="en-IN" dirty="0" smtClean="0"/>
-              <a:t>...…  16</a:t>
-            </a:r>
+              <a:rPr lang="en-IN" sz="2800" dirty="0" smtClean="0"/>
+              <a:t>10. Comparison </a:t>
+            </a:r>
+            <a:r>
+              <a:rPr lang="en-IN" sz="2800" dirty="0"/>
+              <a:t>of the </a:t>
+            </a:r>
+            <a:r>
+              <a:rPr lang="en-IN" sz="2800" dirty="0" smtClean="0"/>
+              <a:t>approaches ……..21</a:t>
+            </a:r>
+            <a:endParaRPr lang="en-IN" sz="2800" dirty="0"/>
           </a:p>
           <a:p>
             <a:pPr marL="0" indent="0">
               <a:buNone/>
             </a:pPr>
             <a:r>
-              <a:rPr lang="en-IN" dirty="0"/>
-              <a:t> </a:t>
-            </a:r>
-            <a:r>
-              <a:rPr lang="en-IN" dirty="0" smtClean="0"/>
-              <a:t>     11.1 Analysis of different approaches……...  17</a:t>
-            </a:r>
+              <a:rPr lang="en-IN" sz="2800" dirty="0" smtClean="0"/>
+              <a:t>11. Comparative approach     </a:t>
+            </a:r>
+            <a:r>
+              <a:rPr lang="en-IN" sz="2800" smtClean="0"/>
+              <a:t>……………22-26</a:t>
+            </a:r>
+            <a:endParaRPr lang="en-IN" sz="2800" dirty="0"/>
           </a:p>
           <a:p>
             <a:pPr marL="0" indent="0">
               <a:buNone/>
             </a:pPr>
             <a:r>
-              <a:rPr lang="en-IN" dirty="0"/>
-              <a:t> </a:t>
-            </a:r>
-            <a:r>
-              <a:rPr lang="en-IN" dirty="0" smtClean="0"/>
-              <a:t>     11.2 Overview of the </a:t>
-            </a:r>
-            <a:r>
-              <a:rPr lang="en-IN" dirty="0" err="1" smtClean="0"/>
+              <a:rPr lang="en-IN" sz="2800" dirty="0" smtClean="0"/>
+              <a:t>14. Evaluation of the approaches………..27</a:t>
+            </a:r>
+          </a:p>
+          <a:p>
+            <a:pPr marL="0" indent="0">
+              <a:buNone/>
+            </a:pPr>
+            <a:r>
+              <a:rPr lang="en-IN" sz="2800" dirty="0" smtClean="0"/>
+              <a:t>15. Alternate approach ……………………28</a:t>
+            </a:r>
+          </a:p>
+          <a:p>
+            <a:pPr marL="0" indent="0">
+              <a:buNone/>
+            </a:pPr>
+            <a:r>
+              <a:rPr lang="en-IN" sz="2800" dirty="0" smtClean="0"/>
+              <a:t>16. Building the </a:t>
+            </a:r>
+            <a:r>
+              <a:rPr lang="en-IN" sz="2800" dirty="0" err="1" smtClean="0"/>
               <a:t>transpiler</a:t>
             </a:r>
             <a:r>
-              <a:rPr lang="en-IN" dirty="0" smtClean="0"/>
-              <a:t> ……………...  18</a:t>
+              <a:rPr lang="en-IN" sz="2800" dirty="0" smtClean="0"/>
+              <a:t> …………………..29-34</a:t>
             </a:r>
           </a:p>
           <a:p>
@@ -8021,41 +8147,9 @@
               <a:buNone/>
             </a:pPr>
             <a:r>
-              <a:rPr lang="en-IN" dirty="0"/>
-              <a:t> </a:t>
-            </a:r>
-            <a:r>
-              <a:rPr lang="en-IN" dirty="0" smtClean="0"/>
-              <a:t>     11.3 Translation phase ………………..............  19</a:t>
-            </a:r>
-          </a:p>
-          <a:p>
-            <a:pPr marL="0" indent="0">
-              <a:buNone/>
-            </a:pPr>
-            <a:r>
-              <a:rPr lang="en-IN" dirty="0"/>
-              <a:t> </a:t>
-            </a:r>
-            <a:r>
-              <a:rPr lang="en-IN" dirty="0" smtClean="0"/>
-              <a:t>     11.4 Training of the system ……………………  20-21</a:t>
-            </a:r>
-          </a:p>
-          <a:p>
-            <a:pPr marL="0" indent="0">
-              <a:buNone/>
-            </a:pPr>
-            <a:r>
-              <a:rPr lang="en-IN" dirty="0" smtClean="0"/>
-              <a:t>12. Hidden markov model …………………..........  22</a:t>
-            </a:r>
-          </a:p>
-          <a:p>
-            <a:pPr marL="0" indent="0">
-              <a:buNone/>
-            </a:pPr>
-            <a:endParaRPr lang="en-IN" dirty="0"/>
+              <a:rPr lang="en-IN" sz="2800" dirty="0" smtClean="0"/>
+              <a:t>17. Sequence diagram……………………...35</a:t>
+            </a:r>
           </a:p>
         </p:txBody>
       </p:sp>
@@ -8132,7 +8226,7 @@
         <p:spPr>
           <a:xfrm>
             <a:off x="457200" y="0"/>
-            <a:ext cx="7427168" cy="980728"/>
+            <a:ext cx="7499176" cy="980728"/>
           </a:xfrm>
         </p:spPr>
         <p:txBody>
@@ -8141,7 +8235,7 @@
           <a:p>
             <a:r>
               <a:rPr lang="en-IN" sz="4800" dirty="0" smtClean="0"/>
-              <a:t>Lexical analysis</a:t>
+              <a:t>Syntactical analysis</a:t>
             </a:r>
             <a:endParaRPr lang="en-IN" sz="4800" dirty="0"/>
           </a:p>
@@ -8159,7 +8253,7 @@
         </p:nvSpPr>
         <p:spPr>
           <a:xfrm>
-            <a:off x="395536" y="1124744"/>
+            <a:off x="467544" y="1484784"/>
             <a:ext cx="8229600" cy="4525963"/>
           </a:xfrm>
         </p:spPr>
@@ -8167,7 +8261,10 @@
           <a:bodyPr/>
           <a:lstStyle/>
           <a:p>
-            <a:endParaRPr lang="en-IN" dirty="0" smtClean="0"/>
+            <a:r>
+              <a:rPr lang="en-IN" dirty="0" smtClean="0"/>
+              <a:t>Here the grammar of the line (in the forms of tokens) is checked.</a:t>
+            </a:r>
           </a:p>
           <a:p>
             <a:endParaRPr lang="en-IN" dirty="0"/>
@@ -8175,28 +8272,16 @@
           <a:p>
             <a:r>
               <a:rPr lang="en-IN" dirty="0" smtClean="0"/>
-              <a:t>Source code is feed line wise.</a:t>
-            </a:r>
-          </a:p>
-          <a:p>
-            <a:pPr marL="0" indent="0">
-              <a:buNone/>
-            </a:pPr>
-            <a:endParaRPr lang="en-IN" dirty="0" smtClean="0"/>
-          </a:p>
-          <a:p>
-            <a:r>
-              <a:rPr lang="en-IN" dirty="0" smtClean="0"/>
-              <a:t>Line is then broken into tokens with categories like separators, operators, keyword and identifier.</a:t>
-            </a:r>
-          </a:p>
-          <a:p>
-            <a:endParaRPr lang="en-IN" dirty="0" smtClean="0"/>
-          </a:p>
-          <a:p>
-            <a:r>
-              <a:rPr lang="en-IN" dirty="0" smtClean="0"/>
-              <a:t>Theses tokens are then send to syntactical analyser and translator.</a:t>
+              <a:t>Look ahead algorithm is used to check the proper grammar pattern.</a:t>
+            </a:r>
+          </a:p>
+          <a:p>
+            <a:endParaRPr lang="en-IN" dirty="0"/>
+          </a:p>
+          <a:p>
+            <a:r>
+              <a:rPr lang="en-IN" dirty="0" smtClean="0"/>
+              <a:t>Errors are reported if it doesn't matches with proper grammar.</a:t>
             </a:r>
             <a:endParaRPr lang="en-IN" dirty="0"/>
           </a:p>
@@ -8228,7 +8313,7 @@
     </p:spTree>
     <p:extLst>
       <p:ext uri="{BB962C8B-B14F-4D97-AF65-F5344CB8AC3E}">
-        <p14:creationId xmlns:p14="http://schemas.microsoft.com/office/powerpoint/2010/main" val="329629848"/>
+        <p14:creationId xmlns:p14="http://schemas.microsoft.com/office/powerpoint/2010/main" val="3292238430"/>
       </p:ext>
     </p:extLst>
   </p:cSld>
@@ -8274,46 +8359,45 @@
         </p:nvSpPr>
         <p:spPr>
           <a:xfrm>
-            <a:off x="457200" y="0"/>
-            <a:ext cx="7499176" cy="980728"/>
+            <a:off x="457200" y="274638"/>
+            <a:ext cx="7787208" cy="706090"/>
+          </a:xfrm>
+        </p:spPr>
+        <p:txBody>
+          <a:bodyPr>
+            <a:noAutofit/>
+          </a:bodyPr>
+          <a:lstStyle/>
+          <a:p>
+            <a:r>
+              <a:rPr lang="en-IN" sz="4800" dirty="0" smtClean="0"/>
+              <a:t>Translation phase</a:t>
+            </a:r>
+            <a:endParaRPr lang="en-IN" sz="4800" dirty="0"/>
+          </a:p>
+        </p:txBody>
+      </p:sp>
+      <p:sp>
+        <p:nvSpPr>
+          <p:cNvPr id="3" name="Content Placeholder 2"/>
+          <p:cNvSpPr>
+            <a:spLocks noGrp="1"/>
+          </p:cNvSpPr>
+          <p:nvPr>
+            <p:ph idx="1"/>
+          </p:nvPr>
+        </p:nvSpPr>
+        <p:spPr>
+          <a:xfrm>
+            <a:off x="395536" y="1052736"/>
+            <a:ext cx="8352928" cy="5400600"/>
           </a:xfrm>
         </p:spPr>
         <p:txBody>
           <a:bodyPr/>
           <a:lstStyle/>
           <a:p>
-            <a:r>
-              <a:rPr lang="en-IN" sz="4800" dirty="0" smtClean="0"/>
-              <a:t>Syntactical analysis</a:t>
-            </a:r>
-            <a:endParaRPr lang="en-IN" sz="4800" dirty="0"/>
-          </a:p>
-        </p:txBody>
-      </p:sp>
-      <p:sp>
-        <p:nvSpPr>
-          <p:cNvPr id="3" name="Content Placeholder 2"/>
-          <p:cNvSpPr>
-            <a:spLocks noGrp="1"/>
-          </p:cNvSpPr>
-          <p:nvPr>
-            <p:ph idx="1"/>
-          </p:nvPr>
-        </p:nvSpPr>
-        <p:spPr>
-          <a:xfrm>
-            <a:off x="467544" y="1484784"/>
-            <a:ext cx="8229600" cy="4525963"/>
-          </a:xfrm>
-        </p:spPr>
-        <p:txBody>
-          <a:bodyPr/>
-          <a:lstStyle/>
-          <a:p>
-            <a:r>
-              <a:rPr lang="en-IN" dirty="0" smtClean="0"/>
-              <a:t>Here the grammar of the line (in the forms of tokens) is checked.</a:t>
-            </a:r>
+            <a:endParaRPr lang="en-IN" dirty="0" smtClean="0"/>
           </a:p>
           <a:p>
             <a:endParaRPr lang="en-IN" dirty="0"/>
@@ -8321,7 +8405,7 @@
           <a:p>
             <a:r>
               <a:rPr lang="en-IN" dirty="0" smtClean="0"/>
-              <a:t>Look ahead algorithm is used to check the proper grammar pattern.</a:t>
+              <a:t>The translation pair are retrieve from the trained xml file.</a:t>
             </a:r>
           </a:p>
           <a:p>
@@ -8330,8 +8414,40 @@
           <a:p>
             <a:r>
               <a:rPr lang="en-IN" dirty="0" smtClean="0"/>
-              <a:t>Errors are reported if it doesn't matches with proper grammar.</a:t>
-            </a:r>
+              <a:t>The word pairs are matched and  then they are </a:t>
+            </a:r>
+          </a:p>
+          <a:p>
+            <a:pPr marL="0" indent="0">
+              <a:buNone/>
+            </a:pPr>
+            <a:r>
+              <a:rPr lang="en-IN" dirty="0" smtClean="0"/>
+              <a:t>    replaced.</a:t>
+            </a:r>
+          </a:p>
+          <a:p>
+            <a:endParaRPr lang="en-IN" dirty="0"/>
+          </a:p>
+          <a:p>
+            <a:r>
+              <a:rPr lang="en-IN" dirty="0" smtClean="0"/>
+              <a:t>Some common syntactical difference like -&gt; , :: are replaced by .(dot)</a:t>
+            </a:r>
+          </a:p>
+          <a:p>
+            <a:endParaRPr lang="en-IN" dirty="0"/>
+          </a:p>
+          <a:p>
+            <a:pPr marL="0" indent="0">
+              <a:buNone/>
+            </a:pPr>
+            <a:endParaRPr lang="en-IN" dirty="0" smtClean="0"/>
+          </a:p>
+          <a:p>
+            <a:pPr marL="0" indent="0">
+              <a:buNone/>
+            </a:pPr>
             <a:endParaRPr lang="en-IN" dirty="0"/>
           </a:p>
         </p:txBody>
@@ -8362,7 +8478,7 @@
     </p:spTree>
     <p:extLst>
       <p:ext uri="{BB962C8B-B14F-4D97-AF65-F5344CB8AC3E}">
-        <p14:creationId xmlns:p14="http://schemas.microsoft.com/office/powerpoint/2010/main" val="3292238430"/>
+        <p14:creationId xmlns:p14="http://schemas.microsoft.com/office/powerpoint/2010/main" val="3944087431"/>
       </p:ext>
     </p:extLst>
   </p:cSld>
@@ -8408,43 +8524,44 @@
         </p:nvSpPr>
         <p:spPr>
           <a:xfrm>
-            <a:off x="457200" y="274638"/>
-            <a:ext cx="7787208" cy="706090"/>
-          </a:xfrm>
-        </p:spPr>
+            <a:off x="457200" y="0"/>
+            <a:ext cx="7715200" cy="908720"/>
+          </a:xfrm>
+        </p:spPr>
+        <p:txBody>
+          <a:bodyPr/>
+          <a:lstStyle/>
+          <a:p>
+            <a:r>
+              <a:rPr lang="en-IN" sz="4800" dirty="0" smtClean="0"/>
+              <a:t>Training of the system</a:t>
+            </a:r>
+            <a:endParaRPr lang="en-IN" sz="4800" dirty="0"/>
+          </a:p>
+        </p:txBody>
+      </p:sp>
+      <p:sp>
+        <p:nvSpPr>
+          <p:cNvPr id="3" name="Content Placeholder 2"/>
+          <p:cNvSpPr>
+            <a:spLocks noGrp="1"/>
+          </p:cNvSpPr>
+          <p:nvPr>
+            <p:ph idx="1"/>
+          </p:nvPr>
+        </p:nvSpPr>
+        <p:spPr/>
         <p:txBody>
           <a:bodyPr>
-            <a:noAutofit/>
+            <a:normAutofit/>
           </a:bodyPr>
           <a:lstStyle/>
           <a:p>
             <a:r>
-              <a:rPr lang="en-IN" sz="4800" dirty="0" smtClean="0"/>
-              <a:t>Translation phase</a:t>
-            </a:r>
-            <a:endParaRPr lang="en-IN" sz="4800" dirty="0"/>
-          </a:p>
-        </p:txBody>
-      </p:sp>
-      <p:sp>
-        <p:nvSpPr>
-          <p:cNvPr id="3" name="Content Placeholder 2"/>
-          <p:cNvSpPr>
-            <a:spLocks noGrp="1"/>
-          </p:cNvSpPr>
-          <p:nvPr>
-            <p:ph idx="1"/>
-          </p:nvPr>
-        </p:nvSpPr>
-        <p:spPr>
-          <a:xfrm>
-            <a:off x="395536" y="1052736"/>
-            <a:ext cx="8352928" cy="5400600"/>
-          </a:xfrm>
-        </p:spPr>
-        <p:txBody>
-          <a:bodyPr/>
-          <a:lstStyle/>
+              <a:rPr lang="en-IN" dirty="0" smtClean="0"/>
+              <a:t>Probability and pattern matching is used to determine the type of the token.</a:t>
+            </a:r>
+          </a:p>
           <a:p>
             <a:endParaRPr lang="en-IN" dirty="0" smtClean="0"/>
           </a:p>
@@ -8454,50 +8571,65 @@
           <a:p>
             <a:r>
               <a:rPr lang="en-IN" dirty="0" smtClean="0"/>
-              <a:t>The translation pair are retrieve from the trained xml file.</a:t>
-            </a:r>
-          </a:p>
-          <a:p>
-            <a:endParaRPr lang="en-IN" dirty="0"/>
-          </a:p>
-          <a:p>
-            <a:r>
-              <a:rPr lang="en-IN" dirty="0" smtClean="0"/>
-              <a:t>The word pairs are matched and  then they are </a:t>
-            </a:r>
-          </a:p>
-          <a:p>
-            <a:pPr marL="0" indent="0">
-              <a:buNone/>
-            </a:pPr>
-            <a:r>
-              <a:rPr lang="en-IN" dirty="0" smtClean="0"/>
-              <a:t>    replaced.</a:t>
-            </a:r>
-          </a:p>
-          <a:p>
-            <a:endParaRPr lang="en-IN" dirty="0"/>
-          </a:p>
-          <a:p>
-            <a:r>
-              <a:rPr lang="en-IN" dirty="0" smtClean="0"/>
-              <a:t>Some common syntactical difference like -&gt; , :: are replaced by .(dot)</a:t>
-            </a:r>
-          </a:p>
-          <a:p>
-            <a:endParaRPr lang="en-IN" dirty="0"/>
-          </a:p>
-          <a:p>
-            <a:pPr marL="0" indent="0">
-              <a:buNone/>
-            </a:pPr>
-            <a:endParaRPr lang="en-IN" dirty="0" smtClean="0"/>
-          </a:p>
-          <a:p>
-            <a:pPr marL="0" indent="0">
-              <a:buNone/>
-            </a:pPr>
-            <a:endParaRPr lang="en-IN" dirty="0"/>
+              <a:t>Observation :</a:t>
+            </a:r>
+          </a:p>
+          <a:p>
+            <a:pPr marL="971550" lvl="1" indent="-571500">
+              <a:buFont typeface="+mj-lt"/>
+              <a:buAutoNum type="romanUcPeriod"/>
+            </a:pPr>
+            <a:r>
+              <a:rPr lang="en-IN" sz="2000" dirty="0"/>
+              <a:t> </a:t>
+            </a:r>
+            <a:r>
+              <a:rPr lang="en-IN" sz="2000" dirty="0" smtClean="0"/>
+              <a:t>  operator – 1 Letter</a:t>
+            </a:r>
+          </a:p>
+          <a:p>
+            <a:pPr marL="971550" lvl="1" indent="-571500">
+              <a:buFont typeface="+mj-lt"/>
+              <a:buAutoNum type="romanUcPeriod"/>
+            </a:pPr>
+            <a:r>
+              <a:rPr lang="en-IN" sz="2000" dirty="0"/>
+              <a:t> </a:t>
+            </a:r>
+            <a:r>
+              <a:rPr lang="en-IN" sz="2000" dirty="0" smtClean="0"/>
+              <a:t>  separator – 1Letter</a:t>
+            </a:r>
+          </a:p>
+          <a:p>
+            <a:pPr marL="971550" lvl="1" indent="-571500">
+              <a:buFont typeface="+mj-lt"/>
+              <a:buAutoNum type="romanUcPeriod"/>
+            </a:pPr>
+            <a:r>
+              <a:rPr lang="en-IN" sz="2000" dirty="0"/>
+              <a:t> </a:t>
+            </a:r>
+            <a:r>
+              <a:rPr lang="en-IN" sz="2000" dirty="0" smtClean="0"/>
+              <a:t>  Keyword – 4 letter</a:t>
+            </a:r>
+          </a:p>
+          <a:p>
+            <a:pPr marL="971550" lvl="1" indent="-571500">
+              <a:buFont typeface="+mj-lt"/>
+              <a:buAutoNum type="romanUcPeriod"/>
+            </a:pPr>
+            <a:r>
+              <a:rPr lang="en-IN" sz="2000" dirty="0"/>
+              <a:t> </a:t>
+            </a:r>
+            <a:r>
+              <a:rPr lang="en-IN" sz="2000" dirty="0" smtClean="0"/>
+              <a:t>  identifier – more than 4</a:t>
+            </a:r>
+            <a:endParaRPr lang="en-IN" sz="2000" dirty="0"/>
           </a:p>
         </p:txBody>
       </p:sp>
@@ -8527,7 +8659,7 @@
     </p:spTree>
     <p:extLst>
       <p:ext uri="{BB962C8B-B14F-4D97-AF65-F5344CB8AC3E}">
-        <p14:creationId xmlns:p14="http://schemas.microsoft.com/office/powerpoint/2010/main" val="3944087431"/>
+        <p14:creationId xmlns:p14="http://schemas.microsoft.com/office/powerpoint/2010/main" val="452361720"/>
       </p:ext>
     </p:extLst>
   </p:cSld>
@@ -8563,55 +8695,24 @@
       </p:grpSpPr>
       <p:sp>
         <p:nvSpPr>
-          <p:cNvPr id="2" name="Title 1"/>
-          <p:cNvSpPr>
-            <a:spLocks noGrp="1"/>
-          </p:cNvSpPr>
-          <p:nvPr>
-            <p:ph type="title"/>
+          <p:cNvPr id="3" name="Content Placeholder 2"/>
+          <p:cNvSpPr>
+            <a:spLocks noGrp="1"/>
+          </p:cNvSpPr>
+          <p:nvPr>
+            <p:ph idx="1"/>
           </p:nvPr>
         </p:nvSpPr>
         <p:spPr>
           <a:xfrm>
-            <a:off x="457200" y="0"/>
-            <a:ext cx="7715200" cy="908720"/>
+            <a:off x="395536" y="332656"/>
+            <a:ext cx="8291264" cy="5793507"/>
           </a:xfrm>
         </p:spPr>
         <p:txBody>
           <a:bodyPr/>
           <a:lstStyle/>
           <a:p>
-            <a:r>
-              <a:rPr lang="en-IN" sz="4800" dirty="0" smtClean="0"/>
-              <a:t>Training of the system</a:t>
-            </a:r>
-            <a:endParaRPr lang="en-IN" sz="4800" dirty="0"/>
-          </a:p>
-        </p:txBody>
-      </p:sp>
-      <p:sp>
-        <p:nvSpPr>
-          <p:cNvPr id="3" name="Content Placeholder 2"/>
-          <p:cNvSpPr>
-            <a:spLocks noGrp="1"/>
-          </p:cNvSpPr>
-          <p:nvPr>
-            <p:ph idx="1"/>
-          </p:nvPr>
-        </p:nvSpPr>
-        <p:spPr/>
-        <p:txBody>
-          <a:bodyPr>
-            <a:normAutofit/>
-          </a:bodyPr>
-          <a:lstStyle/>
-          <a:p>
-            <a:r>
-              <a:rPr lang="en-IN" dirty="0" smtClean="0"/>
-              <a:t>Probability and pattern matching is used to determine the type of the token.</a:t>
-            </a:r>
-          </a:p>
-          <a:p>
             <a:endParaRPr lang="en-IN" dirty="0" smtClean="0"/>
           </a:p>
           <a:p>
@@ -8620,7 +8721,7 @@
           <a:p>
             <a:r>
               <a:rPr lang="en-IN" dirty="0" smtClean="0"/>
-              <a:t>Observation :</a:t>
+              <a:t>Pattern:</a:t>
             </a:r>
           </a:p>
           <a:p>
@@ -8629,12 +8730,8 @@
               <a:buAutoNum type="romanUcPeriod"/>
             </a:pPr>
             <a:r>
-              <a:rPr lang="en-IN" sz="2000" dirty="0"/>
-              <a:t> </a:t>
-            </a:r>
-            <a:r>
               <a:rPr lang="en-IN" sz="2000" dirty="0" smtClean="0"/>
-              <a:t>  operator – 1 Letter</a:t>
+              <a:t>  keyword – Letters</a:t>
             </a:r>
           </a:p>
           <a:p>
@@ -8643,12 +8740,8 @@
               <a:buAutoNum type="romanUcPeriod"/>
             </a:pPr>
             <a:r>
-              <a:rPr lang="en-IN" sz="2000" dirty="0"/>
-              <a:t> </a:t>
-            </a:r>
-            <a:r>
               <a:rPr lang="en-IN" sz="2000" dirty="0" smtClean="0"/>
-              <a:t>  separator – 1Letter</a:t>
+              <a:t>  Identifier – Alphanumeric</a:t>
             </a:r>
           </a:p>
           <a:p>
@@ -8657,12 +8750,16 @@
               <a:buAutoNum type="romanUcPeriod"/>
             </a:pPr>
             <a:r>
-              <a:rPr lang="en-IN" sz="2000" dirty="0"/>
-              <a:t> </a:t>
-            </a:r>
-            <a:r>
               <a:rPr lang="en-IN" sz="2000" dirty="0" smtClean="0"/>
-              <a:t>  Keyword – 4 letter</a:t>
+              <a:t>  Separators – </a:t>
+            </a:r>
+            <a:r>
+              <a:rPr lang="en-IN" sz="2000" dirty="0" smtClean="0"/>
+              <a:t>Array </a:t>
+            </a:r>
+            <a:r>
+              <a:rPr lang="en-IN" sz="2000" dirty="0" smtClean="0"/>
+              <a:t>of predefined symbol</a:t>
             </a:r>
           </a:p>
           <a:p>
@@ -8676,15 +8773,76 @@
             </a:r>
             <a:r>
               <a:rPr lang="en-IN" sz="2000" dirty="0" smtClean="0"/>
-              <a:t>  identifier – more than 4</a:t>
-            </a:r>
+              <a:t> operators – </a:t>
+            </a:r>
+            <a:r>
+              <a:rPr lang="en-IN" sz="2000" dirty="0" smtClean="0"/>
+              <a:t>Array </a:t>
+            </a:r>
+            <a:r>
+              <a:rPr lang="en-IN" sz="2000" dirty="0" smtClean="0"/>
+              <a:t>of predefined symbol</a:t>
+            </a:r>
+            <a:r>
+              <a:rPr lang="en-IN" dirty="0" smtClean="0"/>
+              <a:t>.</a:t>
+            </a:r>
+          </a:p>
+          <a:p>
+            <a:pPr marL="971550" lvl="1" indent="-571500">
+              <a:buFont typeface="+mj-lt"/>
+              <a:buAutoNum type="romanUcPeriod"/>
+            </a:pPr>
+            <a:endParaRPr lang="en-IN" dirty="0" smtClean="0"/>
+          </a:p>
+          <a:p>
+            <a:pPr marL="857250" lvl="1" indent="-457200">
+              <a:buFont typeface="Arial" pitchFamily="34" charset="0"/>
+              <a:buChar char="•"/>
+            </a:pPr>
+            <a:r>
+              <a:rPr lang="en-IN" sz="2000" dirty="0" err="1" smtClean="0"/>
+              <a:t>Avg</a:t>
+            </a:r>
+            <a:r>
+              <a:rPr lang="en-IN" sz="2000" dirty="0" smtClean="0"/>
+              <a:t> = (probability of observation + probability of pattern)/2</a:t>
+            </a:r>
+          </a:p>
+          <a:p>
+            <a:pPr marL="857250" lvl="1" indent="-457200">
+              <a:buFont typeface="Arial" pitchFamily="34" charset="0"/>
+              <a:buChar char="•"/>
+            </a:pPr>
             <a:endParaRPr lang="en-IN" sz="2000" dirty="0"/>
           </a:p>
-        </p:txBody>
-      </p:sp>
-      <p:sp>
-        <p:nvSpPr>
-          <p:cNvPr id="5" name="Slide Number Placeholder 4"/>
+          <a:p>
+            <a:pPr marL="857250" lvl="1" indent="-457200">
+              <a:buFont typeface="Arial" pitchFamily="34" charset="0"/>
+              <a:buChar char="•"/>
+            </a:pPr>
+            <a:r>
+              <a:rPr lang="en-IN" sz="2000" dirty="0" err="1" smtClean="0"/>
+              <a:t>Avg</a:t>
+            </a:r>
+            <a:r>
+              <a:rPr lang="en-IN" sz="2000" dirty="0" smtClean="0"/>
+              <a:t> &gt; 0.5 decides </a:t>
+            </a:r>
+            <a:r>
+              <a:rPr lang="en-IN" sz="2000" dirty="0" smtClean="0"/>
+              <a:t>the type </a:t>
+            </a:r>
+            <a:r>
+              <a:rPr lang="en-IN" sz="2000" dirty="0" smtClean="0"/>
+              <a:t>of token.</a:t>
+            </a:r>
+          </a:p>
+        </p:txBody>
+      </p:sp>
+      <p:sp>
+        <p:nvSpPr>
+          <p:cNvPr id="4" name="Slide Number Placeholder 3"/>
           <p:cNvSpPr>
             <a:spLocks noGrp="1"/>
           </p:cNvSpPr>
@@ -8708,7 +8866,7 @@
     </p:spTree>
     <p:extLst>
       <p:ext uri="{BB962C8B-B14F-4D97-AF65-F5344CB8AC3E}">
-        <p14:creationId xmlns:p14="http://schemas.microsoft.com/office/powerpoint/2010/main" val="452361720"/>
+        <p14:creationId xmlns:p14="http://schemas.microsoft.com/office/powerpoint/2010/main" val="3941575085"/>
       </p:ext>
     </p:extLst>
   </p:cSld>
@@ -8744,127 +8902,61 @@
       </p:grpSpPr>
       <p:sp>
         <p:nvSpPr>
-          <p:cNvPr id="3" name="Content Placeholder 2"/>
-          <p:cNvSpPr>
-            <a:spLocks noGrp="1"/>
-          </p:cNvSpPr>
+          <p:cNvPr id="2" name="Title 1"/>
+          <p:cNvSpPr>
+            <a:spLocks noGrp="1"/>
+          </p:cNvSpPr>
+          <p:nvPr>
+            <p:ph type="title"/>
+          </p:nvPr>
+        </p:nvSpPr>
+        <p:spPr>
+          <a:xfrm>
+            <a:off x="457200" y="0"/>
+            <a:ext cx="7571184" cy="908720"/>
+          </a:xfrm>
+        </p:spPr>
+        <p:txBody>
+          <a:bodyPr/>
+          <a:lstStyle/>
+          <a:p>
+            <a:r>
+              <a:rPr lang="en-IN" sz="4800" dirty="0" smtClean="0"/>
+              <a:t>Sequence diagram</a:t>
+            </a:r>
+            <a:endParaRPr lang="en-IN" sz="4800" dirty="0"/>
+          </a:p>
+        </p:txBody>
+      </p:sp>
+      <p:pic>
+        <p:nvPicPr>
+          <p:cNvPr id="5" name="Content Placeholder 4"/>
+          <p:cNvPicPr>
+            <a:picLocks noGrp="1" noChangeAspect="1"/>
+          </p:cNvPicPr>
           <p:nvPr>
             <p:ph idx="1"/>
           </p:nvPr>
-        </p:nvSpPr>
+        </p:nvPicPr>
+        <p:blipFill>
+          <a:blip r:embed="rId2">
+            <a:extLst>
+              <a:ext uri="{28A0092B-C50C-407E-A947-70E740481C1C}">
+                <a14:useLocalDpi xmlns:a14="http://schemas.microsoft.com/office/drawing/2010/main" val="0"/>
+              </a:ext>
+            </a:extLst>
+          </a:blip>
+          <a:stretch>
+            <a:fillRect/>
+          </a:stretch>
+        </p:blipFill>
         <p:spPr>
           <a:xfrm>
-            <a:off x="395536" y="332656"/>
-            <a:ext cx="8291264" cy="5793507"/>
-          </a:xfrm>
-        </p:spPr>
-        <p:txBody>
-          <a:bodyPr/>
-          <a:lstStyle/>
-          <a:p>
-            <a:endParaRPr lang="en-IN" dirty="0" smtClean="0"/>
-          </a:p>
-          <a:p>
-            <a:endParaRPr lang="en-IN" dirty="0"/>
-          </a:p>
-          <a:p>
-            <a:r>
-              <a:rPr lang="en-IN" dirty="0" smtClean="0"/>
-              <a:t>Pattern:</a:t>
-            </a:r>
-          </a:p>
-          <a:p>
-            <a:pPr marL="971550" lvl="1" indent="-571500">
-              <a:buFont typeface="+mj-lt"/>
-              <a:buAutoNum type="romanUcPeriod"/>
-            </a:pPr>
-            <a:r>
-              <a:rPr lang="en-IN" sz="2000" dirty="0" smtClean="0"/>
-              <a:t>  keyword – Letters</a:t>
-            </a:r>
-          </a:p>
-          <a:p>
-            <a:pPr marL="971550" lvl="1" indent="-571500">
-              <a:buFont typeface="+mj-lt"/>
-              <a:buAutoNum type="romanUcPeriod"/>
-            </a:pPr>
-            <a:r>
-              <a:rPr lang="en-IN" sz="2000" dirty="0" smtClean="0"/>
-              <a:t>  Identifier – Alphanumeric</a:t>
-            </a:r>
-          </a:p>
-          <a:p>
-            <a:pPr marL="971550" lvl="1" indent="-571500">
-              <a:buFont typeface="+mj-lt"/>
-              <a:buAutoNum type="romanUcPeriod"/>
-            </a:pPr>
-            <a:r>
-              <a:rPr lang="en-IN" sz="2000" dirty="0" smtClean="0"/>
-              <a:t>  Separators – array of predefined symbol</a:t>
-            </a:r>
-          </a:p>
-          <a:p>
-            <a:pPr marL="971550" lvl="1" indent="-571500">
-              <a:buFont typeface="+mj-lt"/>
-              <a:buAutoNum type="romanUcPeriod"/>
-            </a:pPr>
-            <a:r>
-              <a:rPr lang="en-IN" sz="2000" dirty="0"/>
-              <a:t> </a:t>
-            </a:r>
-            <a:r>
-              <a:rPr lang="en-IN" sz="2000" dirty="0" smtClean="0"/>
-              <a:t> operators – array of predefined symbol</a:t>
-            </a:r>
-            <a:r>
-              <a:rPr lang="en-IN" dirty="0" smtClean="0"/>
-              <a:t>.</a:t>
-            </a:r>
-          </a:p>
-          <a:p>
-            <a:pPr marL="971550" lvl="1" indent="-571500">
-              <a:buFont typeface="+mj-lt"/>
-              <a:buAutoNum type="romanUcPeriod"/>
-            </a:pPr>
-            <a:endParaRPr lang="en-IN" dirty="0" smtClean="0"/>
-          </a:p>
-          <a:p>
-            <a:pPr marL="857250" lvl="1" indent="-457200">
-              <a:buFont typeface="Arial" pitchFamily="34" charset="0"/>
-              <a:buChar char="•"/>
-            </a:pPr>
-            <a:r>
-              <a:rPr lang="en-IN" sz="2000" dirty="0" err="1" smtClean="0"/>
-              <a:t>Avg</a:t>
-            </a:r>
-            <a:r>
-              <a:rPr lang="en-IN" sz="2000" dirty="0" smtClean="0"/>
-              <a:t> = (probability of observation + probability of pattern)/2</a:t>
-            </a:r>
-          </a:p>
-          <a:p>
-            <a:pPr marL="857250" lvl="1" indent="-457200">
-              <a:buFont typeface="Arial" pitchFamily="34" charset="0"/>
-              <a:buChar char="•"/>
-            </a:pPr>
-            <a:endParaRPr lang="en-IN" sz="2000" dirty="0"/>
-          </a:p>
-          <a:p>
-            <a:pPr marL="857250" lvl="1" indent="-457200">
-              <a:buFont typeface="Arial" pitchFamily="34" charset="0"/>
-              <a:buChar char="•"/>
-            </a:pPr>
-            <a:r>
-              <a:rPr lang="en-IN" sz="2000" dirty="0" err="1" smtClean="0"/>
-              <a:t>Avg</a:t>
-            </a:r>
-            <a:r>
-              <a:rPr lang="en-IN" sz="2000" dirty="0" smtClean="0"/>
-              <a:t> &gt; 0.5 decides that type of token.</a:t>
-            </a:r>
-          </a:p>
-        </p:txBody>
-      </p:sp>
+            <a:off x="229075" y="1052736"/>
+            <a:ext cx="8871481" cy="5328592"/>
+          </a:xfrm>
+        </p:spPr>
+      </p:pic>
       <p:sp>
         <p:nvSpPr>
           <p:cNvPr id="4" name="Slide Number Placeholder 3"/>
@@ -8891,7 +8983,7 @@
     </p:spTree>
     <p:extLst>
       <p:ext uri="{BB962C8B-B14F-4D97-AF65-F5344CB8AC3E}">
-        <p14:creationId xmlns:p14="http://schemas.microsoft.com/office/powerpoint/2010/main" val="3941575085"/>
+        <p14:creationId xmlns:p14="http://schemas.microsoft.com/office/powerpoint/2010/main" val="4120323366"/>
       </p:ext>
     </p:extLst>
   </p:cSld>
@@ -8938,7 +9030,7 @@
         <p:spPr>
           <a:xfrm>
             <a:off x="457200" y="0"/>
-            <a:ext cx="7571184" cy="908720"/>
+            <a:ext cx="7283152" cy="1124744"/>
           </a:xfrm>
         </p:spPr>
         <p:txBody>
@@ -8946,10 +9038,10 @@
           <a:lstStyle/>
           <a:p>
             <a:r>
-              <a:rPr lang="en-IN" sz="4800" dirty="0" smtClean="0"/>
-              <a:t>Sequence diagram</a:t>
-            </a:r>
-            <a:endParaRPr lang="en-IN" sz="4800" dirty="0"/>
+              <a:rPr lang="en-IN" dirty="0" smtClean="0"/>
+              <a:t>Result</a:t>
+            </a:r>
+            <a:endParaRPr lang="en-IN" dirty="0"/>
           </a:p>
         </p:txBody>
       </p:sp>
@@ -8977,8 +9069,8 @@
         </p:blipFill>
         <p:spPr>
           <a:xfrm>
-            <a:off x="229075" y="1052736"/>
-            <a:ext cx="8871481" cy="5328592"/>
+            <a:off x="468313" y="1569298"/>
+            <a:ext cx="8218487" cy="4329005"/>
           </a:xfrm>
         </p:spPr>
       </p:pic>
@@ -9008,7 +9100,7 @@
     </p:spTree>
     <p:extLst>
       <p:ext uri="{BB962C8B-B14F-4D97-AF65-F5344CB8AC3E}">
-        <p14:creationId xmlns:p14="http://schemas.microsoft.com/office/powerpoint/2010/main" val="4120323366"/>
+        <p14:creationId xmlns:p14="http://schemas.microsoft.com/office/powerpoint/2010/main" val="2435519816"/>
       </p:ext>
     </p:extLst>
   </p:cSld>
@@ -9052,19 +9144,14 @@
             <p:ph type="title"/>
           </p:nvPr>
         </p:nvSpPr>
-        <p:spPr>
-          <a:xfrm>
-            <a:off x="457200" y="0"/>
-            <a:ext cx="7283152" cy="1124744"/>
-          </a:xfrm>
-        </p:spPr>
+        <p:spPr/>
         <p:txBody>
           <a:bodyPr/>
           <a:lstStyle/>
           <a:p>
             <a:r>
               <a:rPr lang="en-IN" dirty="0" smtClean="0"/>
-              <a:t>Result</a:t>
+              <a:t>Web version</a:t>
             </a:r>
             <a:endParaRPr lang="en-IN" dirty="0"/>
           </a:p>
@@ -9094,8 +9181,8 @@
         </p:blipFill>
         <p:spPr>
           <a:xfrm>
-            <a:off x="468313" y="1569298"/>
-            <a:ext cx="8218487" cy="4329005"/>
+            <a:off x="1470154" y="1446612"/>
+            <a:ext cx="6414213" cy="4679552"/>
           </a:xfrm>
         </p:spPr>
       </p:pic>
@@ -9125,7 +9212,7 @@
     </p:spTree>
     <p:extLst>
       <p:ext uri="{BB962C8B-B14F-4D97-AF65-F5344CB8AC3E}">
-        <p14:creationId xmlns:p14="http://schemas.microsoft.com/office/powerpoint/2010/main" val="2435519816"/>
+        <p14:creationId xmlns:p14="http://schemas.microsoft.com/office/powerpoint/2010/main" val="252296502"/>
       </p:ext>
     </p:extLst>
   </p:cSld>
@@ -9161,58 +9248,6 @@
       </p:grpSpPr>
       <p:sp>
         <p:nvSpPr>
-          <p:cNvPr id="2" name="Title 1"/>
-          <p:cNvSpPr>
-            <a:spLocks noGrp="1"/>
-          </p:cNvSpPr>
-          <p:nvPr>
-            <p:ph type="title"/>
-          </p:nvPr>
-        </p:nvSpPr>
-        <p:spPr/>
-        <p:txBody>
-          <a:bodyPr/>
-          <a:lstStyle/>
-          <a:p>
-            <a:r>
-              <a:rPr lang="en-IN" dirty="0" smtClean="0"/>
-              <a:t>Web version</a:t>
-            </a:r>
-            <a:endParaRPr lang="en-IN" dirty="0"/>
-          </a:p>
-        </p:txBody>
-      </p:sp>
-      <p:pic>
-        <p:nvPicPr>
-          <p:cNvPr id="5" name="Content Placeholder 4"/>
-          <p:cNvPicPr>
-            <a:picLocks noGrp="1" noChangeAspect="1"/>
-          </p:cNvPicPr>
-          <p:nvPr>
-            <p:ph idx="1"/>
-          </p:nvPr>
-        </p:nvPicPr>
-        <p:blipFill>
-          <a:blip r:embed="rId2">
-            <a:extLst>
-              <a:ext uri="{28A0092B-C50C-407E-A947-70E740481C1C}">
-                <a14:useLocalDpi xmlns:a14="http://schemas.microsoft.com/office/drawing/2010/main" val="0"/>
-              </a:ext>
-            </a:extLst>
-          </a:blip>
-          <a:stretch>
-            <a:fillRect/>
-          </a:stretch>
-        </p:blipFill>
-        <p:spPr>
-          <a:xfrm>
-            <a:off x="1470154" y="1446612"/>
-            <a:ext cx="6414213" cy="4679552"/>
-          </a:xfrm>
-        </p:spPr>
-      </p:pic>
-      <p:sp>
-        <p:nvSpPr>
           <p:cNvPr id="4" name="Slide Number Placeholder 3"/>
           <p:cNvSpPr>
             <a:spLocks noGrp="1"/>
@@ -9234,23 +9269,244 @@
           </a:p>
         </p:txBody>
       </p:sp>
+      <p:sp>
+        <p:nvSpPr>
+          <p:cNvPr id="5" name="Rectangle 4"/>
+          <p:cNvSpPr/>
+          <p:nvPr/>
+        </p:nvSpPr>
+        <p:spPr>
+          <a:xfrm>
+            <a:off x="899592" y="3140968"/>
+            <a:ext cx="2520280" cy="360040"/>
+          </a:xfrm>
+          <a:prstGeom prst="rect">
+            <a:avLst/>
+          </a:prstGeom>
+          <a:solidFill>
+            <a:schemeClr val="accent1">
+              <a:lumMod val="20000"/>
+              <a:lumOff val="80000"/>
+            </a:schemeClr>
+          </a:solidFill>
+        </p:spPr>
+        <p:style>
+          <a:lnRef idx="2">
+            <a:schemeClr val="accent1">
+              <a:shade val="50000"/>
+            </a:schemeClr>
+          </a:lnRef>
+          <a:fillRef idx="1">
+            <a:schemeClr val="accent1"/>
+          </a:fillRef>
+          <a:effectRef idx="0">
+            <a:schemeClr val="accent1"/>
+          </a:effectRef>
+          <a:fontRef idx="minor">
+            <a:schemeClr val="lt1"/>
+          </a:fontRef>
+        </p:style>
+        <p:txBody>
+          <a:bodyPr rtlCol="0" anchor="ctr"/>
+          <a:lstStyle/>
+          <a:p>
+            <a:pPr algn="ctr"/>
+            <a:endParaRPr lang="en-IN"/>
+          </a:p>
+        </p:txBody>
+      </p:sp>
+      <p:sp>
+        <p:nvSpPr>
+          <p:cNvPr id="6" name="Rectangle 5"/>
+          <p:cNvSpPr/>
+          <p:nvPr/>
+        </p:nvSpPr>
+        <p:spPr>
+          <a:xfrm>
+            <a:off x="3203848" y="3140968"/>
+            <a:ext cx="2520280" cy="360040"/>
+          </a:xfrm>
+          <a:prstGeom prst="rect">
+            <a:avLst/>
+          </a:prstGeom>
+          <a:solidFill>
+            <a:schemeClr val="accent1">
+              <a:lumMod val="20000"/>
+              <a:lumOff val="80000"/>
+            </a:schemeClr>
+          </a:solidFill>
+        </p:spPr>
+        <p:style>
+          <a:lnRef idx="2">
+            <a:schemeClr val="accent1">
+              <a:shade val="50000"/>
+            </a:schemeClr>
+          </a:lnRef>
+          <a:fillRef idx="1">
+            <a:schemeClr val="accent1"/>
+          </a:fillRef>
+          <a:effectRef idx="0">
+            <a:schemeClr val="accent1"/>
+          </a:effectRef>
+          <a:fontRef idx="minor">
+            <a:schemeClr val="lt1"/>
+          </a:fontRef>
+        </p:style>
+        <p:txBody>
+          <a:bodyPr rtlCol="0" anchor="ctr"/>
+          <a:lstStyle/>
+          <a:p>
+            <a:pPr algn="ctr"/>
+            <a:endParaRPr lang="en-IN"/>
+          </a:p>
+        </p:txBody>
+      </p:sp>
+      <p:sp>
+        <p:nvSpPr>
+          <p:cNvPr id="7" name="Rectangle 6"/>
+          <p:cNvSpPr/>
+          <p:nvPr/>
+        </p:nvSpPr>
+        <p:spPr>
+          <a:xfrm>
+            <a:off x="5724128" y="3140968"/>
+            <a:ext cx="2520280" cy="360040"/>
+          </a:xfrm>
+          <a:prstGeom prst="rect">
+            <a:avLst/>
+          </a:prstGeom>
+          <a:solidFill>
+            <a:srgbClr val="C00000"/>
+          </a:solidFill>
+        </p:spPr>
+        <p:style>
+          <a:lnRef idx="2">
+            <a:schemeClr val="accent1">
+              <a:shade val="50000"/>
+            </a:schemeClr>
+          </a:lnRef>
+          <a:fillRef idx="1">
+            <a:schemeClr val="accent1"/>
+          </a:fillRef>
+          <a:effectRef idx="0">
+            <a:schemeClr val="accent1"/>
+          </a:effectRef>
+          <a:fontRef idx="minor">
+            <a:schemeClr val="lt1"/>
+          </a:fontRef>
+        </p:style>
+        <p:txBody>
+          <a:bodyPr rtlCol="0" anchor="ctr"/>
+          <a:lstStyle/>
+          <a:p>
+            <a:pPr algn="ctr"/>
+            <a:endParaRPr lang="en-IN"/>
+          </a:p>
+        </p:txBody>
+      </p:sp>
+      <p:sp>
+        <p:nvSpPr>
+          <p:cNvPr id="8" name="TextBox 7"/>
+          <p:cNvSpPr txBox="1"/>
+          <p:nvPr/>
+        </p:nvSpPr>
+        <p:spPr>
+          <a:xfrm>
+            <a:off x="899592" y="2636912"/>
+            <a:ext cx="2232248" cy="369332"/>
+          </a:xfrm>
+          <a:prstGeom prst="rect">
+            <a:avLst/>
+          </a:prstGeom>
+          <a:noFill/>
+        </p:spPr>
+        <p:txBody>
+          <a:bodyPr wrap="square" rtlCol="0">
+            <a:spAutoFit/>
+          </a:bodyPr>
+          <a:lstStyle/>
+          <a:p>
+            <a:r>
+              <a:rPr lang="en-IN" dirty="0" smtClean="0"/>
+              <a:t>Introduction</a:t>
+            </a:r>
+            <a:endParaRPr lang="en-IN" dirty="0"/>
+          </a:p>
+        </p:txBody>
+      </p:sp>
+      <p:sp>
+        <p:nvSpPr>
+          <p:cNvPr id="9" name="TextBox 8"/>
+          <p:cNvSpPr txBox="1"/>
+          <p:nvPr/>
+        </p:nvSpPr>
+        <p:spPr>
+          <a:xfrm>
+            <a:off x="5868144" y="2627620"/>
+            <a:ext cx="2232248" cy="369332"/>
+          </a:xfrm>
+          <a:prstGeom prst="rect">
+            <a:avLst/>
+          </a:prstGeom>
+          <a:noFill/>
+        </p:spPr>
+        <p:txBody>
+          <a:bodyPr wrap="square" rtlCol="0">
+            <a:spAutoFit/>
+          </a:bodyPr>
+          <a:lstStyle/>
+          <a:p>
+            <a:r>
+              <a:rPr lang="en-IN" dirty="0" smtClean="0"/>
+              <a:t>Summary</a:t>
+            </a:r>
+            <a:endParaRPr lang="en-IN" dirty="0"/>
+          </a:p>
+        </p:txBody>
+      </p:sp>
+      <p:sp>
+        <p:nvSpPr>
+          <p:cNvPr id="10" name="TextBox 9"/>
+          <p:cNvSpPr txBox="1"/>
+          <p:nvPr/>
+        </p:nvSpPr>
+        <p:spPr>
+          <a:xfrm>
+            <a:off x="3261825" y="2316640"/>
+            <a:ext cx="2232248" cy="646331"/>
+          </a:xfrm>
+          <a:prstGeom prst="rect">
+            <a:avLst/>
+          </a:prstGeom>
+          <a:noFill/>
+        </p:spPr>
+        <p:txBody>
+          <a:bodyPr wrap="square" rtlCol="0">
+            <a:spAutoFit/>
+          </a:bodyPr>
+          <a:lstStyle/>
+          <a:p>
+            <a:r>
+              <a:rPr lang="en-IN" dirty="0" smtClean="0"/>
+              <a:t>Task performed </a:t>
+            </a:r>
+            <a:r>
+              <a:rPr lang="en-IN" dirty="0"/>
+              <a:t>and accomplishments</a:t>
+            </a:r>
+          </a:p>
+        </p:txBody>
+      </p:sp>
     </p:spTree>
     <p:extLst>
       <p:ext uri="{BB962C8B-B14F-4D97-AF65-F5344CB8AC3E}">
-        <p14:creationId xmlns:p14="http://schemas.microsoft.com/office/powerpoint/2010/main" val="252296502"/>
+        <p14:creationId xmlns:p14="http://schemas.microsoft.com/office/powerpoint/2010/main" val="2857672860"/>
       </p:ext>
     </p:extLst>
   </p:cSld>
   <p:clrMapOvr>
     <a:masterClrMapping/>
   </p:clrMapOvr>
-  <p:timing>
-    <p:tnLst>
-      <p:par>
-        <p:cTn id="1" dur="indefinite" restart="never" nodeType="tmRoot"/>
-      </p:par>
-    </p:tnLst>
-  </p:timing>
 </p:sld>
 </file>
 
@@ -9273,6 +9529,129 @@
       </p:grpSpPr>
       <p:sp>
         <p:nvSpPr>
+          <p:cNvPr id="2" name="Title 1"/>
+          <p:cNvSpPr>
+            <a:spLocks noGrp="1"/>
+          </p:cNvSpPr>
+          <p:nvPr>
+            <p:ph type="title"/>
+          </p:nvPr>
+        </p:nvSpPr>
+        <p:spPr>
+          <a:xfrm>
+            <a:off x="457200" y="0"/>
+            <a:ext cx="7499176" cy="836712"/>
+          </a:xfrm>
+        </p:spPr>
+        <p:txBody>
+          <a:bodyPr/>
+          <a:lstStyle/>
+          <a:p>
+            <a:r>
+              <a:rPr lang="en-IN" sz="4800" dirty="0" smtClean="0"/>
+              <a:t>Future Work</a:t>
+            </a:r>
+            <a:endParaRPr lang="en-IN" sz="4800" dirty="0"/>
+          </a:p>
+        </p:txBody>
+      </p:sp>
+      <p:sp>
+        <p:nvSpPr>
+          <p:cNvPr id="3" name="Content Placeholder 2"/>
+          <p:cNvSpPr>
+            <a:spLocks noGrp="1"/>
+          </p:cNvSpPr>
+          <p:nvPr>
+            <p:ph idx="1"/>
+          </p:nvPr>
+        </p:nvSpPr>
+        <p:spPr>
+          <a:xfrm>
+            <a:off x="323528" y="908720"/>
+            <a:ext cx="8363272" cy="5217443"/>
+          </a:xfrm>
+        </p:spPr>
+        <p:txBody>
+          <a:bodyPr>
+            <a:normAutofit lnSpcReduction="10000"/>
+          </a:bodyPr>
+          <a:lstStyle/>
+          <a:p>
+            <a:endParaRPr lang="en-IN" dirty="0" smtClean="0"/>
+          </a:p>
+          <a:p>
+            <a:endParaRPr lang="en-IN" dirty="0" smtClean="0"/>
+          </a:p>
+          <a:p>
+            <a:endParaRPr lang="en-IN" dirty="0" smtClean="0"/>
+          </a:p>
+          <a:p>
+            <a:endParaRPr lang="en-IN" dirty="0"/>
+          </a:p>
+          <a:p>
+            <a:r>
+              <a:rPr lang="en-IN" dirty="0" smtClean="0"/>
+              <a:t>Increase the accuracy of the transpiler.</a:t>
+            </a:r>
+          </a:p>
+          <a:p>
+            <a:endParaRPr lang="en-IN" dirty="0"/>
+          </a:p>
+          <a:p>
+            <a:r>
+              <a:rPr lang="en-IN" dirty="0" smtClean="0"/>
+              <a:t>Make it more robust by adding grammar for newer version</a:t>
+            </a:r>
+            <a:r>
+              <a:rPr lang="en-IN" dirty="0"/>
+              <a:t>. </a:t>
+            </a:r>
+            <a:endParaRPr lang="en-IN" dirty="0" smtClean="0"/>
+          </a:p>
+          <a:p>
+            <a:endParaRPr lang="en-IN" dirty="0"/>
+          </a:p>
+          <a:p>
+            <a:r>
+              <a:rPr lang="en-IN" dirty="0" smtClean="0"/>
+              <a:t>Using string similarity </a:t>
+            </a:r>
+            <a:r>
+              <a:rPr lang="en-IN" dirty="0" smtClean="0"/>
+              <a:t>algorithm( </a:t>
+            </a:r>
+            <a:r>
+              <a:rPr lang="en-IN" dirty="0" err="1" smtClean="0"/>
+              <a:t>LikeJaro</a:t>
+            </a:r>
+            <a:r>
+              <a:rPr lang="en-IN" dirty="0" smtClean="0"/>
+              <a:t>–</a:t>
+            </a:r>
+            <a:r>
+              <a:rPr lang="en-IN" dirty="0" err="1" smtClean="0"/>
+              <a:t>Winkler_distance</a:t>
+            </a:r>
+            <a:r>
+              <a:rPr lang="en-IN" dirty="0" smtClean="0"/>
+              <a:t>) to extract the tokens from respective frameworks grammar files.</a:t>
+            </a:r>
+            <a:endParaRPr lang="en-IN" dirty="0"/>
+          </a:p>
+          <a:p>
+            <a:pPr marL="0" indent="0">
+              <a:buNone/>
+            </a:pPr>
+            <a:r>
+              <a:rPr lang="en-IN" dirty="0" smtClean="0"/>
+              <a:t>.</a:t>
+            </a:r>
+            <a:endParaRPr lang="en-IN" dirty="0"/>
+          </a:p>
+        </p:txBody>
+      </p:sp>
+      <p:sp>
+        <p:nvSpPr>
           <p:cNvPr id="4" name="Slide Number Placeholder 3"/>
           <p:cNvSpPr>
             <a:spLocks noGrp="1"/>
@@ -9294,244 +9673,53 @@
           </a:p>
         </p:txBody>
       </p:sp>
-      <p:sp>
-        <p:nvSpPr>
-          <p:cNvPr id="5" name="Rectangle 4"/>
-          <p:cNvSpPr/>
+      <p:pic>
+        <p:nvPicPr>
+          <p:cNvPr id="6" name="Picture 5"/>
+          <p:cNvPicPr>
+            <a:picLocks noChangeAspect="1"/>
+          </p:cNvPicPr>
           <p:nvPr/>
-        </p:nvSpPr>
+        </p:nvPicPr>
+        <p:blipFill>
+          <a:blip r:embed="rId2">
+            <a:extLst>
+              <a:ext uri="{28A0092B-C50C-407E-A947-70E740481C1C}">
+                <a14:useLocalDpi xmlns:a14="http://schemas.microsoft.com/office/drawing/2010/main" val="0"/>
+              </a:ext>
+            </a:extLst>
+          </a:blip>
+          <a:stretch>
+            <a:fillRect/>
+          </a:stretch>
+        </p:blipFill>
         <p:spPr>
           <a:xfrm>
-            <a:off x="899592" y="3140968"/>
-            <a:ext cx="2520280" cy="360040"/>
+            <a:off x="539553" y="1098441"/>
+            <a:ext cx="1368152" cy="1368152"/>
           </a:xfrm>
           <a:prstGeom prst="rect">
             <a:avLst/>
           </a:prstGeom>
-          <a:solidFill>
-            <a:schemeClr val="accent1">
-              <a:lumMod val="20000"/>
-              <a:lumOff val="80000"/>
-            </a:schemeClr>
-          </a:solidFill>
-        </p:spPr>
-        <p:style>
-          <a:lnRef idx="2">
-            <a:schemeClr val="accent1">
-              <a:shade val="50000"/>
-            </a:schemeClr>
-          </a:lnRef>
-          <a:fillRef idx="1">
-            <a:schemeClr val="accent1"/>
-          </a:fillRef>
-          <a:effectRef idx="0">
-            <a:schemeClr val="accent1"/>
-          </a:effectRef>
-          <a:fontRef idx="minor">
-            <a:schemeClr val="lt1"/>
-          </a:fontRef>
-        </p:style>
-        <p:txBody>
-          <a:bodyPr rtlCol="0" anchor="ctr"/>
-          <a:lstStyle/>
-          <a:p>
-            <a:pPr algn="ctr"/>
-            <a:endParaRPr lang="en-IN"/>
-          </a:p>
-        </p:txBody>
-      </p:sp>
-      <p:sp>
-        <p:nvSpPr>
-          <p:cNvPr id="6" name="Rectangle 5"/>
-          <p:cNvSpPr/>
-          <p:nvPr/>
-        </p:nvSpPr>
-        <p:spPr>
-          <a:xfrm>
-            <a:off x="3203848" y="3140968"/>
-            <a:ext cx="2520280" cy="360040"/>
-          </a:xfrm>
-          <a:prstGeom prst="rect">
-            <a:avLst/>
-          </a:prstGeom>
-          <a:solidFill>
-            <a:schemeClr val="accent1">
-              <a:lumMod val="20000"/>
-              <a:lumOff val="80000"/>
-            </a:schemeClr>
-          </a:solidFill>
-        </p:spPr>
-        <p:style>
-          <a:lnRef idx="2">
-            <a:schemeClr val="accent1">
-              <a:shade val="50000"/>
-            </a:schemeClr>
-          </a:lnRef>
-          <a:fillRef idx="1">
-            <a:schemeClr val="accent1"/>
-          </a:fillRef>
-          <a:effectRef idx="0">
-            <a:schemeClr val="accent1"/>
-          </a:effectRef>
-          <a:fontRef idx="minor">
-            <a:schemeClr val="lt1"/>
-          </a:fontRef>
-        </p:style>
-        <p:txBody>
-          <a:bodyPr rtlCol="0" anchor="ctr"/>
-          <a:lstStyle/>
-          <a:p>
-            <a:pPr algn="ctr"/>
-            <a:endParaRPr lang="en-IN"/>
-          </a:p>
-        </p:txBody>
-      </p:sp>
-      <p:sp>
-        <p:nvSpPr>
-          <p:cNvPr id="7" name="Rectangle 6"/>
-          <p:cNvSpPr/>
-          <p:nvPr/>
-        </p:nvSpPr>
-        <p:spPr>
-          <a:xfrm>
-            <a:off x="5724128" y="3140968"/>
-            <a:ext cx="2520280" cy="360040"/>
-          </a:xfrm>
-          <a:prstGeom prst="rect">
-            <a:avLst/>
-          </a:prstGeom>
-          <a:solidFill>
-            <a:srgbClr val="C00000"/>
-          </a:solidFill>
-        </p:spPr>
-        <p:style>
-          <a:lnRef idx="2">
-            <a:schemeClr val="accent1">
-              <a:shade val="50000"/>
-            </a:schemeClr>
-          </a:lnRef>
-          <a:fillRef idx="1">
-            <a:schemeClr val="accent1"/>
-          </a:fillRef>
-          <a:effectRef idx="0">
-            <a:schemeClr val="accent1"/>
-          </a:effectRef>
-          <a:fontRef idx="minor">
-            <a:schemeClr val="lt1"/>
-          </a:fontRef>
-        </p:style>
-        <p:txBody>
-          <a:bodyPr rtlCol="0" anchor="ctr"/>
-          <a:lstStyle/>
-          <a:p>
-            <a:pPr algn="ctr"/>
-            <a:endParaRPr lang="en-IN"/>
-          </a:p>
-        </p:txBody>
-      </p:sp>
-      <p:sp>
-        <p:nvSpPr>
-          <p:cNvPr id="8" name="TextBox 7"/>
-          <p:cNvSpPr txBox="1"/>
-          <p:nvPr/>
-        </p:nvSpPr>
-        <p:spPr>
-          <a:xfrm>
-            <a:off x="899592" y="2636912"/>
-            <a:ext cx="2232248" cy="369332"/>
-          </a:xfrm>
-          <a:prstGeom prst="rect">
-            <a:avLst/>
-          </a:prstGeom>
-          <a:noFill/>
-        </p:spPr>
-        <p:txBody>
-          <a:bodyPr wrap="square" rtlCol="0">
-            <a:spAutoFit/>
-          </a:bodyPr>
-          <a:lstStyle/>
-          <a:p>
-            <a:r>
-              <a:rPr lang="en-IN" dirty="0" smtClean="0"/>
-              <a:t>Introduction</a:t>
-            </a:r>
-            <a:endParaRPr lang="en-IN" dirty="0"/>
-          </a:p>
-        </p:txBody>
-      </p:sp>
-      <p:sp>
-        <p:nvSpPr>
-          <p:cNvPr id="9" name="TextBox 8"/>
-          <p:cNvSpPr txBox="1"/>
-          <p:nvPr/>
-        </p:nvSpPr>
-        <p:spPr>
-          <a:xfrm>
-            <a:off x="5868144" y="2627620"/>
-            <a:ext cx="2232248" cy="369332"/>
-          </a:xfrm>
-          <a:prstGeom prst="rect">
-            <a:avLst/>
-          </a:prstGeom>
-          <a:noFill/>
-        </p:spPr>
-        <p:txBody>
-          <a:bodyPr wrap="square" rtlCol="0">
-            <a:spAutoFit/>
-          </a:bodyPr>
-          <a:lstStyle/>
-          <a:p>
-            <a:r>
-              <a:rPr lang="en-IN" dirty="0" smtClean="0"/>
-              <a:t>Summary</a:t>
-            </a:r>
-            <a:endParaRPr lang="en-IN" dirty="0"/>
-          </a:p>
-        </p:txBody>
-      </p:sp>
-      <p:sp>
-        <p:nvSpPr>
-          <p:cNvPr id="10" name="TextBox 9"/>
-          <p:cNvSpPr txBox="1"/>
-          <p:nvPr/>
-        </p:nvSpPr>
-        <p:spPr>
-          <a:xfrm>
-            <a:off x="3261825" y="2316640"/>
-            <a:ext cx="2232248" cy="646331"/>
-          </a:xfrm>
-          <a:prstGeom prst="rect">
-            <a:avLst/>
-          </a:prstGeom>
-          <a:noFill/>
-        </p:spPr>
-        <p:txBody>
-          <a:bodyPr wrap="square" rtlCol="0">
-            <a:spAutoFit/>
-          </a:bodyPr>
-          <a:lstStyle/>
-          <a:p>
-            <a:r>
-              <a:rPr lang="en-IN" dirty="0" smtClean="0"/>
-              <a:t>Task performed </a:t>
-            </a:r>
-            <a:r>
-              <a:rPr lang="en-IN" dirty="0"/>
-              <a:t>and accomplishments</a:t>
-            </a:r>
-          </a:p>
-        </p:txBody>
-      </p:sp>
+        </p:spPr>
+      </p:pic>
     </p:spTree>
     <p:extLst>
       <p:ext uri="{BB962C8B-B14F-4D97-AF65-F5344CB8AC3E}">
-        <p14:creationId xmlns:p14="http://schemas.microsoft.com/office/powerpoint/2010/main" val="2857672860"/>
+        <p14:creationId xmlns:p14="http://schemas.microsoft.com/office/powerpoint/2010/main" val="1992098803"/>
       </p:ext>
     </p:extLst>
   </p:cSld>
   <p:clrMapOvr>
     <a:masterClrMapping/>
   </p:clrMapOvr>
+  <p:timing>
+    <p:tnLst>
+      <p:par>
+        <p:cTn id="1" dur="indefinite" restart="never" nodeType="tmRoot"/>
+      </p:par>
+    </p:tnLst>
+  </p:timing>
 </p:sld>
 </file>
 
@@ -9565,7 +9753,7 @@
         <p:spPr>
           <a:xfrm>
             <a:off x="457200" y="0"/>
-            <a:ext cx="7499176" cy="836712"/>
+            <a:ext cx="7211144" cy="980728"/>
           </a:xfrm>
         </p:spPr>
         <p:txBody>
@@ -9574,7 +9762,7 @@
           <a:p>
             <a:r>
               <a:rPr lang="en-IN" sz="4800" dirty="0" smtClean="0"/>
-              <a:t>Future Work</a:t>
+              <a:t>Conclusion</a:t>
             </a:r>
             <a:endParaRPr lang="en-IN" sz="4800" dirty="0"/>
           </a:p>
@@ -9592,69 +9780,125 @@
         </p:nvSpPr>
         <p:spPr>
           <a:xfrm>
-            <a:off x="323528" y="908720"/>
-            <a:ext cx="8363272" cy="5217443"/>
-          </a:xfrm>
-        </p:spPr>
-        <p:txBody>
-          <a:bodyPr/>
-          <a:lstStyle/>
-          <a:p>
+            <a:off x="395536" y="1052736"/>
+            <a:ext cx="8424936" cy="5184576"/>
+          </a:xfrm>
+        </p:spPr>
+        <p:txBody>
+          <a:bodyPr>
+            <a:normAutofit/>
+          </a:bodyPr>
+          <a:lstStyle/>
+          <a:p>
+            <a:pPr marL="0" indent="0">
+              <a:buNone/>
+            </a:pPr>
+            <a:r>
+              <a:rPr lang="en-IN" dirty="0" smtClean="0"/>
+              <a:t>+ What I did</a:t>
+            </a:r>
+          </a:p>
+          <a:p>
+            <a:pPr marL="0" indent="0">
+              <a:buNone/>
+            </a:pPr>
+            <a:r>
+              <a:rPr lang="en-IN" dirty="0"/>
+              <a:t> </a:t>
+            </a:r>
+            <a:r>
+              <a:rPr lang="en-IN" dirty="0" smtClean="0"/>
+              <a:t>   - evaluation of different approaches  for porting.</a:t>
+            </a:r>
+          </a:p>
+          <a:p>
+            <a:pPr marL="0" indent="0">
+              <a:buNone/>
+            </a:pPr>
+            <a:r>
+              <a:rPr lang="en-IN" dirty="0"/>
+              <a:t> </a:t>
+            </a:r>
+            <a:r>
+              <a:rPr lang="en-IN" dirty="0" smtClean="0"/>
+              <a:t>   - compare there feasibility.</a:t>
+            </a:r>
+          </a:p>
+          <a:p>
+            <a:pPr marL="0" indent="0">
+              <a:buNone/>
+            </a:pPr>
+            <a:r>
+              <a:rPr lang="en-IN" dirty="0"/>
+              <a:t> </a:t>
+            </a:r>
+            <a:r>
+              <a:rPr lang="en-IN" dirty="0" smtClean="0"/>
+              <a:t>   - coding a new transpiler for porting cocos2d-x </a:t>
+            </a:r>
+            <a:r>
+              <a:rPr lang="en-IN" dirty="0" smtClean="0"/>
+              <a:t>C++</a:t>
+            </a:r>
             <a:endParaRPr lang="en-IN" dirty="0" smtClean="0"/>
           </a:p>
           <a:p>
+            <a:pPr marL="0" indent="0">
+              <a:buNone/>
+            </a:pPr>
+            <a:r>
+              <a:rPr lang="en-IN" dirty="0"/>
+              <a:t> </a:t>
+            </a:r>
+            <a:r>
+              <a:rPr lang="en-IN" dirty="0" smtClean="0"/>
+              <a:t>      to cocos2d-JS.</a:t>
+            </a:r>
+          </a:p>
+          <a:p>
+            <a:pPr marL="0" indent="0">
+              <a:buNone/>
+            </a:pPr>
             <a:endParaRPr lang="en-IN" dirty="0" smtClean="0"/>
           </a:p>
           <a:p>
+            <a:pPr marL="0" indent="0">
+              <a:buNone/>
+            </a:pPr>
+            <a:endParaRPr lang="en-IN" dirty="0"/>
+          </a:p>
+          <a:p>
+            <a:pPr marL="0" indent="0">
+              <a:buNone/>
+            </a:pPr>
+            <a:r>
+              <a:rPr lang="en-IN" dirty="0" smtClean="0"/>
+              <a:t>+ What I achieved</a:t>
+            </a:r>
+          </a:p>
+          <a:p>
+            <a:pPr marL="0" indent="0">
+              <a:buNone/>
+            </a:pPr>
+            <a:r>
+              <a:rPr lang="en-IN" dirty="0"/>
+              <a:t> </a:t>
+            </a:r>
+            <a:r>
+              <a:rPr lang="en-IN" dirty="0" smtClean="0"/>
+              <a:t>   - successfully  trans complied the cocos2d-x C++ 	code to cocos2d-JS.</a:t>
+            </a:r>
+          </a:p>
+          <a:p>
+            <a:pPr marL="0" indent="0">
+              <a:buNone/>
+            </a:pPr>
             <a:endParaRPr lang="en-IN" dirty="0" smtClean="0"/>
           </a:p>
           <a:p>
-            <a:endParaRPr lang="en-IN" dirty="0"/>
-          </a:p>
-          <a:p>
-            <a:r>
-              <a:rPr lang="en-IN" dirty="0" smtClean="0"/>
-              <a:t>Increase the accuracy of the transpiler.</a:t>
-            </a:r>
-          </a:p>
-          <a:p>
-            <a:endParaRPr lang="en-IN" dirty="0"/>
-          </a:p>
-          <a:p>
-            <a:r>
-              <a:rPr lang="en-IN" dirty="0" smtClean="0"/>
-              <a:t>Make it more robust by adding grammar for newer version</a:t>
-            </a:r>
-            <a:r>
-              <a:rPr lang="en-IN" dirty="0"/>
-              <a:t>. </a:t>
-            </a:r>
-            <a:r>
-              <a:rPr lang="en-IN" dirty="0" err="1"/>
-              <a:t>Jaro</a:t>
-            </a:r>
-            <a:r>
-              <a:rPr lang="en-IN" dirty="0"/>
-              <a:t>–</a:t>
-            </a:r>
-            <a:r>
-              <a:rPr lang="en-IN" dirty="0" err="1"/>
-              <a:t>Winkler_distance</a:t>
-            </a:r>
-            <a:endParaRPr lang="en-IN" dirty="0" smtClean="0"/>
-          </a:p>
-          <a:p>
-            <a:endParaRPr lang="en-IN" dirty="0"/>
-          </a:p>
-          <a:p>
-            <a:r>
-              <a:rPr lang="en-IN" dirty="0" smtClean="0"/>
-              <a:t>Using string similarity </a:t>
-            </a:r>
-            <a:r>
-              <a:rPr lang="en-IN" smtClean="0"/>
-              <a:t>alogorithm.</a:t>
-            </a:r>
+            <a:pPr marL="0" indent="0">
+              <a:buNone/>
+            </a:pPr>
             <a:endParaRPr lang="en-IN" dirty="0"/>
           </a:p>
         </p:txBody>
@@ -9682,40 +9926,10 @@
           </a:p>
         </p:txBody>
       </p:sp>
-      <p:pic>
-        <p:nvPicPr>
-          <p:cNvPr id="6" name="Picture 5"/>
-          <p:cNvPicPr>
-            <a:picLocks noChangeAspect="1"/>
-          </p:cNvPicPr>
-          <p:nvPr/>
-        </p:nvPicPr>
-        <p:blipFill>
-          <a:blip r:embed="rId2">
-            <a:extLst>
-              <a:ext uri="{28A0092B-C50C-407E-A947-70E740481C1C}">
-                <a14:useLocalDpi xmlns:a14="http://schemas.microsoft.com/office/drawing/2010/main" val="0"/>
-              </a:ext>
-            </a:extLst>
-          </a:blip>
-          <a:stretch>
-            <a:fillRect/>
-          </a:stretch>
-        </p:blipFill>
-        <p:spPr>
-          <a:xfrm>
-            <a:off x="539553" y="1098441"/>
-            <a:ext cx="1368152" cy="1368152"/>
-          </a:xfrm>
-          <a:prstGeom prst="rect">
-            <a:avLst/>
-          </a:prstGeom>
-        </p:spPr>
-      </p:pic>
     </p:spTree>
     <p:extLst>
       <p:ext uri="{BB962C8B-B14F-4D97-AF65-F5344CB8AC3E}">
-        <p14:creationId xmlns:p14="http://schemas.microsoft.com/office/powerpoint/2010/main" val="1992098803"/>
+        <p14:creationId xmlns:p14="http://schemas.microsoft.com/office/powerpoint/2010/main" val="718063367"/>
       </p:ext>
     </p:extLst>
   </p:cSld>
@@ -9751,6 +9965,117 @@
       </p:grpSpPr>
       <p:sp>
         <p:nvSpPr>
+          <p:cNvPr id="2" name="Title 1"/>
+          <p:cNvSpPr>
+            <a:spLocks noGrp="1"/>
+          </p:cNvSpPr>
+          <p:nvPr>
+            <p:ph type="title"/>
+          </p:nvPr>
+        </p:nvSpPr>
+        <p:spPr>
+          <a:xfrm>
+            <a:off x="457200" y="0"/>
+            <a:ext cx="8075240" cy="980728"/>
+          </a:xfrm>
+        </p:spPr>
+        <p:txBody>
+          <a:bodyPr/>
+          <a:lstStyle/>
+          <a:p>
+            <a:r>
+              <a:rPr lang="en-IN" dirty="0" smtClean="0"/>
+              <a:t>Agenda Continued..</a:t>
+            </a:r>
+            <a:endParaRPr lang="en-IN" dirty="0"/>
+          </a:p>
+        </p:txBody>
+      </p:sp>
+      <p:sp>
+        <p:nvSpPr>
+          <p:cNvPr id="3" name="Content Placeholder 2"/>
+          <p:cNvSpPr>
+            <a:spLocks noGrp="1"/>
+          </p:cNvSpPr>
+          <p:nvPr>
+            <p:ph idx="1"/>
+          </p:nvPr>
+        </p:nvSpPr>
+        <p:spPr>
+          <a:xfrm>
+            <a:off x="467544" y="1484784"/>
+            <a:ext cx="8352928" cy="4032448"/>
+          </a:xfrm>
+        </p:spPr>
+        <p:txBody>
+          <a:bodyPr/>
+          <a:lstStyle/>
+          <a:p>
+            <a:pPr marL="0" indent="0">
+              <a:buNone/>
+            </a:pPr>
+            <a:r>
+              <a:rPr lang="en-IN" dirty="0"/>
+              <a:t> Title                                                                </a:t>
+            </a:r>
+            <a:r>
+              <a:rPr lang="en-IN" dirty="0" smtClean="0"/>
+              <a:t>Page number</a:t>
+            </a:r>
+          </a:p>
+          <a:p>
+            <a:pPr marL="0" indent="0">
+              <a:buNone/>
+            </a:pPr>
+            <a:endParaRPr lang="en-IN" dirty="0" smtClean="0"/>
+          </a:p>
+          <a:p>
+            <a:pPr marL="0" indent="0">
+              <a:buNone/>
+            </a:pPr>
+            <a:r>
+              <a:rPr lang="en-IN" dirty="0" smtClean="0"/>
+              <a:t>18. Result  …………………………………………36</a:t>
+            </a:r>
+            <a:endParaRPr lang="en-IN" dirty="0"/>
+          </a:p>
+          <a:p>
+            <a:pPr marL="0" indent="0">
+              <a:buNone/>
+            </a:pPr>
+            <a:r>
+              <a:rPr lang="en-IN" dirty="0" smtClean="0"/>
+              <a:t>19. Web version  …………………………………37</a:t>
+            </a:r>
+            <a:endParaRPr lang="en-IN" dirty="0"/>
+          </a:p>
+          <a:p>
+            <a:pPr marL="0" indent="0">
+              <a:buNone/>
+            </a:pPr>
+            <a:r>
+              <a:rPr lang="en-IN" dirty="0" smtClean="0"/>
+              <a:t>20. Future Work …………………………………..39</a:t>
+            </a:r>
+            <a:endParaRPr lang="en-IN" dirty="0"/>
+          </a:p>
+          <a:p>
+            <a:pPr marL="0" indent="0">
+              <a:buNone/>
+            </a:pPr>
+            <a:r>
+              <a:rPr lang="en-IN" dirty="0" smtClean="0"/>
+              <a:t>21. Conclusion…………………………………….40-41</a:t>
+            </a:r>
+            <a:endParaRPr lang="en-IN" dirty="0"/>
+          </a:p>
+          <a:p>
+            <a:endParaRPr lang="en-IN" dirty="0"/>
+          </a:p>
+        </p:txBody>
+      </p:sp>
+      <p:sp>
+        <p:nvSpPr>
           <p:cNvPr id="4" name="Slide Number Placeholder 3"/>
           <p:cNvSpPr>
             <a:spLocks noGrp="1"/>
@@ -9772,312 +10097,10 @@
           </a:p>
         </p:txBody>
       </p:sp>
-      <p:sp>
-        <p:nvSpPr>
-          <p:cNvPr id="8" name="Title 1"/>
-          <p:cNvSpPr>
-            <a:spLocks noGrp="1"/>
-          </p:cNvSpPr>
-          <p:nvPr>
-            <p:ph type="title"/>
-          </p:nvPr>
-        </p:nvSpPr>
-        <p:spPr>
-          <a:xfrm>
-            <a:off x="1196008" y="152400"/>
-            <a:ext cx="6696744" cy="980728"/>
-          </a:xfrm>
-        </p:spPr>
-        <p:txBody>
-          <a:bodyPr/>
-          <a:lstStyle/>
-          <a:p>
-            <a:r>
-              <a:rPr lang="en-IN" sz="4800" dirty="0" smtClean="0"/>
-              <a:t>Agenda continued…</a:t>
-            </a:r>
-            <a:endParaRPr lang="en-IN" sz="4800" dirty="0"/>
-          </a:p>
-        </p:txBody>
-      </p:sp>
-      <p:sp>
-        <p:nvSpPr>
-          <p:cNvPr id="9" name="Content Placeholder 2"/>
-          <p:cNvSpPr>
-            <a:spLocks noGrp="1"/>
-          </p:cNvSpPr>
-          <p:nvPr>
-            <p:ph idx="1"/>
-          </p:nvPr>
-        </p:nvSpPr>
-        <p:spPr>
-          <a:xfrm>
-            <a:off x="619944" y="1205136"/>
-            <a:ext cx="8219256" cy="5073427"/>
-          </a:xfrm>
-        </p:spPr>
-        <p:txBody>
-          <a:bodyPr/>
-          <a:lstStyle/>
-          <a:p>
-            <a:pPr marL="0" indent="0">
-              <a:buNone/>
-            </a:pPr>
-            <a:r>
-              <a:rPr lang="en-IN" dirty="0" smtClean="0"/>
-              <a:t>      Title                                                       Page Number</a:t>
-            </a:r>
-          </a:p>
-          <a:p>
-            <a:pPr marL="0" indent="0">
-              <a:buNone/>
-            </a:pPr>
-            <a:endParaRPr lang="en-IN" dirty="0"/>
-          </a:p>
-          <a:p>
-            <a:pPr marL="0" indent="0">
-              <a:buNone/>
-            </a:pPr>
-            <a:r>
-              <a:rPr lang="en-IN" dirty="0"/>
-              <a:t>13. </a:t>
-            </a:r>
-            <a:r>
-              <a:rPr lang="en-IN" dirty="0" smtClean="0"/>
-              <a:t>Comparative </a:t>
-            </a:r>
-            <a:r>
-              <a:rPr lang="en-IN" dirty="0"/>
-              <a:t>approach ………………………..  23</a:t>
-            </a:r>
-          </a:p>
-          <a:p>
-            <a:pPr marL="0" indent="0">
-              <a:buNone/>
-            </a:pPr>
-            <a:r>
-              <a:rPr lang="en-IN" dirty="0" smtClean="0"/>
-              <a:t>      13.1 Automatic generation of code ………...   23</a:t>
-            </a:r>
-          </a:p>
-          <a:p>
-            <a:pPr marL="0" indent="0">
-              <a:buNone/>
-            </a:pPr>
-            <a:r>
-              <a:rPr lang="en-IN" dirty="0"/>
-              <a:t> </a:t>
-            </a:r>
-            <a:r>
-              <a:rPr lang="en-IN" dirty="0" smtClean="0"/>
-              <a:t>     13.2 web browser support……………………...   24</a:t>
-            </a:r>
-          </a:p>
-          <a:p>
-            <a:pPr marL="0" indent="0">
-              <a:buNone/>
-            </a:pPr>
-            <a:r>
-              <a:rPr lang="en-IN" dirty="0"/>
-              <a:t> </a:t>
-            </a:r>
-            <a:r>
-              <a:rPr lang="en-IN" dirty="0" smtClean="0"/>
-              <a:t>     13.3 Portability  ………………............................   25</a:t>
-            </a:r>
-          </a:p>
-          <a:p>
-            <a:pPr marL="0" indent="0">
-              <a:buNone/>
-            </a:pPr>
-            <a:r>
-              <a:rPr lang="en-IN" dirty="0"/>
-              <a:t> </a:t>
-            </a:r>
-            <a:r>
-              <a:rPr lang="en-IN" dirty="0" smtClean="0"/>
-              <a:t>     13.4 security   ……………… ..……………………  26</a:t>
-            </a:r>
-          </a:p>
-          <a:p>
-            <a:pPr marL="0" indent="0">
-              <a:buNone/>
-            </a:pPr>
-            <a:r>
-              <a:rPr lang="en-IN" dirty="0"/>
-              <a:t> </a:t>
-            </a:r>
-            <a:r>
-              <a:rPr lang="en-IN" dirty="0" smtClean="0"/>
-              <a:t>     13.5 Performance………………………………...  27</a:t>
-            </a:r>
-          </a:p>
-          <a:p>
-            <a:pPr marL="0" indent="0">
-              <a:buNone/>
-            </a:pPr>
-            <a:r>
-              <a:rPr lang="en-IN" dirty="0" smtClean="0"/>
-              <a:t>14. Future work …………….. …………………..........  29</a:t>
-            </a:r>
-          </a:p>
-          <a:p>
-            <a:pPr marL="0" indent="0">
-              <a:buNone/>
-            </a:pPr>
-            <a:r>
-              <a:rPr lang="en-IN" dirty="0" smtClean="0"/>
-              <a:t>15. Conclusion ………………………………………...  30</a:t>
-            </a:r>
-          </a:p>
-          <a:p>
-            <a:pPr marL="0" indent="0">
-              <a:buNone/>
-            </a:pPr>
-            <a:r>
-              <a:rPr lang="en-IN" dirty="0" smtClean="0"/>
-              <a:t>16. References ………………………………… .......... 32</a:t>
-            </a:r>
-          </a:p>
-          <a:p>
-            <a:pPr marL="0" indent="0">
-              <a:buNone/>
-            </a:pPr>
-            <a:endParaRPr lang="en-IN" dirty="0"/>
-          </a:p>
-        </p:txBody>
-      </p:sp>
-      <p:sp>
-        <p:nvSpPr>
-          <p:cNvPr id="10" name="Slide Number Placeholder 3"/>
-          <p:cNvSpPr txBox="1">
-            <a:spLocks/>
-          </p:cNvSpPr>
-          <p:nvPr/>
-        </p:nvSpPr>
-        <p:spPr>
-          <a:xfrm>
-            <a:off x="8695678" y="6508750"/>
-            <a:ext cx="561975" cy="365125"/>
-          </a:xfrm>
-          <a:prstGeom prst="rect">
-            <a:avLst/>
-          </a:prstGeom>
-        </p:spPr>
-        <p:txBody>
-          <a:bodyPr vert="horz" lIns="27432" tIns="45720" rIns="45720" bIns="45720" rtlCol="0" anchor="ctr"/>
-          <a:lstStyle>
-            <a:defPPr>
-              <a:defRPr lang="en-US"/>
-            </a:defPPr>
-            <a:lvl1pPr marL="0" algn="l" defTabSz="914400" rtl="0" eaLnBrk="1" latinLnBrk="0" hangingPunct="1">
-              <a:defRPr sz="1200" kern="1200">
-                <a:solidFill>
-                  <a:schemeClr val="tx1">
-                    <a:lumMod val="65000"/>
-                    <a:lumOff val="35000"/>
-                  </a:schemeClr>
-                </a:solidFill>
-                <a:latin typeface="Century Gothic" pitchFamily="34" charset="0"/>
-                <a:ea typeface="+mn-ea"/>
-                <a:cs typeface="+mn-cs"/>
-              </a:defRPr>
-            </a:lvl1pPr>
-            <a:lvl2pPr marL="457200" algn="l" defTabSz="914400" rtl="0" eaLnBrk="1" latinLnBrk="0" hangingPunct="1">
-              <a:defRPr sz="1800" kern="1200">
-                <a:solidFill>
-                  <a:schemeClr val="tx1"/>
-                </a:solidFill>
-                <a:latin typeface="+mn-lt"/>
-                <a:ea typeface="+mn-ea"/>
-                <a:cs typeface="+mn-cs"/>
-              </a:defRPr>
-            </a:lvl2pPr>
-            <a:lvl3pPr marL="914400" algn="l" defTabSz="914400" rtl="0" eaLnBrk="1" latinLnBrk="0" hangingPunct="1">
-              <a:defRPr sz="1800" kern="1200">
-                <a:solidFill>
-                  <a:schemeClr val="tx1"/>
-                </a:solidFill>
-                <a:latin typeface="+mn-lt"/>
-                <a:ea typeface="+mn-ea"/>
-                <a:cs typeface="+mn-cs"/>
-              </a:defRPr>
-            </a:lvl3pPr>
-            <a:lvl4pPr marL="1371600" algn="l" defTabSz="914400" rtl="0" eaLnBrk="1" latinLnBrk="0" hangingPunct="1">
-              <a:defRPr sz="1800" kern="1200">
-                <a:solidFill>
-                  <a:schemeClr val="tx1"/>
-                </a:solidFill>
-                <a:latin typeface="+mn-lt"/>
-                <a:ea typeface="+mn-ea"/>
-                <a:cs typeface="+mn-cs"/>
-              </a:defRPr>
-            </a:lvl4pPr>
-            <a:lvl5pPr marL="1828800" algn="l" defTabSz="914400" rtl="0" eaLnBrk="1" latinLnBrk="0" hangingPunct="1">
-              <a:defRPr sz="1800" kern="1200">
-                <a:solidFill>
-                  <a:schemeClr val="tx1"/>
-                </a:solidFill>
-                <a:latin typeface="+mn-lt"/>
-                <a:ea typeface="+mn-ea"/>
-                <a:cs typeface="+mn-cs"/>
-              </a:defRPr>
-            </a:lvl5pPr>
-            <a:lvl6pPr marL="2286000" algn="l" defTabSz="914400" rtl="0" eaLnBrk="1" latinLnBrk="0" hangingPunct="1">
-              <a:defRPr sz="1800" kern="1200">
-                <a:solidFill>
-                  <a:schemeClr val="tx1"/>
-                </a:solidFill>
-                <a:latin typeface="+mn-lt"/>
-                <a:ea typeface="+mn-ea"/>
-                <a:cs typeface="+mn-cs"/>
-              </a:defRPr>
-            </a:lvl6pPr>
-            <a:lvl7pPr marL="2743200" algn="l" defTabSz="914400" rtl="0" eaLnBrk="1" latinLnBrk="0" hangingPunct="1">
-              <a:defRPr sz="1800" kern="1200">
-                <a:solidFill>
-                  <a:schemeClr val="tx1"/>
-                </a:solidFill>
-                <a:latin typeface="+mn-lt"/>
-                <a:ea typeface="+mn-ea"/>
-                <a:cs typeface="+mn-cs"/>
-              </a:defRPr>
-            </a:lvl7pPr>
-            <a:lvl8pPr marL="3200400" algn="l" defTabSz="914400" rtl="0" eaLnBrk="1" latinLnBrk="0" hangingPunct="1">
-              <a:defRPr sz="1800" kern="1200">
-                <a:solidFill>
-                  <a:schemeClr val="tx1"/>
-                </a:solidFill>
-                <a:latin typeface="+mn-lt"/>
-                <a:ea typeface="+mn-ea"/>
-                <a:cs typeface="+mn-cs"/>
-              </a:defRPr>
-            </a:lvl8pPr>
-            <a:lvl9pPr marL="3657600" algn="l" defTabSz="914400" rtl="0" eaLnBrk="1" latinLnBrk="0" hangingPunct="1">
-              <a:defRPr sz="1800" kern="1200">
-                <a:solidFill>
-                  <a:schemeClr val="tx1"/>
-                </a:solidFill>
-                <a:latin typeface="+mn-lt"/>
-                <a:ea typeface="+mn-ea"/>
-                <a:cs typeface="+mn-cs"/>
-              </a:defRPr>
-            </a:lvl9pPr>
-          </a:lstStyle>
-          <a:p>
-            <a:fld id="{7CDCE0BC-118A-470A-A533-6AA16EA2F65F}" type="slidenum">
-              <a:rPr lang="en-IN" smtClean="0"/>
-              <a:pPr/>
-              <a:t>4</a:t>
-            </a:fld>
-            <a:endParaRPr lang="en-IN"/>
-          </a:p>
-        </p:txBody>
-      </p:sp>
     </p:spTree>
     <p:extLst>
       <p:ext uri="{BB962C8B-B14F-4D97-AF65-F5344CB8AC3E}">
-        <p14:creationId xmlns:p14="http://schemas.microsoft.com/office/powerpoint/2010/main" val="2398123506"/>
+        <p14:creationId xmlns:p14="http://schemas.microsoft.com/office/powerpoint/2010/main" val="616853059"/>
       </p:ext>
     </p:extLst>
   </p:cSld>
@@ -10113,60 +10136,38 @@
       </p:grpSpPr>
       <p:sp>
         <p:nvSpPr>
-          <p:cNvPr id="2" name="Title 1"/>
-          <p:cNvSpPr>
-            <a:spLocks noGrp="1"/>
-          </p:cNvSpPr>
-          <p:nvPr>
-            <p:ph type="title"/>
+          <p:cNvPr id="3" name="Content Placeholder 2"/>
+          <p:cNvSpPr>
+            <a:spLocks noGrp="1"/>
+          </p:cNvSpPr>
+          <p:nvPr>
+            <p:ph idx="1"/>
           </p:nvPr>
         </p:nvSpPr>
         <p:spPr>
           <a:xfrm>
-            <a:off x="457200" y="0"/>
-            <a:ext cx="7211144" cy="980728"/>
-          </a:xfrm>
-        </p:spPr>
-        <p:txBody>
-          <a:bodyPr/>
-          <a:lstStyle/>
-          <a:p>
-            <a:r>
-              <a:rPr lang="en-IN" sz="4800" dirty="0" smtClean="0"/>
-              <a:t>Conclusion</a:t>
-            </a:r>
-            <a:endParaRPr lang="en-IN" sz="4800" dirty="0"/>
-          </a:p>
-        </p:txBody>
-      </p:sp>
-      <p:sp>
-        <p:nvSpPr>
-          <p:cNvPr id="3" name="Content Placeholder 2"/>
-          <p:cNvSpPr>
-            <a:spLocks noGrp="1"/>
-          </p:cNvSpPr>
-          <p:nvPr>
-            <p:ph idx="1"/>
-          </p:nvPr>
-        </p:nvSpPr>
-        <p:spPr>
-          <a:xfrm>
-            <a:off x="395536" y="1052736"/>
-            <a:ext cx="8424936" cy="5184576"/>
+            <a:off x="467544" y="548680"/>
+            <a:ext cx="8064896" cy="5544616"/>
           </a:xfrm>
         </p:spPr>
         <p:txBody>
           <a:bodyPr>
-            <a:normAutofit/>
+            <a:normAutofit lnSpcReduction="10000"/>
           </a:bodyPr>
           <a:lstStyle/>
           <a:p>
             <a:pPr marL="0" indent="0">
               <a:buNone/>
             </a:pPr>
-            <a:r>
-              <a:rPr lang="en-IN" dirty="0" smtClean="0"/>
-              <a:t>+ What I did</a:t>
+            <a:endParaRPr lang="en-IN" dirty="0" smtClean="0"/>
+          </a:p>
+          <a:p>
+            <a:pPr marL="0" indent="0">
+              <a:buNone/>
+            </a:pPr>
+            <a:r>
+              <a:rPr lang="en-IN" dirty="0" smtClean="0"/>
+              <a:t>+ Ambitions and expectation</a:t>
             </a:r>
           </a:p>
           <a:p>
@@ -10179,7 +10180,7 @@
             </a:r>
             <a:r>
               <a:rPr lang="en-IN" dirty="0" smtClean="0"/>
-              <a:t>   - evaluation of different approaches  for porting.</a:t>
+              <a:t>   - To trans compile the code with 95-100%</a:t>
             </a:r>
           </a:p>
           <a:p>
@@ -10192,7 +10193,26 @@
             </a:r>
             <a:r>
               <a:rPr lang="en-IN" dirty="0" smtClean="0"/>
-              <a:t>   - compare there feasibility.</a:t>
+              <a:t>      </a:t>
+            </a:r>
+            <a:r>
+              <a:rPr lang="en-IN" dirty="0"/>
+              <a:t>accuracy.</a:t>
+            </a:r>
+          </a:p>
+          <a:p>
+            <a:pPr marL="0" indent="0">
+              <a:buNone/>
+            </a:pPr>
+            <a:endParaRPr lang="en-IN" dirty="0" smtClean="0"/>
+          </a:p>
+          <a:p>
+            <a:pPr marL="0" indent="0">
+              <a:buNone/>
+            </a:pPr>
+            <a:r>
+              <a:rPr lang="en-IN" dirty="0" smtClean="0"/>
+              <a:t>+ Limitation</a:t>
             </a:r>
           </a:p>
           <a:p>
@@ -10205,7 +10225,7 @@
             </a:r>
             <a:r>
               <a:rPr lang="en-IN" dirty="0" smtClean="0"/>
-              <a:t>   - coding a new transpiler for porting cocos2d-x c++</a:t>
+              <a:t>   - The difference in coding style of both the  	</a:t>
             </a:r>
           </a:p>
           <a:p>
@@ -10218,53 +10238,84 @@
             </a:r>
             <a:r>
               <a:rPr lang="en-IN" dirty="0" smtClean="0"/>
-              <a:t>      to cocos2d-JS.</a:t>
-            </a:r>
+              <a:t>      </a:t>
+            </a:r>
+            <a:r>
+              <a:rPr lang="en-IN" dirty="0"/>
+              <a:t>languages  leads to some </a:t>
+            </a:r>
+            <a:r>
+              <a:rPr lang="en-IN" dirty="0" smtClean="0"/>
+              <a:t>limitation.</a:t>
+            </a:r>
+            <a:endParaRPr lang="en-IN" dirty="0"/>
           </a:p>
           <a:p>
             <a:pPr marL="0" indent="0">
               <a:buNone/>
             </a:pPr>
-            <a:endParaRPr lang="en-IN" dirty="0" smtClean="0"/>
+            <a:endParaRPr lang="en-IN" dirty="0"/>
           </a:p>
           <a:p>
             <a:pPr marL="0" indent="0">
               <a:buNone/>
             </a:pPr>
+            <a:r>
+              <a:rPr lang="en-IN" dirty="0"/>
+              <a:t>+ What I Learned</a:t>
+            </a:r>
+          </a:p>
+          <a:p>
+            <a:pPr marL="0" indent="0">
+              <a:buNone/>
+            </a:pPr>
+            <a:r>
+              <a:rPr lang="en-IN" dirty="0"/>
+              <a:t>    - How the compiler and </a:t>
+            </a:r>
+            <a:r>
+              <a:rPr lang="en-IN" dirty="0" err="1"/>
+              <a:t>transpiler</a:t>
+            </a:r>
+            <a:r>
+              <a:rPr lang="en-IN" dirty="0"/>
+              <a:t> works.</a:t>
+            </a:r>
+          </a:p>
+          <a:p>
+            <a:pPr marL="0" indent="0">
+              <a:buNone/>
+            </a:pPr>
+            <a:r>
+              <a:rPr lang="en-IN" dirty="0"/>
+              <a:t>    - challenges involved in </a:t>
+            </a:r>
+            <a:r>
+              <a:rPr lang="en-IN" dirty="0" smtClean="0"/>
+              <a:t>trans piling </a:t>
+            </a:r>
+            <a:r>
+              <a:rPr lang="en-IN" dirty="0"/>
+              <a:t>and how </a:t>
+            </a:r>
+          </a:p>
+          <a:p>
+            <a:pPr marL="0" indent="0">
+              <a:buNone/>
+            </a:pPr>
+            <a:r>
+              <a:rPr lang="en-IN" dirty="0" smtClean="0"/>
+              <a:t>      to solve them.</a:t>
+            </a:r>
             <a:endParaRPr lang="en-IN" dirty="0"/>
           </a:p>
           <a:p>
             <a:pPr marL="0" indent="0">
               <a:buNone/>
             </a:pPr>
-            <a:r>
-              <a:rPr lang="en-IN" dirty="0" smtClean="0"/>
-              <a:t>+ What I achieved</a:t>
-            </a:r>
-          </a:p>
-          <a:p>
-            <a:pPr marL="0" indent="0">
-              <a:buNone/>
-            </a:pPr>
-            <a:r>
-              <a:rPr lang="en-IN" dirty="0"/>
-              <a:t> </a:t>
-            </a:r>
-            <a:r>
-              <a:rPr lang="en-IN" dirty="0" smtClean="0"/>
-              <a:t>   - successfully  trans complied the cocos2d-x C++ 	code to cocos2d-JS.</a:t>
-            </a:r>
-          </a:p>
-          <a:p>
-            <a:pPr marL="0" indent="0">
-              <a:buNone/>
-            </a:pPr>
-            <a:endParaRPr lang="en-IN" dirty="0" smtClean="0"/>
-          </a:p>
-          <a:p>
-            <a:pPr marL="0" indent="0">
-              <a:buNone/>
-            </a:pPr>
+            <a:endParaRPr lang="en-IN" dirty="0"/>
+          </a:p>
+          <a:p>
             <a:endParaRPr lang="en-IN" dirty="0"/>
           </a:p>
         </p:txBody>
@@ -10295,7 +10346,7 @@
     </p:spTree>
     <p:extLst>
       <p:ext uri="{BB962C8B-B14F-4D97-AF65-F5344CB8AC3E}">
-        <p14:creationId xmlns:p14="http://schemas.microsoft.com/office/powerpoint/2010/main" val="718063367"/>
+        <p14:creationId xmlns:p14="http://schemas.microsoft.com/office/powerpoint/2010/main" val="1520164951"/>
       </p:ext>
     </p:extLst>
   </p:cSld>
@@ -10329,247 +10380,6 @@
           <a:chExt cx="0" cy="0"/>
         </a:xfrm>
       </p:grpSpPr>
-      <p:sp>
-        <p:nvSpPr>
-          <p:cNvPr id="3" name="Content Placeholder 2"/>
-          <p:cNvSpPr>
-            <a:spLocks noGrp="1"/>
-          </p:cNvSpPr>
-          <p:nvPr>
-            <p:ph idx="1"/>
-          </p:nvPr>
-        </p:nvSpPr>
-        <p:spPr>
-          <a:xfrm>
-            <a:off x="467544" y="548680"/>
-            <a:ext cx="8064896" cy="5544616"/>
-          </a:xfrm>
-        </p:spPr>
-        <p:txBody>
-          <a:bodyPr>
-            <a:normAutofit lnSpcReduction="10000"/>
-          </a:bodyPr>
-          <a:lstStyle/>
-          <a:p>
-            <a:pPr marL="0" indent="0">
-              <a:buNone/>
-            </a:pPr>
-            <a:endParaRPr lang="en-IN" dirty="0" smtClean="0"/>
-          </a:p>
-          <a:p>
-            <a:pPr marL="0" indent="0">
-              <a:buNone/>
-            </a:pPr>
-            <a:r>
-              <a:rPr lang="en-IN" dirty="0" smtClean="0"/>
-              <a:t>+ Ambitions and expectation</a:t>
-            </a:r>
-          </a:p>
-          <a:p>
-            <a:pPr marL="0" indent="0">
-              <a:buNone/>
-            </a:pPr>
-            <a:r>
-              <a:rPr lang="en-IN" dirty="0"/>
-              <a:t> </a:t>
-            </a:r>
-            <a:r>
-              <a:rPr lang="en-IN" dirty="0" smtClean="0"/>
-              <a:t>   - To trans compile the code with 95-100%</a:t>
-            </a:r>
-          </a:p>
-          <a:p>
-            <a:pPr marL="0" indent="0">
-              <a:buNone/>
-            </a:pPr>
-            <a:r>
-              <a:rPr lang="en-IN" dirty="0"/>
-              <a:t> </a:t>
-            </a:r>
-            <a:r>
-              <a:rPr lang="en-IN" dirty="0" smtClean="0"/>
-              <a:t>      </a:t>
-            </a:r>
-            <a:r>
-              <a:rPr lang="en-IN" dirty="0"/>
-              <a:t>accuracy.</a:t>
-            </a:r>
-          </a:p>
-          <a:p>
-            <a:pPr marL="0" indent="0">
-              <a:buNone/>
-            </a:pPr>
-            <a:endParaRPr lang="en-IN" dirty="0" smtClean="0"/>
-          </a:p>
-          <a:p>
-            <a:pPr marL="0" indent="0">
-              <a:buNone/>
-            </a:pPr>
-            <a:r>
-              <a:rPr lang="en-IN" dirty="0" smtClean="0"/>
-              <a:t>+ Limitation</a:t>
-            </a:r>
-          </a:p>
-          <a:p>
-            <a:pPr marL="0" indent="0">
-              <a:buNone/>
-            </a:pPr>
-            <a:r>
-              <a:rPr lang="en-IN" dirty="0"/>
-              <a:t> </a:t>
-            </a:r>
-            <a:r>
-              <a:rPr lang="en-IN" dirty="0" smtClean="0"/>
-              <a:t>   - The difference in coding style of both the  	</a:t>
-            </a:r>
-          </a:p>
-          <a:p>
-            <a:pPr marL="0" indent="0">
-              <a:buNone/>
-            </a:pPr>
-            <a:r>
-              <a:rPr lang="en-IN" dirty="0"/>
-              <a:t> </a:t>
-            </a:r>
-            <a:r>
-              <a:rPr lang="en-IN" dirty="0" smtClean="0"/>
-              <a:t>      </a:t>
-            </a:r>
-            <a:r>
-              <a:rPr lang="en-IN" dirty="0"/>
-              <a:t>languages  leads to some limitation</a:t>
-            </a:r>
-          </a:p>
-          <a:p>
-            <a:pPr marL="0" indent="0">
-              <a:buNone/>
-            </a:pPr>
-            <a:endParaRPr lang="en-IN" dirty="0"/>
-          </a:p>
-          <a:p>
-            <a:pPr marL="0" indent="0">
-              <a:buNone/>
-            </a:pPr>
-            <a:r>
-              <a:rPr lang="en-IN" dirty="0"/>
-              <a:t>+ What I Learned</a:t>
-            </a:r>
-          </a:p>
-          <a:p>
-            <a:pPr marL="0" indent="0">
-              <a:buNone/>
-            </a:pPr>
-            <a:r>
-              <a:rPr lang="en-IN" dirty="0"/>
-              <a:t>    - How the compiler and </a:t>
-            </a:r>
-            <a:r>
-              <a:rPr lang="en-IN" dirty="0" err="1"/>
-              <a:t>transpiler</a:t>
-            </a:r>
-            <a:r>
-              <a:rPr lang="en-IN" dirty="0"/>
-              <a:t> works.</a:t>
-            </a:r>
-          </a:p>
-          <a:p>
-            <a:pPr marL="0" indent="0">
-              <a:buNone/>
-            </a:pPr>
-            <a:r>
-              <a:rPr lang="en-IN" dirty="0"/>
-              <a:t>    - challenges involved in </a:t>
-            </a:r>
-            <a:r>
-              <a:rPr lang="en-IN" dirty="0" smtClean="0"/>
-              <a:t>trans piling </a:t>
-            </a:r>
-            <a:r>
-              <a:rPr lang="en-IN" dirty="0"/>
-              <a:t>and how </a:t>
-            </a:r>
-          </a:p>
-          <a:p>
-            <a:pPr marL="0" indent="0">
-              <a:buNone/>
-            </a:pPr>
-            <a:r>
-              <a:rPr lang="en-IN" dirty="0" smtClean="0"/>
-              <a:t>      to solve them.</a:t>
-            </a:r>
-            <a:endParaRPr lang="en-IN" dirty="0"/>
-          </a:p>
-          <a:p>
-            <a:pPr marL="0" indent="0">
-              <a:buNone/>
-            </a:pPr>
-            <a:endParaRPr lang="en-IN" dirty="0"/>
-          </a:p>
-          <a:p>
-            <a:endParaRPr lang="en-IN" dirty="0"/>
-          </a:p>
-        </p:txBody>
-      </p:sp>
-      <p:sp>
-        <p:nvSpPr>
-          <p:cNvPr id="4" name="Slide Number Placeholder 3"/>
-          <p:cNvSpPr>
-            <a:spLocks noGrp="1"/>
-          </p:cNvSpPr>
-          <p:nvPr>
-            <p:ph type="sldNum" sz="quarter" idx="12"/>
-          </p:nvPr>
-        </p:nvSpPr>
-        <p:spPr/>
-        <p:txBody>
-          <a:bodyPr/>
-          <a:lstStyle/>
-          <a:p>
-            <a:fld id="{7CDCE0BC-118A-470A-A533-6AA16EA2F65F}" type="slidenum">
-              <a:rPr lang="en-IN" smtClean="0"/>
-              <a:t>41</a:t>
-            </a:fld>
-            <a:endParaRPr lang="en-IN"/>
-          </a:p>
-        </p:txBody>
-      </p:sp>
-    </p:spTree>
-    <p:extLst>
-      <p:ext uri="{BB962C8B-B14F-4D97-AF65-F5344CB8AC3E}">
-        <p14:creationId xmlns:p14="http://schemas.microsoft.com/office/powerpoint/2010/main" val="1520164951"/>
-      </p:ext>
-    </p:extLst>
-  </p:cSld>
-  <p:clrMapOvr>
-    <a:masterClrMapping/>
-  </p:clrMapOvr>
-  <p:timing>
-    <p:tnLst>
-      <p:par>
-        <p:cTn id="1" dur="indefinite" restart="never" nodeType="tmRoot"/>
-      </p:par>
-    </p:tnLst>
-  </p:timing>
-</p:sld>
-</file>
-
-<file path=ppt/slides/slide42.xml><?xml version="1.0" encoding="utf-8"?>
-<p:sld xmlns:a="http://schemas.openxmlformats.org/drawingml/2006/main" xmlns:r="http://schemas.openxmlformats.org/officeDocument/2006/relationships" xmlns:p="http://schemas.openxmlformats.org/presentationml/2006/main">
-  <p:cSld>
-    <p:spTree>
-      <p:nvGrpSpPr>
-        <p:cNvPr id="1" name=""/>
-        <p:cNvGrpSpPr/>
-        <p:nvPr/>
-      </p:nvGrpSpPr>
-      <p:grpSpPr>
-        <a:xfrm>
-          <a:off x="0" y="0"/>
-          <a:ext cx="0" cy="0"/>
-          <a:chOff x="0" y="0"/>
-          <a:chExt cx="0" cy="0"/>
-        </a:xfrm>
-      </p:grpSpPr>
       <p:pic>
         <p:nvPicPr>
           <p:cNvPr id="5" name="Content Placeholder 4"/>
@@ -10616,7 +10426,7 @@
           <a:p>
             <a:fld id="{7CDCE0BC-118A-470A-A533-6AA16EA2F65F}" type="slidenum">
               <a:rPr lang="en-IN" smtClean="0"/>
-              <a:t>42</a:t>
+              <a:t>41</a:t>
             </a:fld>
             <a:endParaRPr lang="en-IN"/>
           </a:p>
@@ -11156,7 +10966,15 @@
             </a:r>
             <a:r>
               <a:rPr lang="en-IN" dirty="0" smtClean="0"/>
-              <a:t> - To port cocos2d-c++ application to web browser.</a:t>
+              <a:t> - To port </a:t>
+            </a:r>
+            <a:r>
+              <a:rPr lang="en-IN" dirty="0" smtClean="0"/>
+              <a:t>cocos2d-x C++ </a:t>
+            </a:r>
+            <a:r>
+              <a:rPr lang="en-IN" dirty="0" smtClean="0"/>
+              <a:t>application to web browser.</a:t>
             </a:r>
           </a:p>
           <a:p>
@@ -11186,7 +11004,23 @@
             </a:pPr>
             <a:r>
               <a:rPr lang="en-IN" dirty="0" smtClean="0"/>
-              <a:t>+ People involved</a:t>
+              <a:t>+ </a:t>
+            </a:r>
+            <a:r>
+              <a:rPr lang="en-IN" dirty="0" smtClean="0"/>
+              <a:t>Company, </a:t>
+            </a:r>
+            <a:r>
+              <a:rPr lang="en-IN" dirty="0" smtClean="0"/>
+              <a:t>a</a:t>
+            </a:r>
+            <a:r>
+              <a:rPr lang="en-IN" dirty="0" smtClean="0"/>
+              <a:t>pplication, people </a:t>
+            </a:r>
+            <a:r>
+              <a:rPr lang="en-IN" dirty="0" smtClean="0"/>
+              <a:t>involved</a:t>
             </a:r>
             <a:endParaRPr lang="en-IN" dirty="0"/>
           </a:p>
@@ -11356,12 +11190,8 @@
               <a:t>+ </a:t>
             </a:r>
             <a:r>
-              <a:rPr lang="en-IN" dirty="0" smtClean="0"/>
-              <a:t>People </a:t>
-            </a:r>
-            <a:r>
               <a:rPr lang="en-IN" dirty="0"/>
-              <a:t>involved</a:t>
+              <a:t>Company, application, people involved</a:t>
             </a:r>
           </a:p>
           <a:p>
@@ -11442,7 +11272,7 @@
         <p:spPr>
           <a:xfrm>
             <a:off x="457200" y="0"/>
-            <a:ext cx="7787208" cy="1124744"/>
+            <a:ext cx="7668886" cy="857033"/>
           </a:xfrm>
         </p:spPr>
         <p:txBody>
@@ -11480,38 +11310,855 @@
           </a:p>
         </p:txBody>
       </p:sp>
-      <p:pic>
-        <p:nvPicPr>
-          <p:cNvPr id="5" name="Content Placeholder 4"/>
-          <p:cNvPicPr>
-            <a:picLocks noGrp="1" noChangeAspect="1"/>
-          </p:cNvPicPr>
-          <p:nvPr>
-            <p:ph idx="1"/>
-          </p:nvPr>
-        </p:nvPicPr>
-        <p:blipFill>
-          <a:blip r:embed="rId2">
-            <a:extLst>
-              <a:ext uri="{28A0092B-C50C-407E-A947-70E740481C1C}">
-                <a14:useLocalDpi xmlns:a14="http://schemas.microsoft.com/office/drawing/2010/main" val="0"/>
-              </a:ext>
-            </a:extLst>
-          </a:blip>
-          <a:stretch>
-            <a:fillRect/>
-          </a:stretch>
-        </p:blipFill>
+      <p:sp>
+        <p:nvSpPr>
+          <p:cNvPr id="6" name="Flowchart: Terminator 5"/>
+          <p:cNvSpPr/>
+          <p:nvPr/>
+        </p:nvSpPr>
         <p:spPr>
           <a:xfrm>
-            <a:off x="648228" y="1556792"/>
-            <a:ext cx="7522347" cy="4067201"/>
+            <a:off x="755576" y="4725144"/>
+            <a:ext cx="7848872" cy="144016"/>
+          </a:xfrm>
+          <a:prstGeom prst="flowChartTerminator">
+            <a:avLst/>
+          </a:prstGeom>
+          <a:solidFill>
+            <a:schemeClr val="tx2">
+              <a:lumMod val="40000"/>
+              <a:lumOff val="60000"/>
+            </a:schemeClr>
+          </a:solidFill>
+          <a:effectLst>
+            <a:outerShdw blurRad="304800" dist="165100" dir="6120000" sx="108000" sy="108000" algn="t" rotWithShape="0">
+              <a:prstClr val="black">
+                <a:alpha val="40000"/>
+              </a:prstClr>
+            </a:outerShdw>
+          </a:effectLst>
+        </p:spPr>
+        <p:style>
+          <a:lnRef idx="2">
+            <a:schemeClr val="accent1">
+              <a:shade val="50000"/>
+            </a:schemeClr>
+          </a:lnRef>
+          <a:fillRef idx="1">
+            <a:schemeClr val="accent1"/>
+          </a:fillRef>
+          <a:effectRef idx="0">
+            <a:schemeClr val="accent1"/>
+          </a:effectRef>
+          <a:fontRef idx="minor">
+            <a:schemeClr val="lt1"/>
+          </a:fontRef>
+        </p:style>
+        <p:txBody>
+          <a:bodyPr rtlCol="0" anchor="ctr"/>
+          <a:lstStyle/>
+          <a:p>
+            <a:pPr algn="ctr"/>
+            <a:endParaRPr lang="en-IN"/>
+          </a:p>
+        </p:txBody>
+      </p:sp>
+      <p:cxnSp>
+        <p:nvCxnSpPr>
+          <p:cNvPr id="8" name="Straight Connector 7"/>
+          <p:cNvCxnSpPr/>
+          <p:nvPr/>
+        </p:nvCxnSpPr>
+        <p:spPr>
+          <a:xfrm flipV="1">
+            <a:off x="1331640" y="2780928"/>
+            <a:ext cx="0" cy="1944216"/>
+          </a:xfrm>
+          <a:prstGeom prst="line">
+            <a:avLst/>
+          </a:prstGeom>
+        </p:spPr>
+        <p:style>
+          <a:lnRef idx="1">
+            <a:schemeClr val="accent1"/>
+          </a:lnRef>
+          <a:fillRef idx="0">
+            <a:schemeClr val="accent1"/>
+          </a:fillRef>
+          <a:effectRef idx="0">
+            <a:schemeClr val="accent1"/>
+          </a:effectRef>
+          <a:fontRef idx="minor">
+            <a:schemeClr val="tx1"/>
+          </a:fontRef>
+        </p:style>
+      </p:cxnSp>
+      <p:cxnSp>
+        <p:nvCxnSpPr>
+          <p:cNvPr id="9" name="Straight Connector 8"/>
+          <p:cNvCxnSpPr/>
+          <p:nvPr/>
+        </p:nvCxnSpPr>
+        <p:spPr>
+          <a:xfrm flipV="1">
+            <a:off x="2370627" y="2768614"/>
+            <a:ext cx="0" cy="1944216"/>
+          </a:xfrm>
+          <a:prstGeom prst="line">
+            <a:avLst/>
+          </a:prstGeom>
+        </p:spPr>
+        <p:style>
+          <a:lnRef idx="1">
+            <a:schemeClr val="accent1"/>
+          </a:lnRef>
+          <a:fillRef idx="0">
+            <a:schemeClr val="accent1"/>
+          </a:fillRef>
+          <a:effectRef idx="0">
+            <a:schemeClr val="accent1"/>
+          </a:effectRef>
+          <a:fontRef idx="minor">
+            <a:schemeClr val="tx1"/>
+          </a:fontRef>
+        </p:style>
+      </p:cxnSp>
+      <p:cxnSp>
+        <p:nvCxnSpPr>
+          <p:cNvPr id="10" name="Straight Connector 9"/>
+          <p:cNvCxnSpPr/>
+          <p:nvPr/>
+        </p:nvCxnSpPr>
+        <p:spPr>
+          <a:xfrm flipV="1">
+            <a:off x="3563888" y="2780928"/>
+            <a:ext cx="0" cy="1944216"/>
+          </a:xfrm>
+          <a:prstGeom prst="line">
+            <a:avLst/>
+          </a:prstGeom>
+        </p:spPr>
+        <p:style>
+          <a:lnRef idx="1">
+            <a:schemeClr val="accent1"/>
+          </a:lnRef>
+          <a:fillRef idx="0">
+            <a:schemeClr val="accent1"/>
+          </a:fillRef>
+          <a:effectRef idx="0">
+            <a:schemeClr val="accent1"/>
+          </a:effectRef>
+          <a:fontRef idx="minor">
+            <a:schemeClr val="tx1"/>
+          </a:fontRef>
+        </p:style>
+      </p:cxnSp>
+      <p:cxnSp>
+        <p:nvCxnSpPr>
+          <p:cNvPr id="11" name="Straight Connector 10"/>
+          <p:cNvCxnSpPr/>
+          <p:nvPr/>
+        </p:nvCxnSpPr>
+        <p:spPr>
+          <a:xfrm flipV="1">
+            <a:off x="4684299" y="2780928"/>
+            <a:ext cx="0" cy="1944216"/>
+          </a:xfrm>
+          <a:prstGeom prst="line">
+            <a:avLst/>
+          </a:prstGeom>
+        </p:spPr>
+        <p:style>
+          <a:lnRef idx="1">
+            <a:schemeClr val="accent1"/>
+          </a:lnRef>
+          <a:fillRef idx="0">
+            <a:schemeClr val="accent1"/>
+          </a:fillRef>
+          <a:effectRef idx="0">
+            <a:schemeClr val="accent1"/>
+          </a:effectRef>
+          <a:fontRef idx="minor">
+            <a:schemeClr val="tx1"/>
+          </a:fontRef>
+        </p:style>
+      </p:cxnSp>
+      <p:cxnSp>
+        <p:nvCxnSpPr>
+          <p:cNvPr id="12" name="Straight Connector 11"/>
+          <p:cNvCxnSpPr/>
+          <p:nvPr/>
+        </p:nvCxnSpPr>
+        <p:spPr>
+          <a:xfrm flipV="1">
+            <a:off x="5724128" y="2780928"/>
+            <a:ext cx="0" cy="1944216"/>
+          </a:xfrm>
+          <a:prstGeom prst="line">
+            <a:avLst/>
+          </a:prstGeom>
+        </p:spPr>
+        <p:style>
+          <a:lnRef idx="1">
+            <a:schemeClr val="accent1"/>
+          </a:lnRef>
+          <a:fillRef idx="0">
+            <a:schemeClr val="accent1"/>
+          </a:fillRef>
+          <a:effectRef idx="0">
+            <a:schemeClr val="accent1"/>
+          </a:effectRef>
+          <a:fontRef idx="minor">
+            <a:schemeClr val="tx1"/>
+          </a:fontRef>
+        </p:style>
+      </p:cxnSp>
+      <p:sp>
+        <p:nvSpPr>
+          <p:cNvPr id="14" name="TextBox 13"/>
+          <p:cNvSpPr txBox="1"/>
+          <p:nvPr/>
+        </p:nvSpPr>
+        <p:spPr>
+          <a:xfrm rot="18292889">
+            <a:off x="2146842" y="5444990"/>
+            <a:ext cx="936104" cy="369332"/>
           </a:xfrm>
           <a:prstGeom prst="rect">
             <a:avLst/>
           </a:prstGeom>
-        </p:spPr>
-      </p:pic>
+          <a:noFill/>
+        </p:spPr>
+        <p:txBody>
+          <a:bodyPr wrap="square" rtlCol="0">
+            <a:spAutoFit/>
+          </a:bodyPr>
+          <a:lstStyle/>
+          <a:p>
+            <a:endParaRPr lang="en-IN" dirty="0"/>
+          </a:p>
+        </p:txBody>
+      </p:sp>
+      <p:sp>
+        <p:nvSpPr>
+          <p:cNvPr id="15" name="TextBox 14"/>
+          <p:cNvSpPr txBox="1"/>
+          <p:nvPr/>
+        </p:nvSpPr>
+        <p:spPr>
+          <a:xfrm rot="18292889">
+            <a:off x="2299243" y="5373905"/>
+            <a:ext cx="936104" cy="369332"/>
+          </a:xfrm>
+          <a:prstGeom prst="rect">
+            <a:avLst/>
+          </a:prstGeom>
+          <a:noFill/>
+        </p:spPr>
+        <p:txBody>
+          <a:bodyPr wrap="square" rtlCol="0">
+            <a:spAutoFit/>
+          </a:bodyPr>
+          <a:lstStyle/>
+          <a:p>
+            <a:endParaRPr lang="en-IN" dirty="0"/>
+          </a:p>
+        </p:txBody>
+      </p:sp>
+      <p:sp>
+        <p:nvSpPr>
+          <p:cNvPr id="16" name="TextBox 15"/>
+          <p:cNvSpPr txBox="1"/>
+          <p:nvPr/>
+        </p:nvSpPr>
+        <p:spPr>
+          <a:xfrm rot="18292889">
+            <a:off x="773879" y="5156201"/>
+            <a:ext cx="936104" cy="646331"/>
+          </a:xfrm>
+          <a:prstGeom prst="rect">
+            <a:avLst/>
+          </a:prstGeom>
+          <a:noFill/>
+        </p:spPr>
+        <p:txBody>
+          <a:bodyPr wrap="square" rtlCol="0">
+            <a:spAutoFit/>
+          </a:bodyPr>
+          <a:lstStyle/>
+          <a:p>
+            <a:r>
+              <a:rPr lang="en-IN" dirty="0" smtClean="0">
+                <a:solidFill>
+                  <a:schemeClr val="accent5"/>
+                </a:solidFill>
+              </a:rPr>
+              <a:t>March 2016</a:t>
+            </a:r>
+            <a:endParaRPr lang="en-IN" dirty="0">
+              <a:solidFill>
+                <a:schemeClr val="accent5"/>
+              </a:solidFill>
+            </a:endParaRPr>
+          </a:p>
+        </p:txBody>
+      </p:sp>
+      <p:sp>
+        <p:nvSpPr>
+          <p:cNvPr id="17" name="TextBox 16"/>
+          <p:cNvSpPr txBox="1"/>
+          <p:nvPr/>
+        </p:nvSpPr>
+        <p:spPr>
+          <a:xfrm rot="18292889">
+            <a:off x="1880082" y="5235405"/>
+            <a:ext cx="936104" cy="646331"/>
+          </a:xfrm>
+          <a:prstGeom prst="rect">
+            <a:avLst/>
+          </a:prstGeom>
+          <a:noFill/>
+        </p:spPr>
+        <p:txBody>
+          <a:bodyPr wrap="square" rtlCol="0">
+            <a:spAutoFit/>
+          </a:bodyPr>
+          <a:lstStyle/>
+          <a:p>
+            <a:r>
+              <a:rPr lang="en-IN" dirty="0" smtClean="0">
+                <a:solidFill>
+                  <a:schemeClr val="accent2"/>
+                </a:solidFill>
+              </a:rPr>
+              <a:t>April 2016</a:t>
+            </a:r>
+            <a:endParaRPr lang="en-IN" dirty="0">
+              <a:solidFill>
+                <a:schemeClr val="accent2"/>
+              </a:solidFill>
+            </a:endParaRPr>
+          </a:p>
+        </p:txBody>
+      </p:sp>
+      <p:sp>
+        <p:nvSpPr>
+          <p:cNvPr id="18" name="TextBox 17"/>
+          <p:cNvSpPr txBox="1"/>
+          <p:nvPr/>
+        </p:nvSpPr>
+        <p:spPr>
+          <a:xfrm rot="18292889">
+            <a:off x="4216246" y="5114767"/>
+            <a:ext cx="936104" cy="646331"/>
+          </a:xfrm>
+          <a:prstGeom prst="rect">
+            <a:avLst/>
+          </a:prstGeom>
+          <a:noFill/>
+        </p:spPr>
+        <p:txBody>
+          <a:bodyPr wrap="square" rtlCol="0">
+            <a:spAutoFit/>
+          </a:bodyPr>
+          <a:lstStyle/>
+          <a:p>
+            <a:r>
+              <a:rPr lang="en-IN" dirty="0" smtClean="0">
+                <a:solidFill>
+                  <a:schemeClr val="accent3">
+                    <a:lumMod val="75000"/>
+                  </a:schemeClr>
+                </a:solidFill>
+              </a:rPr>
+              <a:t>June 2016</a:t>
+            </a:r>
+            <a:endParaRPr lang="en-IN" dirty="0">
+              <a:solidFill>
+                <a:schemeClr val="accent3">
+                  <a:lumMod val="75000"/>
+                </a:schemeClr>
+              </a:solidFill>
+            </a:endParaRPr>
+          </a:p>
+        </p:txBody>
+      </p:sp>
+      <p:sp>
+        <p:nvSpPr>
+          <p:cNvPr id="19" name="TextBox 18"/>
+          <p:cNvSpPr txBox="1"/>
+          <p:nvPr/>
+        </p:nvSpPr>
+        <p:spPr>
+          <a:xfrm rot="18292889">
+            <a:off x="3095835" y="5114768"/>
+            <a:ext cx="936104" cy="646331"/>
+          </a:xfrm>
+          <a:prstGeom prst="rect">
+            <a:avLst/>
+          </a:prstGeom>
+          <a:noFill/>
+        </p:spPr>
+        <p:txBody>
+          <a:bodyPr wrap="square" rtlCol="0">
+            <a:spAutoFit/>
+          </a:bodyPr>
+          <a:lstStyle/>
+          <a:p>
+            <a:r>
+              <a:rPr lang="en-IN" dirty="0" smtClean="0">
+                <a:solidFill>
+                  <a:schemeClr val="accent6">
+                    <a:lumMod val="75000"/>
+                  </a:schemeClr>
+                </a:solidFill>
+              </a:rPr>
+              <a:t>May 2016</a:t>
+            </a:r>
+            <a:endParaRPr lang="en-IN" dirty="0">
+              <a:solidFill>
+                <a:schemeClr val="accent6">
+                  <a:lumMod val="75000"/>
+                </a:schemeClr>
+              </a:solidFill>
+            </a:endParaRPr>
+          </a:p>
+        </p:txBody>
+      </p:sp>
+      <p:sp>
+        <p:nvSpPr>
+          <p:cNvPr id="20" name="TextBox 19"/>
+          <p:cNvSpPr txBox="1"/>
+          <p:nvPr/>
+        </p:nvSpPr>
+        <p:spPr>
+          <a:xfrm rot="18292889">
+            <a:off x="5307785" y="5235405"/>
+            <a:ext cx="936104" cy="646331"/>
+          </a:xfrm>
+          <a:prstGeom prst="rect">
+            <a:avLst/>
+          </a:prstGeom>
+          <a:noFill/>
+        </p:spPr>
+        <p:txBody>
+          <a:bodyPr wrap="square" rtlCol="0">
+            <a:spAutoFit/>
+          </a:bodyPr>
+          <a:lstStyle/>
+          <a:p>
+            <a:r>
+              <a:rPr lang="en-IN" dirty="0" smtClean="0">
+                <a:solidFill>
+                  <a:schemeClr val="bg2">
+                    <a:lumMod val="10000"/>
+                  </a:schemeClr>
+                </a:solidFill>
+              </a:rPr>
+              <a:t>July</a:t>
+            </a:r>
+          </a:p>
+          <a:p>
+            <a:r>
+              <a:rPr lang="en-IN" dirty="0" smtClean="0">
+                <a:solidFill>
+                  <a:schemeClr val="bg2">
+                    <a:lumMod val="10000"/>
+                  </a:schemeClr>
+                </a:solidFill>
+              </a:rPr>
+              <a:t>2016</a:t>
+            </a:r>
+            <a:endParaRPr lang="en-IN" dirty="0">
+              <a:solidFill>
+                <a:schemeClr val="bg2">
+                  <a:lumMod val="10000"/>
+                </a:schemeClr>
+              </a:solidFill>
+            </a:endParaRPr>
+          </a:p>
+        </p:txBody>
+      </p:sp>
+      <p:cxnSp>
+        <p:nvCxnSpPr>
+          <p:cNvPr id="21" name="Straight Connector 20"/>
+          <p:cNvCxnSpPr/>
+          <p:nvPr/>
+        </p:nvCxnSpPr>
+        <p:spPr>
+          <a:xfrm flipV="1">
+            <a:off x="6804248" y="2780928"/>
+            <a:ext cx="0" cy="1944216"/>
+          </a:xfrm>
+          <a:prstGeom prst="line">
+            <a:avLst/>
+          </a:prstGeom>
+        </p:spPr>
+        <p:style>
+          <a:lnRef idx="1">
+            <a:schemeClr val="accent1"/>
+          </a:lnRef>
+          <a:fillRef idx="0">
+            <a:schemeClr val="accent1"/>
+          </a:fillRef>
+          <a:effectRef idx="0">
+            <a:schemeClr val="accent1"/>
+          </a:effectRef>
+          <a:fontRef idx="minor">
+            <a:schemeClr val="tx1"/>
+          </a:fontRef>
+        </p:style>
+      </p:cxnSp>
+      <p:cxnSp>
+        <p:nvCxnSpPr>
+          <p:cNvPr id="22" name="Straight Connector 21"/>
+          <p:cNvCxnSpPr/>
+          <p:nvPr/>
+        </p:nvCxnSpPr>
+        <p:spPr>
+          <a:xfrm flipV="1">
+            <a:off x="7843243" y="2713937"/>
+            <a:ext cx="0" cy="1944216"/>
+          </a:xfrm>
+          <a:prstGeom prst="line">
+            <a:avLst/>
+          </a:prstGeom>
+        </p:spPr>
+        <p:style>
+          <a:lnRef idx="1">
+            <a:schemeClr val="accent1"/>
+          </a:lnRef>
+          <a:fillRef idx="0">
+            <a:schemeClr val="accent1"/>
+          </a:fillRef>
+          <a:effectRef idx="0">
+            <a:schemeClr val="accent1"/>
+          </a:effectRef>
+          <a:fontRef idx="minor">
+            <a:schemeClr val="tx1"/>
+          </a:fontRef>
+        </p:style>
+      </p:cxnSp>
+      <p:sp>
+        <p:nvSpPr>
+          <p:cNvPr id="24" name="TextBox 23"/>
+          <p:cNvSpPr txBox="1"/>
+          <p:nvPr/>
+        </p:nvSpPr>
+        <p:spPr>
+          <a:xfrm rot="18292889">
+            <a:off x="6389816" y="5235404"/>
+            <a:ext cx="936104" cy="646331"/>
+          </a:xfrm>
+          <a:prstGeom prst="rect">
+            <a:avLst/>
+          </a:prstGeom>
+          <a:noFill/>
+        </p:spPr>
+        <p:txBody>
+          <a:bodyPr wrap="square" rtlCol="0">
+            <a:spAutoFit/>
+          </a:bodyPr>
+          <a:lstStyle/>
+          <a:p>
+            <a:r>
+              <a:rPr lang="en-IN" dirty="0" smtClean="0">
+                <a:solidFill>
+                  <a:srgbClr val="FFC000"/>
+                </a:solidFill>
+              </a:rPr>
+              <a:t>August2016</a:t>
+            </a:r>
+            <a:endParaRPr lang="en-IN" dirty="0">
+              <a:solidFill>
+                <a:srgbClr val="FFC000"/>
+              </a:solidFill>
+            </a:endParaRPr>
+          </a:p>
+        </p:txBody>
+      </p:sp>
+      <p:sp>
+        <p:nvSpPr>
+          <p:cNvPr id="25" name="TextBox 24"/>
+          <p:cNvSpPr txBox="1"/>
+          <p:nvPr/>
+        </p:nvSpPr>
+        <p:spPr>
+          <a:xfrm rot="18292889">
+            <a:off x="7344307" y="5235405"/>
+            <a:ext cx="936104" cy="646331"/>
+          </a:xfrm>
+          <a:prstGeom prst="rect">
+            <a:avLst/>
+          </a:prstGeom>
+          <a:noFill/>
+        </p:spPr>
+        <p:txBody>
+          <a:bodyPr wrap="square" rtlCol="0">
+            <a:spAutoFit/>
+          </a:bodyPr>
+          <a:lstStyle/>
+          <a:p>
+            <a:r>
+              <a:rPr lang="en-IN" dirty="0" smtClean="0">
+                <a:solidFill>
+                  <a:schemeClr val="accent5">
+                    <a:lumMod val="50000"/>
+                  </a:schemeClr>
+                </a:solidFill>
+              </a:rPr>
+              <a:t>Sept</a:t>
+            </a:r>
+          </a:p>
+          <a:p>
+            <a:r>
+              <a:rPr lang="en-IN" dirty="0" smtClean="0">
+                <a:solidFill>
+                  <a:schemeClr val="accent5">
+                    <a:lumMod val="50000"/>
+                  </a:schemeClr>
+                </a:solidFill>
+              </a:rPr>
+              <a:t>2016</a:t>
+            </a:r>
+            <a:endParaRPr lang="en-IN" dirty="0">
+              <a:solidFill>
+                <a:schemeClr val="accent5">
+                  <a:lumMod val="50000"/>
+                </a:schemeClr>
+              </a:solidFill>
+            </a:endParaRPr>
+          </a:p>
+        </p:txBody>
+      </p:sp>
+      <p:sp>
+        <p:nvSpPr>
+          <p:cNvPr id="26" name="TextBox 25"/>
+          <p:cNvSpPr txBox="1"/>
+          <p:nvPr/>
+        </p:nvSpPr>
+        <p:spPr>
+          <a:xfrm rot="19564532">
+            <a:off x="534254" y="1721787"/>
+            <a:ext cx="3306125" cy="338554"/>
+          </a:xfrm>
+          <a:prstGeom prst="rect">
+            <a:avLst/>
+          </a:prstGeom>
+          <a:noFill/>
+        </p:spPr>
+        <p:txBody>
+          <a:bodyPr wrap="square" rtlCol="0">
+            <a:spAutoFit/>
+          </a:bodyPr>
+          <a:lstStyle/>
+          <a:p>
+            <a:r>
+              <a:rPr lang="en-IN" sz="1600" dirty="0" smtClean="0"/>
+              <a:t>Checking different approach</a:t>
+            </a:r>
+            <a:endParaRPr lang="en-IN" sz="1600" dirty="0"/>
+          </a:p>
+        </p:txBody>
+      </p:sp>
+      <p:sp>
+        <p:nvSpPr>
+          <p:cNvPr id="27" name="TextBox 26"/>
+          <p:cNvSpPr txBox="1"/>
+          <p:nvPr/>
+        </p:nvSpPr>
+        <p:spPr>
+          <a:xfrm rot="19564532">
+            <a:off x="1849209" y="1523536"/>
+            <a:ext cx="3155930" cy="338554"/>
+          </a:xfrm>
+          <a:prstGeom prst="rect">
+            <a:avLst/>
+          </a:prstGeom>
+          <a:noFill/>
+        </p:spPr>
+        <p:txBody>
+          <a:bodyPr wrap="square" rtlCol="0">
+            <a:spAutoFit/>
+          </a:bodyPr>
+          <a:lstStyle/>
+          <a:p>
+            <a:r>
+              <a:rPr lang="en-IN" sz="1600" dirty="0" smtClean="0"/>
+              <a:t>Evaluation of the approaches </a:t>
+            </a:r>
+            <a:endParaRPr lang="en-IN" sz="1600" dirty="0"/>
+          </a:p>
+        </p:txBody>
+      </p:sp>
+      <p:sp>
+        <p:nvSpPr>
+          <p:cNvPr id="28" name="TextBox 27"/>
+          <p:cNvSpPr txBox="1"/>
+          <p:nvPr/>
+        </p:nvSpPr>
+        <p:spPr>
+          <a:xfrm rot="19564532">
+            <a:off x="3088335" y="1413280"/>
+            <a:ext cx="2892335" cy="584775"/>
+          </a:xfrm>
+          <a:prstGeom prst="rect">
+            <a:avLst/>
+          </a:prstGeom>
+          <a:noFill/>
+        </p:spPr>
+        <p:txBody>
+          <a:bodyPr wrap="square" rtlCol="0">
+            <a:spAutoFit/>
+          </a:bodyPr>
+          <a:lstStyle/>
+          <a:p>
+            <a:r>
+              <a:rPr lang="en-IN" sz="1600" dirty="0" smtClean="0"/>
+              <a:t>Checking the viable solution for the challenges</a:t>
+            </a:r>
+            <a:endParaRPr lang="en-IN" sz="1600" dirty="0"/>
+          </a:p>
+        </p:txBody>
+      </p:sp>
+      <p:sp>
+        <p:nvSpPr>
+          <p:cNvPr id="29" name="TextBox 28"/>
+          <p:cNvSpPr txBox="1"/>
+          <p:nvPr/>
+        </p:nvSpPr>
+        <p:spPr>
+          <a:xfrm rot="19564532">
+            <a:off x="4227121" y="1565796"/>
+            <a:ext cx="2786959" cy="338554"/>
+          </a:xfrm>
+          <a:prstGeom prst="rect">
+            <a:avLst/>
+          </a:prstGeom>
+          <a:noFill/>
+        </p:spPr>
+        <p:txBody>
+          <a:bodyPr wrap="square" rtlCol="0">
+            <a:spAutoFit/>
+          </a:bodyPr>
+          <a:lstStyle/>
+          <a:p>
+            <a:r>
+              <a:rPr lang="en-IN" sz="1600" dirty="0" smtClean="0"/>
+              <a:t>Studying journals and books</a:t>
+            </a:r>
+            <a:endParaRPr lang="en-IN" sz="1600" dirty="0"/>
+          </a:p>
+        </p:txBody>
+      </p:sp>
+      <p:sp>
+        <p:nvSpPr>
+          <p:cNvPr id="30" name="TextBox 29"/>
+          <p:cNvSpPr txBox="1"/>
+          <p:nvPr/>
+        </p:nvSpPr>
+        <p:spPr>
+          <a:xfrm rot="19564532">
+            <a:off x="5356698" y="1524013"/>
+            <a:ext cx="2888860" cy="584775"/>
+          </a:xfrm>
+          <a:prstGeom prst="rect">
+            <a:avLst/>
+          </a:prstGeom>
+          <a:noFill/>
+        </p:spPr>
+        <p:txBody>
+          <a:bodyPr wrap="square" rtlCol="0">
+            <a:spAutoFit/>
+          </a:bodyPr>
+          <a:lstStyle/>
+          <a:p>
+            <a:r>
+              <a:rPr lang="en-IN" sz="1600" dirty="0" smtClean="0"/>
+              <a:t>Coding of the </a:t>
+            </a:r>
+            <a:r>
+              <a:rPr lang="en-IN" sz="1600" dirty="0" err="1" smtClean="0"/>
+              <a:t>transpiler</a:t>
+            </a:r>
+            <a:r>
+              <a:rPr lang="en-IN" sz="1600" dirty="0" smtClean="0"/>
+              <a:t> and docs preparation</a:t>
+            </a:r>
+            <a:endParaRPr lang="en-IN" sz="1600" dirty="0"/>
+          </a:p>
+        </p:txBody>
+      </p:sp>
+      <p:sp>
+        <p:nvSpPr>
+          <p:cNvPr id="31" name="TextBox 30"/>
+          <p:cNvSpPr txBox="1"/>
+          <p:nvPr/>
+        </p:nvSpPr>
+        <p:spPr>
+          <a:xfrm rot="19564532">
+            <a:off x="6439095" y="1416655"/>
+            <a:ext cx="3151459" cy="584775"/>
+          </a:xfrm>
+          <a:prstGeom prst="rect">
+            <a:avLst/>
+          </a:prstGeom>
+          <a:noFill/>
+        </p:spPr>
+        <p:txBody>
+          <a:bodyPr wrap="square" rtlCol="0">
+            <a:spAutoFit/>
+          </a:bodyPr>
+          <a:lstStyle/>
+          <a:p>
+            <a:r>
+              <a:rPr lang="en-IN" sz="1600" dirty="0" smtClean="0"/>
+              <a:t>Increasing the accuracy of the trans compiling</a:t>
+            </a:r>
+            <a:endParaRPr lang="en-IN" sz="1600" dirty="0"/>
+          </a:p>
+        </p:txBody>
+      </p:sp>
+      <p:sp>
+        <p:nvSpPr>
+          <p:cNvPr id="32" name="TextBox 31"/>
+          <p:cNvSpPr txBox="1"/>
+          <p:nvPr/>
+        </p:nvSpPr>
+        <p:spPr>
+          <a:xfrm rot="19564532">
+            <a:off x="7419278" y="1416655"/>
+            <a:ext cx="3151459" cy="584775"/>
+          </a:xfrm>
+          <a:prstGeom prst="rect">
+            <a:avLst/>
+          </a:prstGeom>
+          <a:noFill/>
+        </p:spPr>
+        <p:txBody>
+          <a:bodyPr wrap="square" rtlCol="0">
+            <a:spAutoFit/>
+          </a:bodyPr>
+          <a:lstStyle/>
+          <a:p>
+            <a:r>
+              <a:rPr lang="en-IN" sz="1600" dirty="0" smtClean="0"/>
+              <a:t>Checking against </a:t>
+            </a:r>
+          </a:p>
+          <a:p>
+            <a:r>
+              <a:rPr lang="en-IN" sz="1600" dirty="0" err="1" smtClean="0"/>
+              <a:t>TrunAPP</a:t>
+            </a:r>
+            <a:r>
+              <a:rPr lang="en-IN" sz="1600" dirty="0" smtClean="0"/>
+              <a:t> code</a:t>
+            </a:r>
+            <a:endParaRPr lang="en-IN" sz="1600" dirty="0"/>
+          </a:p>
+        </p:txBody>
+      </p:sp>
     </p:spTree>
     <p:extLst>
       <p:ext uri="{BB962C8B-B14F-4D97-AF65-F5344CB8AC3E}">
@@ -11561,7 +12208,7 @@
         </p:nvSpPr>
         <p:spPr>
           <a:xfrm>
-            <a:off x="611560" y="548680"/>
+            <a:off x="539552" y="11219"/>
             <a:ext cx="7859216" cy="908720"/>
           </a:xfrm>
         </p:spPr>
@@ -11570,10 +12217,10 @@
           <a:lstStyle/>
           <a:p>
             <a:r>
-              <a:rPr lang="en-IN" sz="4800" dirty="0" smtClean="0"/>
+              <a:rPr lang="en-IN" sz="4400" dirty="0" smtClean="0"/>
               <a:t>Thesis Overview continued…</a:t>
             </a:r>
-            <a:endParaRPr lang="en-IN" sz="4800" dirty="0"/>
+            <a:endParaRPr lang="en-IN" sz="4400" dirty="0"/>
           </a:p>
         </p:txBody>
       </p:sp>
@@ -11587,9 +12234,16 @@
             <p:ph idx="1"/>
           </p:nvPr>
         </p:nvSpPr>
-        <p:spPr/>
-        <p:txBody>
-          <a:bodyPr/>
+        <p:spPr>
+          <a:xfrm>
+            <a:off x="323528" y="908720"/>
+            <a:ext cx="8496944" cy="5400600"/>
+          </a:xfrm>
+        </p:spPr>
+        <p:txBody>
+          <a:bodyPr>
+            <a:normAutofit fontScale="92500" lnSpcReduction="10000"/>
+          </a:bodyPr>
           <a:lstStyle/>
           <a:p>
             <a:pPr marL="0" indent="0">
@@ -11640,7 +12294,7 @@
             </a:r>
             <a:r>
               <a:rPr lang="en-IN" dirty="0" smtClean="0"/>
-              <a:t>People involved</a:t>
+              <a:t>Company</a:t>
             </a:r>
           </a:p>
           <a:p>
@@ -11653,7 +12307,24 @@
             </a:r>
             <a:r>
               <a:rPr lang="en-IN" dirty="0" smtClean="0"/>
-              <a:t>  - Amit Bose (Me)</a:t>
+              <a:t>  - </a:t>
+            </a:r>
+            <a:r>
+              <a:rPr lang="en-IN" dirty="0" err="1" smtClean="0"/>
+              <a:t>TrunCAD</a:t>
+            </a:r>
+            <a:r>
+              <a:rPr lang="en-IN" dirty="0" smtClean="0"/>
+              <a:t> GmbH </a:t>
+            </a:r>
+          </a:p>
+          <a:p>
+            <a:pPr marL="0" indent="0">
+              <a:buNone/>
+            </a:pPr>
+            <a:r>
+              <a:rPr lang="en-IN" dirty="0" smtClean="0"/>
+              <a:t>+ Application</a:t>
             </a:r>
           </a:p>
           <a:p>
@@ -11666,6 +12337,62 @@
             </a:r>
             <a:r>
               <a:rPr lang="en-IN" dirty="0" smtClean="0"/>
+              <a:t>  - </a:t>
+            </a:r>
+            <a:r>
+              <a:rPr lang="en-IN" dirty="0" err="1" smtClean="0"/>
+              <a:t>Transpiler</a:t>
+            </a:r>
+            <a:r>
+              <a:rPr lang="en-IN" dirty="0" smtClean="0"/>
+              <a:t> for conversion of Cocos2d C++ to Cocos2d JS</a:t>
+            </a:r>
+          </a:p>
+          <a:p>
+            <a:pPr marL="0" indent="0">
+              <a:buNone/>
+            </a:pPr>
+            <a:r>
+              <a:rPr lang="en-IN" dirty="0"/>
+              <a:t>+</a:t>
+            </a:r>
+            <a:r>
+              <a:rPr lang="en-IN" dirty="0" smtClean="0"/>
+              <a:t> </a:t>
+            </a:r>
+            <a:r>
+              <a:rPr lang="en-IN" dirty="0"/>
+              <a:t>people </a:t>
+            </a:r>
+            <a:r>
+              <a:rPr lang="en-IN" dirty="0" smtClean="0"/>
+              <a:t>involved</a:t>
+            </a:r>
+            <a:endParaRPr lang="en-IN" dirty="0"/>
+          </a:p>
+          <a:p>
+            <a:pPr marL="0" indent="0">
+              <a:buNone/>
+            </a:pPr>
+            <a:r>
+              <a:rPr lang="en-IN" dirty="0" smtClean="0"/>
+              <a:t>   </a:t>
+            </a:r>
+            <a:r>
+              <a:rPr lang="en-IN" dirty="0" smtClean="0"/>
+              <a:t>- Amit Bose (Me)</a:t>
+            </a:r>
+          </a:p>
+          <a:p>
+            <a:pPr marL="0" indent="0">
+              <a:buNone/>
+            </a:pPr>
+            <a:r>
+              <a:rPr lang="en-IN" dirty="0"/>
+              <a:t> </a:t>
+            </a:r>
+            <a:r>
+              <a:rPr lang="en-IN" dirty="0" smtClean="0"/>
               <a:t>  - Mario </a:t>
             </a:r>
             <a:r>
@@ -11674,8 +12401,13 @@
             </a:r>
             <a:r>
               <a:rPr lang="en-IN" dirty="0" smtClean="0"/>
-              <a:t> (Advisor)</a:t>
-            </a:r>
+              <a:t> (</a:t>
+            </a:r>
+            <a:r>
+              <a:rPr lang="en-IN" dirty="0" smtClean="0"/>
+              <a:t>Advisor)</a:t>
+            </a:r>
+            <a:endParaRPr lang="en-IN" dirty="0" smtClean="0"/>
           </a:p>
           <a:p>
             <a:pPr marL="0" indent="0">
@@ -11687,17 +12419,8 @@
             </a:r>
             <a:r>
               <a:rPr lang="en-IN" dirty="0" smtClean="0"/>
-              <a:t> </a:t>
-            </a:r>
-            <a:r>
-              <a:rPr lang="en-IN" dirty="0" smtClean="0"/>
-              <a:t>D</a:t>
-            </a:r>
-            <a:r>
-              <a:rPr lang="en-IN" dirty="0" smtClean="0"/>
-              <a:t>issertation coordinator</a:t>
-            </a:r>
-            <a:endParaRPr lang="en-IN" dirty="0" smtClean="0"/>
+              <a:t> Dissertation coordinator</a:t>
+            </a:r>
           </a:p>
           <a:p>
             <a:pPr marL="0" indent="0">
@@ -11770,11 +12493,7 @@
             </a:r>
             <a:r>
               <a:rPr lang="en-IN" dirty="0" smtClean="0"/>
-              <a:t>  </a:t>
-            </a:r>
-            <a:r>
-              <a:rPr lang="en-IN" dirty="0" smtClean="0"/>
-              <a:t>(2</a:t>
+              <a:t>  (2</a:t>
             </a:r>
             <a:r>
               <a:rPr lang="en-IN" baseline="30000" dirty="0" smtClean="0"/>
